--- a/seminarios/ciclo 2/TP558_LoRA.pptx
+++ b/seminarios/ciclo 2/TP558_LoRA.pptx
@@ -5,10 +5,10 @@
     <p:sldMasterId id="2147483648" r:id="rId1"/>
   </p:sldMasterIdLst>
   <p:notesMasterIdLst>
-    <p:notesMasterId r:id="rId24"/>
+    <p:notesMasterId r:id="rId32"/>
   </p:notesMasterIdLst>
   <p:handoutMasterIdLst>
-    <p:handoutMasterId r:id="rId25"/>
+    <p:handoutMasterId r:id="rId33"/>
   </p:handoutMasterIdLst>
   <p:sldIdLst>
     <p:sldId id="256" r:id="rId2"/>
@@ -24,15 +24,23 @@
     <p:sldId id="324" r:id="rId12"/>
     <p:sldId id="325" r:id="rId13"/>
     <p:sldId id="326" r:id="rId14"/>
-    <p:sldId id="308" r:id="rId15"/>
-    <p:sldId id="309" r:id="rId16"/>
-    <p:sldId id="310" r:id="rId17"/>
-    <p:sldId id="311" r:id="rId18"/>
-    <p:sldId id="312" r:id="rId19"/>
-    <p:sldId id="313" r:id="rId20"/>
-    <p:sldId id="293" r:id="rId21"/>
-    <p:sldId id="314" r:id="rId22"/>
-    <p:sldId id="306" r:id="rId23"/>
+    <p:sldId id="327" r:id="rId15"/>
+    <p:sldId id="328" r:id="rId16"/>
+    <p:sldId id="331" r:id="rId17"/>
+    <p:sldId id="332" r:id="rId18"/>
+    <p:sldId id="333" r:id="rId19"/>
+    <p:sldId id="334" r:id="rId20"/>
+    <p:sldId id="335" r:id="rId21"/>
+    <p:sldId id="336" r:id="rId22"/>
+    <p:sldId id="308" r:id="rId23"/>
+    <p:sldId id="309" r:id="rId24"/>
+    <p:sldId id="310" r:id="rId25"/>
+    <p:sldId id="311" r:id="rId26"/>
+    <p:sldId id="312" r:id="rId27"/>
+    <p:sldId id="313" r:id="rId28"/>
+    <p:sldId id="293" r:id="rId29"/>
+    <p:sldId id="314" r:id="rId30"/>
+    <p:sldId id="306" r:id="rId31"/>
   </p:sldIdLst>
   <p:sldSz cx="12192000" cy="6858000"/>
   <p:notesSz cx="7315200" cy="9601200"/>
@@ -803,6 +811,306 @@
     <p:extLst>
       <p:ext uri="{BB962C8B-B14F-4D97-AF65-F5344CB8AC3E}">
         <p14:creationId xmlns:p14="http://schemas.microsoft.com/office/powerpoint/2010/main" val="1660747467"/>
+      </p:ext>
+    </p:extLst>
+  </p:cSld>
+  <p:clrMapOvr>
+    <a:masterClrMapping/>
+  </p:clrMapOvr>
+</p:notes>
+</file>
+
+<file path=ppt/notesSlides/notesSlide2.xml><?xml version="1.0" encoding="utf-8"?>
+<p:notes xmlns:a="http://schemas.openxmlformats.org/drawingml/2006/main" xmlns:r="http://schemas.openxmlformats.org/officeDocument/2006/relationships" xmlns:p="http://schemas.openxmlformats.org/presentationml/2006/main">
+  <p:cSld>
+    <p:spTree>
+      <p:nvGrpSpPr>
+        <p:cNvPr id="1" name=""/>
+        <p:cNvGrpSpPr/>
+        <p:nvPr/>
+      </p:nvGrpSpPr>
+      <p:grpSpPr>
+        <a:xfrm>
+          <a:off x="0" y="0"/>
+          <a:ext cx="0" cy="0"/>
+          <a:chOff x="0" y="0"/>
+          <a:chExt cx="0" cy="0"/>
+        </a:xfrm>
+      </p:grpSpPr>
+      <p:sp>
+        <p:nvSpPr>
+          <p:cNvPr id="2" name="Slide Image Placeholder 1"/>
+          <p:cNvSpPr>
+            <a:spLocks noGrp="1" noRot="1" noChangeAspect="1"/>
+          </p:cNvSpPr>
+          <p:nvPr>
+            <p:ph type="sldImg"/>
+          </p:nvPr>
+        </p:nvSpPr>
+        <p:spPr/>
+      </p:sp>
+      <p:sp>
+        <p:nvSpPr>
+          <p:cNvPr id="3" name="Notes Placeholder 2"/>
+          <p:cNvSpPr>
+            <a:spLocks noGrp="1"/>
+          </p:cNvSpPr>
+          <p:nvPr>
+            <p:ph type="body" idx="1"/>
+          </p:nvPr>
+        </p:nvSpPr>
+        <p:spPr/>
+        <p:txBody>
+          <a:bodyPr/>
+          <a:lstStyle/>
+          <a:p>
+            <a:endParaRPr lang="pt-BR" dirty="0"/>
+          </a:p>
+        </p:txBody>
+      </p:sp>
+      <p:sp>
+        <p:nvSpPr>
+          <p:cNvPr id="4" name="Slide Number Placeholder 3"/>
+          <p:cNvSpPr>
+            <a:spLocks noGrp="1"/>
+          </p:cNvSpPr>
+          <p:nvPr>
+            <p:ph type="sldNum" sz="quarter" idx="5"/>
+          </p:nvPr>
+        </p:nvSpPr>
+        <p:spPr/>
+        <p:txBody>
+          <a:bodyPr/>
+          <a:lstStyle/>
+          <a:p>
+            <a:fld id="{6FC8D850-966F-45A6-8DE7-15B891E7D40D}" type="slidenum">
+              <a:rPr lang="pt-BR" smtClean="0"/>
+              <a:t>14</a:t>
+            </a:fld>
+            <a:endParaRPr lang="pt-BR"/>
+          </a:p>
+        </p:txBody>
+      </p:sp>
+    </p:spTree>
+    <p:extLst>
+      <p:ext uri="{BB962C8B-B14F-4D97-AF65-F5344CB8AC3E}">
+        <p14:creationId xmlns:p14="http://schemas.microsoft.com/office/powerpoint/2010/main" val="3179647957"/>
+      </p:ext>
+    </p:extLst>
+  </p:cSld>
+  <p:clrMapOvr>
+    <a:masterClrMapping/>
+  </p:clrMapOvr>
+</p:notes>
+</file>
+
+<file path=ppt/notesSlides/notesSlide3.xml><?xml version="1.0" encoding="utf-8"?>
+<p:notes xmlns:a="http://schemas.openxmlformats.org/drawingml/2006/main" xmlns:r="http://schemas.openxmlformats.org/officeDocument/2006/relationships" xmlns:p="http://schemas.openxmlformats.org/presentationml/2006/main">
+  <p:cSld>
+    <p:spTree>
+      <p:nvGrpSpPr>
+        <p:cNvPr id="1" name="">
+          <a:extLst>
+            <a:ext uri="{FF2B5EF4-FFF2-40B4-BE49-F238E27FC236}">
+              <a16:creationId xmlns:a16="http://schemas.microsoft.com/office/drawing/2014/main" id="{ECC7700F-D4C0-7AF7-CBD7-0EB90477C80F}"/>
+            </a:ext>
+          </a:extLst>
+        </p:cNvPr>
+        <p:cNvGrpSpPr/>
+        <p:nvPr/>
+      </p:nvGrpSpPr>
+      <p:grpSpPr>
+        <a:xfrm>
+          <a:off x="0" y="0"/>
+          <a:ext cx="0" cy="0"/>
+          <a:chOff x="0" y="0"/>
+          <a:chExt cx="0" cy="0"/>
+        </a:xfrm>
+      </p:grpSpPr>
+      <p:sp>
+        <p:nvSpPr>
+          <p:cNvPr id="2" name="Slide Image Placeholder 1">
+            <a:extLst>
+              <a:ext uri="{FF2B5EF4-FFF2-40B4-BE49-F238E27FC236}">
+                <a16:creationId xmlns:a16="http://schemas.microsoft.com/office/drawing/2014/main" id="{DA1A1D94-891D-6392-391C-CB9B89D1B2AD}"/>
+              </a:ext>
+            </a:extLst>
+          </p:cNvPr>
+          <p:cNvSpPr>
+            <a:spLocks noGrp="1" noRot="1" noChangeAspect="1"/>
+          </p:cNvSpPr>
+          <p:nvPr>
+            <p:ph type="sldImg"/>
+          </p:nvPr>
+        </p:nvSpPr>
+        <p:spPr/>
+      </p:sp>
+      <p:sp>
+        <p:nvSpPr>
+          <p:cNvPr id="3" name="Notes Placeholder 2">
+            <a:extLst>
+              <a:ext uri="{FF2B5EF4-FFF2-40B4-BE49-F238E27FC236}">
+                <a16:creationId xmlns:a16="http://schemas.microsoft.com/office/drawing/2014/main" id="{FB1AD79A-0C79-471A-C50E-C3E8F65D5871}"/>
+              </a:ext>
+            </a:extLst>
+          </p:cNvPr>
+          <p:cNvSpPr>
+            <a:spLocks noGrp="1"/>
+          </p:cNvSpPr>
+          <p:nvPr>
+            <p:ph type="body" idx="1"/>
+          </p:nvPr>
+        </p:nvSpPr>
+        <p:spPr/>
+        <p:txBody>
+          <a:bodyPr/>
+          <a:lstStyle/>
+          <a:p>
+            <a:endParaRPr lang="pt-BR" dirty="0"/>
+          </a:p>
+        </p:txBody>
+      </p:sp>
+      <p:sp>
+        <p:nvSpPr>
+          <p:cNvPr id="4" name="Slide Number Placeholder 3">
+            <a:extLst>
+              <a:ext uri="{FF2B5EF4-FFF2-40B4-BE49-F238E27FC236}">
+                <a16:creationId xmlns:a16="http://schemas.microsoft.com/office/drawing/2014/main" id="{55895AD0-609B-3E40-749A-B6BACCDDBB2E}"/>
+              </a:ext>
+            </a:extLst>
+          </p:cNvPr>
+          <p:cNvSpPr>
+            <a:spLocks noGrp="1"/>
+          </p:cNvSpPr>
+          <p:nvPr>
+            <p:ph type="sldNum" sz="quarter" idx="5"/>
+          </p:nvPr>
+        </p:nvSpPr>
+        <p:spPr/>
+        <p:txBody>
+          <a:bodyPr/>
+          <a:lstStyle/>
+          <a:p>
+            <a:fld id="{6FC8D850-966F-45A6-8DE7-15B891E7D40D}" type="slidenum">
+              <a:rPr lang="pt-BR" smtClean="0"/>
+              <a:t>17</a:t>
+            </a:fld>
+            <a:endParaRPr lang="pt-BR"/>
+          </a:p>
+        </p:txBody>
+      </p:sp>
+    </p:spTree>
+    <p:extLst>
+      <p:ext uri="{BB962C8B-B14F-4D97-AF65-F5344CB8AC3E}">
+        <p14:creationId xmlns:p14="http://schemas.microsoft.com/office/powerpoint/2010/main" val="218964592"/>
+      </p:ext>
+    </p:extLst>
+  </p:cSld>
+  <p:clrMapOvr>
+    <a:masterClrMapping/>
+  </p:clrMapOvr>
+</p:notes>
+</file>
+
+<file path=ppt/notesSlides/notesSlide4.xml><?xml version="1.0" encoding="utf-8"?>
+<p:notes xmlns:a="http://schemas.openxmlformats.org/drawingml/2006/main" xmlns:r="http://schemas.openxmlformats.org/officeDocument/2006/relationships" xmlns:p="http://schemas.openxmlformats.org/presentationml/2006/main">
+  <p:cSld>
+    <p:spTree>
+      <p:nvGrpSpPr>
+        <p:cNvPr id="1" name="">
+          <a:extLst>
+            <a:ext uri="{FF2B5EF4-FFF2-40B4-BE49-F238E27FC236}">
+              <a16:creationId xmlns:a16="http://schemas.microsoft.com/office/drawing/2014/main" id="{4188696F-D546-E9DD-175A-104BB63F7C70}"/>
+            </a:ext>
+          </a:extLst>
+        </p:cNvPr>
+        <p:cNvGrpSpPr/>
+        <p:nvPr/>
+      </p:nvGrpSpPr>
+      <p:grpSpPr>
+        <a:xfrm>
+          <a:off x="0" y="0"/>
+          <a:ext cx="0" cy="0"/>
+          <a:chOff x="0" y="0"/>
+          <a:chExt cx="0" cy="0"/>
+        </a:xfrm>
+      </p:grpSpPr>
+      <p:sp>
+        <p:nvSpPr>
+          <p:cNvPr id="2" name="Slide Image Placeholder 1">
+            <a:extLst>
+              <a:ext uri="{FF2B5EF4-FFF2-40B4-BE49-F238E27FC236}">
+                <a16:creationId xmlns:a16="http://schemas.microsoft.com/office/drawing/2014/main" id="{C0C0A2A6-C55C-41FB-7F6E-D8757252EC77}"/>
+              </a:ext>
+            </a:extLst>
+          </p:cNvPr>
+          <p:cNvSpPr>
+            <a:spLocks noGrp="1" noRot="1" noChangeAspect="1"/>
+          </p:cNvSpPr>
+          <p:nvPr>
+            <p:ph type="sldImg"/>
+          </p:nvPr>
+        </p:nvSpPr>
+        <p:spPr/>
+      </p:sp>
+      <p:sp>
+        <p:nvSpPr>
+          <p:cNvPr id="3" name="Notes Placeholder 2">
+            <a:extLst>
+              <a:ext uri="{FF2B5EF4-FFF2-40B4-BE49-F238E27FC236}">
+                <a16:creationId xmlns:a16="http://schemas.microsoft.com/office/drawing/2014/main" id="{4D91984C-31DD-46C6-C9C8-944237A71D77}"/>
+              </a:ext>
+            </a:extLst>
+          </p:cNvPr>
+          <p:cNvSpPr>
+            <a:spLocks noGrp="1"/>
+          </p:cNvSpPr>
+          <p:nvPr>
+            <p:ph type="body" idx="1"/>
+          </p:nvPr>
+        </p:nvSpPr>
+        <p:spPr/>
+        <p:txBody>
+          <a:bodyPr/>
+          <a:lstStyle/>
+          <a:p>
+            <a:endParaRPr lang="pt-BR" dirty="0"/>
+          </a:p>
+        </p:txBody>
+      </p:sp>
+      <p:sp>
+        <p:nvSpPr>
+          <p:cNvPr id="4" name="Slide Number Placeholder 3">
+            <a:extLst>
+              <a:ext uri="{FF2B5EF4-FFF2-40B4-BE49-F238E27FC236}">
+                <a16:creationId xmlns:a16="http://schemas.microsoft.com/office/drawing/2014/main" id="{28459440-5EA8-5A4A-BF54-1A920FA6A012}"/>
+              </a:ext>
+            </a:extLst>
+          </p:cNvPr>
+          <p:cNvSpPr>
+            <a:spLocks noGrp="1"/>
+          </p:cNvSpPr>
+          <p:nvPr>
+            <p:ph type="sldNum" sz="quarter" idx="5"/>
+          </p:nvPr>
+        </p:nvSpPr>
+        <p:spPr/>
+        <p:txBody>
+          <a:bodyPr/>
+          <a:lstStyle/>
+          <a:p>
+            <a:fld id="{6FC8D850-966F-45A6-8DE7-15B891E7D40D}" type="slidenum">
+              <a:rPr lang="pt-BR" smtClean="0"/>
+              <a:t>20</a:t>
+            </a:fld>
+            <a:endParaRPr lang="pt-BR"/>
+          </a:p>
+        </p:txBody>
+      </p:sp>
+    </p:spTree>
+    <p:extLst>
+      <p:ext uri="{BB962C8B-B14F-4D97-AF65-F5344CB8AC3E}">
+        <p14:creationId xmlns:p14="http://schemas.microsoft.com/office/powerpoint/2010/main" val="439082056"/>
       </p:ext>
     </p:extLst>
   </p:cSld>
@@ -4441,22 +4749,6 @@
                 </a:rPr>
                 <a:t>2013</a:t>
               </a:r>
-              <a:r>
-                <a:rPr lang="pt-BR" sz="2400" b="1" noProof="0" dirty="0">
-                  <a:solidFill>
-                    <a:schemeClr val="tx1"/>
-                  </a:solidFill>
-                </a:rPr>
-                <a:t>’</a:t>
-              </a:r>
-              <a:r>
-                <a:rPr lang="pt-BR" sz="2400" b="1" noProof="0" dirty="0" err="1">
-                  <a:solidFill>
-                    <a:schemeClr val="tx1"/>
-                  </a:solidFill>
-                </a:rPr>
-                <a:t>s</a:t>
-              </a:r>
               <a:endParaRPr lang="pt-BR" sz="1600" b="1" noProof="0" dirty="0">
                 <a:solidFill>
                   <a:schemeClr val="tx1"/>
@@ -4570,7 +4862,7 @@
             </a:pPr>
             <a:r>
               <a:rPr lang="pt-BR" b="1" i="1" noProof="0" dirty="0"/>
-              <a:t>Neural NLP</a:t>
+              <a:t>Neural</a:t>
             </a:r>
             <a:endParaRPr lang="pt-BR" noProof="0" dirty="0"/>
           </a:p>
@@ -4786,195 +5078,6 @@
           <a:chExt cx="0" cy="0"/>
         </a:xfrm>
       </p:grpSpPr>
-      <p:sp>
-        <p:nvSpPr>
-          <p:cNvPr id="2" name="Título 1">
-            <a:extLst>
-              <a:ext uri="{FF2B5EF4-FFF2-40B4-BE49-F238E27FC236}">
-                <a16:creationId xmlns:a16="http://schemas.microsoft.com/office/drawing/2014/main" id="{C74EB7C1-8A56-5763-4378-AB9621792B9F}"/>
-              </a:ext>
-            </a:extLst>
-          </p:cNvPr>
-          <p:cNvSpPr>
-            <a:spLocks noGrp="1"/>
-          </p:cNvSpPr>
-          <p:nvPr>
-            <p:ph type="title"/>
-          </p:nvPr>
-        </p:nvSpPr>
-        <p:spPr/>
-        <p:txBody>
-          <a:bodyPr/>
-          <a:lstStyle/>
-          <a:p>
-            <a:r>
-              <a:rPr lang="pt-BR" noProof="0" dirty="0"/>
-              <a:t>Introdução</a:t>
-            </a:r>
-          </a:p>
-        </p:txBody>
-      </p:sp>
-      <p:sp>
-        <p:nvSpPr>
-          <p:cNvPr id="3" name="Espaço Reservado para Conteúdo 2">
-            <a:extLst>
-              <a:ext uri="{FF2B5EF4-FFF2-40B4-BE49-F238E27FC236}">
-                <a16:creationId xmlns:a16="http://schemas.microsoft.com/office/drawing/2014/main" id="{8E61BFC3-D301-ECCD-58E2-0295004A376F}"/>
-              </a:ext>
-            </a:extLst>
-          </p:cNvPr>
-          <p:cNvSpPr>
-            <a:spLocks noGrp="1"/>
-          </p:cNvSpPr>
-          <p:nvPr>
-            <p:ph idx="1"/>
-          </p:nvPr>
-        </p:nvSpPr>
-        <p:spPr>
-          <a:xfrm>
-            <a:off x="838200" y="1825626"/>
-            <a:ext cx="6318504" cy="551814"/>
-          </a:xfrm>
-        </p:spPr>
-        <p:txBody>
-          <a:bodyPr>
-            <a:normAutofit/>
-          </a:bodyPr>
-          <a:lstStyle/>
-          <a:p>
-            <a:pPr marL="0" indent="0">
-              <a:buNone/>
-            </a:pPr>
-            <a:r>
-              <a:rPr lang="pt-BR" b="1" i="1" noProof="0" dirty="0"/>
-              <a:t>Exemplo:</a:t>
-            </a:r>
-            <a:endParaRPr lang="pt-BR" noProof="0" dirty="0"/>
-          </a:p>
-          <a:p>
-            <a:endParaRPr lang="pt-BR" noProof="0" dirty="0"/>
-          </a:p>
-          <a:p>
-            <a:pPr marL="0" indent="0">
-              <a:buNone/>
-            </a:pPr>
-            <a:endParaRPr lang="pt-BR" noProof="0" dirty="0"/>
-          </a:p>
-        </p:txBody>
-      </p:sp>
-      <p:grpSp>
-        <p:nvGrpSpPr>
-          <p:cNvPr id="5" name="Group 4">
-            <a:extLst>
-              <a:ext uri="{FF2B5EF4-FFF2-40B4-BE49-F238E27FC236}">
-                <a16:creationId xmlns:a16="http://schemas.microsoft.com/office/drawing/2014/main" id="{ED8A3EF7-C18C-4A78-D618-E29304323CEA}"/>
-              </a:ext>
-            </a:extLst>
-          </p:cNvPr>
-          <p:cNvGrpSpPr/>
-          <p:nvPr/>
-        </p:nvGrpSpPr>
-        <p:grpSpPr>
-          <a:xfrm>
-            <a:off x="838200" y="4761569"/>
-            <a:ext cx="11353800" cy="1550019"/>
-            <a:chOff x="838200" y="4761569"/>
-            <a:chExt cx="11353800" cy="1550019"/>
-          </a:xfrm>
-        </p:grpSpPr>
-        <p:sp>
-          <p:nvSpPr>
-            <p:cNvPr id="4" name="Oval 3">
-              <a:extLst>
-                <a:ext uri="{FF2B5EF4-FFF2-40B4-BE49-F238E27FC236}">
-                  <a16:creationId xmlns:a16="http://schemas.microsoft.com/office/drawing/2014/main" id="{FF836344-13CD-B624-D18B-C08813143B52}"/>
-                </a:ext>
-              </a:extLst>
-            </p:cNvPr>
-            <p:cNvSpPr/>
-            <p:nvPr/>
-          </p:nvSpPr>
-          <p:spPr>
-            <a:xfrm>
-              <a:off x="838200" y="4761569"/>
-              <a:ext cx="1550019" cy="1550019"/>
-            </a:xfrm>
-            <a:prstGeom prst="ellipse">
-              <a:avLst/>
-            </a:prstGeom>
-            <a:ln>
-              <a:noFill/>
-            </a:ln>
-          </p:spPr>
-          <p:style>
-            <a:lnRef idx="2">
-              <a:schemeClr val="accent1">
-                <a:shade val="15000"/>
-              </a:schemeClr>
-            </a:lnRef>
-            <a:fillRef idx="1">
-              <a:schemeClr val="accent1"/>
-            </a:fillRef>
-            <a:effectRef idx="0">
-              <a:schemeClr val="accent1"/>
-            </a:effectRef>
-            <a:fontRef idx="minor">
-              <a:schemeClr val="lt1"/>
-            </a:fontRef>
-          </p:style>
-          <p:txBody>
-            <a:bodyPr rtlCol="0" anchor="ctr"/>
-            <a:lstStyle/>
-            <a:p>
-              <a:pPr algn="ctr"/>
-              <a:r>
-                <a:rPr lang="pt-BR" sz="2400" b="1" noProof="0" dirty="0"/>
-                <a:t>1950’s</a:t>
-              </a:r>
-              <a:endParaRPr lang="pt-BR" sz="1600" b="1" noProof="0" dirty="0"/>
-            </a:p>
-          </p:txBody>
-        </p:sp>
-        <p:cxnSp>
-          <p:nvCxnSpPr>
-            <p:cNvPr id="6" name="Straight Connector 5">
-              <a:extLst>
-                <a:ext uri="{FF2B5EF4-FFF2-40B4-BE49-F238E27FC236}">
-                  <a16:creationId xmlns:a16="http://schemas.microsoft.com/office/drawing/2014/main" id="{D34FC914-ABF5-2AA9-9B39-28BF1222CD92}"/>
-                </a:ext>
-              </a:extLst>
-            </p:cNvPr>
-            <p:cNvCxnSpPr>
-              <a:cxnSpLocks/>
-            </p:cNvCxnSpPr>
-            <p:nvPr/>
-          </p:nvCxnSpPr>
-          <p:spPr>
-            <a:xfrm>
-              <a:off x="2094570" y="5536578"/>
-              <a:ext cx="10097430" cy="0"/>
-            </a:xfrm>
-            <a:prstGeom prst="line">
-              <a:avLst/>
-            </a:prstGeom>
-            <a:ln w="203200"/>
-          </p:spPr>
-          <p:style>
-            <a:lnRef idx="1">
-              <a:schemeClr val="accent1"/>
-            </a:lnRef>
-            <a:fillRef idx="0">
-              <a:schemeClr val="accent1"/>
-            </a:fillRef>
-            <a:effectRef idx="0">
-              <a:schemeClr val="accent1"/>
-            </a:effectRef>
-            <a:fontRef idx="minor">
-              <a:schemeClr val="tx1"/>
-            </a:fontRef>
-          </p:style>
-        </p:cxnSp>
-      </p:grpSp>
       <p:grpSp>
         <p:nvGrpSpPr>
           <p:cNvPr id="7" name="Group 6">
@@ -5049,7 +5152,7 @@
                     <a:schemeClr val="tx1"/>
                   </a:solidFill>
                 </a:rPr>
-                <a:t>2013’s</a:t>
+                <a:t>2013</a:t>
               </a:r>
               <a:endParaRPr lang="pt-BR" sz="1600" b="1" noProof="0" dirty="0">
                 <a:solidFill>
@@ -5108,6 +5211,82 @@
           </p:style>
         </p:cxnSp>
       </p:grpSp>
+      <p:sp>
+        <p:nvSpPr>
+          <p:cNvPr id="2" name="Título 1">
+            <a:extLst>
+              <a:ext uri="{FF2B5EF4-FFF2-40B4-BE49-F238E27FC236}">
+                <a16:creationId xmlns:a16="http://schemas.microsoft.com/office/drawing/2014/main" id="{C74EB7C1-8A56-5763-4378-AB9621792B9F}"/>
+              </a:ext>
+            </a:extLst>
+          </p:cNvPr>
+          <p:cNvSpPr>
+            <a:spLocks noGrp="1"/>
+          </p:cNvSpPr>
+          <p:nvPr>
+            <p:ph type="title"/>
+          </p:nvPr>
+        </p:nvSpPr>
+        <p:spPr/>
+        <p:txBody>
+          <a:bodyPr/>
+          <a:lstStyle/>
+          <a:p>
+            <a:r>
+              <a:rPr lang="pt-BR" noProof="0" dirty="0"/>
+              <a:t>Introdução</a:t>
+            </a:r>
+          </a:p>
+        </p:txBody>
+      </p:sp>
+      <p:sp>
+        <p:nvSpPr>
+          <p:cNvPr id="3" name="Espaço Reservado para Conteúdo 2">
+            <a:extLst>
+              <a:ext uri="{FF2B5EF4-FFF2-40B4-BE49-F238E27FC236}">
+                <a16:creationId xmlns:a16="http://schemas.microsoft.com/office/drawing/2014/main" id="{8E61BFC3-D301-ECCD-58E2-0295004A376F}"/>
+              </a:ext>
+            </a:extLst>
+          </p:cNvPr>
+          <p:cNvSpPr>
+            <a:spLocks noGrp="1"/>
+          </p:cNvSpPr>
+          <p:nvPr>
+            <p:ph idx="1"/>
+          </p:nvPr>
+        </p:nvSpPr>
+        <p:spPr>
+          <a:xfrm>
+            <a:off x="838200" y="1825626"/>
+            <a:ext cx="6318504" cy="551814"/>
+          </a:xfrm>
+        </p:spPr>
+        <p:txBody>
+          <a:bodyPr>
+            <a:normAutofit/>
+          </a:bodyPr>
+          <a:lstStyle/>
+          <a:p>
+            <a:pPr marL="0" indent="0">
+              <a:buNone/>
+            </a:pPr>
+            <a:r>
+              <a:rPr lang="pt-BR" b="1" i="1" noProof="0" dirty="0"/>
+              <a:t>Exemplo:</a:t>
+            </a:r>
+            <a:endParaRPr lang="pt-BR" noProof="0" dirty="0"/>
+          </a:p>
+          <a:p>
+            <a:endParaRPr lang="pt-BR" noProof="0" dirty="0"/>
+          </a:p>
+          <a:p>
+            <a:pPr marL="0" indent="0">
+              <a:buNone/>
+            </a:pPr>
+            <a:endParaRPr lang="pt-BR" noProof="0" dirty="0"/>
+          </a:p>
+        </p:txBody>
+      </p:sp>
       <p:sp>
         <p:nvSpPr>
           <p:cNvPr id="15" name="TextBox 14">
@@ -5815,7 +5994,7 @@
                     <a:schemeClr val="tx1"/>
                   </a:solidFill>
                 </a:rPr>
-                <a:t>2013’s</a:t>
+                <a:t>2013</a:t>
               </a:r>
               <a:endParaRPr lang="pt-BR" sz="1600" b="1" noProof="0" dirty="0">
                 <a:solidFill>
@@ -6045,7 +6224,7 @@
                     <a:schemeClr val="tx1"/>
                   </a:solidFill>
                 </a:rPr>
-                <a:t>2013’s</a:t>
+                <a:t>2013</a:t>
               </a:r>
               <a:endParaRPr lang="pt-BR" sz="1600" b="1" noProof="0" dirty="0">
                 <a:solidFill>
@@ -6228,6 +6407,41 @@
           </a:extLst>
         </p:spPr>
       </p:pic>
+      <p:sp>
+        <p:nvSpPr>
+          <p:cNvPr id="8" name="TextBox 7">
+            <a:extLst>
+              <a:ext uri="{FF2B5EF4-FFF2-40B4-BE49-F238E27FC236}">
+                <a16:creationId xmlns:a16="http://schemas.microsoft.com/office/drawing/2014/main" id="{4699BB48-06A8-7AB1-3001-A42B41076EDD}"/>
+              </a:ext>
+            </a:extLst>
+          </p:cNvPr>
+          <p:cNvSpPr txBox="1"/>
+          <p:nvPr/>
+        </p:nvSpPr>
+        <p:spPr>
+          <a:xfrm>
+            <a:off x="6888480" y="3072384"/>
+            <a:ext cx="519538" cy="646331"/>
+          </a:xfrm>
+          <a:prstGeom prst="rect">
+            <a:avLst/>
+          </a:prstGeom>
+          <a:noFill/>
+        </p:spPr>
+        <p:txBody>
+          <a:bodyPr wrap="square" rtlCol="0">
+            <a:spAutoFit/>
+          </a:bodyPr>
+          <a:lstStyle/>
+          <a:p>
+            <a:r>
+              <a:rPr lang="pt-BR" sz="3600" dirty="0"/>
+              <a:t>=</a:t>
+            </a:r>
+          </a:p>
+        </p:txBody>
+      </p:sp>
     </p:spTree>
     <p:extLst>
       <p:ext uri="{BB962C8B-B14F-4D97-AF65-F5344CB8AC3E}">
@@ -6375,6 +6589,2419 @@
                                   </p:childTnLst>
                                 </p:cTn>
                               </p:par>
+                              <p:par>
+                                <p:cTn id="15" presetID="1" presetClass="entr" presetSubtype="0" fill="hold" grpId="0" nodeType="withEffect">
+                                  <p:stCondLst>
+                                    <p:cond delay="0"/>
+                                  </p:stCondLst>
+                                  <p:childTnLst>
+                                    <p:set>
+                                      <p:cBhvr>
+                                        <p:cTn id="16" dur="1" fill="hold">
+                                          <p:stCondLst>
+                                            <p:cond delay="0"/>
+                                          </p:stCondLst>
+                                        </p:cTn>
+                                        <p:tgtEl>
+                                          <p:spTgt spid="8"/>
+                                        </p:tgtEl>
+                                        <p:attrNameLst>
+                                          <p:attrName>style.visibility</p:attrName>
+                                        </p:attrNameLst>
+                                      </p:cBhvr>
+                                      <p:to>
+                                        <p:strVal val="visible"/>
+                                      </p:to>
+                                    </p:set>
+                                  </p:childTnLst>
+                                </p:cTn>
+                              </p:par>
+                            </p:childTnLst>
+                          </p:cTn>
+                        </p:par>
+                      </p:childTnLst>
+                    </p:cTn>
+                  </p:par>
+                </p:childTnLst>
+              </p:cTn>
+              <p:prevCondLst>
+                <p:cond evt="onPrev" delay="0">
+                  <p:tgtEl>
+                    <p:sldTgt/>
+                  </p:tgtEl>
+                </p:cond>
+              </p:prevCondLst>
+              <p:nextCondLst>
+                <p:cond evt="onNext" delay="0">
+                  <p:tgtEl>
+                    <p:sldTgt/>
+                  </p:tgtEl>
+                </p:cond>
+              </p:nextCondLst>
+            </p:seq>
+          </p:childTnLst>
+        </p:cTn>
+      </p:par>
+    </p:tnLst>
+    <p:bldLst>
+      <p:bldP spid="3" grpId="0"/>
+      <p:bldP spid="8" grpId="0"/>
+    </p:bldLst>
+  </p:timing>
+</p:sld>
+</file>
+
+<file path=ppt/slides/slide14.xml><?xml version="1.0" encoding="utf-8"?>
+<p:sld xmlns:a="http://schemas.openxmlformats.org/drawingml/2006/main" xmlns:r="http://schemas.openxmlformats.org/officeDocument/2006/relationships" xmlns:p="http://schemas.openxmlformats.org/presentationml/2006/main">
+  <p:cSld>
+    <p:spTree>
+      <p:nvGrpSpPr>
+        <p:cNvPr id="1" name="">
+          <a:extLst>
+            <a:ext uri="{FF2B5EF4-FFF2-40B4-BE49-F238E27FC236}">
+              <a16:creationId xmlns:a16="http://schemas.microsoft.com/office/drawing/2014/main" id="{F763F16A-E832-B3D8-5E55-59BD49BB794B}"/>
+            </a:ext>
+          </a:extLst>
+        </p:cNvPr>
+        <p:cNvGrpSpPr/>
+        <p:nvPr/>
+      </p:nvGrpSpPr>
+      <p:grpSpPr>
+        <a:xfrm>
+          <a:off x="0" y="0"/>
+          <a:ext cx="0" cy="0"/>
+          <a:chOff x="0" y="0"/>
+          <a:chExt cx="0" cy="0"/>
+        </a:xfrm>
+      </p:grpSpPr>
+      <p:grpSp>
+        <p:nvGrpSpPr>
+          <p:cNvPr id="10" name="Group 9">
+            <a:extLst>
+              <a:ext uri="{FF2B5EF4-FFF2-40B4-BE49-F238E27FC236}">
+                <a16:creationId xmlns:a16="http://schemas.microsoft.com/office/drawing/2014/main" id="{2EDBEA91-3AA3-5AE8-36E0-B49A2A16D9F0}"/>
+              </a:ext>
+            </a:extLst>
+          </p:cNvPr>
+          <p:cNvGrpSpPr/>
+          <p:nvPr/>
+        </p:nvGrpSpPr>
+        <p:grpSpPr>
+          <a:xfrm>
+            <a:off x="838200" y="4761569"/>
+            <a:ext cx="11353800" cy="1550019"/>
+            <a:chOff x="838200" y="4761569"/>
+            <a:chExt cx="11353800" cy="1550019"/>
+          </a:xfrm>
+        </p:grpSpPr>
+        <p:cxnSp>
+          <p:nvCxnSpPr>
+            <p:cNvPr id="12" name="Straight Connector 11">
+              <a:extLst>
+                <a:ext uri="{FF2B5EF4-FFF2-40B4-BE49-F238E27FC236}">
+                  <a16:creationId xmlns:a16="http://schemas.microsoft.com/office/drawing/2014/main" id="{EA2F3B1C-7FBE-EAEC-3DF4-FBC0C178218E}"/>
+                </a:ext>
+              </a:extLst>
+            </p:cNvPr>
+            <p:cNvCxnSpPr>
+              <a:cxnSpLocks/>
+            </p:cNvCxnSpPr>
+            <p:nvPr/>
+          </p:nvCxnSpPr>
+          <p:spPr>
+            <a:xfrm>
+              <a:off x="2094570" y="5536578"/>
+              <a:ext cx="10097430" cy="0"/>
+            </a:xfrm>
+            <a:prstGeom prst="line">
+              <a:avLst/>
+            </a:prstGeom>
+            <a:ln w="203200">
+              <a:solidFill>
+                <a:srgbClr val="FFC000"/>
+              </a:solidFill>
+            </a:ln>
+          </p:spPr>
+          <p:style>
+            <a:lnRef idx="1">
+              <a:schemeClr val="accent1"/>
+            </a:lnRef>
+            <a:fillRef idx="0">
+              <a:schemeClr val="accent1"/>
+            </a:fillRef>
+            <a:effectRef idx="0">
+              <a:schemeClr val="accent1"/>
+            </a:effectRef>
+            <a:fontRef idx="minor">
+              <a:schemeClr val="tx1"/>
+            </a:fontRef>
+          </p:style>
+        </p:cxnSp>
+        <p:sp>
+          <p:nvSpPr>
+            <p:cNvPr id="11" name="Oval 10">
+              <a:extLst>
+                <a:ext uri="{FF2B5EF4-FFF2-40B4-BE49-F238E27FC236}">
+                  <a16:creationId xmlns:a16="http://schemas.microsoft.com/office/drawing/2014/main" id="{C81F4994-AA87-241D-EF8E-7782608F4CA4}"/>
+                </a:ext>
+              </a:extLst>
+            </p:cNvPr>
+            <p:cNvSpPr/>
+            <p:nvPr/>
+          </p:nvSpPr>
+          <p:spPr>
+            <a:xfrm>
+              <a:off x="838200" y="4761569"/>
+              <a:ext cx="1550019" cy="1550019"/>
+            </a:xfrm>
+            <a:prstGeom prst="ellipse">
+              <a:avLst/>
+            </a:prstGeom>
+            <a:solidFill>
+              <a:srgbClr val="FFC000"/>
+            </a:solidFill>
+            <a:ln>
+              <a:noFill/>
+            </a:ln>
+          </p:spPr>
+          <p:style>
+            <a:lnRef idx="2">
+              <a:schemeClr val="accent1">
+                <a:shade val="15000"/>
+              </a:schemeClr>
+            </a:lnRef>
+            <a:fillRef idx="1">
+              <a:schemeClr val="accent1"/>
+            </a:fillRef>
+            <a:effectRef idx="0">
+              <a:schemeClr val="accent1"/>
+            </a:effectRef>
+            <a:fontRef idx="minor">
+              <a:schemeClr val="lt1"/>
+            </a:fontRef>
+          </p:style>
+          <p:txBody>
+            <a:bodyPr rtlCol="0" anchor="ctr"/>
+            <a:lstStyle/>
+            <a:p>
+              <a:pPr algn="ctr"/>
+              <a:r>
+                <a:rPr lang="pt-BR" sz="2400" b="1" noProof="0" dirty="0">
+                  <a:solidFill>
+                    <a:schemeClr val="tx1"/>
+                  </a:solidFill>
+                </a:rPr>
+                <a:t>2013</a:t>
+              </a:r>
+              <a:endParaRPr lang="pt-BR" sz="1600" b="1" noProof="0" dirty="0">
+                <a:solidFill>
+                  <a:schemeClr val="tx1"/>
+                </a:solidFill>
+              </a:endParaRPr>
+            </a:p>
+          </p:txBody>
+        </p:sp>
+      </p:grpSp>
+      <p:grpSp>
+        <p:nvGrpSpPr>
+          <p:cNvPr id="7" name="Group 6">
+            <a:extLst>
+              <a:ext uri="{FF2B5EF4-FFF2-40B4-BE49-F238E27FC236}">
+                <a16:creationId xmlns:a16="http://schemas.microsoft.com/office/drawing/2014/main" id="{96CAC7E8-ED31-33AB-589F-DC4A08DD6A0E}"/>
+              </a:ext>
+            </a:extLst>
+          </p:cNvPr>
+          <p:cNvGrpSpPr/>
+          <p:nvPr/>
+        </p:nvGrpSpPr>
+        <p:grpSpPr>
+          <a:xfrm>
+            <a:off x="838198" y="4761568"/>
+            <a:ext cx="11353800" cy="1550019"/>
+            <a:chOff x="838200" y="4761569"/>
+            <a:chExt cx="11353800" cy="1550019"/>
+          </a:xfrm>
+        </p:grpSpPr>
+        <p:sp>
+          <p:nvSpPr>
+            <p:cNvPr id="8" name="Oval 7">
+              <a:extLst>
+                <a:ext uri="{FF2B5EF4-FFF2-40B4-BE49-F238E27FC236}">
+                  <a16:creationId xmlns:a16="http://schemas.microsoft.com/office/drawing/2014/main" id="{638CE4F9-D28D-FE94-BC79-21DADB1B12AD}"/>
+                </a:ext>
+              </a:extLst>
+            </p:cNvPr>
+            <p:cNvSpPr/>
+            <p:nvPr/>
+          </p:nvSpPr>
+          <p:spPr>
+            <a:xfrm>
+              <a:off x="838200" y="4761569"/>
+              <a:ext cx="1550019" cy="1550019"/>
+            </a:xfrm>
+            <a:prstGeom prst="ellipse">
+              <a:avLst/>
+            </a:prstGeom>
+            <a:solidFill>
+              <a:srgbClr val="DF1F56"/>
+            </a:solidFill>
+            <a:ln>
+              <a:noFill/>
+            </a:ln>
+          </p:spPr>
+          <p:style>
+            <a:lnRef idx="2">
+              <a:schemeClr val="accent1">
+                <a:shade val="15000"/>
+              </a:schemeClr>
+            </a:lnRef>
+            <a:fillRef idx="1">
+              <a:schemeClr val="accent1"/>
+            </a:fillRef>
+            <a:effectRef idx="0">
+              <a:schemeClr val="accent1"/>
+            </a:effectRef>
+            <a:fontRef idx="minor">
+              <a:schemeClr val="lt1"/>
+            </a:fontRef>
+          </p:style>
+          <p:txBody>
+            <a:bodyPr rtlCol="0" anchor="ctr"/>
+            <a:lstStyle/>
+            <a:p>
+              <a:pPr algn="ctr"/>
+              <a:r>
+                <a:rPr lang="pt-BR" sz="2400" b="1" dirty="0">
+                  <a:solidFill>
+                    <a:schemeClr val="bg1"/>
+                  </a:solidFill>
+                </a:rPr>
+                <a:t>2014</a:t>
+              </a:r>
+              <a:endParaRPr lang="pt-BR" sz="1600" b="1" noProof="0" dirty="0">
+                <a:solidFill>
+                  <a:schemeClr val="bg1"/>
+                </a:solidFill>
+              </a:endParaRPr>
+            </a:p>
+          </p:txBody>
+        </p:sp>
+        <p:cxnSp>
+          <p:nvCxnSpPr>
+            <p:cNvPr id="9" name="Straight Connector 8">
+              <a:extLst>
+                <a:ext uri="{FF2B5EF4-FFF2-40B4-BE49-F238E27FC236}">
+                  <a16:creationId xmlns:a16="http://schemas.microsoft.com/office/drawing/2014/main" id="{21561320-D9A3-9A28-7069-36AAD2B919EB}"/>
+                </a:ext>
+              </a:extLst>
+            </p:cNvPr>
+            <p:cNvCxnSpPr>
+              <a:cxnSpLocks/>
+            </p:cNvCxnSpPr>
+            <p:nvPr/>
+          </p:nvCxnSpPr>
+          <p:spPr>
+            <a:xfrm>
+              <a:off x="2094570" y="5536578"/>
+              <a:ext cx="10097430" cy="0"/>
+            </a:xfrm>
+            <a:prstGeom prst="line">
+              <a:avLst/>
+            </a:prstGeom>
+            <a:ln w="203200">
+              <a:solidFill>
+                <a:srgbClr val="DF1F56"/>
+              </a:solidFill>
+            </a:ln>
+          </p:spPr>
+          <p:style>
+            <a:lnRef idx="1">
+              <a:schemeClr val="accent1"/>
+            </a:lnRef>
+            <a:fillRef idx="0">
+              <a:schemeClr val="accent1"/>
+            </a:fillRef>
+            <a:effectRef idx="0">
+              <a:schemeClr val="accent1"/>
+            </a:effectRef>
+            <a:fontRef idx="minor">
+              <a:schemeClr val="tx1"/>
+            </a:fontRef>
+          </p:style>
+        </p:cxnSp>
+      </p:grpSp>
+      <p:sp>
+        <p:nvSpPr>
+          <p:cNvPr id="2" name="Título 1">
+            <a:extLst>
+              <a:ext uri="{FF2B5EF4-FFF2-40B4-BE49-F238E27FC236}">
+                <a16:creationId xmlns:a16="http://schemas.microsoft.com/office/drawing/2014/main" id="{EE52BC51-93C3-690B-7F07-E783DF48D734}"/>
+              </a:ext>
+            </a:extLst>
+          </p:cNvPr>
+          <p:cNvSpPr>
+            <a:spLocks noGrp="1"/>
+          </p:cNvSpPr>
+          <p:nvPr>
+            <p:ph type="title"/>
+          </p:nvPr>
+        </p:nvSpPr>
+        <p:spPr/>
+        <p:txBody>
+          <a:bodyPr/>
+          <a:lstStyle/>
+          <a:p>
+            <a:r>
+              <a:rPr lang="pt-BR" noProof="0" dirty="0"/>
+              <a:t>Introdução</a:t>
+            </a:r>
+          </a:p>
+        </p:txBody>
+      </p:sp>
+      <p:sp>
+        <p:nvSpPr>
+          <p:cNvPr id="3" name="Espaço Reservado para Conteúdo 2">
+            <a:extLst>
+              <a:ext uri="{FF2B5EF4-FFF2-40B4-BE49-F238E27FC236}">
+                <a16:creationId xmlns:a16="http://schemas.microsoft.com/office/drawing/2014/main" id="{1F5798F0-1271-7341-7BFD-D20B7C9AC5F8}"/>
+              </a:ext>
+            </a:extLst>
+          </p:cNvPr>
+          <p:cNvSpPr>
+            <a:spLocks noGrp="1"/>
+          </p:cNvSpPr>
+          <p:nvPr>
+            <p:ph idx="1"/>
+          </p:nvPr>
+        </p:nvSpPr>
+        <p:spPr>
+          <a:xfrm>
+            <a:off x="838200" y="1825625"/>
+            <a:ext cx="10515600" cy="2246501"/>
+          </a:xfrm>
+        </p:spPr>
+        <p:txBody>
+          <a:bodyPr>
+            <a:normAutofit/>
+          </a:bodyPr>
+          <a:lstStyle/>
+          <a:p>
+            <a:pPr marL="0" indent="0">
+              <a:buNone/>
+            </a:pPr>
+            <a:r>
+              <a:rPr lang="pt-BR" b="1" i="1" noProof="0" dirty="0" err="1"/>
+              <a:t>Attention</a:t>
+            </a:r>
+            <a:endParaRPr lang="pt-BR" noProof="0" dirty="0"/>
+          </a:p>
+          <a:p>
+            <a:r>
+              <a:rPr lang="en-US" dirty="0" err="1"/>
+              <a:t>Modelos</a:t>
+            </a:r>
+            <a:r>
+              <a:rPr lang="en-US" dirty="0"/>
+              <a:t> que “</a:t>
+            </a:r>
+            <a:r>
+              <a:rPr lang="en-US" dirty="0" err="1"/>
+              <a:t>focam</a:t>
+            </a:r>
+            <a:r>
+              <a:rPr lang="en-US" dirty="0"/>
+              <a:t>” </a:t>
+            </a:r>
+            <a:r>
+              <a:rPr lang="en-US" dirty="0" err="1"/>
+              <a:t>em</a:t>
+            </a:r>
+            <a:r>
+              <a:rPr lang="en-US" dirty="0"/>
+              <a:t> partes </a:t>
+            </a:r>
+            <a:r>
+              <a:rPr lang="en-US" dirty="0" err="1"/>
+              <a:t>relevantes</a:t>
+            </a:r>
+            <a:r>
+              <a:rPr lang="en-US" dirty="0"/>
+              <a:t> das </a:t>
+            </a:r>
+            <a:r>
+              <a:rPr lang="en-US" dirty="0" err="1"/>
+              <a:t>sequências</a:t>
+            </a:r>
+            <a:r>
+              <a:rPr lang="en-US" dirty="0"/>
+              <a:t> de entrada</a:t>
+            </a:r>
+          </a:p>
+          <a:p>
+            <a:r>
+              <a:rPr lang="pt-BR" dirty="0"/>
+              <a:t>Exemplo</a:t>
+            </a:r>
+            <a:r>
+              <a:rPr lang="pt-BR" noProof="0" dirty="0"/>
+              <a:t>: </a:t>
+            </a:r>
+            <a:r>
+              <a:rPr lang="en-US" dirty="0" err="1"/>
+              <a:t>Bahdanau</a:t>
+            </a:r>
+            <a:r>
+              <a:rPr lang="pt-BR" noProof="0" dirty="0"/>
+              <a:t>, </a:t>
+            </a:r>
+            <a:r>
+              <a:rPr lang="en-US" dirty="0"/>
+              <a:t>Luong e </a:t>
+            </a:r>
+            <a:r>
+              <a:rPr lang="en-US" b="1" dirty="0"/>
+              <a:t>Transformers</a:t>
+            </a:r>
+            <a:endParaRPr lang="pt-BR" b="1" noProof="0" dirty="0"/>
+          </a:p>
+          <a:p>
+            <a:endParaRPr lang="pt-BR" noProof="0" dirty="0"/>
+          </a:p>
+          <a:p>
+            <a:endParaRPr lang="pt-BR" noProof="0" dirty="0"/>
+          </a:p>
+          <a:p>
+            <a:pPr marL="0" indent="0">
+              <a:buNone/>
+            </a:pPr>
+            <a:endParaRPr lang="pt-BR" noProof="0" dirty="0"/>
+          </a:p>
+        </p:txBody>
+      </p:sp>
+    </p:spTree>
+    <p:extLst>
+      <p:ext uri="{BB962C8B-B14F-4D97-AF65-F5344CB8AC3E}">
+        <p14:creationId xmlns:p14="http://schemas.microsoft.com/office/powerpoint/2010/main" val="925886743"/>
+      </p:ext>
+    </p:extLst>
+  </p:cSld>
+  <p:clrMapOvr>
+    <a:masterClrMapping/>
+  </p:clrMapOvr>
+  <p:timing>
+    <p:tnLst>
+      <p:par>
+        <p:cTn id="1" dur="indefinite" restart="never" nodeType="tmRoot">
+          <p:childTnLst>
+            <p:seq concurrent="1" nextAc="seek">
+              <p:cTn id="2" dur="indefinite" nodeType="mainSeq">
+                <p:childTnLst>
+                  <p:par>
+                    <p:cTn id="3" fill="hold">
+                      <p:stCondLst>
+                        <p:cond delay="indefinite"/>
+                        <p:cond evt="onBegin" delay="0">
+                          <p:tn val="2"/>
+                        </p:cond>
+                      </p:stCondLst>
+                      <p:childTnLst>
+                        <p:par>
+                          <p:cTn id="4" fill="hold">
+                            <p:stCondLst>
+                              <p:cond delay="0"/>
+                            </p:stCondLst>
+                            <p:childTnLst>
+                              <p:par>
+                                <p:cTn id="5" presetID="2" presetClass="entr" presetSubtype="2" fill="hold" nodeType="withEffect">
+                                  <p:stCondLst>
+                                    <p:cond delay="0"/>
+                                  </p:stCondLst>
+                                  <p:childTnLst>
+                                    <p:set>
+                                      <p:cBhvr>
+                                        <p:cTn id="6" dur="1" fill="hold">
+                                          <p:stCondLst>
+                                            <p:cond delay="0"/>
+                                          </p:stCondLst>
+                                        </p:cTn>
+                                        <p:tgtEl>
+                                          <p:spTgt spid="7"/>
+                                        </p:tgtEl>
+                                        <p:attrNameLst>
+                                          <p:attrName>style.visibility</p:attrName>
+                                        </p:attrNameLst>
+                                      </p:cBhvr>
+                                      <p:to>
+                                        <p:strVal val="visible"/>
+                                      </p:to>
+                                    </p:set>
+                                    <p:anim calcmode="lin" valueType="num">
+                                      <p:cBhvr additive="base">
+                                        <p:cTn id="7" dur="1500" fill="hold"/>
+                                        <p:tgtEl>
+                                          <p:spTgt spid="7"/>
+                                        </p:tgtEl>
+                                        <p:attrNameLst>
+                                          <p:attrName>ppt_x</p:attrName>
+                                        </p:attrNameLst>
+                                      </p:cBhvr>
+                                      <p:tavLst>
+                                        <p:tav tm="0">
+                                          <p:val>
+                                            <p:strVal val="1+#ppt_w/2"/>
+                                          </p:val>
+                                        </p:tav>
+                                        <p:tav tm="100000">
+                                          <p:val>
+                                            <p:strVal val="#ppt_x"/>
+                                          </p:val>
+                                        </p:tav>
+                                      </p:tavLst>
+                                    </p:anim>
+                                    <p:anim calcmode="lin" valueType="num">
+                                      <p:cBhvr additive="base">
+                                        <p:cTn id="8" dur="1500" fill="hold"/>
+                                        <p:tgtEl>
+                                          <p:spTgt spid="7"/>
+                                        </p:tgtEl>
+                                        <p:attrNameLst>
+                                          <p:attrName>ppt_y</p:attrName>
+                                        </p:attrNameLst>
+                                      </p:cBhvr>
+                                      <p:tavLst>
+                                        <p:tav tm="0">
+                                          <p:val>
+                                            <p:strVal val="#ppt_y"/>
+                                          </p:val>
+                                        </p:tav>
+                                        <p:tav tm="100000">
+                                          <p:val>
+                                            <p:strVal val="#ppt_y"/>
+                                          </p:val>
+                                        </p:tav>
+                                      </p:tavLst>
+                                    </p:anim>
+                                  </p:childTnLst>
+                                </p:cTn>
+                              </p:par>
+                            </p:childTnLst>
+                          </p:cTn>
+                        </p:par>
+                      </p:childTnLst>
+                    </p:cTn>
+                  </p:par>
+                </p:childTnLst>
+              </p:cTn>
+              <p:prevCondLst>
+                <p:cond evt="onPrev" delay="0">
+                  <p:tgtEl>
+                    <p:sldTgt/>
+                  </p:tgtEl>
+                </p:cond>
+              </p:prevCondLst>
+              <p:nextCondLst>
+                <p:cond evt="onNext" delay="0">
+                  <p:tgtEl>
+                    <p:sldTgt/>
+                  </p:tgtEl>
+                </p:cond>
+              </p:nextCondLst>
+            </p:seq>
+          </p:childTnLst>
+        </p:cTn>
+      </p:par>
+    </p:tnLst>
+  </p:timing>
+</p:sld>
+</file>
+
+<file path=ppt/slides/slide15.xml><?xml version="1.0" encoding="utf-8"?>
+<p:sld xmlns:a="http://schemas.openxmlformats.org/drawingml/2006/main" xmlns:r="http://schemas.openxmlformats.org/officeDocument/2006/relationships" xmlns:p="http://schemas.openxmlformats.org/presentationml/2006/main">
+  <p:cSld>
+    <p:spTree>
+      <p:nvGrpSpPr>
+        <p:cNvPr id="1" name="">
+          <a:extLst>
+            <a:ext uri="{FF2B5EF4-FFF2-40B4-BE49-F238E27FC236}">
+              <a16:creationId xmlns:a16="http://schemas.microsoft.com/office/drawing/2014/main" id="{8FFAB058-1C36-AC50-3395-8C1482FD5962}"/>
+            </a:ext>
+          </a:extLst>
+        </p:cNvPr>
+        <p:cNvGrpSpPr/>
+        <p:nvPr/>
+      </p:nvGrpSpPr>
+      <p:grpSpPr>
+        <a:xfrm>
+          <a:off x="0" y="0"/>
+          <a:ext cx="0" cy="0"/>
+          <a:chOff x="0" y="0"/>
+          <a:chExt cx="0" cy="0"/>
+        </a:xfrm>
+      </p:grpSpPr>
+      <p:sp>
+        <p:nvSpPr>
+          <p:cNvPr id="2" name="Título 1">
+            <a:extLst>
+              <a:ext uri="{FF2B5EF4-FFF2-40B4-BE49-F238E27FC236}">
+                <a16:creationId xmlns:a16="http://schemas.microsoft.com/office/drawing/2014/main" id="{9143C132-DFEC-91FC-61D5-D84AF4B42453}"/>
+              </a:ext>
+            </a:extLst>
+          </p:cNvPr>
+          <p:cNvSpPr>
+            <a:spLocks noGrp="1"/>
+          </p:cNvSpPr>
+          <p:nvPr>
+            <p:ph type="title"/>
+          </p:nvPr>
+        </p:nvSpPr>
+        <p:spPr/>
+        <p:txBody>
+          <a:bodyPr/>
+          <a:lstStyle/>
+          <a:p>
+            <a:r>
+              <a:rPr lang="pt-BR" noProof="0" dirty="0"/>
+              <a:t>Introdução</a:t>
+            </a:r>
+          </a:p>
+        </p:txBody>
+      </p:sp>
+      <p:grpSp>
+        <p:nvGrpSpPr>
+          <p:cNvPr id="9" name="Group 8">
+            <a:extLst>
+              <a:ext uri="{FF2B5EF4-FFF2-40B4-BE49-F238E27FC236}">
+                <a16:creationId xmlns:a16="http://schemas.microsoft.com/office/drawing/2014/main" id="{5C7E3DD5-9693-886A-D223-417A84E8834F}"/>
+              </a:ext>
+            </a:extLst>
+          </p:cNvPr>
+          <p:cNvGrpSpPr/>
+          <p:nvPr/>
+        </p:nvGrpSpPr>
+        <p:grpSpPr>
+          <a:xfrm>
+            <a:off x="838200" y="4761569"/>
+            <a:ext cx="11353800" cy="1550019"/>
+            <a:chOff x="838200" y="4761569"/>
+            <a:chExt cx="11353800" cy="1550019"/>
+          </a:xfrm>
+        </p:grpSpPr>
+        <p:sp>
+          <p:nvSpPr>
+            <p:cNvPr id="4" name="Oval 3">
+              <a:extLst>
+                <a:ext uri="{FF2B5EF4-FFF2-40B4-BE49-F238E27FC236}">
+                  <a16:creationId xmlns:a16="http://schemas.microsoft.com/office/drawing/2014/main" id="{98FBC1C9-3BBF-581C-8F1A-D0721D8033DC}"/>
+                </a:ext>
+              </a:extLst>
+            </p:cNvPr>
+            <p:cNvSpPr/>
+            <p:nvPr/>
+          </p:nvSpPr>
+          <p:spPr>
+            <a:xfrm>
+              <a:off x="838200" y="4761569"/>
+              <a:ext cx="1550019" cy="1550019"/>
+            </a:xfrm>
+            <a:prstGeom prst="ellipse">
+              <a:avLst/>
+            </a:prstGeom>
+            <a:solidFill>
+              <a:srgbClr val="DF1F56"/>
+            </a:solidFill>
+            <a:ln>
+              <a:noFill/>
+            </a:ln>
+          </p:spPr>
+          <p:style>
+            <a:lnRef idx="2">
+              <a:schemeClr val="accent1">
+                <a:shade val="15000"/>
+              </a:schemeClr>
+            </a:lnRef>
+            <a:fillRef idx="1">
+              <a:schemeClr val="accent1"/>
+            </a:fillRef>
+            <a:effectRef idx="0">
+              <a:schemeClr val="accent1"/>
+            </a:effectRef>
+            <a:fontRef idx="minor">
+              <a:schemeClr val="lt1"/>
+            </a:fontRef>
+          </p:style>
+          <p:txBody>
+            <a:bodyPr rtlCol="0" anchor="ctr"/>
+            <a:lstStyle/>
+            <a:p>
+              <a:pPr algn="ctr"/>
+              <a:r>
+                <a:rPr lang="pt-BR" sz="2400" b="1" noProof="0" dirty="0"/>
+                <a:t>2014</a:t>
+              </a:r>
+              <a:endParaRPr lang="pt-BR" sz="1600" b="1" noProof="0" dirty="0"/>
+            </a:p>
+          </p:txBody>
+        </p:sp>
+        <p:cxnSp>
+          <p:nvCxnSpPr>
+            <p:cNvPr id="6" name="Straight Connector 5">
+              <a:extLst>
+                <a:ext uri="{FF2B5EF4-FFF2-40B4-BE49-F238E27FC236}">
+                  <a16:creationId xmlns:a16="http://schemas.microsoft.com/office/drawing/2014/main" id="{03D99AD7-BEBF-F8A8-B5AE-E77E92A89AE8}"/>
+                </a:ext>
+              </a:extLst>
+            </p:cNvPr>
+            <p:cNvCxnSpPr>
+              <a:cxnSpLocks/>
+            </p:cNvCxnSpPr>
+            <p:nvPr/>
+          </p:nvCxnSpPr>
+          <p:spPr>
+            <a:xfrm>
+              <a:off x="2094570" y="5536578"/>
+              <a:ext cx="10097430" cy="0"/>
+            </a:xfrm>
+            <a:prstGeom prst="line">
+              <a:avLst/>
+            </a:prstGeom>
+            <a:ln w="203200">
+              <a:solidFill>
+                <a:srgbClr val="DF1F56"/>
+              </a:solidFill>
+            </a:ln>
+          </p:spPr>
+          <p:style>
+            <a:lnRef idx="1">
+              <a:schemeClr val="accent1"/>
+            </a:lnRef>
+            <a:fillRef idx="0">
+              <a:schemeClr val="accent1"/>
+            </a:fillRef>
+            <a:effectRef idx="0">
+              <a:schemeClr val="accent1"/>
+            </a:effectRef>
+            <a:fontRef idx="minor">
+              <a:schemeClr val="tx1"/>
+            </a:fontRef>
+          </p:style>
+        </p:cxnSp>
+      </p:grpSp>
+      <p:sp>
+        <p:nvSpPr>
+          <p:cNvPr id="10" name="Espaço Reservado para Conteúdo 2">
+            <a:extLst>
+              <a:ext uri="{FF2B5EF4-FFF2-40B4-BE49-F238E27FC236}">
+                <a16:creationId xmlns:a16="http://schemas.microsoft.com/office/drawing/2014/main" id="{203D88C6-A344-9168-0EEB-E3373A05F604}"/>
+              </a:ext>
+            </a:extLst>
+          </p:cNvPr>
+          <p:cNvSpPr>
+            <a:spLocks noGrp="1"/>
+          </p:cNvSpPr>
+          <p:nvPr>
+            <p:ph idx="1"/>
+          </p:nvPr>
+        </p:nvSpPr>
+        <p:spPr>
+          <a:xfrm>
+            <a:off x="838200" y="1825626"/>
+            <a:ext cx="11026992" cy="1189711"/>
+          </a:xfrm>
+        </p:spPr>
+        <p:txBody>
+          <a:bodyPr>
+            <a:noAutofit/>
+          </a:bodyPr>
+          <a:lstStyle/>
+          <a:p>
+            <a:pPr marL="0" indent="0">
+              <a:buNone/>
+            </a:pPr>
+            <a:r>
+              <a:rPr lang="pt-BR" b="1" i="1" noProof="0" dirty="0"/>
+              <a:t>Exemplo</a:t>
+            </a:r>
+            <a:r>
+              <a:rPr lang="pt-BR" b="1" i="1" dirty="0"/>
+              <a:t>:</a:t>
+            </a:r>
+            <a:endParaRPr lang="pt-BR" b="1" i="1" noProof="0" dirty="0"/>
+          </a:p>
+        </p:txBody>
+      </p:sp>
+      <p:sp>
+        <p:nvSpPr>
+          <p:cNvPr id="8" name="TextBox 7">
+            <a:extLst>
+              <a:ext uri="{FF2B5EF4-FFF2-40B4-BE49-F238E27FC236}">
+                <a16:creationId xmlns:a16="http://schemas.microsoft.com/office/drawing/2014/main" id="{842B05A7-6AD8-E16D-C266-CFE739E082FD}"/>
+              </a:ext>
+            </a:extLst>
+          </p:cNvPr>
+          <p:cNvSpPr txBox="1"/>
+          <p:nvPr/>
+        </p:nvSpPr>
+        <p:spPr>
+          <a:xfrm>
+            <a:off x="838200" y="2775271"/>
+            <a:ext cx="7185557" cy="480131"/>
+          </a:xfrm>
+          <a:prstGeom prst="rect">
+            <a:avLst/>
+          </a:prstGeom>
+          <a:noFill/>
+        </p:spPr>
+        <p:txBody>
+          <a:bodyPr wrap="none" rtlCol="0">
+            <a:spAutoFit/>
+          </a:bodyPr>
+          <a:lstStyle/>
+          <a:p>
+            <a:pPr marL="0" marR="0" lvl="0" indent="0" algn="l" defTabSz="914400" rtl="0" eaLnBrk="1" fontAlgn="auto" latinLnBrk="0" hangingPunct="1">
+              <a:lnSpc>
+                <a:spcPct val="90000"/>
+              </a:lnSpc>
+              <a:spcBef>
+                <a:spcPts val="1000"/>
+              </a:spcBef>
+              <a:spcAft>
+                <a:spcPts val="0"/>
+              </a:spcAft>
+              <a:buClrTx/>
+              <a:buSzTx/>
+              <a:buFont typeface="Arial" panose="020B0604020202020204" pitchFamily="34" charset="0"/>
+              <a:buNone/>
+              <a:tabLst/>
+              <a:defRPr/>
+            </a:pPr>
+            <a:r>
+              <a:rPr lang="pt-BR" sz="2800" b="1" i="1" dirty="0">
+                <a:solidFill>
+                  <a:prstClr val="black"/>
+                </a:solidFill>
+                <a:latin typeface="Calibri" panose="020F0502020204030204"/>
+              </a:rPr>
+              <a:t>Tiramos</a:t>
+            </a:r>
+            <a:r>
+              <a:rPr kumimoji="0" lang="pt-BR" sz="2800" b="1" i="1" u="none" strike="noStrike" kern="1200" cap="none" spc="0" normalizeH="0" baseline="0" noProof="0" dirty="0">
+                <a:ln>
+                  <a:noFill/>
+                </a:ln>
+                <a:solidFill>
+                  <a:prstClr val="black"/>
+                </a:solidFill>
+                <a:effectLst/>
+                <a:uLnTx/>
+                <a:uFillTx/>
+                <a:latin typeface="Calibri" panose="020F0502020204030204"/>
+                <a:ea typeface="+mn-ea"/>
+                <a:cs typeface="+mn-cs"/>
+              </a:rPr>
+              <a:t> nota máxima</a:t>
+            </a:r>
+            <a:r>
+              <a:rPr kumimoji="0" lang="pt-BR" sz="2800" b="0" i="1" u="none" strike="noStrike" kern="1200" cap="none" spc="0" normalizeH="0" baseline="0" noProof="0" dirty="0">
+                <a:ln>
+                  <a:noFill/>
+                </a:ln>
+                <a:solidFill>
+                  <a:prstClr val="black"/>
+                </a:solidFill>
+                <a:effectLst/>
+                <a:uLnTx/>
+                <a:uFillTx/>
+                <a:latin typeface="Calibri" panose="020F0502020204030204"/>
+                <a:ea typeface="+mn-ea"/>
+                <a:cs typeface="+mn-cs"/>
+              </a:rPr>
+              <a:t> em TP558. </a:t>
+            </a:r>
+            <a:r>
+              <a:rPr kumimoji="0" lang="pt-BR" sz="2800" b="1" i="1" u="none" strike="noStrike" kern="1200" cap="none" spc="0" normalizeH="0" baseline="0" noProof="0" dirty="0">
+                <a:ln>
+                  <a:noFill/>
+                </a:ln>
+                <a:solidFill>
+                  <a:prstClr val="black"/>
+                </a:solidFill>
+                <a:effectLst/>
+                <a:uLnTx/>
+                <a:uFillTx/>
+                <a:latin typeface="Calibri" panose="020F0502020204030204"/>
+                <a:ea typeface="+mn-ea"/>
+                <a:cs typeface="+mn-cs"/>
+              </a:rPr>
+              <a:t>Isso</a:t>
+            </a:r>
+            <a:r>
+              <a:rPr kumimoji="0" lang="pt-BR" sz="2800" b="0" i="1" u="none" strike="noStrike" kern="1200" cap="none" spc="0" normalizeH="0" baseline="0" noProof="0" dirty="0">
+                <a:ln>
+                  <a:noFill/>
+                </a:ln>
+                <a:solidFill>
+                  <a:prstClr val="black"/>
+                </a:solidFill>
+                <a:effectLst/>
+                <a:uLnTx/>
+                <a:uFillTx/>
+                <a:latin typeface="Calibri" panose="020F0502020204030204"/>
+                <a:ea typeface="+mn-ea"/>
+                <a:cs typeface="+mn-cs"/>
+              </a:rPr>
+              <a:t> é incrível!</a:t>
+            </a:r>
+          </a:p>
+        </p:txBody>
+      </p:sp>
+      <p:grpSp>
+        <p:nvGrpSpPr>
+          <p:cNvPr id="43" name="Group 42">
+            <a:extLst>
+              <a:ext uri="{FF2B5EF4-FFF2-40B4-BE49-F238E27FC236}">
+                <a16:creationId xmlns:a16="http://schemas.microsoft.com/office/drawing/2014/main" id="{4744B646-E4A6-919A-B1F8-CFCE4C97030A}"/>
+              </a:ext>
+            </a:extLst>
+          </p:cNvPr>
+          <p:cNvGrpSpPr/>
+          <p:nvPr/>
+        </p:nvGrpSpPr>
+        <p:grpSpPr>
+          <a:xfrm>
+            <a:off x="2993571" y="3255402"/>
+            <a:ext cx="6612735" cy="1402198"/>
+            <a:chOff x="2993571" y="3255402"/>
+            <a:chExt cx="6612735" cy="1402198"/>
+          </a:xfrm>
+        </p:grpSpPr>
+        <p:cxnSp>
+          <p:nvCxnSpPr>
+            <p:cNvPr id="38" name="Straight Arrow Connector 37">
+              <a:extLst>
+                <a:ext uri="{FF2B5EF4-FFF2-40B4-BE49-F238E27FC236}">
+                  <a16:creationId xmlns:a16="http://schemas.microsoft.com/office/drawing/2014/main" id="{206CEB10-14A8-80ED-823F-0EA6666ADE7B}"/>
+                </a:ext>
+              </a:extLst>
+            </p:cNvPr>
+            <p:cNvCxnSpPr/>
+            <p:nvPr/>
+          </p:nvCxnSpPr>
+          <p:spPr>
+            <a:xfrm>
+              <a:off x="6096000" y="3255402"/>
+              <a:ext cx="1047285" cy="957369"/>
+            </a:xfrm>
+            <a:prstGeom prst="straightConnector1">
+              <a:avLst/>
+            </a:prstGeom>
+            <a:ln w="25400">
+              <a:tailEnd type="triangle"/>
+            </a:ln>
+          </p:spPr>
+          <p:style>
+            <a:lnRef idx="1">
+              <a:schemeClr val="accent1"/>
+            </a:lnRef>
+            <a:fillRef idx="0">
+              <a:schemeClr val="accent1"/>
+            </a:fillRef>
+            <a:effectRef idx="0">
+              <a:schemeClr val="accent1"/>
+            </a:effectRef>
+            <a:fontRef idx="minor">
+              <a:schemeClr val="tx1"/>
+            </a:fontRef>
+          </p:style>
+        </p:cxnSp>
+        <p:sp>
+          <p:nvSpPr>
+            <p:cNvPr id="39" name="TextBox 38">
+              <a:extLst>
+                <a:ext uri="{FF2B5EF4-FFF2-40B4-BE49-F238E27FC236}">
+                  <a16:creationId xmlns:a16="http://schemas.microsoft.com/office/drawing/2014/main" id="{4CB51882-92EF-8542-5589-9D64C6EA7548}"/>
+                </a:ext>
+              </a:extLst>
+            </p:cNvPr>
+            <p:cNvSpPr txBox="1"/>
+            <p:nvPr/>
+          </p:nvSpPr>
+          <p:spPr>
+            <a:xfrm>
+              <a:off x="6770914" y="4134380"/>
+              <a:ext cx="2835392" cy="523220"/>
+            </a:xfrm>
+            <a:prstGeom prst="rect">
+              <a:avLst/>
+            </a:prstGeom>
+            <a:noFill/>
+          </p:spPr>
+          <p:txBody>
+            <a:bodyPr wrap="none" rtlCol="0">
+              <a:spAutoFit/>
+            </a:bodyPr>
+            <a:lstStyle/>
+            <a:p>
+              <a:r>
+                <a:rPr lang="pt-BR" sz="2800" dirty="0"/>
+                <a:t>Tirar nota máxima</a:t>
+              </a:r>
+            </a:p>
+          </p:txBody>
+        </p:sp>
+        <p:cxnSp>
+          <p:nvCxnSpPr>
+            <p:cNvPr id="41" name="Straight Arrow Connector 40">
+              <a:extLst>
+                <a:ext uri="{FF2B5EF4-FFF2-40B4-BE49-F238E27FC236}">
+                  <a16:creationId xmlns:a16="http://schemas.microsoft.com/office/drawing/2014/main" id="{3EB15A49-5DDB-511B-D922-CCA0E6044B12}"/>
+                </a:ext>
+              </a:extLst>
+            </p:cNvPr>
+            <p:cNvCxnSpPr>
+              <a:cxnSpLocks/>
+              <a:stCxn id="39" idx="1"/>
+            </p:cNvCxnSpPr>
+            <p:nvPr/>
+          </p:nvCxnSpPr>
+          <p:spPr>
+            <a:xfrm flipH="1" flipV="1">
+              <a:off x="2993571" y="3255402"/>
+              <a:ext cx="3777343" cy="1140588"/>
+            </a:xfrm>
+            <a:prstGeom prst="straightConnector1">
+              <a:avLst/>
+            </a:prstGeom>
+            <a:ln w="25400">
+              <a:tailEnd type="triangle"/>
+            </a:ln>
+          </p:spPr>
+          <p:style>
+            <a:lnRef idx="1">
+              <a:schemeClr val="accent1"/>
+            </a:lnRef>
+            <a:fillRef idx="0">
+              <a:schemeClr val="accent1"/>
+            </a:fillRef>
+            <a:effectRef idx="0">
+              <a:schemeClr val="accent1"/>
+            </a:effectRef>
+            <a:fontRef idx="minor">
+              <a:schemeClr val="tx1"/>
+            </a:fontRef>
+          </p:style>
+        </p:cxnSp>
+      </p:grpSp>
+    </p:spTree>
+    <p:extLst>
+      <p:ext uri="{BB962C8B-B14F-4D97-AF65-F5344CB8AC3E}">
+        <p14:creationId xmlns:p14="http://schemas.microsoft.com/office/powerpoint/2010/main" val="3665800218"/>
+      </p:ext>
+    </p:extLst>
+  </p:cSld>
+  <p:clrMapOvr>
+    <a:masterClrMapping/>
+  </p:clrMapOvr>
+  <p:timing>
+    <p:tnLst>
+      <p:par>
+        <p:cTn id="1" dur="indefinite" restart="never" nodeType="tmRoot">
+          <p:childTnLst>
+            <p:seq concurrent="1" nextAc="seek">
+              <p:cTn id="2" dur="indefinite" nodeType="mainSeq">
+                <p:childTnLst>
+                  <p:par>
+                    <p:cTn id="3" fill="hold">
+                      <p:stCondLst>
+                        <p:cond delay="indefinite"/>
+                      </p:stCondLst>
+                      <p:childTnLst>
+                        <p:par>
+                          <p:cTn id="4" fill="hold">
+                            <p:stCondLst>
+                              <p:cond delay="0"/>
+                            </p:stCondLst>
+                            <p:childTnLst>
+                              <p:par>
+                                <p:cTn id="5" presetID="1" presetClass="entr" presetSubtype="0" fill="hold" nodeType="clickEffect">
+                                  <p:stCondLst>
+                                    <p:cond delay="0"/>
+                                  </p:stCondLst>
+                                  <p:childTnLst>
+                                    <p:set>
+                                      <p:cBhvr>
+                                        <p:cTn id="6" dur="1" fill="hold">
+                                          <p:stCondLst>
+                                            <p:cond delay="0"/>
+                                          </p:stCondLst>
+                                        </p:cTn>
+                                        <p:tgtEl>
+                                          <p:spTgt spid="43"/>
+                                        </p:tgtEl>
+                                        <p:attrNameLst>
+                                          <p:attrName>style.visibility</p:attrName>
+                                        </p:attrNameLst>
+                                      </p:cBhvr>
+                                      <p:to>
+                                        <p:strVal val="visible"/>
+                                      </p:to>
+                                    </p:set>
+                                  </p:childTnLst>
+                                </p:cTn>
+                              </p:par>
+                            </p:childTnLst>
+                          </p:cTn>
+                        </p:par>
+                      </p:childTnLst>
+                    </p:cTn>
+                  </p:par>
+                </p:childTnLst>
+              </p:cTn>
+              <p:prevCondLst>
+                <p:cond evt="onPrev" delay="0">
+                  <p:tgtEl>
+                    <p:sldTgt/>
+                  </p:tgtEl>
+                </p:cond>
+              </p:prevCondLst>
+              <p:nextCondLst>
+                <p:cond evt="onNext" delay="0">
+                  <p:tgtEl>
+                    <p:sldTgt/>
+                  </p:tgtEl>
+                </p:cond>
+              </p:nextCondLst>
+            </p:seq>
+          </p:childTnLst>
+        </p:cTn>
+      </p:par>
+    </p:tnLst>
+  </p:timing>
+</p:sld>
+</file>
+
+<file path=ppt/slides/slide16.xml><?xml version="1.0" encoding="utf-8"?>
+<p:sld xmlns:a="http://schemas.openxmlformats.org/drawingml/2006/main" xmlns:r="http://schemas.openxmlformats.org/officeDocument/2006/relationships" xmlns:p="http://schemas.openxmlformats.org/presentationml/2006/main">
+  <p:cSld>
+    <p:spTree>
+      <p:nvGrpSpPr>
+        <p:cNvPr id="1" name="">
+          <a:extLst>
+            <a:ext uri="{FF2B5EF4-FFF2-40B4-BE49-F238E27FC236}">
+              <a16:creationId xmlns:a16="http://schemas.microsoft.com/office/drawing/2014/main" id="{FC34E24C-3FBD-EB7B-5206-2FC780FB0CAF}"/>
+            </a:ext>
+          </a:extLst>
+        </p:cNvPr>
+        <p:cNvGrpSpPr/>
+        <p:nvPr/>
+      </p:nvGrpSpPr>
+      <p:grpSpPr>
+        <a:xfrm>
+          <a:off x="0" y="0"/>
+          <a:ext cx="0" cy="0"/>
+          <a:chOff x="0" y="0"/>
+          <a:chExt cx="0" cy="0"/>
+        </a:xfrm>
+      </p:grpSpPr>
+      <p:sp>
+        <p:nvSpPr>
+          <p:cNvPr id="2" name="Título 1">
+            <a:extLst>
+              <a:ext uri="{FF2B5EF4-FFF2-40B4-BE49-F238E27FC236}">
+                <a16:creationId xmlns:a16="http://schemas.microsoft.com/office/drawing/2014/main" id="{1A1FCFB4-0532-43EF-0D85-37DF0EF9930C}"/>
+              </a:ext>
+            </a:extLst>
+          </p:cNvPr>
+          <p:cNvSpPr>
+            <a:spLocks noGrp="1"/>
+          </p:cNvSpPr>
+          <p:nvPr>
+            <p:ph type="title"/>
+          </p:nvPr>
+        </p:nvSpPr>
+        <p:spPr/>
+        <p:txBody>
+          <a:bodyPr/>
+          <a:lstStyle/>
+          <a:p>
+            <a:r>
+              <a:rPr lang="pt-BR" noProof="0" dirty="0"/>
+              <a:t>Introdução</a:t>
+            </a:r>
+          </a:p>
+        </p:txBody>
+      </p:sp>
+      <p:grpSp>
+        <p:nvGrpSpPr>
+          <p:cNvPr id="9" name="Group 8">
+            <a:extLst>
+              <a:ext uri="{FF2B5EF4-FFF2-40B4-BE49-F238E27FC236}">
+                <a16:creationId xmlns:a16="http://schemas.microsoft.com/office/drawing/2014/main" id="{5728F84C-B294-BA53-3A54-D03B3EB11F5C}"/>
+              </a:ext>
+            </a:extLst>
+          </p:cNvPr>
+          <p:cNvGrpSpPr/>
+          <p:nvPr/>
+        </p:nvGrpSpPr>
+        <p:grpSpPr>
+          <a:xfrm>
+            <a:off x="838200" y="4761569"/>
+            <a:ext cx="11353800" cy="1550019"/>
+            <a:chOff x="838200" y="4761569"/>
+            <a:chExt cx="11353800" cy="1550019"/>
+          </a:xfrm>
+        </p:grpSpPr>
+        <p:sp>
+          <p:nvSpPr>
+            <p:cNvPr id="4" name="Oval 3">
+              <a:extLst>
+                <a:ext uri="{FF2B5EF4-FFF2-40B4-BE49-F238E27FC236}">
+                  <a16:creationId xmlns:a16="http://schemas.microsoft.com/office/drawing/2014/main" id="{FFD0DD03-36A0-E30B-C1CF-D51C16934945}"/>
+                </a:ext>
+              </a:extLst>
+            </p:cNvPr>
+            <p:cNvSpPr/>
+            <p:nvPr/>
+          </p:nvSpPr>
+          <p:spPr>
+            <a:xfrm>
+              <a:off x="838200" y="4761569"/>
+              <a:ext cx="1550019" cy="1550019"/>
+            </a:xfrm>
+            <a:prstGeom prst="ellipse">
+              <a:avLst/>
+            </a:prstGeom>
+            <a:solidFill>
+              <a:srgbClr val="DF1F56"/>
+            </a:solidFill>
+            <a:ln>
+              <a:noFill/>
+            </a:ln>
+          </p:spPr>
+          <p:style>
+            <a:lnRef idx="2">
+              <a:schemeClr val="accent1">
+                <a:shade val="15000"/>
+              </a:schemeClr>
+            </a:lnRef>
+            <a:fillRef idx="1">
+              <a:schemeClr val="accent1"/>
+            </a:fillRef>
+            <a:effectRef idx="0">
+              <a:schemeClr val="accent1"/>
+            </a:effectRef>
+            <a:fontRef idx="minor">
+              <a:schemeClr val="lt1"/>
+            </a:fontRef>
+          </p:style>
+          <p:txBody>
+            <a:bodyPr rtlCol="0" anchor="ctr"/>
+            <a:lstStyle/>
+            <a:p>
+              <a:pPr algn="ctr"/>
+              <a:r>
+                <a:rPr lang="pt-BR" sz="2400" b="1" noProof="0" dirty="0"/>
+                <a:t>2014</a:t>
+              </a:r>
+              <a:endParaRPr lang="pt-BR" sz="1600" b="1" noProof="0" dirty="0"/>
+            </a:p>
+          </p:txBody>
+        </p:sp>
+        <p:cxnSp>
+          <p:nvCxnSpPr>
+            <p:cNvPr id="6" name="Straight Connector 5">
+              <a:extLst>
+                <a:ext uri="{FF2B5EF4-FFF2-40B4-BE49-F238E27FC236}">
+                  <a16:creationId xmlns:a16="http://schemas.microsoft.com/office/drawing/2014/main" id="{4083F411-8DED-650D-83A3-55D891053931}"/>
+                </a:ext>
+              </a:extLst>
+            </p:cNvPr>
+            <p:cNvCxnSpPr>
+              <a:cxnSpLocks/>
+            </p:cNvCxnSpPr>
+            <p:nvPr/>
+          </p:nvCxnSpPr>
+          <p:spPr>
+            <a:xfrm>
+              <a:off x="2094570" y="5536578"/>
+              <a:ext cx="10097430" cy="0"/>
+            </a:xfrm>
+            <a:prstGeom prst="line">
+              <a:avLst/>
+            </a:prstGeom>
+            <a:ln w="203200">
+              <a:solidFill>
+                <a:srgbClr val="DF1F56"/>
+              </a:solidFill>
+            </a:ln>
+          </p:spPr>
+          <p:style>
+            <a:lnRef idx="1">
+              <a:schemeClr val="accent1"/>
+            </a:lnRef>
+            <a:fillRef idx="0">
+              <a:schemeClr val="accent1"/>
+            </a:fillRef>
+            <a:effectRef idx="0">
+              <a:schemeClr val="accent1"/>
+            </a:effectRef>
+            <a:fontRef idx="minor">
+              <a:schemeClr val="tx1"/>
+            </a:fontRef>
+          </p:style>
+        </p:cxnSp>
+      </p:grpSp>
+      <p:sp>
+        <p:nvSpPr>
+          <p:cNvPr id="10" name="Espaço Reservado para Conteúdo 2">
+            <a:extLst>
+              <a:ext uri="{FF2B5EF4-FFF2-40B4-BE49-F238E27FC236}">
+                <a16:creationId xmlns:a16="http://schemas.microsoft.com/office/drawing/2014/main" id="{0FC28ABD-361E-EEE5-F5C4-B0A7B515D89B}"/>
+              </a:ext>
+            </a:extLst>
+          </p:cNvPr>
+          <p:cNvSpPr>
+            <a:spLocks noGrp="1"/>
+          </p:cNvSpPr>
+          <p:nvPr>
+            <p:ph idx="1"/>
+          </p:nvPr>
+        </p:nvSpPr>
+        <p:spPr>
+          <a:xfrm>
+            <a:off x="838200" y="1825626"/>
+            <a:ext cx="11026992" cy="2485116"/>
+          </a:xfrm>
+        </p:spPr>
+        <p:txBody>
+          <a:bodyPr>
+            <a:noAutofit/>
+          </a:bodyPr>
+          <a:lstStyle/>
+          <a:p>
+            <a:pPr marL="0" indent="0">
+              <a:buNone/>
+            </a:pPr>
+            <a:r>
+              <a:rPr lang="pt-BR" b="1" i="1" noProof="0" dirty="0"/>
+              <a:t>Mas ainda havia limitações:</a:t>
+            </a:r>
+            <a:endParaRPr lang="pt-BR" dirty="0"/>
+          </a:p>
+          <a:p>
+            <a:r>
+              <a:rPr lang="pt-BR" noProof="0" dirty="0"/>
+              <a:t>Mesmo resolvendo os problemas clássicos, introduziu problemas de performance</a:t>
+            </a:r>
+          </a:p>
+          <a:p>
+            <a:r>
+              <a:rPr lang="pt-BR" dirty="0"/>
+              <a:t>Poucos dados para treinamento;</a:t>
+            </a:r>
+          </a:p>
+          <a:p>
+            <a:r>
+              <a:rPr lang="pt-BR" dirty="0"/>
+              <a:t>Modelos em geral unidirecional</a:t>
+            </a:r>
+            <a:endParaRPr lang="pt-BR" noProof="0" dirty="0"/>
+          </a:p>
+        </p:txBody>
+      </p:sp>
+    </p:spTree>
+    <p:extLst>
+      <p:ext uri="{BB962C8B-B14F-4D97-AF65-F5344CB8AC3E}">
+        <p14:creationId xmlns:p14="http://schemas.microsoft.com/office/powerpoint/2010/main" val="2348951645"/>
+      </p:ext>
+    </p:extLst>
+  </p:cSld>
+  <p:clrMapOvr>
+    <a:masterClrMapping/>
+  </p:clrMapOvr>
+</p:sld>
+</file>
+
+<file path=ppt/slides/slide17.xml><?xml version="1.0" encoding="utf-8"?>
+<p:sld xmlns:a="http://schemas.openxmlformats.org/drawingml/2006/main" xmlns:r="http://schemas.openxmlformats.org/officeDocument/2006/relationships" xmlns:p="http://schemas.openxmlformats.org/presentationml/2006/main">
+  <p:cSld>
+    <p:spTree>
+      <p:nvGrpSpPr>
+        <p:cNvPr id="1" name="">
+          <a:extLst>
+            <a:ext uri="{FF2B5EF4-FFF2-40B4-BE49-F238E27FC236}">
+              <a16:creationId xmlns:a16="http://schemas.microsoft.com/office/drawing/2014/main" id="{DF77A7D9-4D41-CA46-9B35-6326F72C5D01}"/>
+            </a:ext>
+          </a:extLst>
+        </p:cNvPr>
+        <p:cNvGrpSpPr/>
+        <p:nvPr/>
+      </p:nvGrpSpPr>
+      <p:grpSpPr>
+        <a:xfrm>
+          <a:off x="0" y="0"/>
+          <a:ext cx="0" cy="0"/>
+          <a:chOff x="0" y="0"/>
+          <a:chExt cx="0" cy="0"/>
+        </a:xfrm>
+      </p:grpSpPr>
+      <p:grpSp>
+        <p:nvGrpSpPr>
+          <p:cNvPr id="10" name="Group 9">
+            <a:extLst>
+              <a:ext uri="{FF2B5EF4-FFF2-40B4-BE49-F238E27FC236}">
+                <a16:creationId xmlns:a16="http://schemas.microsoft.com/office/drawing/2014/main" id="{492A9AA1-EF06-ABFD-E203-9D9789F43E14}"/>
+              </a:ext>
+            </a:extLst>
+          </p:cNvPr>
+          <p:cNvGrpSpPr/>
+          <p:nvPr/>
+        </p:nvGrpSpPr>
+        <p:grpSpPr>
+          <a:xfrm>
+            <a:off x="838200" y="4761569"/>
+            <a:ext cx="11353800" cy="1550019"/>
+            <a:chOff x="838200" y="4761569"/>
+            <a:chExt cx="11353800" cy="1550019"/>
+          </a:xfrm>
+        </p:grpSpPr>
+        <p:cxnSp>
+          <p:nvCxnSpPr>
+            <p:cNvPr id="12" name="Straight Connector 11">
+              <a:extLst>
+                <a:ext uri="{FF2B5EF4-FFF2-40B4-BE49-F238E27FC236}">
+                  <a16:creationId xmlns:a16="http://schemas.microsoft.com/office/drawing/2014/main" id="{EDBF62B1-1D80-DD59-C26A-5F96D975725E}"/>
+                </a:ext>
+              </a:extLst>
+            </p:cNvPr>
+            <p:cNvCxnSpPr>
+              <a:cxnSpLocks/>
+            </p:cNvCxnSpPr>
+            <p:nvPr/>
+          </p:nvCxnSpPr>
+          <p:spPr>
+            <a:xfrm>
+              <a:off x="2094570" y="5536578"/>
+              <a:ext cx="10097430" cy="0"/>
+            </a:xfrm>
+            <a:prstGeom prst="line">
+              <a:avLst/>
+            </a:prstGeom>
+            <a:ln w="203200">
+              <a:solidFill>
+                <a:srgbClr val="DF1F56"/>
+              </a:solidFill>
+            </a:ln>
+          </p:spPr>
+          <p:style>
+            <a:lnRef idx="1">
+              <a:schemeClr val="accent1"/>
+            </a:lnRef>
+            <a:fillRef idx="0">
+              <a:schemeClr val="accent1"/>
+            </a:fillRef>
+            <a:effectRef idx="0">
+              <a:schemeClr val="accent1"/>
+            </a:effectRef>
+            <a:fontRef idx="minor">
+              <a:schemeClr val="tx1"/>
+            </a:fontRef>
+          </p:style>
+        </p:cxnSp>
+        <p:sp>
+          <p:nvSpPr>
+            <p:cNvPr id="11" name="Oval 10">
+              <a:extLst>
+                <a:ext uri="{FF2B5EF4-FFF2-40B4-BE49-F238E27FC236}">
+                  <a16:creationId xmlns:a16="http://schemas.microsoft.com/office/drawing/2014/main" id="{01A6C37A-B4B4-BD0F-B919-040DF92B68B7}"/>
+                </a:ext>
+              </a:extLst>
+            </p:cNvPr>
+            <p:cNvSpPr/>
+            <p:nvPr/>
+          </p:nvSpPr>
+          <p:spPr>
+            <a:xfrm>
+              <a:off x="838200" y="4761569"/>
+              <a:ext cx="1550019" cy="1550019"/>
+            </a:xfrm>
+            <a:prstGeom prst="ellipse">
+              <a:avLst/>
+            </a:prstGeom>
+            <a:solidFill>
+              <a:srgbClr val="DF1F56"/>
+            </a:solidFill>
+            <a:ln>
+              <a:noFill/>
+            </a:ln>
+          </p:spPr>
+          <p:style>
+            <a:lnRef idx="2">
+              <a:schemeClr val="accent1">
+                <a:shade val="15000"/>
+              </a:schemeClr>
+            </a:lnRef>
+            <a:fillRef idx="1">
+              <a:schemeClr val="accent1"/>
+            </a:fillRef>
+            <a:effectRef idx="0">
+              <a:schemeClr val="accent1"/>
+            </a:effectRef>
+            <a:fontRef idx="minor">
+              <a:schemeClr val="lt1"/>
+            </a:fontRef>
+          </p:style>
+          <p:txBody>
+            <a:bodyPr rtlCol="0" anchor="ctr"/>
+            <a:lstStyle/>
+            <a:p>
+              <a:pPr algn="ctr"/>
+              <a:r>
+                <a:rPr lang="pt-BR" sz="2400" b="1" noProof="0" dirty="0">
+                  <a:solidFill>
+                    <a:schemeClr val="bg1"/>
+                  </a:solidFill>
+                </a:rPr>
+                <a:t>2014</a:t>
+              </a:r>
+            </a:p>
+          </p:txBody>
+        </p:sp>
+      </p:grpSp>
+      <p:grpSp>
+        <p:nvGrpSpPr>
+          <p:cNvPr id="7" name="Group 6">
+            <a:extLst>
+              <a:ext uri="{FF2B5EF4-FFF2-40B4-BE49-F238E27FC236}">
+                <a16:creationId xmlns:a16="http://schemas.microsoft.com/office/drawing/2014/main" id="{1CC10795-C28B-7D9F-0F3A-08F7361B809C}"/>
+              </a:ext>
+            </a:extLst>
+          </p:cNvPr>
+          <p:cNvGrpSpPr/>
+          <p:nvPr/>
+        </p:nvGrpSpPr>
+        <p:grpSpPr>
+          <a:xfrm>
+            <a:off x="838198" y="4761568"/>
+            <a:ext cx="11353800" cy="1550019"/>
+            <a:chOff x="838200" y="4761569"/>
+            <a:chExt cx="11353800" cy="1550019"/>
+          </a:xfrm>
+        </p:grpSpPr>
+        <p:sp>
+          <p:nvSpPr>
+            <p:cNvPr id="8" name="Oval 7">
+              <a:extLst>
+                <a:ext uri="{FF2B5EF4-FFF2-40B4-BE49-F238E27FC236}">
+                  <a16:creationId xmlns:a16="http://schemas.microsoft.com/office/drawing/2014/main" id="{EC93BA01-31CD-97F9-9FFF-E851936BB81A}"/>
+                </a:ext>
+              </a:extLst>
+            </p:cNvPr>
+            <p:cNvSpPr/>
+            <p:nvPr/>
+          </p:nvSpPr>
+          <p:spPr>
+            <a:xfrm>
+              <a:off x="838200" y="4761569"/>
+              <a:ext cx="1550019" cy="1550019"/>
+            </a:xfrm>
+            <a:prstGeom prst="ellipse">
+              <a:avLst/>
+            </a:prstGeom>
+            <a:solidFill>
+              <a:srgbClr val="942092"/>
+            </a:solidFill>
+            <a:ln>
+              <a:noFill/>
+            </a:ln>
+          </p:spPr>
+          <p:style>
+            <a:lnRef idx="2">
+              <a:schemeClr val="accent1">
+                <a:shade val="15000"/>
+              </a:schemeClr>
+            </a:lnRef>
+            <a:fillRef idx="1">
+              <a:schemeClr val="accent1"/>
+            </a:fillRef>
+            <a:effectRef idx="0">
+              <a:schemeClr val="accent1"/>
+            </a:effectRef>
+            <a:fontRef idx="minor">
+              <a:schemeClr val="lt1"/>
+            </a:fontRef>
+          </p:style>
+          <p:txBody>
+            <a:bodyPr rtlCol="0" anchor="ctr"/>
+            <a:lstStyle/>
+            <a:p>
+              <a:pPr algn="ctr"/>
+              <a:r>
+                <a:rPr lang="pt-BR" sz="2400" b="1" dirty="0">
+                  <a:solidFill>
+                    <a:schemeClr val="bg1"/>
+                  </a:solidFill>
+                </a:rPr>
+                <a:t>2018</a:t>
+              </a:r>
+              <a:endParaRPr lang="pt-BR" sz="1600" b="1" noProof="0" dirty="0">
+                <a:solidFill>
+                  <a:schemeClr val="bg1"/>
+                </a:solidFill>
+              </a:endParaRPr>
+            </a:p>
+          </p:txBody>
+        </p:sp>
+        <p:cxnSp>
+          <p:nvCxnSpPr>
+            <p:cNvPr id="9" name="Straight Connector 8">
+              <a:extLst>
+                <a:ext uri="{FF2B5EF4-FFF2-40B4-BE49-F238E27FC236}">
+                  <a16:creationId xmlns:a16="http://schemas.microsoft.com/office/drawing/2014/main" id="{ABDC47EF-040D-6A07-2328-2F7897D2FF9F}"/>
+                </a:ext>
+              </a:extLst>
+            </p:cNvPr>
+            <p:cNvCxnSpPr>
+              <a:cxnSpLocks/>
+            </p:cNvCxnSpPr>
+            <p:nvPr/>
+          </p:nvCxnSpPr>
+          <p:spPr>
+            <a:xfrm>
+              <a:off x="2094570" y="5536578"/>
+              <a:ext cx="10097430" cy="0"/>
+            </a:xfrm>
+            <a:prstGeom prst="line">
+              <a:avLst/>
+            </a:prstGeom>
+            <a:ln w="203200">
+              <a:solidFill>
+                <a:srgbClr val="942092"/>
+              </a:solidFill>
+            </a:ln>
+          </p:spPr>
+          <p:style>
+            <a:lnRef idx="1">
+              <a:schemeClr val="accent1"/>
+            </a:lnRef>
+            <a:fillRef idx="0">
+              <a:schemeClr val="accent1"/>
+            </a:fillRef>
+            <a:effectRef idx="0">
+              <a:schemeClr val="accent1"/>
+            </a:effectRef>
+            <a:fontRef idx="minor">
+              <a:schemeClr val="tx1"/>
+            </a:fontRef>
+          </p:style>
+        </p:cxnSp>
+      </p:grpSp>
+      <p:sp>
+        <p:nvSpPr>
+          <p:cNvPr id="2" name="Título 1">
+            <a:extLst>
+              <a:ext uri="{FF2B5EF4-FFF2-40B4-BE49-F238E27FC236}">
+                <a16:creationId xmlns:a16="http://schemas.microsoft.com/office/drawing/2014/main" id="{29CB4306-B60D-6885-3D27-4E493367F7A7}"/>
+              </a:ext>
+            </a:extLst>
+          </p:cNvPr>
+          <p:cNvSpPr>
+            <a:spLocks noGrp="1"/>
+          </p:cNvSpPr>
+          <p:nvPr>
+            <p:ph type="title"/>
+          </p:nvPr>
+        </p:nvSpPr>
+        <p:spPr/>
+        <p:txBody>
+          <a:bodyPr/>
+          <a:lstStyle/>
+          <a:p>
+            <a:r>
+              <a:rPr lang="pt-BR" noProof="0" dirty="0"/>
+              <a:t>Introdução</a:t>
+            </a:r>
+          </a:p>
+        </p:txBody>
+      </p:sp>
+      <p:sp>
+        <p:nvSpPr>
+          <p:cNvPr id="3" name="Espaço Reservado para Conteúdo 2">
+            <a:extLst>
+              <a:ext uri="{FF2B5EF4-FFF2-40B4-BE49-F238E27FC236}">
+                <a16:creationId xmlns:a16="http://schemas.microsoft.com/office/drawing/2014/main" id="{3DE438BF-56D7-4D65-A724-796A284BA7A7}"/>
+              </a:ext>
+            </a:extLst>
+          </p:cNvPr>
+          <p:cNvSpPr>
+            <a:spLocks noGrp="1"/>
+          </p:cNvSpPr>
+          <p:nvPr>
+            <p:ph idx="1"/>
+          </p:nvPr>
+        </p:nvSpPr>
+        <p:spPr>
+          <a:xfrm>
+            <a:off x="838200" y="1825626"/>
+            <a:ext cx="10515600" cy="1603374"/>
+          </a:xfrm>
+        </p:spPr>
+        <p:txBody>
+          <a:bodyPr>
+            <a:normAutofit/>
+          </a:bodyPr>
+          <a:lstStyle/>
+          <a:p>
+            <a:pPr marL="0" indent="0">
+              <a:buNone/>
+            </a:pPr>
+            <a:r>
+              <a:rPr lang="pt-BR" b="1" i="1" noProof="0" dirty="0" err="1"/>
+              <a:t>Transfer</a:t>
+            </a:r>
+            <a:r>
+              <a:rPr lang="pt-BR" b="1" i="1" noProof="0" dirty="0"/>
+              <a:t> Learning</a:t>
+            </a:r>
+            <a:endParaRPr lang="pt-BR" noProof="0" dirty="0"/>
+          </a:p>
+          <a:p>
+            <a:r>
+              <a:rPr lang="en-US" dirty="0"/>
+              <a:t>Uso de </a:t>
+            </a:r>
+            <a:r>
+              <a:rPr lang="en-US" dirty="0" err="1"/>
+              <a:t>pré-treinamento</a:t>
+            </a:r>
+            <a:r>
+              <a:rPr lang="en-US" dirty="0"/>
+              <a:t> + </a:t>
+            </a:r>
+            <a:r>
+              <a:rPr lang="en-US" i="1" dirty="0"/>
+              <a:t>fine-tunning </a:t>
+            </a:r>
+            <a:r>
+              <a:rPr lang="en-US" dirty="0"/>
+              <a:t>context </a:t>
+            </a:r>
+            <a:r>
+              <a:rPr lang="en-US" dirty="0" err="1"/>
+              <a:t>bidirecional</a:t>
+            </a:r>
+            <a:endParaRPr lang="en-US" dirty="0"/>
+          </a:p>
+          <a:p>
+            <a:r>
+              <a:rPr lang="pt-BR" dirty="0"/>
+              <a:t>Exemplo</a:t>
+            </a:r>
+            <a:r>
+              <a:rPr lang="pt-BR" noProof="0" dirty="0"/>
+              <a:t>: </a:t>
+            </a:r>
+            <a:r>
+              <a:rPr lang="en-US" noProof="0" dirty="0"/>
+              <a:t>BERT</a:t>
+            </a:r>
+            <a:endParaRPr lang="pt-BR" b="1" noProof="0" dirty="0"/>
+          </a:p>
+          <a:p>
+            <a:endParaRPr lang="pt-BR" noProof="0" dirty="0"/>
+          </a:p>
+          <a:p>
+            <a:endParaRPr lang="pt-BR" noProof="0" dirty="0"/>
+          </a:p>
+          <a:p>
+            <a:pPr marL="0" indent="0">
+              <a:buNone/>
+            </a:pPr>
+            <a:endParaRPr lang="pt-BR" noProof="0" dirty="0"/>
+          </a:p>
+        </p:txBody>
+      </p:sp>
+    </p:spTree>
+    <p:extLst>
+      <p:ext uri="{BB962C8B-B14F-4D97-AF65-F5344CB8AC3E}">
+        <p14:creationId xmlns:p14="http://schemas.microsoft.com/office/powerpoint/2010/main" val="230333495"/>
+      </p:ext>
+    </p:extLst>
+  </p:cSld>
+  <p:clrMapOvr>
+    <a:masterClrMapping/>
+  </p:clrMapOvr>
+  <p:timing>
+    <p:tnLst>
+      <p:par>
+        <p:cTn id="1" dur="indefinite" restart="never" nodeType="tmRoot">
+          <p:childTnLst>
+            <p:seq concurrent="1" nextAc="seek">
+              <p:cTn id="2" dur="indefinite" nodeType="mainSeq">
+                <p:childTnLst>
+                  <p:par>
+                    <p:cTn id="3" fill="hold">
+                      <p:stCondLst>
+                        <p:cond delay="indefinite"/>
+                        <p:cond evt="onBegin" delay="0">
+                          <p:tn val="2"/>
+                        </p:cond>
+                      </p:stCondLst>
+                      <p:childTnLst>
+                        <p:par>
+                          <p:cTn id="4" fill="hold">
+                            <p:stCondLst>
+                              <p:cond delay="0"/>
+                            </p:stCondLst>
+                            <p:childTnLst>
+                              <p:par>
+                                <p:cTn id="5" presetID="2" presetClass="entr" presetSubtype="2" fill="hold" nodeType="withEffect">
+                                  <p:stCondLst>
+                                    <p:cond delay="0"/>
+                                  </p:stCondLst>
+                                  <p:childTnLst>
+                                    <p:set>
+                                      <p:cBhvr>
+                                        <p:cTn id="6" dur="1" fill="hold">
+                                          <p:stCondLst>
+                                            <p:cond delay="0"/>
+                                          </p:stCondLst>
+                                        </p:cTn>
+                                        <p:tgtEl>
+                                          <p:spTgt spid="7"/>
+                                        </p:tgtEl>
+                                        <p:attrNameLst>
+                                          <p:attrName>style.visibility</p:attrName>
+                                        </p:attrNameLst>
+                                      </p:cBhvr>
+                                      <p:to>
+                                        <p:strVal val="visible"/>
+                                      </p:to>
+                                    </p:set>
+                                    <p:anim calcmode="lin" valueType="num">
+                                      <p:cBhvr additive="base">
+                                        <p:cTn id="7" dur="1500" fill="hold"/>
+                                        <p:tgtEl>
+                                          <p:spTgt spid="7"/>
+                                        </p:tgtEl>
+                                        <p:attrNameLst>
+                                          <p:attrName>ppt_x</p:attrName>
+                                        </p:attrNameLst>
+                                      </p:cBhvr>
+                                      <p:tavLst>
+                                        <p:tav tm="0">
+                                          <p:val>
+                                            <p:strVal val="1+#ppt_w/2"/>
+                                          </p:val>
+                                        </p:tav>
+                                        <p:tav tm="100000">
+                                          <p:val>
+                                            <p:strVal val="#ppt_x"/>
+                                          </p:val>
+                                        </p:tav>
+                                      </p:tavLst>
+                                    </p:anim>
+                                    <p:anim calcmode="lin" valueType="num">
+                                      <p:cBhvr additive="base">
+                                        <p:cTn id="8" dur="1500" fill="hold"/>
+                                        <p:tgtEl>
+                                          <p:spTgt spid="7"/>
+                                        </p:tgtEl>
+                                        <p:attrNameLst>
+                                          <p:attrName>ppt_y</p:attrName>
+                                        </p:attrNameLst>
+                                      </p:cBhvr>
+                                      <p:tavLst>
+                                        <p:tav tm="0">
+                                          <p:val>
+                                            <p:strVal val="#ppt_y"/>
+                                          </p:val>
+                                        </p:tav>
+                                        <p:tav tm="100000">
+                                          <p:val>
+                                            <p:strVal val="#ppt_y"/>
+                                          </p:val>
+                                        </p:tav>
+                                      </p:tavLst>
+                                    </p:anim>
+                                  </p:childTnLst>
+                                </p:cTn>
+                              </p:par>
+                            </p:childTnLst>
+                          </p:cTn>
+                        </p:par>
+                      </p:childTnLst>
+                    </p:cTn>
+                  </p:par>
+                </p:childTnLst>
+              </p:cTn>
+              <p:prevCondLst>
+                <p:cond evt="onPrev" delay="0">
+                  <p:tgtEl>
+                    <p:sldTgt/>
+                  </p:tgtEl>
+                </p:cond>
+              </p:prevCondLst>
+              <p:nextCondLst>
+                <p:cond evt="onNext" delay="0">
+                  <p:tgtEl>
+                    <p:sldTgt/>
+                  </p:tgtEl>
+                </p:cond>
+              </p:nextCondLst>
+            </p:seq>
+          </p:childTnLst>
+        </p:cTn>
+      </p:par>
+    </p:tnLst>
+  </p:timing>
+</p:sld>
+</file>
+
+<file path=ppt/slides/slide18.xml><?xml version="1.0" encoding="utf-8"?>
+<p:sld xmlns:a="http://schemas.openxmlformats.org/drawingml/2006/main" xmlns:r="http://schemas.openxmlformats.org/officeDocument/2006/relationships" xmlns:p="http://schemas.openxmlformats.org/presentationml/2006/main">
+  <p:cSld>
+    <p:spTree>
+      <p:nvGrpSpPr>
+        <p:cNvPr id="1" name="">
+          <a:extLst>
+            <a:ext uri="{FF2B5EF4-FFF2-40B4-BE49-F238E27FC236}">
+              <a16:creationId xmlns:a16="http://schemas.microsoft.com/office/drawing/2014/main" id="{4C5FF49E-EDDE-D781-5426-2944CB9CDAA9}"/>
+            </a:ext>
+          </a:extLst>
+        </p:cNvPr>
+        <p:cNvGrpSpPr/>
+        <p:nvPr/>
+      </p:nvGrpSpPr>
+      <p:grpSpPr>
+        <a:xfrm>
+          <a:off x="0" y="0"/>
+          <a:ext cx="0" cy="0"/>
+          <a:chOff x="0" y="0"/>
+          <a:chExt cx="0" cy="0"/>
+        </a:xfrm>
+      </p:grpSpPr>
+      <p:sp>
+        <p:nvSpPr>
+          <p:cNvPr id="2" name="Título 1">
+            <a:extLst>
+              <a:ext uri="{FF2B5EF4-FFF2-40B4-BE49-F238E27FC236}">
+                <a16:creationId xmlns:a16="http://schemas.microsoft.com/office/drawing/2014/main" id="{C4F54B40-E718-5805-30D9-3652E66FAFA6}"/>
+              </a:ext>
+            </a:extLst>
+          </p:cNvPr>
+          <p:cNvSpPr>
+            <a:spLocks noGrp="1"/>
+          </p:cNvSpPr>
+          <p:nvPr>
+            <p:ph type="title"/>
+          </p:nvPr>
+        </p:nvSpPr>
+        <p:spPr/>
+        <p:txBody>
+          <a:bodyPr/>
+          <a:lstStyle/>
+          <a:p>
+            <a:r>
+              <a:rPr lang="pt-BR" noProof="0" dirty="0"/>
+              <a:t>Introdução</a:t>
+            </a:r>
+          </a:p>
+        </p:txBody>
+      </p:sp>
+      <p:grpSp>
+        <p:nvGrpSpPr>
+          <p:cNvPr id="9" name="Group 8">
+            <a:extLst>
+              <a:ext uri="{FF2B5EF4-FFF2-40B4-BE49-F238E27FC236}">
+                <a16:creationId xmlns:a16="http://schemas.microsoft.com/office/drawing/2014/main" id="{7F7D37A0-9998-41C7-6EE8-C86F21CF88E2}"/>
+              </a:ext>
+            </a:extLst>
+          </p:cNvPr>
+          <p:cNvGrpSpPr/>
+          <p:nvPr/>
+        </p:nvGrpSpPr>
+        <p:grpSpPr>
+          <a:xfrm>
+            <a:off x="838200" y="4761569"/>
+            <a:ext cx="11353800" cy="1550019"/>
+            <a:chOff x="838200" y="4761569"/>
+            <a:chExt cx="11353800" cy="1550019"/>
+          </a:xfrm>
+        </p:grpSpPr>
+        <p:sp>
+          <p:nvSpPr>
+            <p:cNvPr id="4" name="Oval 3">
+              <a:extLst>
+                <a:ext uri="{FF2B5EF4-FFF2-40B4-BE49-F238E27FC236}">
+                  <a16:creationId xmlns:a16="http://schemas.microsoft.com/office/drawing/2014/main" id="{2F066B6B-2DFB-9A59-095A-C2513BC5EE3B}"/>
+                </a:ext>
+              </a:extLst>
+            </p:cNvPr>
+            <p:cNvSpPr/>
+            <p:nvPr/>
+          </p:nvSpPr>
+          <p:spPr>
+            <a:xfrm>
+              <a:off x="838200" y="4761569"/>
+              <a:ext cx="1550019" cy="1550019"/>
+            </a:xfrm>
+            <a:prstGeom prst="ellipse">
+              <a:avLst/>
+            </a:prstGeom>
+            <a:solidFill>
+              <a:srgbClr val="942092"/>
+            </a:solidFill>
+            <a:ln>
+              <a:noFill/>
+            </a:ln>
+          </p:spPr>
+          <p:style>
+            <a:lnRef idx="2">
+              <a:schemeClr val="accent1">
+                <a:shade val="15000"/>
+              </a:schemeClr>
+            </a:lnRef>
+            <a:fillRef idx="1">
+              <a:schemeClr val="accent1"/>
+            </a:fillRef>
+            <a:effectRef idx="0">
+              <a:schemeClr val="accent1"/>
+            </a:effectRef>
+            <a:fontRef idx="minor">
+              <a:schemeClr val="lt1"/>
+            </a:fontRef>
+          </p:style>
+          <p:txBody>
+            <a:bodyPr rtlCol="0" anchor="ctr"/>
+            <a:lstStyle/>
+            <a:p>
+              <a:pPr algn="ctr"/>
+              <a:r>
+                <a:rPr lang="pt-BR" sz="2400" b="1" noProof="0" dirty="0"/>
+                <a:t>2018</a:t>
+              </a:r>
+              <a:endParaRPr lang="pt-BR" sz="1600" b="1" noProof="0" dirty="0"/>
+            </a:p>
+          </p:txBody>
+        </p:sp>
+        <p:cxnSp>
+          <p:nvCxnSpPr>
+            <p:cNvPr id="6" name="Straight Connector 5">
+              <a:extLst>
+                <a:ext uri="{FF2B5EF4-FFF2-40B4-BE49-F238E27FC236}">
+                  <a16:creationId xmlns:a16="http://schemas.microsoft.com/office/drawing/2014/main" id="{D9BAF32C-71EB-F71A-0425-2D260D155C5B}"/>
+                </a:ext>
+              </a:extLst>
+            </p:cNvPr>
+            <p:cNvCxnSpPr>
+              <a:cxnSpLocks/>
+            </p:cNvCxnSpPr>
+            <p:nvPr/>
+          </p:nvCxnSpPr>
+          <p:spPr>
+            <a:xfrm>
+              <a:off x="2094570" y="5536578"/>
+              <a:ext cx="10097430" cy="0"/>
+            </a:xfrm>
+            <a:prstGeom prst="line">
+              <a:avLst/>
+            </a:prstGeom>
+            <a:ln w="203200">
+              <a:solidFill>
+                <a:srgbClr val="942092"/>
+              </a:solidFill>
+            </a:ln>
+          </p:spPr>
+          <p:style>
+            <a:lnRef idx="1">
+              <a:schemeClr val="accent1"/>
+            </a:lnRef>
+            <a:fillRef idx="0">
+              <a:schemeClr val="accent1"/>
+            </a:fillRef>
+            <a:effectRef idx="0">
+              <a:schemeClr val="accent1"/>
+            </a:effectRef>
+            <a:fontRef idx="minor">
+              <a:schemeClr val="tx1"/>
+            </a:fontRef>
+          </p:style>
+        </p:cxnSp>
+      </p:grpSp>
+      <p:sp>
+        <p:nvSpPr>
+          <p:cNvPr id="10" name="Espaço Reservado para Conteúdo 2">
+            <a:extLst>
+              <a:ext uri="{FF2B5EF4-FFF2-40B4-BE49-F238E27FC236}">
+                <a16:creationId xmlns:a16="http://schemas.microsoft.com/office/drawing/2014/main" id="{AD182A57-7368-29FC-055E-42581A91B012}"/>
+              </a:ext>
+            </a:extLst>
+          </p:cNvPr>
+          <p:cNvSpPr>
+            <a:spLocks noGrp="1"/>
+          </p:cNvSpPr>
+          <p:nvPr>
+            <p:ph idx="1"/>
+          </p:nvPr>
+        </p:nvSpPr>
+        <p:spPr>
+          <a:xfrm>
+            <a:off x="838200" y="1825626"/>
+            <a:ext cx="11026992" cy="1189711"/>
+          </a:xfrm>
+        </p:spPr>
+        <p:txBody>
+          <a:bodyPr>
+            <a:noAutofit/>
+          </a:bodyPr>
+          <a:lstStyle/>
+          <a:p>
+            <a:pPr marL="0" indent="0">
+              <a:buNone/>
+            </a:pPr>
+            <a:r>
+              <a:rPr lang="pt-BR" b="1" i="1" noProof="0" dirty="0"/>
+              <a:t>Exemplo</a:t>
+            </a:r>
+            <a:r>
+              <a:rPr lang="pt-BR" b="1" i="1" dirty="0"/>
+              <a:t>:</a:t>
+            </a:r>
+            <a:endParaRPr lang="pt-BR" b="1" i="1" noProof="0" dirty="0"/>
+          </a:p>
+        </p:txBody>
+      </p:sp>
+      <p:sp>
+        <p:nvSpPr>
+          <p:cNvPr id="8" name="TextBox 7">
+            <a:extLst>
+              <a:ext uri="{FF2B5EF4-FFF2-40B4-BE49-F238E27FC236}">
+                <a16:creationId xmlns:a16="http://schemas.microsoft.com/office/drawing/2014/main" id="{DEF67A28-5EF3-9DB9-ECE6-641AC9BC3FC4}"/>
+              </a:ext>
+            </a:extLst>
+          </p:cNvPr>
+          <p:cNvSpPr txBox="1"/>
+          <p:nvPr/>
+        </p:nvSpPr>
+        <p:spPr>
+          <a:xfrm>
+            <a:off x="838200" y="2775271"/>
+            <a:ext cx="4072462" cy="480131"/>
+          </a:xfrm>
+          <a:prstGeom prst="rect">
+            <a:avLst/>
+          </a:prstGeom>
+          <a:noFill/>
+        </p:spPr>
+        <p:txBody>
+          <a:bodyPr wrap="none" rtlCol="0">
+            <a:spAutoFit/>
+          </a:bodyPr>
+          <a:lstStyle/>
+          <a:p>
+            <a:pPr marL="0" marR="0" lvl="0" indent="0" algn="l" defTabSz="914400" rtl="0" eaLnBrk="1" fontAlgn="auto" latinLnBrk="0" hangingPunct="1">
+              <a:lnSpc>
+                <a:spcPct val="90000"/>
+              </a:lnSpc>
+              <a:spcBef>
+                <a:spcPts val="1000"/>
+              </a:spcBef>
+              <a:spcAft>
+                <a:spcPts val="0"/>
+              </a:spcAft>
+              <a:buClrTx/>
+              <a:buSzTx/>
+              <a:buFont typeface="Arial" panose="020B0604020202020204" pitchFamily="34" charset="0"/>
+              <a:buNone/>
+              <a:tabLst/>
+              <a:defRPr/>
+            </a:pPr>
+            <a:r>
+              <a:rPr lang="pt-BR" sz="2800" i="1" dirty="0">
+                <a:solidFill>
+                  <a:prstClr val="black"/>
+                </a:solidFill>
+                <a:latin typeface="Calibri" panose="020F0502020204030204"/>
+              </a:rPr>
+              <a:t>Roma é a [MASK] da Itália.</a:t>
+            </a:r>
+            <a:endParaRPr kumimoji="0" lang="pt-BR" sz="2800" i="1" u="none" strike="noStrike" kern="1200" cap="none" spc="0" normalizeH="0" baseline="0" noProof="0" dirty="0">
+              <a:ln>
+                <a:noFill/>
+              </a:ln>
+              <a:solidFill>
+                <a:prstClr val="black"/>
+              </a:solidFill>
+              <a:effectLst/>
+              <a:uLnTx/>
+              <a:uFillTx/>
+              <a:latin typeface="Calibri" panose="020F0502020204030204"/>
+              <a:ea typeface="+mn-ea"/>
+              <a:cs typeface="+mn-cs"/>
+            </a:endParaRPr>
+          </a:p>
+        </p:txBody>
+      </p:sp>
+      <p:sp>
+        <p:nvSpPr>
+          <p:cNvPr id="3" name="TextBox 2">
+            <a:extLst>
+              <a:ext uri="{FF2B5EF4-FFF2-40B4-BE49-F238E27FC236}">
+                <a16:creationId xmlns:a16="http://schemas.microsoft.com/office/drawing/2014/main" id="{58B1C8B4-95FD-2C6B-AC5D-6EA58C11B39C}"/>
+              </a:ext>
+            </a:extLst>
+          </p:cNvPr>
+          <p:cNvSpPr txBox="1"/>
+          <p:nvPr/>
+        </p:nvSpPr>
+        <p:spPr>
+          <a:xfrm>
+            <a:off x="5018314" y="3592286"/>
+            <a:ext cx="1186992" cy="523220"/>
+          </a:xfrm>
+          <a:prstGeom prst="rect">
+            <a:avLst/>
+          </a:prstGeom>
+          <a:noFill/>
+        </p:spPr>
+        <p:txBody>
+          <a:bodyPr wrap="none" rtlCol="0">
+            <a:spAutoFit/>
+          </a:bodyPr>
+          <a:lstStyle/>
+          <a:p>
+            <a:r>
+              <a:rPr lang="pt-BR" sz="2800" dirty="0"/>
+              <a:t>Capital</a:t>
+            </a:r>
+          </a:p>
+        </p:txBody>
+      </p:sp>
+      <p:cxnSp>
+        <p:nvCxnSpPr>
+          <p:cNvPr id="7" name="Straight Arrow Connector 6">
+            <a:extLst>
+              <a:ext uri="{FF2B5EF4-FFF2-40B4-BE49-F238E27FC236}">
+                <a16:creationId xmlns:a16="http://schemas.microsoft.com/office/drawing/2014/main" id="{734155F9-E221-C33C-A1C6-13563CDEEA21}"/>
+              </a:ext>
+            </a:extLst>
+          </p:cNvPr>
+          <p:cNvCxnSpPr>
+            <a:stCxn id="3" idx="1"/>
+          </p:cNvCxnSpPr>
+          <p:nvPr/>
+        </p:nvCxnSpPr>
+        <p:spPr>
+          <a:xfrm flipH="1" flipV="1">
+            <a:off x="3331029" y="3255402"/>
+            <a:ext cx="1687285" cy="598494"/>
+          </a:xfrm>
+          <a:prstGeom prst="straightConnector1">
+            <a:avLst/>
+          </a:prstGeom>
+          <a:ln w="25400">
+            <a:tailEnd type="triangle"/>
+          </a:ln>
+        </p:spPr>
+        <p:style>
+          <a:lnRef idx="1">
+            <a:schemeClr val="accent1"/>
+          </a:lnRef>
+          <a:fillRef idx="0">
+            <a:schemeClr val="accent1"/>
+          </a:fillRef>
+          <a:effectRef idx="0">
+            <a:schemeClr val="accent1"/>
+          </a:effectRef>
+          <a:fontRef idx="minor">
+            <a:schemeClr val="tx1"/>
+          </a:fontRef>
+        </p:style>
+      </p:cxnSp>
+    </p:spTree>
+    <p:extLst>
+      <p:ext uri="{BB962C8B-B14F-4D97-AF65-F5344CB8AC3E}">
+        <p14:creationId xmlns:p14="http://schemas.microsoft.com/office/powerpoint/2010/main" val="2297377225"/>
+      </p:ext>
+    </p:extLst>
+  </p:cSld>
+  <p:clrMapOvr>
+    <a:masterClrMapping/>
+  </p:clrMapOvr>
+  <p:timing>
+    <p:tnLst>
+      <p:par>
+        <p:cTn id="1" dur="indefinite" restart="never" nodeType="tmRoot">
+          <p:childTnLst>
+            <p:seq concurrent="1" nextAc="seek">
+              <p:cTn id="2" dur="indefinite" nodeType="mainSeq">
+                <p:childTnLst>
+                  <p:par>
+                    <p:cTn id="3" fill="hold">
+                      <p:stCondLst>
+                        <p:cond delay="indefinite"/>
+                      </p:stCondLst>
+                      <p:childTnLst>
+                        <p:par>
+                          <p:cTn id="4" fill="hold">
+                            <p:stCondLst>
+                              <p:cond delay="0"/>
+                            </p:stCondLst>
+                            <p:childTnLst>
+                              <p:par>
+                                <p:cTn id="5" presetID="1" presetClass="entr" presetSubtype="0" fill="hold" nodeType="clickEffect">
+                                  <p:stCondLst>
+                                    <p:cond delay="0"/>
+                                  </p:stCondLst>
+                                  <p:childTnLst>
+                                    <p:set>
+                                      <p:cBhvr>
+                                        <p:cTn id="6" dur="1" fill="hold">
+                                          <p:stCondLst>
+                                            <p:cond delay="0"/>
+                                          </p:stCondLst>
+                                        </p:cTn>
+                                        <p:tgtEl>
+                                          <p:spTgt spid="7"/>
+                                        </p:tgtEl>
+                                        <p:attrNameLst>
+                                          <p:attrName>style.visibility</p:attrName>
+                                        </p:attrNameLst>
+                                      </p:cBhvr>
+                                      <p:to>
+                                        <p:strVal val="visible"/>
+                                      </p:to>
+                                    </p:set>
+                                  </p:childTnLst>
+                                </p:cTn>
+                              </p:par>
+                              <p:par>
+                                <p:cTn id="7" presetID="1" presetClass="entr" presetSubtype="0" fill="hold" grpId="0" nodeType="withEffect">
+                                  <p:stCondLst>
+                                    <p:cond delay="0"/>
+                                  </p:stCondLst>
+                                  <p:childTnLst>
+                                    <p:set>
+                                      <p:cBhvr>
+                                        <p:cTn id="8" dur="1" fill="hold">
+                                          <p:stCondLst>
+                                            <p:cond delay="0"/>
+                                          </p:stCondLst>
+                                        </p:cTn>
+                                        <p:tgtEl>
+                                          <p:spTgt spid="3"/>
+                                        </p:tgtEl>
+                                        <p:attrNameLst>
+                                          <p:attrName>style.visibility</p:attrName>
+                                        </p:attrNameLst>
+                                      </p:cBhvr>
+                                      <p:to>
+                                        <p:strVal val="visible"/>
+                                      </p:to>
+                                    </p:set>
+                                  </p:childTnLst>
+                                </p:cTn>
+                              </p:par>
                             </p:childTnLst>
                           </p:cTn>
                         </p:par>
@@ -6409,173 +9036,7 @@
 </p:sld>
 </file>
 
-<file path=ppt/slides/slide14.xml><?xml version="1.0" encoding="utf-8"?>
-<p:sld xmlns:a="http://schemas.openxmlformats.org/drawingml/2006/main" xmlns:r="http://schemas.openxmlformats.org/officeDocument/2006/relationships" xmlns:p="http://schemas.openxmlformats.org/presentationml/2006/main">
-  <p:cSld>
-    <p:spTree>
-      <p:nvGrpSpPr>
-        <p:cNvPr id="1" name=""/>
-        <p:cNvGrpSpPr/>
-        <p:nvPr/>
-      </p:nvGrpSpPr>
-      <p:grpSpPr>
-        <a:xfrm>
-          <a:off x="0" y="0"/>
-          <a:ext cx="0" cy="0"/>
-          <a:chOff x="0" y="0"/>
-          <a:chExt cx="0" cy="0"/>
-        </a:xfrm>
-      </p:grpSpPr>
-      <p:sp>
-        <p:nvSpPr>
-          <p:cNvPr id="2" name="Título 1">
-            <a:extLst>
-              <a:ext uri="{FF2B5EF4-FFF2-40B4-BE49-F238E27FC236}">
-                <a16:creationId xmlns:a16="http://schemas.microsoft.com/office/drawing/2014/main" id="{94AB8438-E56E-2412-517C-8456E4CA773C}"/>
-              </a:ext>
-            </a:extLst>
-          </p:cNvPr>
-          <p:cNvSpPr>
-            <a:spLocks noGrp="1"/>
-          </p:cNvSpPr>
-          <p:nvPr>
-            <p:ph type="title"/>
-          </p:nvPr>
-        </p:nvSpPr>
-        <p:spPr/>
-        <p:txBody>
-          <a:bodyPr/>
-          <a:lstStyle/>
-          <a:p>
-            <a:r>
-              <a:rPr lang="pt-BR" noProof="0" dirty="0"/>
-              <a:t>Fundamentação teórica</a:t>
-            </a:r>
-          </a:p>
-        </p:txBody>
-      </p:sp>
-      <p:sp>
-        <p:nvSpPr>
-          <p:cNvPr id="3" name="Espaço Reservado para Conteúdo 2">
-            <a:extLst>
-              <a:ext uri="{FF2B5EF4-FFF2-40B4-BE49-F238E27FC236}">
-                <a16:creationId xmlns:a16="http://schemas.microsoft.com/office/drawing/2014/main" id="{F7E2B09C-6D56-4C9F-A364-B904CCE2F1A0}"/>
-              </a:ext>
-            </a:extLst>
-          </p:cNvPr>
-          <p:cNvSpPr>
-            <a:spLocks noGrp="1"/>
-          </p:cNvSpPr>
-          <p:nvPr>
-            <p:ph idx="1"/>
-          </p:nvPr>
-        </p:nvSpPr>
-        <p:spPr/>
-        <p:txBody>
-          <a:bodyPr/>
-          <a:lstStyle/>
-          <a:p>
-            <a:endParaRPr lang="pt-BR" noProof="0" dirty="0"/>
-          </a:p>
-        </p:txBody>
-      </p:sp>
-    </p:spTree>
-    <p:extLst>
-      <p:ext uri="{BB962C8B-B14F-4D97-AF65-F5344CB8AC3E}">
-        <p14:creationId xmlns:p14="http://schemas.microsoft.com/office/powerpoint/2010/main" val="3187071590"/>
-      </p:ext>
-    </p:extLst>
-  </p:cSld>
-  <p:clrMapOvr>
-    <a:masterClrMapping/>
-  </p:clrMapOvr>
-</p:sld>
-</file>
-
-<file path=ppt/slides/slide15.xml><?xml version="1.0" encoding="utf-8"?>
-<p:sld xmlns:a="http://schemas.openxmlformats.org/drawingml/2006/main" xmlns:r="http://schemas.openxmlformats.org/officeDocument/2006/relationships" xmlns:p="http://schemas.openxmlformats.org/presentationml/2006/main">
-  <p:cSld>
-    <p:spTree>
-      <p:nvGrpSpPr>
-        <p:cNvPr id="1" name=""/>
-        <p:cNvGrpSpPr/>
-        <p:nvPr/>
-      </p:nvGrpSpPr>
-      <p:grpSpPr>
-        <a:xfrm>
-          <a:off x="0" y="0"/>
-          <a:ext cx="0" cy="0"/>
-          <a:chOff x="0" y="0"/>
-          <a:chExt cx="0" cy="0"/>
-        </a:xfrm>
-      </p:grpSpPr>
-      <p:sp>
-        <p:nvSpPr>
-          <p:cNvPr id="2" name="Título 1">
-            <a:extLst>
-              <a:ext uri="{FF2B5EF4-FFF2-40B4-BE49-F238E27FC236}">
-                <a16:creationId xmlns:a16="http://schemas.microsoft.com/office/drawing/2014/main" id="{083FFF02-0FC8-9F0B-AAB0-565FC99EA70D}"/>
-              </a:ext>
-            </a:extLst>
-          </p:cNvPr>
-          <p:cNvSpPr>
-            <a:spLocks noGrp="1"/>
-          </p:cNvSpPr>
-          <p:nvPr>
-            <p:ph type="title"/>
-          </p:nvPr>
-        </p:nvSpPr>
-        <p:spPr/>
-        <p:txBody>
-          <a:bodyPr/>
-          <a:lstStyle/>
-          <a:p>
-            <a:r>
-              <a:rPr lang="pt-BR" noProof="0" dirty="0"/>
-              <a:t>Arquitetura e funcionamento</a:t>
-            </a:r>
-          </a:p>
-        </p:txBody>
-      </p:sp>
-      <p:sp>
-        <p:nvSpPr>
-          <p:cNvPr id="3" name="Espaço Reservado para Conteúdo 2">
-            <a:extLst>
-              <a:ext uri="{FF2B5EF4-FFF2-40B4-BE49-F238E27FC236}">
-                <a16:creationId xmlns:a16="http://schemas.microsoft.com/office/drawing/2014/main" id="{8C5488AE-34B4-EF1D-F674-507FF2FCD122}"/>
-              </a:ext>
-            </a:extLst>
-          </p:cNvPr>
-          <p:cNvSpPr>
-            <a:spLocks noGrp="1"/>
-          </p:cNvSpPr>
-          <p:nvPr>
-            <p:ph idx="1"/>
-          </p:nvPr>
-        </p:nvSpPr>
-        <p:spPr/>
-        <p:txBody>
-          <a:bodyPr/>
-          <a:lstStyle/>
-          <a:p>
-            <a:endParaRPr lang="pt-BR" noProof="0" dirty="0"/>
-          </a:p>
-        </p:txBody>
-      </p:sp>
-    </p:spTree>
-    <p:extLst>
-      <p:ext uri="{BB962C8B-B14F-4D97-AF65-F5344CB8AC3E}">
-        <p14:creationId xmlns:p14="http://schemas.microsoft.com/office/powerpoint/2010/main" val="1547259554"/>
-      </p:ext>
-    </p:extLst>
-  </p:cSld>
-  <p:clrMapOvr>
-    <a:masterClrMapping/>
-  </p:clrMapOvr>
-</p:sld>
-</file>
-
-<file path=ppt/slides/slide16.xml><?xml version="1.0" encoding="utf-8"?>
+<file path=ppt/slides/slide19.xml><?xml version="1.0" encoding="utf-8"?>
 <p:sld xmlns:a="http://schemas.openxmlformats.org/drawingml/2006/main" xmlns:r="http://schemas.openxmlformats.org/officeDocument/2006/relationships" xmlns:p="http://schemas.openxmlformats.org/presentationml/2006/main">
   <p:cSld>
     <p:spTree>
@@ -6583,7 +9044,7 @@
         <p:cNvPr id="1" name="">
           <a:extLst>
             <a:ext uri="{FF2B5EF4-FFF2-40B4-BE49-F238E27FC236}">
-              <a16:creationId xmlns:a16="http://schemas.microsoft.com/office/drawing/2014/main" id="{E1C9F56A-97FC-7CCD-E5BA-3B5E230AD9AB}"/>
+              <a16:creationId xmlns:a16="http://schemas.microsoft.com/office/drawing/2014/main" id="{8781CACB-30F9-F4B2-305C-44A30317438B}"/>
             </a:ext>
           </a:extLst>
         </p:cNvPr>
@@ -6603,7 +9064,7 @@
           <p:cNvPr id="2" name="Título 1">
             <a:extLst>
               <a:ext uri="{FF2B5EF4-FFF2-40B4-BE49-F238E27FC236}">
-                <a16:creationId xmlns:a16="http://schemas.microsoft.com/office/drawing/2014/main" id="{A979DAB9-0612-F0CD-7BB1-AF52B98B3210}"/>
+                <a16:creationId xmlns:a16="http://schemas.microsoft.com/office/drawing/2014/main" id="{1A457BA8-3D78-FF7C-4438-AD1ADA01156E}"/>
               </a:ext>
             </a:extLst>
           </p:cNvPr>
@@ -6621,17 +9082,137 @@
           <a:p>
             <a:r>
               <a:rPr lang="pt-BR" noProof="0" dirty="0"/>
-              <a:t>Treinamento e otimização</a:t>
+              <a:t>Introdução</a:t>
             </a:r>
           </a:p>
         </p:txBody>
       </p:sp>
+      <p:grpSp>
+        <p:nvGrpSpPr>
+          <p:cNvPr id="9" name="Group 8">
+            <a:extLst>
+              <a:ext uri="{FF2B5EF4-FFF2-40B4-BE49-F238E27FC236}">
+                <a16:creationId xmlns:a16="http://schemas.microsoft.com/office/drawing/2014/main" id="{575DF94E-C32B-4A5E-31DA-2ACFD1284B54}"/>
+              </a:ext>
+            </a:extLst>
+          </p:cNvPr>
+          <p:cNvGrpSpPr/>
+          <p:nvPr/>
+        </p:nvGrpSpPr>
+        <p:grpSpPr>
+          <a:xfrm>
+            <a:off x="838200" y="4761569"/>
+            <a:ext cx="11353800" cy="1550019"/>
+            <a:chOff x="838200" y="4761569"/>
+            <a:chExt cx="11353800" cy="1550019"/>
+          </a:xfrm>
+        </p:grpSpPr>
+        <p:sp>
+          <p:nvSpPr>
+            <p:cNvPr id="4" name="Oval 3">
+              <a:extLst>
+                <a:ext uri="{FF2B5EF4-FFF2-40B4-BE49-F238E27FC236}">
+                  <a16:creationId xmlns:a16="http://schemas.microsoft.com/office/drawing/2014/main" id="{0864CE09-4E2E-9A21-260C-4631F1E94AF9}"/>
+                </a:ext>
+              </a:extLst>
+            </p:cNvPr>
+            <p:cNvSpPr/>
+            <p:nvPr/>
+          </p:nvSpPr>
+          <p:spPr>
+            <a:xfrm>
+              <a:off x="838200" y="4761569"/>
+              <a:ext cx="1550019" cy="1550019"/>
+            </a:xfrm>
+            <a:prstGeom prst="ellipse">
+              <a:avLst/>
+            </a:prstGeom>
+            <a:solidFill>
+              <a:srgbClr val="942092"/>
+            </a:solidFill>
+            <a:ln>
+              <a:noFill/>
+            </a:ln>
+          </p:spPr>
+          <p:style>
+            <a:lnRef idx="2">
+              <a:schemeClr val="accent1">
+                <a:shade val="15000"/>
+              </a:schemeClr>
+            </a:lnRef>
+            <a:fillRef idx="1">
+              <a:schemeClr val="accent1"/>
+            </a:fillRef>
+            <a:effectRef idx="0">
+              <a:schemeClr val="accent1"/>
+            </a:effectRef>
+            <a:fontRef idx="minor">
+              <a:schemeClr val="lt1"/>
+            </a:fontRef>
+          </p:style>
+          <p:txBody>
+            <a:bodyPr rtlCol="0" anchor="ctr"/>
+            <a:lstStyle/>
+            <a:p>
+              <a:pPr algn="ctr"/>
+              <a:r>
+                <a:rPr lang="pt-BR" sz="2400" b="1" noProof="0" dirty="0"/>
+                <a:t>2018</a:t>
+              </a:r>
+              <a:endParaRPr lang="pt-BR" sz="1600" b="1" noProof="0" dirty="0"/>
+            </a:p>
+          </p:txBody>
+        </p:sp>
+        <p:cxnSp>
+          <p:nvCxnSpPr>
+            <p:cNvPr id="6" name="Straight Connector 5">
+              <a:extLst>
+                <a:ext uri="{FF2B5EF4-FFF2-40B4-BE49-F238E27FC236}">
+                  <a16:creationId xmlns:a16="http://schemas.microsoft.com/office/drawing/2014/main" id="{B54B884E-B6F3-95DE-1071-329E70E7F9EB}"/>
+                </a:ext>
+              </a:extLst>
+            </p:cNvPr>
+            <p:cNvCxnSpPr>
+              <a:cxnSpLocks/>
+            </p:cNvCxnSpPr>
+            <p:nvPr/>
+          </p:nvCxnSpPr>
+          <p:spPr>
+            <a:xfrm>
+              <a:off x="2094570" y="5536578"/>
+              <a:ext cx="10097430" cy="0"/>
+            </a:xfrm>
+            <a:prstGeom prst="line">
+              <a:avLst/>
+            </a:prstGeom>
+            <a:ln w="203200">
+              <a:solidFill>
+                <a:srgbClr val="942092"/>
+              </a:solidFill>
+            </a:ln>
+          </p:spPr>
+          <p:style>
+            <a:lnRef idx="1">
+              <a:schemeClr val="accent1"/>
+            </a:lnRef>
+            <a:fillRef idx="0">
+              <a:schemeClr val="accent1"/>
+            </a:fillRef>
+            <a:effectRef idx="0">
+              <a:schemeClr val="accent1"/>
+            </a:effectRef>
+            <a:fontRef idx="minor">
+              <a:schemeClr val="tx1"/>
+            </a:fontRef>
+          </p:style>
+        </p:cxnSp>
+      </p:grpSp>
       <p:sp>
         <p:nvSpPr>
-          <p:cNvPr id="3" name="Espaço Reservado para Conteúdo 2">
-            <a:extLst>
-              <a:ext uri="{FF2B5EF4-FFF2-40B4-BE49-F238E27FC236}">
-                <a16:creationId xmlns:a16="http://schemas.microsoft.com/office/drawing/2014/main" id="{F22F88A5-87D1-340F-853F-8C2ED8F8C877}"/>
+          <p:cNvPr id="10" name="Espaço Reservado para Conteúdo 2">
+            <a:extLst>
+              <a:ext uri="{FF2B5EF4-FFF2-40B4-BE49-F238E27FC236}">
+                <a16:creationId xmlns:a16="http://schemas.microsoft.com/office/drawing/2014/main" id="{9B4554DA-B44E-57BB-A9ED-94F938250AE9}"/>
               </a:ext>
             </a:extLst>
           </p:cNvPr>
@@ -6642,11 +9223,94 @@
             <p:ph idx="1"/>
           </p:nvPr>
         </p:nvSpPr>
-        <p:spPr/>
+        <p:spPr>
+          <a:xfrm>
+            <a:off x="838200" y="1683220"/>
+            <a:ext cx="11026992" cy="2935935"/>
+          </a:xfrm>
+        </p:spPr>
         <p:txBody>
-          <a:bodyPr/>
+          <a:bodyPr>
+            <a:noAutofit/>
+          </a:bodyPr>
           <a:lstStyle/>
           <a:p>
+            <a:pPr marL="0" indent="0">
+              <a:buNone/>
+            </a:pPr>
+            <a:r>
+              <a:rPr lang="pt-BR" b="1" i="1" noProof="0" dirty="0"/>
+              <a:t>Mas ainda havia limitações:</a:t>
+            </a:r>
+            <a:endParaRPr lang="pt-BR" dirty="0"/>
+          </a:p>
+          <a:p>
+            <a:r>
+              <a:rPr lang="pt-BR" noProof="0" dirty="0"/>
+              <a:t>Não é generativo;</a:t>
+            </a:r>
+          </a:p>
+          <a:p>
+            <a:r>
+              <a:rPr lang="pt-BR" i="1" dirty="0"/>
+              <a:t>Fine-</a:t>
+            </a:r>
+            <a:r>
+              <a:rPr lang="pt-BR" i="1" dirty="0" err="1"/>
+              <a:t>tuning</a:t>
+            </a:r>
+            <a:r>
+              <a:rPr lang="pt-BR" i="1" dirty="0"/>
+              <a:t> </a:t>
+            </a:r>
+            <a:r>
+              <a:rPr lang="pt-BR" dirty="0"/>
+              <a:t>em </a:t>
+            </a:r>
+            <a:r>
+              <a:rPr lang="pt-BR" dirty="0" err="1"/>
+              <a:t>datasets</a:t>
+            </a:r>
+            <a:r>
+              <a:rPr lang="pt-BR" dirty="0"/>
+              <a:t> pequenos pode ser catastrófico;</a:t>
+            </a:r>
+          </a:p>
+          <a:p>
+            <a:r>
+              <a:rPr lang="pt-BR" dirty="0"/>
+              <a:t>Original BERT suporta </a:t>
+            </a:r>
+            <a:r>
+              <a:rPr lang="pt-BR" b="1" dirty="0"/>
+              <a:t>512 tokens </a:t>
+            </a:r>
+            <a:r>
+              <a:rPr lang="pt-BR" b="1" dirty="0" err="1"/>
+              <a:t>max</a:t>
+            </a:r>
+            <a:r>
+              <a:rPr lang="pt-BR" dirty="0"/>
+              <a:t>;</a:t>
+            </a:r>
+          </a:p>
+          <a:p>
+            <a:r>
+              <a:rPr lang="pt-BR" noProof="0" dirty="0"/>
+              <a:t>Não se adapta facilmente a vocabulários </a:t>
+            </a:r>
+            <a:r>
+              <a:rPr lang="pt-BR" noProof="0" dirty="0" err="1"/>
+              <a:t>especificos</a:t>
+            </a:r>
+            <a:r>
+              <a:rPr lang="pt-BR" noProof="0" dirty="0"/>
+              <a:t> (ex.: medicina, engenharia</a:t>
+            </a:r>
+            <a:r>
+              <a:rPr lang="pt-BR" dirty="0"/>
+              <a:t>…)</a:t>
+            </a:r>
             <a:endParaRPr lang="pt-BR" noProof="0" dirty="0"/>
           </a:p>
         </p:txBody>
@@ -6654,270 +9318,7 @@
     </p:spTree>
     <p:extLst>
       <p:ext uri="{BB962C8B-B14F-4D97-AF65-F5344CB8AC3E}">
-        <p14:creationId xmlns:p14="http://schemas.microsoft.com/office/powerpoint/2010/main" val="3906980817"/>
-      </p:ext>
-    </p:extLst>
-  </p:cSld>
-  <p:clrMapOvr>
-    <a:masterClrMapping/>
-  </p:clrMapOvr>
-</p:sld>
-</file>
-
-<file path=ppt/slides/slide17.xml><?xml version="1.0" encoding="utf-8"?>
-<p:sld xmlns:a="http://schemas.openxmlformats.org/drawingml/2006/main" xmlns:r="http://schemas.openxmlformats.org/officeDocument/2006/relationships" xmlns:p="http://schemas.openxmlformats.org/presentationml/2006/main">
-  <p:cSld>
-    <p:spTree>
-      <p:nvGrpSpPr>
-        <p:cNvPr id="1" name="">
-          <a:extLst>
-            <a:ext uri="{FF2B5EF4-FFF2-40B4-BE49-F238E27FC236}">
-              <a16:creationId xmlns:a16="http://schemas.microsoft.com/office/drawing/2014/main" id="{B28A9759-CA4F-DA4F-85C2-F6E51DCED2D9}"/>
-            </a:ext>
-          </a:extLst>
-        </p:cNvPr>
-        <p:cNvGrpSpPr/>
-        <p:nvPr/>
-      </p:nvGrpSpPr>
-      <p:grpSpPr>
-        <a:xfrm>
-          <a:off x="0" y="0"/>
-          <a:ext cx="0" cy="0"/>
-          <a:chOff x="0" y="0"/>
-          <a:chExt cx="0" cy="0"/>
-        </a:xfrm>
-      </p:grpSpPr>
-      <p:sp>
-        <p:nvSpPr>
-          <p:cNvPr id="2" name="Título 1">
-            <a:extLst>
-              <a:ext uri="{FF2B5EF4-FFF2-40B4-BE49-F238E27FC236}">
-                <a16:creationId xmlns:a16="http://schemas.microsoft.com/office/drawing/2014/main" id="{072F732D-34CE-6153-324F-D7F6821577F0}"/>
-              </a:ext>
-            </a:extLst>
-          </p:cNvPr>
-          <p:cNvSpPr>
-            <a:spLocks noGrp="1"/>
-          </p:cNvSpPr>
-          <p:nvPr>
-            <p:ph type="title"/>
-          </p:nvPr>
-        </p:nvSpPr>
-        <p:spPr/>
-        <p:txBody>
-          <a:bodyPr/>
-          <a:lstStyle/>
-          <a:p>
-            <a:r>
-              <a:rPr lang="pt-BR" noProof="0" dirty="0"/>
-              <a:t>Vantagens e desvantagens</a:t>
-            </a:r>
-          </a:p>
-        </p:txBody>
-      </p:sp>
-      <p:sp>
-        <p:nvSpPr>
-          <p:cNvPr id="3" name="Espaço Reservado para Conteúdo 2">
-            <a:extLst>
-              <a:ext uri="{FF2B5EF4-FFF2-40B4-BE49-F238E27FC236}">
-                <a16:creationId xmlns:a16="http://schemas.microsoft.com/office/drawing/2014/main" id="{62A55622-8E11-E5D7-8EAF-7AE2CCAA3321}"/>
-              </a:ext>
-            </a:extLst>
-          </p:cNvPr>
-          <p:cNvSpPr>
-            <a:spLocks noGrp="1"/>
-          </p:cNvSpPr>
-          <p:nvPr>
-            <p:ph idx="1"/>
-          </p:nvPr>
-        </p:nvSpPr>
-        <p:spPr/>
-        <p:txBody>
-          <a:bodyPr/>
-          <a:lstStyle/>
-          <a:p>
-            <a:endParaRPr lang="pt-BR" noProof="0" dirty="0"/>
-          </a:p>
-        </p:txBody>
-      </p:sp>
-    </p:spTree>
-    <p:extLst>
-      <p:ext uri="{BB962C8B-B14F-4D97-AF65-F5344CB8AC3E}">
-        <p14:creationId xmlns:p14="http://schemas.microsoft.com/office/powerpoint/2010/main" val="1521811257"/>
-      </p:ext>
-    </p:extLst>
-  </p:cSld>
-  <p:clrMapOvr>
-    <a:masterClrMapping/>
-  </p:clrMapOvr>
-</p:sld>
-</file>
-
-<file path=ppt/slides/slide18.xml><?xml version="1.0" encoding="utf-8"?>
-<p:sld xmlns:a="http://schemas.openxmlformats.org/drawingml/2006/main" xmlns:r="http://schemas.openxmlformats.org/officeDocument/2006/relationships" xmlns:p="http://schemas.openxmlformats.org/presentationml/2006/main">
-  <p:cSld>
-    <p:spTree>
-      <p:nvGrpSpPr>
-        <p:cNvPr id="1" name=""/>
-        <p:cNvGrpSpPr/>
-        <p:nvPr/>
-      </p:nvGrpSpPr>
-      <p:grpSpPr>
-        <a:xfrm>
-          <a:off x="0" y="0"/>
-          <a:ext cx="0" cy="0"/>
-          <a:chOff x="0" y="0"/>
-          <a:chExt cx="0" cy="0"/>
-        </a:xfrm>
-      </p:grpSpPr>
-      <p:sp>
-        <p:nvSpPr>
-          <p:cNvPr id="2" name="Título 1">
-            <a:extLst>
-              <a:ext uri="{FF2B5EF4-FFF2-40B4-BE49-F238E27FC236}">
-                <a16:creationId xmlns:a16="http://schemas.microsoft.com/office/drawing/2014/main" id="{B9E502FC-4440-F5DA-F299-69CD15E702AE}"/>
-              </a:ext>
-            </a:extLst>
-          </p:cNvPr>
-          <p:cNvSpPr>
-            <a:spLocks noGrp="1"/>
-          </p:cNvSpPr>
-          <p:nvPr>
-            <p:ph type="title"/>
-          </p:nvPr>
-        </p:nvSpPr>
-        <p:spPr/>
-        <p:txBody>
-          <a:bodyPr/>
-          <a:lstStyle/>
-          <a:p>
-            <a:r>
-              <a:rPr lang="pt-BR" noProof="0" dirty="0"/>
-              <a:t>Exemplo(</a:t>
-            </a:r>
-            <a:r>
-              <a:rPr lang="pt-BR" noProof="0" dirty="0" err="1"/>
-              <a:t>s</a:t>
-            </a:r>
-            <a:r>
-              <a:rPr lang="pt-BR" noProof="0" dirty="0"/>
-              <a:t>) de aplicação</a:t>
-            </a:r>
-          </a:p>
-        </p:txBody>
-      </p:sp>
-      <p:sp>
-        <p:nvSpPr>
-          <p:cNvPr id="3" name="Espaço Reservado para Conteúdo 2">
-            <a:extLst>
-              <a:ext uri="{FF2B5EF4-FFF2-40B4-BE49-F238E27FC236}">
-                <a16:creationId xmlns:a16="http://schemas.microsoft.com/office/drawing/2014/main" id="{69359096-6B47-BEA3-55AD-95F90CDC8489}"/>
-              </a:ext>
-            </a:extLst>
-          </p:cNvPr>
-          <p:cNvSpPr>
-            <a:spLocks noGrp="1"/>
-          </p:cNvSpPr>
-          <p:nvPr>
-            <p:ph idx="1"/>
-          </p:nvPr>
-        </p:nvSpPr>
-        <p:spPr/>
-        <p:txBody>
-          <a:bodyPr/>
-          <a:lstStyle/>
-          <a:p>
-            <a:endParaRPr lang="pt-BR" noProof="0" dirty="0"/>
-          </a:p>
-        </p:txBody>
-      </p:sp>
-    </p:spTree>
-    <p:extLst>
-      <p:ext uri="{BB962C8B-B14F-4D97-AF65-F5344CB8AC3E}">
-        <p14:creationId xmlns:p14="http://schemas.microsoft.com/office/powerpoint/2010/main" val="1532530965"/>
-      </p:ext>
-    </p:extLst>
-  </p:cSld>
-  <p:clrMapOvr>
-    <a:masterClrMapping/>
-  </p:clrMapOvr>
-</p:sld>
-</file>
-
-<file path=ppt/slides/slide19.xml><?xml version="1.0" encoding="utf-8"?>
-<p:sld xmlns:a="http://schemas.openxmlformats.org/drawingml/2006/main" xmlns:r="http://schemas.openxmlformats.org/officeDocument/2006/relationships" xmlns:p="http://schemas.openxmlformats.org/presentationml/2006/main">
-  <p:cSld>
-    <p:spTree>
-      <p:nvGrpSpPr>
-        <p:cNvPr id="1" name=""/>
-        <p:cNvGrpSpPr/>
-        <p:nvPr/>
-      </p:nvGrpSpPr>
-      <p:grpSpPr>
-        <a:xfrm>
-          <a:off x="0" y="0"/>
-          <a:ext cx="0" cy="0"/>
-          <a:chOff x="0" y="0"/>
-          <a:chExt cx="0" cy="0"/>
-        </a:xfrm>
-      </p:grpSpPr>
-      <p:sp>
-        <p:nvSpPr>
-          <p:cNvPr id="2" name="Título 1">
-            <a:extLst>
-              <a:ext uri="{FF2B5EF4-FFF2-40B4-BE49-F238E27FC236}">
-                <a16:creationId xmlns:a16="http://schemas.microsoft.com/office/drawing/2014/main" id="{B7EBC8F7-03EF-338A-A90B-280A41AF9688}"/>
-              </a:ext>
-            </a:extLst>
-          </p:cNvPr>
-          <p:cNvSpPr>
-            <a:spLocks noGrp="1"/>
-          </p:cNvSpPr>
-          <p:nvPr>
-            <p:ph type="title"/>
-          </p:nvPr>
-        </p:nvSpPr>
-        <p:spPr/>
-        <p:txBody>
-          <a:bodyPr/>
-          <a:lstStyle/>
-          <a:p>
-            <a:r>
-              <a:rPr lang="pt-BR" noProof="0" dirty="0"/>
-              <a:t>Comparação com outros algoritmos</a:t>
-            </a:r>
-          </a:p>
-        </p:txBody>
-      </p:sp>
-      <p:sp>
-        <p:nvSpPr>
-          <p:cNvPr id="3" name="Espaço Reservado para Conteúdo 2">
-            <a:extLst>
-              <a:ext uri="{FF2B5EF4-FFF2-40B4-BE49-F238E27FC236}">
-                <a16:creationId xmlns:a16="http://schemas.microsoft.com/office/drawing/2014/main" id="{C525BCE7-C19D-7DDA-016A-E3016C398CBA}"/>
-              </a:ext>
-            </a:extLst>
-          </p:cNvPr>
-          <p:cNvSpPr>
-            <a:spLocks noGrp="1"/>
-          </p:cNvSpPr>
-          <p:nvPr>
-            <p:ph idx="1"/>
-          </p:nvPr>
-        </p:nvSpPr>
-        <p:spPr/>
-        <p:txBody>
-          <a:bodyPr/>
-          <a:lstStyle/>
-          <a:p>
-            <a:endParaRPr lang="pt-BR" noProof="0" dirty="0"/>
-          </a:p>
-        </p:txBody>
-      </p:sp>
-    </p:spTree>
-    <p:extLst>
-      <p:ext uri="{BB962C8B-B14F-4D97-AF65-F5344CB8AC3E}">
-        <p14:creationId xmlns:p14="http://schemas.microsoft.com/office/powerpoint/2010/main" val="3601469261"/>
+        <p14:creationId xmlns:p14="http://schemas.microsoft.com/office/powerpoint/2010/main" val="1293374661"/>
       </p:ext>
     </p:extLst>
   </p:cSld>
@@ -7060,6 +9461,1396 @@
 </file>
 
 <file path=ppt/slides/slide20.xml><?xml version="1.0" encoding="utf-8"?>
+<p:sld xmlns:a="http://schemas.openxmlformats.org/drawingml/2006/main" xmlns:r="http://schemas.openxmlformats.org/officeDocument/2006/relationships" xmlns:p="http://schemas.openxmlformats.org/presentationml/2006/main">
+  <p:cSld>
+    <p:spTree>
+      <p:nvGrpSpPr>
+        <p:cNvPr id="1" name="">
+          <a:extLst>
+            <a:ext uri="{FF2B5EF4-FFF2-40B4-BE49-F238E27FC236}">
+              <a16:creationId xmlns:a16="http://schemas.microsoft.com/office/drawing/2014/main" id="{8FCBC13F-85A1-550F-4C45-587997954FD2}"/>
+            </a:ext>
+          </a:extLst>
+        </p:cNvPr>
+        <p:cNvGrpSpPr/>
+        <p:nvPr/>
+      </p:nvGrpSpPr>
+      <p:grpSpPr>
+        <a:xfrm>
+          <a:off x="0" y="0"/>
+          <a:ext cx="0" cy="0"/>
+          <a:chOff x="0" y="0"/>
+          <a:chExt cx="0" cy="0"/>
+        </a:xfrm>
+      </p:grpSpPr>
+      <p:grpSp>
+        <p:nvGrpSpPr>
+          <p:cNvPr id="10" name="Group 9">
+            <a:extLst>
+              <a:ext uri="{FF2B5EF4-FFF2-40B4-BE49-F238E27FC236}">
+                <a16:creationId xmlns:a16="http://schemas.microsoft.com/office/drawing/2014/main" id="{DE7BD3F8-7206-5E65-489F-7E13F903E086}"/>
+              </a:ext>
+            </a:extLst>
+          </p:cNvPr>
+          <p:cNvGrpSpPr/>
+          <p:nvPr/>
+        </p:nvGrpSpPr>
+        <p:grpSpPr>
+          <a:xfrm>
+            <a:off x="838200" y="4761569"/>
+            <a:ext cx="11353800" cy="1550019"/>
+            <a:chOff x="838200" y="4761569"/>
+            <a:chExt cx="11353800" cy="1550019"/>
+          </a:xfrm>
+        </p:grpSpPr>
+        <p:cxnSp>
+          <p:nvCxnSpPr>
+            <p:cNvPr id="12" name="Straight Connector 11">
+              <a:extLst>
+                <a:ext uri="{FF2B5EF4-FFF2-40B4-BE49-F238E27FC236}">
+                  <a16:creationId xmlns:a16="http://schemas.microsoft.com/office/drawing/2014/main" id="{01316F23-F15A-2088-9192-50B5FB82CA51}"/>
+                </a:ext>
+              </a:extLst>
+            </p:cNvPr>
+            <p:cNvCxnSpPr>
+              <a:cxnSpLocks/>
+            </p:cNvCxnSpPr>
+            <p:nvPr/>
+          </p:nvCxnSpPr>
+          <p:spPr>
+            <a:xfrm>
+              <a:off x="2094570" y="5536578"/>
+              <a:ext cx="10097430" cy="0"/>
+            </a:xfrm>
+            <a:prstGeom prst="line">
+              <a:avLst/>
+            </a:prstGeom>
+            <a:ln w="203200">
+              <a:solidFill>
+                <a:srgbClr val="942092"/>
+              </a:solidFill>
+            </a:ln>
+          </p:spPr>
+          <p:style>
+            <a:lnRef idx="1">
+              <a:schemeClr val="accent1"/>
+            </a:lnRef>
+            <a:fillRef idx="0">
+              <a:schemeClr val="accent1"/>
+            </a:fillRef>
+            <a:effectRef idx="0">
+              <a:schemeClr val="accent1"/>
+            </a:effectRef>
+            <a:fontRef idx="minor">
+              <a:schemeClr val="tx1"/>
+            </a:fontRef>
+          </p:style>
+        </p:cxnSp>
+        <p:sp>
+          <p:nvSpPr>
+            <p:cNvPr id="11" name="Oval 10">
+              <a:extLst>
+                <a:ext uri="{FF2B5EF4-FFF2-40B4-BE49-F238E27FC236}">
+                  <a16:creationId xmlns:a16="http://schemas.microsoft.com/office/drawing/2014/main" id="{458416A0-E381-F7EE-1042-A4B3CD45268C}"/>
+                </a:ext>
+              </a:extLst>
+            </p:cNvPr>
+            <p:cNvSpPr/>
+            <p:nvPr/>
+          </p:nvSpPr>
+          <p:spPr>
+            <a:xfrm>
+              <a:off x="838200" y="4761569"/>
+              <a:ext cx="1550019" cy="1550019"/>
+            </a:xfrm>
+            <a:prstGeom prst="ellipse">
+              <a:avLst/>
+            </a:prstGeom>
+            <a:solidFill>
+              <a:srgbClr val="942092"/>
+            </a:solidFill>
+            <a:ln>
+              <a:noFill/>
+            </a:ln>
+          </p:spPr>
+          <p:style>
+            <a:lnRef idx="2">
+              <a:schemeClr val="accent1">
+                <a:shade val="15000"/>
+              </a:schemeClr>
+            </a:lnRef>
+            <a:fillRef idx="1">
+              <a:schemeClr val="accent1"/>
+            </a:fillRef>
+            <a:effectRef idx="0">
+              <a:schemeClr val="accent1"/>
+            </a:effectRef>
+            <a:fontRef idx="minor">
+              <a:schemeClr val="lt1"/>
+            </a:fontRef>
+          </p:style>
+          <p:txBody>
+            <a:bodyPr rtlCol="0" anchor="ctr"/>
+            <a:lstStyle/>
+            <a:p>
+              <a:pPr algn="ctr"/>
+              <a:r>
+                <a:rPr lang="pt-BR" sz="2400" b="1" noProof="0" dirty="0">
+                  <a:solidFill>
+                    <a:schemeClr val="bg1"/>
+                  </a:solidFill>
+                </a:rPr>
+                <a:t>2018</a:t>
+              </a:r>
+            </a:p>
+          </p:txBody>
+        </p:sp>
+      </p:grpSp>
+      <p:grpSp>
+        <p:nvGrpSpPr>
+          <p:cNvPr id="7" name="Group 6">
+            <a:extLst>
+              <a:ext uri="{FF2B5EF4-FFF2-40B4-BE49-F238E27FC236}">
+                <a16:creationId xmlns:a16="http://schemas.microsoft.com/office/drawing/2014/main" id="{B06AE9CD-B7EE-AD93-A395-B14DE1B21D45}"/>
+              </a:ext>
+            </a:extLst>
+          </p:cNvPr>
+          <p:cNvGrpSpPr/>
+          <p:nvPr/>
+        </p:nvGrpSpPr>
+        <p:grpSpPr>
+          <a:xfrm>
+            <a:off x="838198" y="4761568"/>
+            <a:ext cx="11353800" cy="1550019"/>
+            <a:chOff x="838200" y="4761569"/>
+            <a:chExt cx="11353800" cy="1550019"/>
+          </a:xfrm>
+        </p:grpSpPr>
+        <p:sp>
+          <p:nvSpPr>
+            <p:cNvPr id="8" name="Oval 7">
+              <a:extLst>
+                <a:ext uri="{FF2B5EF4-FFF2-40B4-BE49-F238E27FC236}">
+                  <a16:creationId xmlns:a16="http://schemas.microsoft.com/office/drawing/2014/main" id="{247E54F6-7707-DAF1-9CB2-D1A83C1B4D5D}"/>
+                </a:ext>
+              </a:extLst>
+            </p:cNvPr>
+            <p:cNvSpPr/>
+            <p:nvPr/>
+          </p:nvSpPr>
+          <p:spPr>
+            <a:xfrm>
+              <a:off x="838200" y="4761569"/>
+              <a:ext cx="1550019" cy="1550019"/>
+            </a:xfrm>
+            <a:prstGeom prst="ellipse">
+              <a:avLst/>
+            </a:prstGeom>
+            <a:solidFill>
+              <a:schemeClr val="bg2">
+                <a:lumMod val="50000"/>
+              </a:schemeClr>
+            </a:solidFill>
+            <a:ln>
+              <a:noFill/>
+            </a:ln>
+          </p:spPr>
+          <p:style>
+            <a:lnRef idx="2">
+              <a:schemeClr val="accent1">
+                <a:shade val="15000"/>
+              </a:schemeClr>
+            </a:lnRef>
+            <a:fillRef idx="1">
+              <a:schemeClr val="accent1"/>
+            </a:fillRef>
+            <a:effectRef idx="0">
+              <a:schemeClr val="accent1"/>
+            </a:effectRef>
+            <a:fontRef idx="minor">
+              <a:schemeClr val="lt1"/>
+            </a:fontRef>
+          </p:style>
+          <p:txBody>
+            <a:bodyPr rtlCol="0" anchor="ctr"/>
+            <a:lstStyle/>
+            <a:p>
+              <a:pPr algn="ctr"/>
+              <a:r>
+                <a:rPr lang="pt-BR" sz="2400" b="1" dirty="0">
+                  <a:solidFill>
+                    <a:schemeClr val="bg1"/>
+                  </a:solidFill>
+                </a:rPr>
+                <a:t>2020</a:t>
+              </a:r>
+              <a:endParaRPr lang="pt-BR" sz="1600" b="1" noProof="0" dirty="0">
+                <a:solidFill>
+                  <a:schemeClr val="bg1"/>
+                </a:solidFill>
+              </a:endParaRPr>
+            </a:p>
+          </p:txBody>
+        </p:sp>
+        <p:cxnSp>
+          <p:nvCxnSpPr>
+            <p:cNvPr id="9" name="Straight Connector 8">
+              <a:extLst>
+                <a:ext uri="{FF2B5EF4-FFF2-40B4-BE49-F238E27FC236}">
+                  <a16:creationId xmlns:a16="http://schemas.microsoft.com/office/drawing/2014/main" id="{1D4298E7-7CB0-10B9-A5B2-B9F792E89F12}"/>
+                </a:ext>
+              </a:extLst>
+            </p:cNvPr>
+            <p:cNvCxnSpPr>
+              <a:cxnSpLocks/>
+            </p:cNvCxnSpPr>
+            <p:nvPr/>
+          </p:nvCxnSpPr>
+          <p:spPr>
+            <a:xfrm>
+              <a:off x="2094570" y="5536578"/>
+              <a:ext cx="10097430" cy="0"/>
+            </a:xfrm>
+            <a:prstGeom prst="line">
+              <a:avLst/>
+            </a:prstGeom>
+            <a:ln w="203200">
+              <a:solidFill>
+                <a:schemeClr val="bg2">
+                  <a:lumMod val="50000"/>
+                </a:schemeClr>
+              </a:solidFill>
+            </a:ln>
+          </p:spPr>
+          <p:style>
+            <a:lnRef idx="1">
+              <a:schemeClr val="accent1"/>
+            </a:lnRef>
+            <a:fillRef idx="0">
+              <a:schemeClr val="accent1"/>
+            </a:fillRef>
+            <a:effectRef idx="0">
+              <a:schemeClr val="accent1"/>
+            </a:effectRef>
+            <a:fontRef idx="minor">
+              <a:schemeClr val="tx1"/>
+            </a:fontRef>
+          </p:style>
+        </p:cxnSp>
+      </p:grpSp>
+      <p:sp>
+        <p:nvSpPr>
+          <p:cNvPr id="2" name="Título 1">
+            <a:extLst>
+              <a:ext uri="{FF2B5EF4-FFF2-40B4-BE49-F238E27FC236}">
+                <a16:creationId xmlns:a16="http://schemas.microsoft.com/office/drawing/2014/main" id="{C663F97D-88E3-63C0-B967-39237E87C1E7}"/>
+              </a:ext>
+            </a:extLst>
+          </p:cNvPr>
+          <p:cNvSpPr>
+            <a:spLocks noGrp="1"/>
+          </p:cNvSpPr>
+          <p:nvPr>
+            <p:ph type="title"/>
+          </p:nvPr>
+        </p:nvSpPr>
+        <p:spPr/>
+        <p:txBody>
+          <a:bodyPr/>
+          <a:lstStyle/>
+          <a:p>
+            <a:r>
+              <a:rPr lang="pt-BR" noProof="0" dirty="0"/>
+              <a:t>Introdução</a:t>
+            </a:r>
+          </a:p>
+        </p:txBody>
+      </p:sp>
+      <p:sp>
+        <p:nvSpPr>
+          <p:cNvPr id="3" name="Espaço Reservado para Conteúdo 2">
+            <a:extLst>
+              <a:ext uri="{FF2B5EF4-FFF2-40B4-BE49-F238E27FC236}">
+                <a16:creationId xmlns:a16="http://schemas.microsoft.com/office/drawing/2014/main" id="{3D5EE66D-2A45-555A-0C71-1743ABDFCEA9}"/>
+              </a:ext>
+            </a:extLst>
+          </p:cNvPr>
+          <p:cNvSpPr>
+            <a:spLocks noGrp="1"/>
+          </p:cNvSpPr>
+          <p:nvPr>
+            <p:ph idx="1"/>
+          </p:nvPr>
+        </p:nvSpPr>
+        <p:spPr>
+          <a:xfrm>
+            <a:off x="838200" y="1825626"/>
+            <a:ext cx="10515600" cy="1603374"/>
+          </a:xfrm>
+        </p:spPr>
+        <p:txBody>
+          <a:bodyPr>
+            <a:normAutofit/>
+          </a:bodyPr>
+          <a:lstStyle/>
+          <a:p>
+            <a:pPr marL="0" indent="0">
+              <a:buNone/>
+            </a:pPr>
+            <a:r>
+              <a:rPr lang="pt-BR" b="1" i="1" dirty="0" err="1"/>
+              <a:t>LLMs</a:t>
+            </a:r>
+            <a:endParaRPr lang="pt-BR" noProof="0" dirty="0"/>
+          </a:p>
+          <a:p>
+            <a:r>
+              <a:rPr lang="en-US" dirty="0"/>
+              <a:t>Uso do massive autoregressive Transformers</a:t>
+            </a:r>
+          </a:p>
+          <a:p>
+            <a:r>
+              <a:rPr lang="pt-BR" dirty="0"/>
+              <a:t>Exemplo</a:t>
+            </a:r>
+            <a:r>
+              <a:rPr lang="pt-BR" noProof="0" dirty="0"/>
+              <a:t>: </a:t>
+            </a:r>
+            <a:r>
+              <a:rPr lang="en-US" noProof="0" dirty="0"/>
+              <a:t>GPT-3</a:t>
+            </a:r>
+            <a:endParaRPr lang="pt-BR" b="1" noProof="0" dirty="0"/>
+          </a:p>
+          <a:p>
+            <a:endParaRPr lang="pt-BR" noProof="0" dirty="0"/>
+          </a:p>
+          <a:p>
+            <a:endParaRPr lang="pt-BR" noProof="0" dirty="0"/>
+          </a:p>
+          <a:p>
+            <a:pPr marL="0" indent="0">
+              <a:buNone/>
+            </a:pPr>
+            <a:endParaRPr lang="pt-BR" noProof="0" dirty="0"/>
+          </a:p>
+        </p:txBody>
+      </p:sp>
+    </p:spTree>
+    <p:extLst>
+      <p:ext uri="{BB962C8B-B14F-4D97-AF65-F5344CB8AC3E}">
+        <p14:creationId xmlns:p14="http://schemas.microsoft.com/office/powerpoint/2010/main" val="3381428791"/>
+      </p:ext>
+    </p:extLst>
+  </p:cSld>
+  <p:clrMapOvr>
+    <a:masterClrMapping/>
+  </p:clrMapOvr>
+  <p:timing>
+    <p:tnLst>
+      <p:par>
+        <p:cTn id="1" dur="indefinite" restart="never" nodeType="tmRoot">
+          <p:childTnLst>
+            <p:seq concurrent="1" nextAc="seek">
+              <p:cTn id="2" dur="indefinite" nodeType="mainSeq">
+                <p:childTnLst>
+                  <p:par>
+                    <p:cTn id="3" fill="hold">
+                      <p:stCondLst>
+                        <p:cond delay="indefinite"/>
+                        <p:cond evt="onBegin" delay="0">
+                          <p:tn val="2"/>
+                        </p:cond>
+                      </p:stCondLst>
+                      <p:childTnLst>
+                        <p:par>
+                          <p:cTn id="4" fill="hold">
+                            <p:stCondLst>
+                              <p:cond delay="0"/>
+                            </p:stCondLst>
+                            <p:childTnLst>
+                              <p:par>
+                                <p:cTn id="5" presetID="2" presetClass="entr" presetSubtype="2" fill="hold" nodeType="withEffect">
+                                  <p:stCondLst>
+                                    <p:cond delay="0"/>
+                                  </p:stCondLst>
+                                  <p:childTnLst>
+                                    <p:set>
+                                      <p:cBhvr>
+                                        <p:cTn id="6" dur="1" fill="hold">
+                                          <p:stCondLst>
+                                            <p:cond delay="0"/>
+                                          </p:stCondLst>
+                                        </p:cTn>
+                                        <p:tgtEl>
+                                          <p:spTgt spid="7"/>
+                                        </p:tgtEl>
+                                        <p:attrNameLst>
+                                          <p:attrName>style.visibility</p:attrName>
+                                        </p:attrNameLst>
+                                      </p:cBhvr>
+                                      <p:to>
+                                        <p:strVal val="visible"/>
+                                      </p:to>
+                                    </p:set>
+                                    <p:anim calcmode="lin" valueType="num">
+                                      <p:cBhvr additive="base">
+                                        <p:cTn id="7" dur="1500" fill="hold"/>
+                                        <p:tgtEl>
+                                          <p:spTgt spid="7"/>
+                                        </p:tgtEl>
+                                        <p:attrNameLst>
+                                          <p:attrName>ppt_x</p:attrName>
+                                        </p:attrNameLst>
+                                      </p:cBhvr>
+                                      <p:tavLst>
+                                        <p:tav tm="0">
+                                          <p:val>
+                                            <p:strVal val="1+#ppt_w/2"/>
+                                          </p:val>
+                                        </p:tav>
+                                        <p:tav tm="100000">
+                                          <p:val>
+                                            <p:strVal val="#ppt_x"/>
+                                          </p:val>
+                                        </p:tav>
+                                      </p:tavLst>
+                                    </p:anim>
+                                    <p:anim calcmode="lin" valueType="num">
+                                      <p:cBhvr additive="base">
+                                        <p:cTn id="8" dur="1500" fill="hold"/>
+                                        <p:tgtEl>
+                                          <p:spTgt spid="7"/>
+                                        </p:tgtEl>
+                                        <p:attrNameLst>
+                                          <p:attrName>ppt_y</p:attrName>
+                                        </p:attrNameLst>
+                                      </p:cBhvr>
+                                      <p:tavLst>
+                                        <p:tav tm="0">
+                                          <p:val>
+                                            <p:strVal val="#ppt_y"/>
+                                          </p:val>
+                                        </p:tav>
+                                        <p:tav tm="100000">
+                                          <p:val>
+                                            <p:strVal val="#ppt_y"/>
+                                          </p:val>
+                                        </p:tav>
+                                      </p:tavLst>
+                                    </p:anim>
+                                  </p:childTnLst>
+                                </p:cTn>
+                              </p:par>
+                            </p:childTnLst>
+                          </p:cTn>
+                        </p:par>
+                      </p:childTnLst>
+                    </p:cTn>
+                  </p:par>
+                </p:childTnLst>
+              </p:cTn>
+              <p:prevCondLst>
+                <p:cond evt="onPrev" delay="0">
+                  <p:tgtEl>
+                    <p:sldTgt/>
+                  </p:tgtEl>
+                </p:cond>
+              </p:prevCondLst>
+              <p:nextCondLst>
+                <p:cond evt="onNext" delay="0">
+                  <p:tgtEl>
+                    <p:sldTgt/>
+                  </p:tgtEl>
+                </p:cond>
+              </p:nextCondLst>
+            </p:seq>
+          </p:childTnLst>
+        </p:cTn>
+      </p:par>
+    </p:tnLst>
+  </p:timing>
+</p:sld>
+</file>
+
+<file path=ppt/slides/slide21.xml><?xml version="1.0" encoding="utf-8"?>
+<p:sld xmlns:a="http://schemas.openxmlformats.org/drawingml/2006/main" xmlns:r="http://schemas.openxmlformats.org/officeDocument/2006/relationships" xmlns:p="http://schemas.openxmlformats.org/presentationml/2006/main">
+  <p:cSld>
+    <p:spTree>
+      <p:nvGrpSpPr>
+        <p:cNvPr id="1" name="">
+          <a:extLst>
+            <a:ext uri="{FF2B5EF4-FFF2-40B4-BE49-F238E27FC236}">
+              <a16:creationId xmlns:a16="http://schemas.microsoft.com/office/drawing/2014/main" id="{464A8989-D6CD-272D-991D-06B6A1C81FB2}"/>
+            </a:ext>
+          </a:extLst>
+        </p:cNvPr>
+        <p:cNvGrpSpPr/>
+        <p:nvPr/>
+      </p:nvGrpSpPr>
+      <p:grpSpPr>
+        <a:xfrm>
+          <a:off x="0" y="0"/>
+          <a:ext cx="0" cy="0"/>
+          <a:chOff x="0" y="0"/>
+          <a:chExt cx="0" cy="0"/>
+        </a:xfrm>
+      </p:grpSpPr>
+      <p:sp>
+        <p:nvSpPr>
+          <p:cNvPr id="2" name="Título 1">
+            <a:extLst>
+              <a:ext uri="{FF2B5EF4-FFF2-40B4-BE49-F238E27FC236}">
+                <a16:creationId xmlns:a16="http://schemas.microsoft.com/office/drawing/2014/main" id="{7B24BAC2-C0AD-9CEC-7AD4-4BDBC03A56FF}"/>
+              </a:ext>
+            </a:extLst>
+          </p:cNvPr>
+          <p:cNvSpPr>
+            <a:spLocks noGrp="1"/>
+          </p:cNvSpPr>
+          <p:nvPr>
+            <p:ph type="title"/>
+          </p:nvPr>
+        </p:nvSpPr>
+        <p:spPr/>
+        <p:txBody>
+          <a:bodyPr/>
+          <a:lstStyle/>
+          <a:p>
+            <a:r>
+              <a:rPr lang="pt-BR" noProof="0" dirty="0"/>
+              <a:t>Introdução</a:t>
+            </a:r>
+          </a:p>
+        </p:txBody>
+      </p:sp>
+      <p:grpSp>
+        <p:nvGrpSpPr>
+          <p:cNvPr id="9" name="Group 8">
+            <a:extLst>
+              <a:ext uri="{FF2B5EF4-FFF2-40B4-BE49-F238E27FC236}">
+                <a16:creationId xmlns:a16="http://schemas.microsoft.com/office/drawing/2014/main" id="{D8AE2F37-FE2D-94A0-4E01-457A4EF0B551}"/>
+              </a:ext>
+            </a:extLst>
+          </p:cNvPr>
+          <p:cNvGrpSpPr/>
+          <p:nvPr/>
+        </p:nvGrpSpPr>
+        <p:grpSpPr>
+          <a:xfrm>
+            <a:off x="838200" y="4761569"/>
+            <a:ext cx="11353800" cy="1550019"/>
+            <a:chOff x="838200" y="4761569"/>
+            <a:chExt cx="11353800" cy="1550019"/>
+          </a:xfrm>
+        </p:grpSpPr>
+        <p:sp>
+          <p:nvSpPr>
+            <p:cNvPr id="4" name="Oval 3">
+              <a:extLst>
+                <a:ext uri="{FF2B5EF4-FFF2-40B4-BE49-F238E27FC236}">
+                  <a16:creationId xmlns:a16="http://schemas.microsoft.com/office/drawing/2014/main" id="{194EB2E4-0DEB-D638-7F79-C127217860FA}"/>
+                </a:ext>
+              </a:extLst>
+            </p:cNvPr>
+            <p:cNvSpPr/>
+            <p:nvPr/>
+          </p:nvSpPr>
+          <p:spPr>
+            <a:xfrm>
+              <a:off x="838200" y="4761569"/>
+              <a:ext cx="1550019" cy="1550019"/>
+            </a:xfrm>
+            <a:prstGeom prst="ellipse">
+              <a:avLst/>
+            </a:prstGeom>
+            <a:solidFill>
+              <a:schemeClr val="bg2">
+                <a:lumMod val="50000"/>
+              </a:schemeClr>
+            </a:solidFill>
+            <a:ln>
+              <a:noFill/>
+            </a:ln>
+          </p:spPr>
+          <p:style>
+            <a:lnRef idx="2">
+              <a:schemeClr val="accent1">
+                <a:shade val="15000"/>
+              </a:schemeClr>
+            </a:lnRef>
+            <a:fillRef idx="1">
+              <a:schemeClr val="accent1"/>
+            </a:fillRef>
+            <a:effectRef idx="0">
+              <a:schemeClr val="accent1"/>
+            </a:effectRef>
+            <a:fontRef idx="minor">
+              <a:schemeClr val="lt1"/>
+            </a:fontRef>
+          </p:style>
+          <p:txBody>
+            <a:bodyPr rtlCol="0" anchor="ctr"/>
+            <a:lstStyle/>
+            <a:p>
+              <a:pPr algn="ctr"/>
+              <a:r>
+                <a:rPr lang="pt-BR" sz="2400" b="1" noProof="0" dirty="0"/>
+                <a:t>2020</a:t>
+              </a:r>
+              <a:endParaRPr lang="pt-BR" sz="1600" b="1" noProof="0" dirty="0"/>
+            </a:p>
+          </p:txBody>
+        </p:sp>
+        <p:cxnSp>
+          <p:nvCxnSpPr>
+            <p:cNvPr id="6" name="Straight Connector 5">
+              <a:extLst>
+                <a:ext uri="{FF2B5EF4-FFF2-40B4-BE49-F238E27FC236}">
+                  <a16:creationId xmlns:a16="http://schemas.microsoft.com/office/drawing/2014/main" id="{224E0CA0-6972-9F39-BC9D-7974F52829B8}"/>
+                </a:ext>
+              </a:extLst>
+            </p:cNvPr>
+            <p:cNvCxnSpPr>
+              <a:cxnSpLocks/>
+            </p:cNvCxnSpPr>
+            <p:nvPr/>
+          </p:nvCxnSpPr>
+          <p:spPr>
+            <a:xfrm>
+              <a:off x="2094570" y="5536578"/>
+              <a:ext cx="10097430" cy="0"/>
+            </a:xfrm>
+            <a:prstGeom prst="line">
+              <a:avLst/>
+            </a:prstGeom>
+            <a:ln w="203200">
+              <a:solidFill>
+                <a:schemeClr val="bg2">
+                  <a:lumMod val="50000"/>
+                </a:schemeClr>
+              </a:solidFill>
+            </a:ln>
+          </p:spPr>
+          <p:style>
+            <a:lnRef idx="1">
+              <a:schemeClr val="accent1"/>
+            </a:lnRef>
+            <a:fillRef idx="0">
+              <a:schemeClr val="accent1"/>
+            </a:fillRef>
+            <a:effectRef idx="0">
+              <a:schemeClr val="accent1"/>
+            </a:effectRef>
+            <a:fontRef idx="minor">
+              <a:schemeClr val="tx1"/>
+            </a:fontRef>
+          </p:style>
+        </p:cxnSp>
+      </p:grpSp>
+      <p:pic>
+        <p:nvPicPr>
+          <p:cNvPr id="12" name="Online Media 11" descr="Large Language Models explained briefly">
+            <a:hlinkClick r:id="" action="ppaction://media"/>
+            <a:extLst>
+              <a:ext uri="{FF2B5EF4-FFF2-40B4-BE49-F238E27FC236}">
+                <a16:creationId xmlns:a16="http://schemas.microsoft.com/office/drawing/2014/main" id="{1ADEC45B-0A71-D519-A3DF-40A57B2A78D4}"/>
+              </a:ext>
+            </a:extLst>
+          </p:cNvPr>
+          <p:cNvPicPr>
+            <a:picLocks noGrp="1" noRot="1" noChangeAspect="1"/>
+          </p:cNvPicPr>
+          <p:nvPr>
+            <p:ph idx="1"/>
+            <a:videoFile r:link="rId1"/>
+          </p:nvPr>
+        </p:nvPicPr>
+        <p:blipFill>
+          <a:blip r:embed="rId3"/>
+          <a:stretch>
+            <a:fillRect/>
+          </a:stretch>
+        </p:blipFill>
+        <p:spPr>
+          <a:xfrm>
+            <a:off x="0" y="0"/>
+            <a:ext cx="12192000" cy="6888946"/>
+          </a:xfrm>
+          <a:prstGeom prst="rect">
+            <a:avLst/>
+          </a:prstGeom>
+        </p:spPr>
+      </p:pic>
+    </p:spTree>
+    <p:extLst>
+      <p:ext uri="{BB962C8B-B14F-4D97-AF65-F5344CB8AC3E}">
+        <p14:creationId xmlns:p14="http://schemas.microsoft.com/office/powerpoint/2010/main" val="3469476269"/>
+      </p:ext>
+    </p:extLst>
+  </p:cSld>
+  <p:clrMapOvr>
+    <a:masterClrMapping/>
+  </p:clrMapOvr>
+  <p:timing>
+    <p:tnLst>
+      <p:par>
+        <p:cTn id="1" dur="indefinite" restart="never" nodeType="tmRoot">
+          <p:childTnLst>
+            <p:seq concurrent="1" nextAc="seek">
+              <p:cTn id="2" dur="indefinite" nodeType="mainSeq">
+                <p:childTnLst>
+                  <p:par>
+                    <p:cTn id="3" fill="hold">
+                      <p:stCondLst>
+                        <p:cond delay="indefinite"/>
+                      </p:stCondLst>
+                      <p:childTnLst>
+                        <p:par>
+                          <p:cTn id="4" fill="hold">
+                            <p:stCondLst>
+                              <p:cond delay="0"/>
+                            </p:stCondLst>
+                            <p:childTnLst>
+                              <p:par>
+                                <p:cTn id="5" presetID="1" presetClass="mediacall" presetSubtype="0" fill="hold" nodeType="clickEffect">
+                                  <p:stCondLst>
+                                    <p:cond delay="0"/>
+                                  </p:stCondLst>
+                                  <p:childTnLst>
+                                    <p:cmd type="call" cmd="playFrom(0.0)">
+                                      <p:cBhvr>
+                                        <p:cTn id="6" dur="1" fill="hold"/>
+                                        <p:tgtEl>
+                                          <p:spTgt spid="12"/>
+                                        </p:tgtEl>
+                                      </p:cBhvr>
+                                    </p:cmd>
+                                  </p:childTnLst>
+                                </p:cTn>
+                              </p:par>
+                            </p:childTnLst>
+                          </p:cTn>
+                        </p:par>
+                      </p:childTnLst>
+                    </p:cTn>
+                  </p:par>
+                </p:childTnLst>
+              </p:cTn>
+              <p:prevCondLst>
+                <p:cond evt="onPrev" delay="0">
+                  <p:tgtEl>
+                    <p:sldTgt/>
+                  </p:tgtEl>
+                </p:cond>
+              </p:prevCondLst>
+              <p:nextCondLst>
+                <p:cond evt="onNext" delay="0">
+                  <p:tgtEl>
+                    <p:sldTgt/>
+                  </p:tgtEl>
+                </p:cond>
+              </p:nextCondLst>
+            </p:seq>
+            <p:video>
+              <p:cMediaNode vol="80000">
+                <p:cTn id="7" fill="hold" display="0">
+                  <p:stCondLst>
+                    <p:cond delay="indefinite"/>
+                  </p:stCondLst>
+                </p:cTn>
+                <p:tgtEl>
+                  <p:spTgt spid="12"/>
+                </p:tgtEl>
+              </p:cMediaNode>
+            </p:video>
+            <p:seq concurrent="1" nextAc="seek">
+              <p:cTn id="8" restart="whenNotActive" fill="hold" evtFilter="cancelBubble" nodeType="interactiveSeq">
+                <p:stCondLst>
+                  <p:cond evt="onClick" delay="0">
+                    <p:tgtEl>
+                      <p:spTgt spid="12"/>
+                    </p:tgtEl>
+                  </p:cond>
+                </p:stCondLst>
+                <p:endSync evt="end" delay="0">
+                  <p:rtn val="all"/>
+                </p:endSync>
+                <p:childTnLst>
+                  <p:par>
+                    <p:cTn id="9" fill="hold">
+                      <p:stCondLst>
+                        <p:cond delay="0"/>
+                      </p:stCondLst>
+                      <p:childTnLst>
+                        <p:par>
+                          <p:cTn id="10" fill="hold">
+                            <p:stCondLst>
+                              <p:cond delay="0"/>
+                            </p:stCondLst>
+                            <p:childTnLst>
+                              <p:par>
+                                <p:cTn id="11" presetID="2" presetClass="mediacall" presetSubtype="0" fill="hold" nodeType="clickEffect">
+                                  <p:stCondLst>
+                                    <p:cond delay="0"/>
+                                  </p:stCondLst>
+                                  <p:childTnLst>
+                                    <p:cmd type="call" cmd="togglePause">
+                                      <p:cBhvr>
+                                        <p:cTn id="12" dur="1" fill="hold"/>
+                                        <p:tgtEl>
+                                          <p:spTgt spid="12"/>
+                                        </p:tgtEl>
+                                      </p:cBhvr>
+                                    </p:cmd>
+                                  </p:childTnLst>
+                                </p:cTn>
+                              </p:par>
+                            </p:childTnLst>
+                          </p:cTn>
+                        </p:par>
+                      </p:childTnLst>
+                    </p:cTn>
+                  </p:par>
+                </p:childTnLst>
+              </p:cTn>
+              <p:nextCondLst>
+                <p:cond evt="onClick" delay="0">
+                  <p:tgtEl>
+                    <p:spTgt spid="12"/>
+                  </p:tgtEl>
+                </p:cond>
+              </p:nextCondLst>
+            </p:seq>
+          </p:childTnLst>
+        </p:cTn>
+      </p:par>
+    </p:tnLst>
+  </p:timing>
+</p:sld>
+</file>
+
+<file path=ppt/slides/slide22.xml><?xml version="1.0" encoding="utf-8"?>
+<p:sld xmlns:a="http://schemas.openxmlformats.org/drawingml/2006/main" xmlns:r="http://schemas.openxmlformats.org/officeDocument/2006/relationships" xmlns:p="http://schemas.openxmlformats.org/presentationml/2006/main">
+  <p:cSld>
+    <p:spTree>
+      <p:nvGrpSpPr>
+        <p:cNvPr id="1" name=""/>
+        <p:cNvGrpSpPr/>
+        <p:nvPr/>
+      </p:nvGrpSpPr>
+      <p:grpSpPr>
+        <a:xfrm>
+          <a:off x="0" y="0"/>
+          <a:ext cx="0" cy="0"/>
+          <a:chOff x="0" y="0"/>
+          <a:chExt cx="0" cy="0"/>
+        </a:xfrm>
+      </p:grpSpPr>
+      <p:sp>
+        <p:nvSpPr>
+          <p:cNvPr id="2" name="Título 1">
+            <a:extLst>
+              <a:ext uri="{FF2B5EF4-FFF2-40B4-BE49-F238E27FC236}">
+                <a16:creationId xmlns:a16="http://schemas.microsoft.com/office/drawing/2014/main" id="{94AB8438-E56E-2412-517C-8456E4CA773C}"/>
+              </a:ext>
+            </a:extLst>
+          </p:cNvPr>
+          <p:cNvSpPr>
+            <a:spLocks noGrp="1"/>
+          </p:cNvSpPr>
+          <p:nvPr>
+            <p:ph type="title"/>
+          </p:nvPr>
+        </p:nvSpPr>
+        <p:spPr/>
+        <p:txBody>
+          <a:bodyPr/>
+          <a:lstStyle/>
+          <a:p>
+            <a:r>
+              <a:rPr lang="pt-BR" noProof="0" dirty="0"/>
+              <a:t>Fundamentação teórica</a:t>
+            </a:r>
+          </a:p>
+        </p:txBody>
+      </p:sp>
+      <p:sp>
+        <p:nvSpPr>
+          <p:cNvPr id="3" name="Espaço Reservado para Conteúdo 2">
+            <a:extLst>
+              <a:ext uri="{FF2B5EF4-FFF2-40B4-BE49-F238E27FC236}">
+                <a16:creationId xmlns:a16="http://schemas.microsoft.com/office/drawing/2014/main" id="{F7E2B09C-6D56-4C9F-A364-B904CCE2F1A0}"/>
+              </a:ext>
+            </a:extLst>
+          </p:cNvPr>
+          <p:cNvSpPr>
+            <a:spLocks noGrp="1"/>
+          </p:cNvSpPr>
+          <p:nvPr>
+            <p:ph idx="1"/>
+          </p:nvPr>
+        </p:nvSpPr>
+        <p:spPr/>
+        <p:txBody>
+          <a:bodyPr/>
+          <a:lstStyle/>
+          <a:p>
+            <a:endParaRPr lang="pt-BR" noProof="0" dirty="0"/>
+          </a:p>
+        </p:txBody>
+      </p:sp>
+    </p:spTree>
+    <p:extLst>
+      <p:ext uri="{BB962C8B-B14F-4D97-AF65-F5344CB8AC3E}">
+        <p14:creationId xmlns:p14="http://schemas.microsoft.com/office/powerpoint/2010/main" val="3187071590"/>
+      </p:ext>
+    </p:extLst>
+  </p:cSld>
+  <p:clrMapOvr>
+    <a:masterClrMapping/>
+  </p:clrMapOvr>
+</p:sld>
+</file>
+
+<file path=ppt/slides/slide23.xml><?xml version="1.0" encoding="utf-8"?>
+<p:sld xmlns:a="http://schemas.openxmlformats.org/drawingml/2006/main" xmlns:r="http://schemas.openxmlformats.org/officeDocument/2006/relationships" xmlns:p="http://schemas.openxmlformats.org/presentationml/2006/main">
+  <p:cSld>
+    <p:spTree>
+      <p:nvGrpSpPr>
+        <p:cNvPr id="1" name=""/>
+        <p:cNvGrpSpPr/>
+        <p:nvPr/>
+      </p:nvGrpSpPr>
+      <p:grpSpPr>
+        <a:xfrm>
+          <a:off x="0" y="0"/>
+          <a:ext cx="0" cy="0"/>
+          <a:chOff x="0" y="0"/>
+          <a:chExt cx="0" cy="0"/>
+        </a:xfrm>
+      </p:grpSpPr>
+      <p:sp>
+        <p:nvSpPr>
+          <p:cNvPr id="2" name="Título 1">
+            <a:extLst>
+              <a:ext uri="{FF2B5EF4-FFF2-40B4-BE49-F238E27FC236}">
+                <a16:creationId xmlns:a16="http://schemas.microsoft.com/office/drawing/2014/main" id="{083FFF02-0FC8-9F0B-AAB0-565FC99EA70D}"/>
+              </a:ext>
+            </a:extLst>
+          </p:cNvPr>
+          <p:cNvSpPr>
+            <a:spLocks noGrp="1"/>
+          </p:cNvSpPr>
+          <p:nvPr>
+            <p:ph type="title"/>
+          </p:nvPr>
+        </p:nvSpPr>
+        <p:spPr/>
+        <p:txBody>
+          <a:bodyPr/>
+          <a:lstStyle/>
+          <a:p>
+            <a:r>
+              <a:rPr lang="pt-BR" noProof="0" dirty="0"/>
+              <a:t>Arquitetura e funcionamento</a:t>
+            </a:r>
+          </a:p>
+        </p:txBody>
+      </p:sp>
+      <p:sp>
+        <p:nvSpPr>
+          <p:cNvPr id="3" name="Espaço Reservado para Conteúdo 2">
+            <a:extLst>
+              <a:ext uri="{FF2B5EF4-FFF2-40B4-BE49-F238E27FC236}">
+                <a16:creationId xmlns:a16="http://schemas.microsoft.com/office/drawing/2014/main" id="{8C5488AE-34B4-EF1D-F674-507FF2FCD122}"/>
+              </a:ext>
+            </a:extLst>
+          </p:cNvPr>
+          <p:cNvSpPr>
+            <a:spLocks noGrp="1"/>
+          </p:cNvSpPr>
+          <p:nvPr>
+            <p:ph idx="1"/>
+          </p:nvPr>
+        </p:nvSpPr>
+        <p:spPr/>
+        <p:txBody>
+          <a:bodyPr/>
+          <a:lstStyle/>
+          <a:p>
+            <a:endParaRPr lang="pt-BR" noProof="0" dirty="0"/>
+          </a:p>
+        </p:txBody>
+      </p:sp>
+    </p:spTree>
+    <p:extLst>
+      <p:ext uri="{BB962C8B-B14F-4D97-AF65-F5344CB8AC3E}">
+        <p14:creationId xmlns:p14="http://schemas.microsoft.com/office/powerpoint/2010/main" val="1547259554"/>
+      </p:ext>
+    </p:extLst>
+  </p:cSld>
+  <p:clrMapOvr>
+    <a:masterClrMapping/>
+  </p:clrMapOvr>
+</p:sld>
+</file>
+
+<file path=ppt/slides/slide24.xml><?xml version="1.0" encoding="utf-8"?>
+<p:sld xmlns:a="http://schemas.openxmlformats.org/drawingml/2006/main" xmlns:r="http://schemas.openxmlformats.org/officeDocument/2006/relationships" xmlns:p="http://schemas.openxmlformats.org/presentationml/2006/main">
+  <p:cSld>
+    <p:spTree>
+      <p:nvGrpSpPr>
+        <p:cNvPr id="1" name="">
+          <a:extLst>
+            <a:ext uri="{FF2B5EF4-FFF2-40B4-BE49-F238E27FC236}">
+              <a16:creationId xmlns:a16="http://schemas.microsoft.com/office/drawing/2014/main" id="{E1C9F56A-97FC-7CCD-E5BA-3B5E230AD9AB}"/>
+            </a:ext>
+          </a:extLst>
+        </p:cNvPr>
+        <p:cNvGrpSpPr/>
+        <p:nvPr/>
+      </p:nvGrpSpPr>
+      <p:grpSpPr>
+        <a:xfrm>
+          <a:off x="0" y="0"/>
+          <a:ext cx="0" cy="0"/>
+          <a:chOff x="0" y="0"/>
+          <a:chExt cx="0" cy="0"/>
+        </a:xfrm>
+      </p:grpSpPr>
+      <p:sp>
+        <p:nvSpPr>
+          <p:cNvPr id="2" name="Título 1">
+            <a:extLst>
+              <a:ext uri="{FF2B5EF4-FFF2-40B4-BE49-F238E27FC236}">
+                <a16:creationId xmlns:a16="http://schemas.microsoft.com/office/drawing/2014/main" id="{A979DAB9-0612-F0CD-7BB1-AF52B98B3210}"/>
+              </a:ext>
+            </a:extLst>
+          </p:cNvPr>
+          <p:cNvSpPr>
+            <a:spLocks noGrp="1"/>
+          </p:cNvSpPr>
+          <p:nvPr>
+            <p:ph type="title"/>
+          </p:nvPr>
+        </p:nvSpPr>
+        <p:spPr/>
+        <p:txBody>
+          <a:bodyPr/>
+          <a:lstStyle/>
+          <a:p>
+            <a:r>
+              <a:rPr lang="pt-BR" noProof="0" dirty="0"/>
+              <a:t>Treinamento e otimização</a:t>
+            </a:r>
+          </a:p>
+        </p:txBody>
+      </p:sp>
+      <p:sp>
+        <p:nvSpPr>
+          <p:cNvPr id="3" name="Espaço Reservado para Conteúdo 2">
+            <a:extLst>
+              <a:ext uri="{FF2B5EF4-FFF2-40B4-BE49-F238E27FC236}">
+                <a16:creationId xmlns:a16="http://schemas.microsoft.com/office/drawing/2014/main" id="{F22F88A5-87D1-340F-853F-8C2ED8F8C877}"/>
+              </a:ext>
+            </a:extLst>
+          </p:cNvPr>
+          <p:cNvSpPr>
+            <a:spLocks noGrp="1"/>
+          </p:cNvSpPr>
+          <p:nvPr>
+            <p:ph idx="1"/>
+          </p:nvPr>
+        </p:nvSpPr>
+        <p:spPr/>
+        <p:txBody>
+          <a:bodyPr/>
+          <a:lstStyle/>
+          <a:p>
+            <a:endParaRPr lang="pt-BR" noProof="0" dirty="0"/>
+          </a:p>
+        </p:txBody>
+      </p:sp>
+    </p:spTree>
+    <p:extLst>
+      <p:ext uri="{BB962C8B-B14F-4D97-AF65-F5344CB8AC3E}">
+        <p14:creationId xmlns:p14="http://schemas.microsoft.com/office/powerpoint/2010/main" val="3906980817"/>
+      </p:ext>
+    </p:extLst>
+  </p:cSld>
+  <p:clrMapOvr>
+    <a:masterClrMapping/>
+  </p:clrMapOvr>
+</p:sld>
+</file>
+
+<file path=ppt/slides/slide25.xml><?xml version="1.0" encoding="utf-8"?>
+<p:sld xmlns:a="http://schemas.openxmlformats.org/drawingml/2006/main" xmlns:r="http://schemas.openxmlformats.org/officeDocument/2006/relationships" xmlns:p="http://schemas.openxmlformats.org/presentationml/2006/main">
+  <p:cSld>
+    <p:spTree>
+      <p:nvGrpSpPr>
+        <p:cNvPr id="1" name="">
+          <a:extLst>
+            <a:ext uri="{FF2B5EF4-FFF2-40B4-BE49-F238E27FC236}">
+              <a16:creationId xmlns:a16="http://schemas.microsoft.com/office/drawing/2014/main" id="{B28A9759-CA4F-DA4F-85C2-F6E51DCED2D9}"/>
+            </a:ext>
+          </a:extLst>
+        </p:cNvPr>
+        <p:cNvGrpSpPr/>
+        <p:nvPr/>
+      </p:nvGrpSpPr>
+      <p:grpSpPr>
+        <a:xfrm>
+          <a:off x="0" y="0"/>
+          <a:ext cx="0" cy="0"/>
+          <a:chOff x="0" y="0"/>
+          <a:chExt cx="0" cy="0"/>
+        </a:xfrm>
+      </p:grpSpPr>
+      <p:sp>
+        <p:nvSpPr>
+          <p:cNvPr id="2" name="Título 1">
+            <a:extLst>
+              <a:ext uri="{FF2B5EF4-FFF2-40B4-BE49-F238E27FC236}">
+                <a16:creationId xmlns:a16="http://schemas.microsoft.com/office/drawing/2014/main" id="{072F732D-34CE-6153-324F-D7F6821577F0}"/>
+              </a:ext>
+            </a:extLst>
+          </p:cNvPr>
+          <p:cNvSpPr>
+            <a:spLocks noGrp="1"/>
+          </p:cNvSpPr>
+          <p:nvPr>
+            <p:ph type="title"/>
+          </p:nvPr>
+        </p:nvSpPr>
+        <p:spPr/>
+        <p:txBody>
+          <a:bodyPr/>
+          <a:lstStyle/>
+          <a:p>
+            <a:r>
+              <a:rPr lang="pt-BR" noProof="0" dirty="0"/>
+              <a:t>Vantagens e desvantagens</a:t>
+            </a:r>
+          </a:p>
+        </p:txBody>
+      </p:sp>
+      <p:sp>
+        <p:nvSpPr>
+          <p:cNvPr id="3" name="Espaço Reservado para Conteúdo 2">
+            <a:extLst>
+              <a:ext uri="{FF2B5EF4-FFF2-40B4-BE49-F238E27FC236}">
+                <a16:creationId xmlns:a16="http://schemas.microsoft.com/office/drawing/2014/main" id="{62A55622-8E11-E5D7-8EAF-7AE2CCAA3321}"/>
+              </a:ext>
+            </a:extLst>
+          </p:cNvPr>
+          <p:cNvSpPr>
+            <a:spLocks noGrp="1"/>
+          </p:cNvSpPr>
+          <p:nvPr>
+            <p:ph idx="1"/>
+          </p:nvPr>
+        </p:nvSpPr>
+        <p:spPr/>
+        <p:txBody>
+          <a:bodyPr/>
+          <a:lstStyle/>
+          <a:p>
+            <a:endParaRPr lang="pt-BR" noProof="0" dirty="0"/>
+          </a:p>
+        </p:txBody>
+      </p:sp>
+    </p:spTree>
+    <p:extLst>
+      <p:ext uri="{BB962C8B-B14F-4D97-AF65-F5344CB8AC3E}">
+        <p14:creationId xmlns:p14="http://schemas.microsoft.com/office/powerpoint/2010/main" val="1521811257"/>
+      </p:ext>
+    </p:extLst>
+  </p:cSld>
+  <p:clrMapOvr>
+    <a:masterClrMapping/>
+  </p:clrMapOvr>
+</p:sld>
+</file>
+
+<file path=ppt/slides/slide26.xml><?xml version="1.0" encoding="utf-8"?>
+<p:sld xmlns:a="http://schemas.openxmlformats.org/drawingml/2006/main" xmlns:r="http://schemas.openxmlformats.org/officeDocument/2006/relationships" xmlns:p="http://schemas.openxmlformats.org/presentationml/2006/main">
+  <p:cSld>
+    <p:spTree>
+      <p:nvGrpSpPr>
+        <p:cNvPr id="1" name=""/>
+        <p:cNvGrpSpPr/>
+        <p:nvPr/>
+      </p:nvGrpSpPr>
+      <p:grpSpPr>
+        <a:xfrm>
+          <a:off x="0" y="0"/>
+          <a:ext cx="0" cy="0"/>
+          <a:chOff x="0" y="0"/>
+          <a:chExt cx="0" cy="0"/>
+        </a:xfrm>
+      </p:grpSpPr>
+      <p:sp>
+        <p:nvSpPr>
+          <p:cNvPr id="2" name="Título 1">
+            <a:extLst>
+              <a:ext uri="{FF2B5EF4-FFF2-40B4-BE49-F238E27FC236}">
+                <a16:creationId xmlns:a16="http://schemas.microsoft.com/office/drawing/2014/main" id="{B9E502FC-4440-F5DA-F299-69CD15E702AE}"/>
+              </a:ext>
+            </a:extLst>
+          </p:cNvPr>
+          <p:cNvSpPr>
+            <a:spLocks noGrp="1"/>
+          </p:cNvSpPr>
+          <p:nvPr>
+            <p:ph type="title"/>
+          </p:nvPr>
+        </p:nvSpPr>
+        <p:spPr/>
+        <p:txBody>
+          <a:bodyPr/>
+          <a:lstStyle/>
+          <a:p>
+            <a:r>
+              <a:rPr lang="pt-BR" noProof="0" dirty="0"/>
+              <a:t>Exemplo(</a:t>
+            </a:r>
+            <a:r>
+              <a:rPr lang="pt-BR" noProof="0" dirty="0" err="1"/>
+              <a:t>s</a:t>
+            </a:r>
+            <a:r>
+              <a:rPr lang="pt-BR" noProof="0" dirty="0"/>
+              <a:t>) de aplicação</a:t>
+            </a:r>
+          </a:p>
+        </p:txBody>
+      </p:sp>
+      <p:sp>
+        <p:nvSpPr>
+          <p:cNvPr id="3" name="Espaço Reservado para Conteúdo 2">
+            <a:extLst>
+              <a:ext uri="{FF2B5EF4-FFF2-40B4-BE49-F238E27FC236}">
+                <a16:creationId xmlns:a16="http://schemas.microsoft.com/office/drawing/2014/main" id="{69359096-6B47-BEA3-55AD-95F90CDC8489}"/>
+              </a:ext>
+            </a:extLst>
+          </p:cNvPr>
+          <p:cNvSpPr>
+            <a:spLocks noGrp="1"/>
+          </p:cNvSpPr>
+          <p:nvPr>
+            <p:ph idx="1"/>
+          </p:nvPr>
+        </p:nvSpPr>
+        <p:spPr/>
+        <p:txBody>
+          <a:bodyPr/>
+          <a:lstStyle/>
+          <a:p>
+            <a:endParaRPr lang="pt-BR" noProof="0" dirty="0"/>
+          </a:p>
+        </p:txBody>
+      </p:sp>
+    </p:spTree>
+    <p:extLst>
+      <p:ext uri="{BB962C8B-B14F-4D97-AF65-F5344CB8AC3E}">
+        <p14:creationId xmlns:p14="http://schemas.microsoft.com/office/powerpoint/2010/main" val="1532530965"/>
+      </p:ext>
+    </p:extLst>
+  </p:cSld>
+  <p:clrMapOvr>
+    <a:masterClrMapping/>
+  </p:clrMapOvr>
+</p:sld>
+</file>
+
+<file path=ppt/slides/slide27.xml><?xml version="1.0" encoding="utf-8"?>
+<p:sld xmlns:a="http://schemas.openxmlformats.org/drawingml/2006/main" xmlns:r="http://schemas.openxmlformats.org/officeDocument/2006/relationships" xmlns:p="http://schemas.openxmlformats.org/presentationml/2006/main">
+  <p:cSld>
+    <p:spTree>
+      <p:nvGrpSpPr>
+        <p:cNvPr id="1" name=""/>
+        <p:cNvGrpSpPr/>
+        <p:nvPr/>
+      </p:nvGrpSpPr>
+      <p:grpSpPr>
+        <a:xfrm>
+          <a:off x="0" y="0"/>
+          <a:ext cx="0" cy="0"/>
+          <a:chOff x="0" y="0"/>
+          <a:chExt cx="0" cy="0"/>
+        </a:xfrm>
+      </p:grpSpPr>
+      <p:sp>
+        <p:nvSpPr>
+          <p:cNvPr id="2" name="Título 1">
+            <a:extLst>
+              <a:ext uri="{FF2B5EF4-FFF2-40B4-BE49-F238E27FC236}">
+                <a16:creationId xmlns:a16="http://schemas.microsoft.com/office/drawing/2014/main" id="{B7EBC8F7-03EF-338A-A90B-280A41AF9688}"/>
+              </a:ext>
+            </a:extLst>
+          </p:cNvPr>
+          <p:cNvSpPr>
+            <a:spLocks noGrp="1"/>
+          </p:cNvSpPr>
+          <p:nvPr>
+            <p:ph type="title"/>
+          </p:nvPr>
+        </p:nvSpPr>
+        <p:spPr/>
+        <p:txBody>
+          <a:bodyPr/>
+          <a:lstStyle/>
+          <a:p>
+            <a:r>
+              <a:rPr lang="pt-BR" noProof="0" dirty="0"/>
+              <a:t>Comparação com outros algoritmos</a:t>
+            </a:r>
+          </a:p>
+        </p:txBody>
+      </p:sp>
+      <p:sp>
+        <p:nvSpPr>
+          <p:cNvPr id="3" name="Espaço Reservado para Conteúdo 2">
+            <a:extLst>
+              <a:ext uri="{FF2B5EF4-FFF2-40B4-BE49-F238E27FC236}">
+                <a16:creationId xmlns:a16="http://schemas.microsoft.com/office/drawing/2014/main" id="{C525BCE7-C19D-7DDA-016A-E3016C398CBA}"/>
+              </a:ext>
+            </a:extLst>
+          </p:cNvPr>
+          <p:cNvSpPr>
+            <a:spLocks noGrp="1"/>
+          </p:cNvSpPr>
+          <p:nvPr>
+            <p:ph idx="1"/>
+          </p:nvPr>
+        </p:nvSpPr>
+        <p:spPr/>
+        <p:txBody>
+          <a:bodyPr/>
+          <a:lstStyle/>
+          <a:p>
+            <a:endParaRPr lang="pt-BR" noProof="0" dirty="0"/>
+          </a:p>
+        </p:txBody>
+      </p:sp>
+    </p:spTree>
+    <p:extLst>
+      <p:ext uri="{BB962C8B-B14F-4D97-AF65-F5344CB8AC3E}">
+        <p14:creationId xmlns:p14="http://schemas.microsoft.com/office/powerpoint/2010/main" val="3601469261"/>
+      </p:ext>
+    </p:extLst>
+  </p:cSld>
+  <p:clrMapOvr>
+    <a:masterClrMapping/>
+  </p:clrMapOvr>
+</p:sld>
+</file>
+
+<file path=ppt/slides/slide28.xml><?xml version="1.0" encoding="utf-8"?>
 <p:sld xmlns:a="http://schemas.openxmlformats.org/drawingml/2006/main" xmlns:r="http://schemas.openxmlformats.org/officeDocument/2006/relationships" xmlns:p="http://schemas.openxmlformats.org/presentationml/2006/main">
   <p:cSld>
     <p:spTree>
@@ -7145,7 +10936,7 @@
 </p:sld>
 </file>
 
-<file path=ppt/slides/slide21.xml><?xml version="1.0" encoding="utf-8"?>
+<file path=ppt/slides/slide29.xml><?xml version="1.0" encoding="utf-8"?>
 <p:sld xmlns:a="http://schemas.openxmlformats.org/drawingml/2006/main" xmlns:r="http://schemas.openxmlformats.org/officeDocument/2006/relationships" xmlns:p="http://schemas.openxmlformats.org/presentationml/2006/main">
   <p:cSld>
     <p:spTree>
@@ -7229,6 +11020,18 @@
             <a:endParaRPr lang="pt-BR" dirty="0"/>
           </a:p>
           <a:p>
+            <a:r>
+              <a:rPr lang="pt-BR" dirty="0">
+                <a:hlinkClick r:id="rId4"/>
+              </a:rPr>
+              <a:t>https://www.youtube.com/watch?v=LPZh9BOjkQs</a:t>
+            </a:r>
+            <a:endParaRPr lang="pt-BR" dirty="0"/>
+          </a:p>
+          <a:p>
+            <a:endParaRPr lang="pt-BR" dirty="0"/>
+          </a:p>
+          <a:p>
             <a:endParaRPr lang="pt-BR" noProof="0" dirty="0"/>
           </a:p>
         </p:txBody>
@@ -7237,92 +11040,6 @@
     <p:extLst>
       <p:ext uri="{BB962C8B-B14F-4D97-AF65-F5344CB8AC3E}">
         <p14:creationId xmlns:p14="http://schemas.microsoft.com/office/powerpoint/2010/main" val="1787264919"/>
-      </p:ext>
-    </p:extLst>
-  </p:cSld>
-  <p:clrMapOvr>
-    <a:masterClrMapping/>
-  </p:clrMapOvr>
-</p:sld>
-</file>
-
-<file path=ppt/slides/slide22.xml><?xml version="1.0" encoding="utf-8"?>
-<p:sld xmlns:a="http://schemas.openxmlformats.org/drawingml/2006/main" xmlns:r="http://schemas.openxmlformats.org/officeDocument/2006/relationships" xmlns:p="http://schemas.openxmlformats.org/presentationml/2006/main">
-  <p:cSld>
-    <p:spTree>
-      <p:nvGrpSpPr>
-        <p:cNvPr id="1" name=""/>
-        <p:cNvGrpSpPr/>
-        <p:nvPr/>
-      </p:nvGrpSpPr>
-      <p:grpSpPr>
-        <a:xfrm>
-          <a:off x="0" y="0"/>
-          <a:ext cx="0" cy="0"/>
-          <a:chOff x="0" y="0"/>
-          <a:chExt cx="0" cy="0"/>
-        </a:xfrm>
-      </p:grpSpPr>
-      <p:sp>
-        <p:nvSpPr>
-          <p:cNvPr id="4" name="Título 1">
-            <a:extLst>
-              <a:ext uri="{FF2B5EF4-FFF2-40B4-BE49-F238E27FC236}">
-                <a16:creationId xmlns:a16="http://schemas.microsoft.com/office/drawing/2014/main" id="{32666AC8-2E17-4DB4-B0F5-60C640CCFD2E}"/>
-              </a:ext>
-            </a:extLst>
-          </p:cNvPr>
-          <p:cNvSpPr txBox="1">
-            <a:spLocks/>
-          </p:cNvSpPr>
-          <p:nvPr/>
-        </p:nvSpPr>
-        <p:spPr>
-          <a:xfrm>
-            <a:off x="1431533" y="2720526"/>
-            <a:ext cx="9144000" cy="1029541"/>
-          </a:xfrm>
-          <a:prstGeom prst="rect">
-            <a:avLst/>
-          </a:prstGeom>
-        </p:spPr>
-        <p:txBody>
-          <a:bodyPr vert="horz" lIns="91440" tIns="45720" rIns="91440" bIns="45720" rtlCol="0" anchor="ctr">
-            <a:normAutofit/>
-          </a:bodyPr>
-          <a:lstStyle>
-            <a:lvl1pPr algn="l" defTabSz="914400" rtl="0" eaLnBrk="1" latinLnBrk="0" hangingPunct="1">
-              <a:lnSpc>
-                <a:spcPct val="90000"/>
-              </a:lnSpc>
-              <a:spcBef>
-                <a:spcPct val="0"/>
-              </a:spcBef>
-              <a:buNone/>
-              <a:defRPr sz="4400" kern="1200">
-                <a:solidFill>
-                  <a:schemeClr val="tx1"/>
-                </a:solidFill>
-                <a:latin typeface="+mj-lt"/>
-                <a:ea typeface="+mj-ea"/>
-                <a:cs typeface="+mj-cs"/>
-              </a:defRPr>
-            </a:lvl1pPr>
-          </a:lstStyle>
-          <a:p>
-            <a:pPr algn="ctr"/>
-            <a:r>
-              <a:rPr lang="pt-BR" sz="6600" noProof="0" dirty="0"/>
-              <a:t>Obrigado!</a:t>
-            </a:r>
-            <a:endParaRPr lang="pt-BR" sz="6600" b="1" i="1" noProof="0" dirty="0"/>
-          </a:p>
-        </p:txBody>
-      </p:sp>
-    </p:spTree>
-    <p:extLst>
-      <p:ext uri="{BB962C8B-B14F-4D97-AF65-F5344CB8AC3E}">
-        <p14:creationId xmlns:p14="http://schemas.microsoft.com/office/powerpoint/2010/main" val="2655704619"/>
       </p:ext>
     </p:extLst>
   </p:cSld>
@@ -7417,10 +11134,6 @@
             <a:r>
               <a:rPr lang="pt-BR" b="1" i="1" noProof="0" dirty="0" err="1"/>
               <a:t>Symbolic</a:t>
-            </a:r>
-            <a:r>
-              <a:rPr lang="pt-BR" b="1" i="1" noProof="0" dirty="0"/>
-              <a:t> NLP</a:t>
             </a:r>
             <a:endParaRPr lang="pt-BR" noProof="0" dirty="0"/>
           </a:p>
@@ -7517,7 +11230,7 @@
               <a:pPr algn="ctr"/>
               <a:r>
                 <a:rPr lang="pt-BR" sz="2400" b="1" noProof="0" dirty="0"/>
-                <a:t>1950’s</a:t>
+                <a:t>1950</a:t>
               </a:r>
               <a:endParaRPr lang="pt-BR" sz="1600" b="1" noProof="0" dirty="0"/>
             </a:p>
@@ -8085,6 +11798,92 @@
 </p:sld>
 </file>
 
+<file path=ppt/slides/slide30.xml><?xml version="1.0" encoding="utf-8"?>
+<p:sld xmlns:a="http://schemas.openxmlformats.org/drawingml/2006/main" xmlns:r="http://schemas.openxmlformats.org/officeDocument/2006/relationships" xmlns:p="http://schemas.openxmlformats.org/presentationml/2006/main">
+  <p:cSld>
+    <p:spTree>
+      <p:nvGrpSpPr>
+        <p:cNvPr id="1" name=""/>
+        <p:cNvGrpSpPr/>
+        <p:nvPr/>
+      </p:nvGrpSpPr>
+      <p:grpSpPr>
+        <a:xfrm>
+          <a:off x="0" y="0"/>
+          <a:ext cx="0" cy="0"/>
+          <a:chOff x="0" y="0"/>
+          <a:chExt cx="0" cy="0"/>
+        </a:xfrm>
+      </p:grpSpPr>
+      <p:sp>
+        <p:nvSpPr>
+          <p:cNvPr id="4" name="Título 1">
+            <a:extLst>
+              <a:ext uri="{FF2B5EF4-FFF2-40B4-BE49-F238E27FC236}">
+                <a16:creationId xmlns:a16="http://schemas.microsoft.com/office/drawing/2014/main" id="{32666AC8-2E17-4DB4-B0F5-60C640CCFD2E}"/>
+              </a:ext>
+            </a:extLst>
+          </p:cNvPr>
+          <p:cNvSpPr txBox="1">
+            <a:spLocks/>
+          </p:cNvSpPr>
+          <p:nvPr/>
+        </p:nvSpPr>
+        <p:spPr>
+          <a:xfrm>
+            <a:off x="1431533" y="2720526"/>
+            <a:ext cx="9144000" cy="1029541"/>
+          </a:xfrm>
+          <a:prstGeom prst="rect">
+            <a:avLst/>
+          </a:prstGeom>
+        </p:spPr>
+        <p:txBody>
+          <a:bodyPr vert="horz" lIns="91440" tIns="45720" rIns="91440" bIns="45720" rtlCol="0" anchor="ctr">
+            <a:normAutofit/>
+          </a:bodyPr>
+          <a:lstStyle>
+            <a:lvl1pPr algn="l" defTabSz="914400" rtl="0" eaLnBrk="1" latinLnBrk="0" hangingPunct="1">
+              <a:lnSpc>
+                <a:spcPct val="90000"/>
+              </a:lnSpc>
+              <a:spcBef>
+                <a:spcPct val="0"/>
+              </a:spcBef>
+              <a:buNone/>
+              <a:defRPr sz="4400" kern="1200">
+                <a:solidFill>
+                  <a:schemeClr val="tx1"/>
+                </a:solidFill>
+                <a:latin typeface="+mj-lt"/>
+                <a:ea typeface="+mj-ea"/>
+                <a:cs typeface="+mj-cs"/>
+              </a:defRPr>
+            </a:lvl1pPr>
+          </a:lstStyle>
+          <a:p>
+            <a:pPr algn="ctr"/>
+            <a:r>
+              <a:rPr lang="pt-BR" sz="6600" noProof="0" dirty="0"/>
+              <a:t>Obrigado!</a:t>
+            </a:r>
+            <a:endParaRPr lang="pt-BR" sz="6600" b="1" i="1" noProof="0" dirty="0"/>
+          </a:p>
+        </p:txBody>
+      </p:sp>
+    </p:spTree>
+    <p:extLst>
+      <p:ext uri="{BB962C8B-B14F-4D97-AF65-F5344CB8AC3E}">
+        <p14:creationId xmlns:p14="http://schemas.microsoft.com/office/powerpoint/2010/main" val="2655704619"/>
+      </p:ext>
+    </p:extLst>
+  </p:cSld>
+  <p:clrMapOvr>
+    <a:masterClrMapping/>
+  </p:clrMapOvr>
+</p:sld>
+</file>
+
 <file path=ppt/slides/slide4.xml><?xml version="1.0" encoding="utf-8"?>
 <p:sld xmlns:a="http://schemas.openxmlformats.org/drawingml/2006/main" xmlns:r="http://schemas.openxmlformats.org/officeDocument/2006/relationships" xmlns:p="http://schemas.openxmlformats.org/presentationml/2006/main">
   <p:cSld>
@@ -8203,7 +12002,7 @@
               <a:pPr algn="ctr"/>
               <a:r>
                 <a:rPr lang="pt-BR" sz="2400" b="1" noProof="0" dirty="0"/>
-                <a:t>1950’s</a:t>
+                <a:t>1950</a:t>
               </a:r>
               <a:endParaRPr lang="pt-BR" sz="1600" b="1" noProof="0" dirty="0"/>
             </a:p>
@@ -10222,7 +14021,7 @@
               <a:pPr algn="ctr"/>
               <a:r>
                 <a:rPr lang="pt-BR" sz="2400" b="1" noProof="0" dirty="0"/>
-                <a:t>1950’s</a:t>
+                <a:t>1950</a:t>
               </a:r>
               <a:endParaRPr lang="pt-BR" sz="1600" b="1" noProof="0" dirty="0"/>
             </a:p>
@@ -10554,106 +14353,6 @@
           <a:chExt cx="0" cy="0"/>
         </a:xfrm>
       </p:grpSpPr>
-      <p:sp>
-        <p:nvSpPr>
-          <p:cNvPr id="2" name="Título 1">
-            <a:extLst>
-              <a:ext uri="{FF2B5EF4-FFF2-40B4-BE49-F238E27FC236}">
-                <a16:creationId xmlns:a16="http://schemas.microsoft.com/office/drawing/2014/main" id="{F34E0B57-CE20-C624-71E9-2E253324E2A4}"/>
-              </a:ext>
-            </a:extLst>
-          </p:cNvPr>
-          <p:cNvSpPr>
-            <a:spLocks noGrp="1"/>
-          </p:cNvSpPr>
-          <p:nvPr>
-            <p:ph type="title"/>
-          </p:nvPr>
-        </p:nvSpPr>
-        <p:spPr/>
-        <p:txBody>
-          <a:bodyPr/>
-          <a:lstStyle/>
-          <a:p>
-            <a:r>
-              <a:rPr lang="pt-BR" noProof="0" dirty="0"/>
-              <a:t>Introdução</a:t>
-            </a:r>
-          </a:p>
-        </p:txBody>
-      </p:sp>
-      <p:sp>
-        <p:nvSpPr>
-          <p:cNvPr id="3" name="Espaço Reservado para Conteúdo 2">
-            <a:extLst>
-              <a:ext uri="{FF2B5EF4-FFF2-40B4-BE49-F238E27FC236}">
-                <a16:creationId xmlns:a16="http://schemas.microsoft.com/office/drawing/2014/main" id="{A31D6A1D-1A7F-4C0D-A2E3-C1F6B0242818}"/>
-              </a:ext>
-            </a:extLst>
-          </p:cNvPr>
-          <p:cNvSpPr>
-            <a:spLocks noGrp="1"/>
-          </p:cNvSpPr>
-          <p:nvPr>
-            <p:ph idx="1"/>
-          </p:nvPr>
-        </p:nvSpPr>
-        <p:spPr>
-          <a:xfrm>
-            <a:off x="838200" y="1825626"/>
-            <a:ext cx="6318504" cy="1550018"/>
-          </a:xfrm>
-        </p:spPr>
-        <p:txBody>
-          <a:bodyPr>
-            <a:normAutofit fontScale="92500"/>
-          </a:bodyPr>
-          <a:lstStyle/>
-          <a:p>
-            <a:pPr marL="0" indent="0">
-              <a:buNone/>
-            </a:pPr>
-            <a:r>
-              <a:rPr lang="pt-BR" b="1" i="1" noProof="0" dirty="0" err="1"/>
-              <a:t>Statistical</a:t>
-            </a:r>
-            <a:r>
-              <a:rPr lang="pt-BR" b="1" i="1" noProof="0" dirty="0"/>
-              <a:t> NLP</a:t>
-            </a:r>
-            <a:endParaRPr lang="pt-BR" noProof="0" dirty="0"/>
-          </a:p>
-          <a:p>
-            <a:r>
-              <a:rPr lang="pt-BR" noProof="0" dirty="0"/>
-              <a:t>Baseado em distribuições de probabilidade</a:t>
-            </a:r>
-          </a:p>
-          <a:p>
-            <a:r>
-              <a:rPr lang="pt-BR" noProof="0" dirty="0"/>
-              <a:t>Exemplo: Modelo N-</a:t>
-            </a:r>
-            <a:r>
-              <a:rPr lang="pt-BR" noProof="0" dirty="0" err="1"/>
-              <a:t>Grams</a:t>
-            </a:r>
-            <a:endParaRPr lang="pt-BR" noProof="0" dirty="0"/>
-          </a:p>
-          <a:p>
-            <a:endParaRPr lang="pt-BR" noProof="0" dirty="0"/>
-          </a:p>
-          <a:p>
-            <a:endParaRPr lang="pt-BR" noProof="0" dirty="0"/>
-          </a:p>
-          <a:p>
-            <a:pPr marL="0" indent="0">
-              <a:buNone/>
-            </a:pPr>
-            <a:endParaRPr lang="pt-BR" noProof="0" dirty="0"/>
-          </a:p>
-        </p:txBody>
-      </p:sp>
       <p:grpSp>
         <p:nvGrpSpPr>
           <p:cNvPr id="5" name="Group 4">
@@ -10721,7 +14420,7 @@
               <a:pPr algn="ctr"/>
               <a:r>
                 <a:rPr lang="pt-BR" sz="2400" b="1" noProof="0" dirty="0"/>
-                <a:t>1950’s</a:t>
+                <a:t>1950</a:t>
               </a:r>
               <a:endParaRPr lang="pt-BR" sz="1600" b="1" noProof="0" dirty="0"/>
             </a:p>
@@ -10769,10 +14468,10 @@
       </p:grpSp>
       <p:grpSp>
         <p:nvGrpSpPr>
-          <p:cNvPr id="7" name="Group 6">
-            <a:extLst>
-              <a:ext uri="{FF2B5EF4-FFF2-40B4-BE49-F238E27FC236}">
-                <a16:creationId xmlns:a16="http://schemas.microsoft.com/office/drawing/2014/main" id="{449D6BE5-00F0-DE0D-1710-7AD6058CA4E6}"/>
+          <p:cNvPr id="15" name="Group 14">
+            <a:extLst>
+              <a:ext uri="{FF2B5EF4-FFF2-40B4-BE49-F238E27FC236}">
+                <a16:creationId xmlns:a16="http://schemas.microsoft.com/office/drawing/2014/main" id="{CD66DB3B-8883-D5E7-8380-8519E9DC340B}"/>
               </a:ext>
             </a:extLst>
           </p:cNvPr>
@@ -10783,7 +14482,7 @@
           <a:xfrm>
             <a:off x="838198" y="4761568"/>
             <a:ext cx="11353800" cy="1550019"/>
-            <a:chOff x="838200" y="4761569"/>
+            <a:chOff x="838198" y="4761568"/>
             <a:chExt cx="11353800" cy="1550019"/>
           </a:xfrm>
         </p:grpSpPr>
@@ -10801,7 +14500,7 @@
           </p:nvSpPr>
           <p:spPr>
             <a:xfrm>
-              <a:off x="838200" y="4761569"/>
+              <a:off x="838198" y="4761568"/>
               <a:ext cx="1550019" cy="1550019"/>
             </a:xfrm>
             <a:prstGeom prst="ellipse">
@@ -10839,7 +14538,7 @@
               <a:pPr algn="ctr"/>
               <a:r>
                 <a:rPr lang="pt-BR" sz="2400" b="1" noProof="0" dirty="0"/>
-                <a:t>1990’s</a:t>
+                <a:t>1990</a:t>
               </a:r>
               <a:endParaRPr lang="pt-BR" sz="1600" b="1" noProof="0" dirty="0"/>
             </a:p>
@@ -10861,7 +14560,7 @@
           </p:nvCxnSpPr>
           <p:spPr>
             <a:xfrm>
-              <a:off x="2094570" y="5536578"/>
+              <a:off x="2094568" y="5536577"/>
               <a:ext cx="10097430" cy="0"/>
             </a:xfrm>
             <a:prstGeom prst="line">
@@ -10891,6 +14590,102 @@
           </p:style>
         </p:cxnSp>
       </p:grpSp>
+      <p:sp>
+        <p:nvSpPr>
+          <p:cNvPr id="2" name="Título 1">
+            <a:extLst>
+              <a:ext uri="{FF2B5EF4-FFF2-40B4-BE49-F238E27FC236}">
+                <a16:creationId xmlns:a16="http://schemas.microsoft.com/office/drawing/2014/main" id="{F34E0B57-CE20-C624-71E9-2E253324E2A4}"/>
+              </a:ext>
+            </a:extLst>
+          </p:cNvPr>
+          <p:cNvSpPr>
+            <a:spLocks noGrp="1"/>
+          </p:cNvSpPr>
+          <p:nvPr>
+            <p:ph type="title"/>
+          </p:nvPr>
+        </p:nvSpPr>
+        <p:spPr/>
+        <p:txBody>
+          <a:bodyPr/>
+          <a:lstStyle/>
+          <a:p>
+            <a:r>
+              <a:rPr lang="pt-BR" noProof="0" dirty="0"/>
+              <a:t>Introdução</a:t>
+            </a:r>
+          </a:p>
+        </p:txBody>
+      </p:sp>
+      <p:sp>
+        <p:nvSpPr>
+          <p:cNvPr id="3" name="Espaço Reservado para Conteúdo 2">
+            <a:extLst>
+              <a:ext uri="{FF2B5EF4-FFF2-40B4-BE49-F238E27FC236}">
+                <a16:creationId xmlns:a16="http://schemas.microsoft.com/office/drawing/2014/main" id="{A31D6A1D-1A7F-4C0D-A2E3-C1F6B0242818}"/>
+              </a:ext>
+            </a:extLst>
+          </p:cNvPr>
+          <p:cNvSpPr>
+            <a:spLocks noGrp="1"/>
+          </p:cNvSpPr>
+          <p:nvPr>
+            <p:ph idx="1"/>
+          </p:nvPr>
+        </p:nvSpPr>
+        <p:spPr>
+          <a:xfrm>
+            <a:off x="838200" y="1825626"/>
+            <a:ext cx="6318504" cy="1550018"/>
+          </a:xfrm>
+        </p:spPr>
+        <p:txBody>
+          <a:bodyPr>
+            <a:normAutofit fontScale="92500"/>
+          </a:bodyPr>
+          <a:lstStyle/>
+          <a:p>
+            <a:pPr marL="0" indent="0">
+              <a:buNone/>
+            </a:pPr>
+            <a:r>
+              <a:rPr lang="pt-BR" b="1" i="1" noProof="0" dirty="0" err="1"/>
+              <a:t>Statistical</a:t>
+            </a:r>
+            <a:endParaRPr lang="pt-BR" noProof="0" dirty="0"/>
+          </a:p>
+          <a:p>
+            <a:r>
+              <a:rPr lang="pt-BR" noProof="0" dirty="0"/>
+              <a:t>Baseado em distribuições de probabilidade</a:t>
+            </a:r>
+          </a:p>
+          <a:p>
+            <a:r>
+              <a:rPr lang="pt-BR" noProof="0" dirty="0"/>
+              <a:t>Exemplo: Modelo N-</a:t>
+            </a:r>
+            <a:r>
+              <a:rPr lang="pt-BR" noProof="0" dirty="0" err="1"/>
+              <a:t>Grams</a:t>
+            </a:r>
+            <a:endParaRPr lang="pt-BR" noProof="0" dirty="0"/>
+          </a:p>
+          <a:p>
+            <a:endParaRPr lang="pt-BR" noProof="0" dirty="0"/>
+          </a:p>
+          <a:p>
+            <a:endParaRPr lang="pt-BR" noProof="0" dirty="0"/>
+          </a:p>
+          <a:p>
+            <a:pPr marL="0" indent="0">
+              <a:buNone/>
+            </a:pPr>
+            <a:endParaRPr lang="pt-BR" noProof="0" dirty="0"/>
+          </a:p>
+        </p:txBody>
+      </p:sp>
     </p:spTree>
     <p:extLst>
       <p:ext uri="{BB962C8B-B14F-4D97-AF65-F5344CB8AC3E}">
@@ -10925,20 +14720,93 @@
                             </p:stCondLst>
                             <p:childTnLst>
                               <p:par>
-                                <p:cTn id="5" presetID="2" presetClass="entr" presetSubtype="2" fill="hold" nodeType="withEffect">
+                                <p:cTn id="5" presetID="2" presetClass="exit" presetSubtype="8" fill="hold" nodeType="withEffect">
+                                  <p:stCondLst>
+                                    <p:cond delay="0"/>
+                                  </p:stCondLst>
+                                  <p:childTnLst>
+                                    <p:anim calcmode="lin" valueType="num">
+                                      <p:cBhvr additive="base">
+                                        <p:cTn id="6" dur="1500"/>
+                                        <p:tgtEl>
+                                          <p:spTgt spid="5"/>
+                                        </p:tgtEl>
+                                        <p:attrNameLst>
+                                          <p:attrName>ppt_x</p:attrName>
+                                        </p:attrNameLst>
+                                      </p:cBhvr>
+                                      <p:tavLst>
+                                        <p:tav tm="0">
+                                          <p:val>
+                                            <p:strVal val="ppt_x"/>
+                                          </p:val>
+                                        </p:tav>
+                                        <p:tav tm="100000">
+                                          <p:val>
+                                            <p:strVal val="0-ppt_w/2"/>
+                                          </p:val>
+                                        </p:tav>
+                                      </p:tavLst>
+                                    </p:anim>
+                                    <p:anim calcmode="lin" valueType="num">
+                                      <p:cBhvr additive="base">
+                                        <p:cTn id="7" dur="1500"/>
+                                        <p:tgtEl>
+                                          <p:spTgt spid="5"/>
+                                        </p:tgtEl>
+                                        <p:attrNameLst>
+                                          <p:attrName>ppt_y</p:attrName>
+                                        </p:attrNameLst>
+                                      </p:cBhvr>
+                                      <p:tavLst>
+                                        <p:tav tm="0">
+                                          <p:val>
+                                            <p:strVal val="ppt_y"/>
+                                          </p:val>
+                                        </p:tav>
+                                        <p:tav tm="100000">
+                                          <p:val>
+                                            <p:strVal val="ppt_y"/>
+                                          </p:val>
+                                        </p:tav>
+                                      </p:tavLst>
+                                    </p:anim>
+                                    <p:set>
+                                      <p:cBhvr>
+                                        <p:cTn id="8" dur="1" fill="hold">
+                                          <p:stCondLst>
+                                            <p:cond delay="1499"/>
+                                          </p:stCondLst>
+                                        </p:cTn>
+                                        <p:tgtEl>
+                                          <p:spTgt spid="5"/>
+                                        </p:tgtEl>
+                                        <p:attrNameLst>
+                                          <p:attrName>style.visibility</p:attrName>
+                                        </p:attrNameLst>
+                                      </p:cBhvr>
+                                      <p:to>
+                                        <p:strVal val="hidden"/>
+                                      </p:to>
+                                    </p:set>
+                                  </p:childTnLst>
+                                </p:cTn>
+                              </p:par>
+                              <p:par>
+                                <p:cTn id="9" presetID="2" presetClass="entr" presetSubtype="2" fill="hold" nodeType="withEffect">
                                   <p:stCondLst>
                                     <p:cond delay="0"/>
                                   </p:stCondLst>
                                   <p:childTnLst>
                                     <p:set>
                                       <p:cBhvr>
-                                        <p:cTn id="6" dur="1" fill="hold">
+                                        <p:cTn id="10" dur="1" fill="hold">
                                           <p:stCondLst>
                                             <p:cond delay="0"/>
                                           </p:stCondLst>
                                         </p:cTn>
                                         <p:tgtEl>
-                                          <p:spTgt spid="7"/>
+                                          <p:spTgt spid="15"/>
                                         </p:tgtEl>
                                         <p:attrNameLst>
                                           <p:attrName>style.visibility</p:attrName>
@@ -10950,9 +14818,9 @@
                                     </p:set>
                                     <p:anim calcmode="lin" valueType="num">
                                       <p:cBhvr additive="base">
-                                        <p:cTn id="7" dur="1500" fill="hold"/>
+                                        <p:cTn id="11" dur="1500" fill="hold"/>
                                         <p:tgtEl>
-                                          <p:spTgt spid="7"/>
+                                          <p:spTgt spid="15"/>
                                         </p:tgtEl>
                                         <p:attrNameLst>
                                           <p:attrName>ppt_x</p:attrName>
@@ -10973,9 +14841,9 @@
                                     </p:anim>
                                     <p:anim calcmode="lin" valueType="num">
                                       <p:cBhvr additive="base">
-                                        <p:cTn id="8" dur="1500" fill="hold"/>
+                                        <p:cTn id="12" dur="1500" fill="hold"/>
                                         <p:tgtEl>
-                                          <p:spTgt spid="7"/>
+                                          <p:spTgt spid="15"/>
                                         </p:tgtEl>
                                         <p:attrNameLst>
                                           <p:attrName>ppt_y</p:attrName>
@@ -11546,7 +15414,7 @@
               <a:pPr algn="ctr"/>
               <a:r>
                 <a:rPr lang="pt-BR" sz="2400" b="1" noProof="0" dirty="0"/>
-                <a:t>1990’s</a:t>
+                <a:t>1990</a:t>
               </a:r>
               <a:endParaRPr lang="pt-BR" sz="1600" b="1" noProof="0" dirty="0"/>
             </a:p>
@@ -12320,7 +16188,7 @@
               <a:pPr algn="ctr"/>
               <a:r>
                 <a:rPr lang="pt-BR" sz="2400" b="1" noProof="0" dirty="0"/>
-                <a:t>1990’s</a:t>
+                <a:t>1990</a:t>
               </a:r>
               <a:endParaRPr lang="pt-BR" sz="1600" b="1" noProof="0" dirty="0"/>
             </a:p>
@@ -12596,7 +16464,7 @@
               <a:pPr algn="ctr"/>
               <a:r>
                 <a:rPr lang="pt-BR" sz="2400" b="1" noProof="0" dirty="0"/>
-                <a:t>1990’s</a:t>
+                <a:t>1990</a:t>
               </a:r>
               <a:endParaRPr lang="pt-BR" sz="1600" b="1" noProof="0" dirty="0"/>
             </a:p>

--- a/seminarios/ciclo 2/TP558_LoRA.pptx
+++ b/seminarios/ciclo 2/TP558_LoRA.pptx
@@ -5,10 +5,10 @@
     <p:sldMasterId id="2147483648" r:id="rId1"/>
   </p:sldMasterIdLst>
   <p:notesMasterIdLst>
-    <p:notesMasterId r:id="rId32"/>
+    <p:notesMasterId r:id="rId42"/>
   </p:notesMasterIdLst>
   <p:handoutMasterIdLst>
-    <p:handoutMasterId r:id="rId33"/>
+    <p:handoutMasterId r:id="rId43"/>
   </p:handoutMasterIdLst>
   <p:sldIdLst>
     <p:sldId id="256" r:id="rId2"/>
@@ -32,15 +32,25 @@
     <p:sldId id="334" r:id="rId20"/>
     <p:sldId id="335" r:id="rId21"/>
     <p:sldId id="336" r:id="rId22"/>
-    <p:sldId id="308" r:id="rId23"/>
-    <p:sldId id="309" r:id="rId24"/>
-    <p:sldId id="310" r:id="rId25"/>
-    <p:sldId id="311" r:id="rId26"/>
-    <p:sldId id="312" r:id="rId27"/>
-    <p:sldId id="313" r:id="rId28"/>
-    <p:sldId id="293" r:id="rId29"/>
-    <p:sldId id="314" r:id="rId30"/>
-    <p:sldId id="306" r:id="rId31"/>
+    <p:sldId id="337" r:id="rId23"/>
+    <p:sldId id="338" r:id="rId24"/>
+    <p:sldId id="339" r:id="rId25"/>
+    <p:sldId id="340" r:id="rId26"/>
+    <p:sldId id="342" r:id="rId27"/>
+    <p:sldId id="343" r:id="rId28"/>
+    <p:sldId id="341" r:id="rId29"/>
+    <p:sldId id="308" r:id="rId30"/>
+    <p:sldId id="344" r:id="rId31"/>
+    <p:sldId id="309" r:id="rId32"/>
+    <p:sldId id="345" r:id="rId33"/>
+    <p:sldId id="346" r:id="rId34"/>
+    <p:sldId id="310" r:id="rId35"/>
+    <p:sldId id="311" r:id="rId36"/>
+    <p:sldId id="312" r:id="rId37"/>
+    <p:sldId id="313" r:id="rId38"/>
+    <p:sldId id="293" r:id="rId39"/>
+    <p:sldId id="314" r:id="rId40"/>
+    <p:sldId id="306" r:id="rId41"/>
   </p:sldIdLst>
   <p:sldSz cx="12192000" cy="6858000"/>
   <p:notesSz cx="7315200" cy="9601200"/>
@@ -304,7 +314,7 @@
           <a:p>
             <a:fld id="{144F1436-6906-4D93-B7A2-786C327BFA14}" type="datetimeFigureOut">
               <a:rPr lang="nl-BE" smtClean="0"/>
-              <a:t>15/09/2025</a:t>
+              <a:t>18/09/2025</a:t>
             </a:fld>
             <a:endParaRPr lang="nl-BE"/>
           </a:p>
@@ -469,7 +479,7 @@
           <a:p>
             <a:fld id="{AA8CD09E-2914-4F47-B6C1-51B2C31814C9}" type="datetimeFigureOut">
               <a:rPr lang="pt-BR" smtClean="0"/>
-              <a:t>15/09/2025</a:t>
+              <a:t>18/09/2025</a:t>
             </a:fld>
             <a:endParaRPr lang="pt-BR"/>
           </a:p>
@@ -820,6 +830,330 @@
 </p:notes>
 </file>
 
+<file path=ppt/notesSlides/notesSlide10.xml><?xml version="1.0" encoding="utf-8"?>
+<p:notes xmlns:a="http://schemas.openxmlformats.org/drawingml/2006/main" xmlns:r="http://schemas.openxmlformats.org/officeDocument/2006/relationships" xmlns:p="http://schemas.openxmlformats.org/presentationml/2006/main">
+  <p:cSld>
+    <p:spTree>
+      <p:nvGrpSpPr>
+        <p:cNvPr id="1" name="">
+          <a:extLst>
+            <a:ext uri="{FF2B5EF4-FFF2-40B4-BE49-F238E27FC236}">
+              <a16:creationId xmlns:a16="http://schemas.microsoft.com/office/drawing/2014/main" id="{7476604F-1CB3-A0C2-791B-842E4F4E9315}"/>
+            </a:ext>
+          </a:extLst>
+        </p:cNvPr>
+        <p:cNvGrpSpPr/>
+        <p:nvPr/>
+      </p:nvGrpSpPr>
+      <p:grpSpPr>
+        <a:xfrm>
+          <a:off x="0" y="0"/>
+          <a:ext cx="0" cy="0"/>
+          <a:chOff x="0" y="0"/>
+          <a:chExt cx="0" cy="0"/>
+        </a:xfrm>
+      </p:grpSpPr>
+      <p:sp>
+        <p:nvSpPr>
+          <p:cNvPr id="2" name="Slide Image Placeholder 1">
+            <a:extLst>
+              <a:ext uri="{FF2B5EF4-FFF2-40B4-BE49-F238E27FC236}">
+                <a16:creationId xmlns:a16="http://schemas.microsoft.com/office/drawing/2014/main" id="{14DD336C-812F-B6F0-FD88-7B9718691EAE}"/>
+              </a:ext>
+            </a:extLst>
+          </p:cNvPr>
+          <p:cNvSpPr>
+            <a:spLocks noGrp="1" noRot="1" noChangeAspect="1"/>
+          </p:cNvSpPr>
+          <p:nvPr>
+            <p:ph type="sldImg"/>
+          </p:nvPr>
+        </p:nvSpPr>
+        <p:spPr/>
+      </p:sp>
+      <p:sp>
+        <p:nvSpPr>
+          <p:cNvPr id="3" name="Notes Placeholder 2">
+            <a:extLst>
+              <a:ext uri="{FF2B5EF4-FFF2-40B4-BE49-F238E27FC236}">
+                <a16:creationId xmlns:a16="http://schemas.microsoft.com/office/drawing/2014/main" id="{3C97963F-5DA3-8668-DBC9-56127E7581B2}"/>
+              </a:ext>
+            </a:extLst>
+          </p:cNvPr>
+          <p:cNvSpPr>
+            <a:spLocks noGrp="1"/>
+          </p:cNvSpPr>
+          <p:nvPr>
+            <p:ph type="body" idx="1"/>
+          </p:nvPr>
+        </p:nvSpPr>
+        <p:spPr/>
+        <p:txBody>
+          <a:bodyPr/>
+          <a:lstStyle/>
+          <a:p>
+            <a:endParaRPr lang="pt-BR" dirty="0"/>
+          </a:p>
+        </p:txBody>
+      </p:sp>
+      <p:sp>
+        <p:nvSpPr>
+          <p:cNvPr id="4" name="Slide Number Placeholder 3">
+            <a:extLst>
+              <a:ext uri="{FF2B5EF4-FFF2-40B4-BE49-F238E27FC236}">
+                <a16:creationId xmlns:a16="http://schemas.microsoft.com/office/drawing/2014/main" id="{6DD799F0-432F-0697-A126-CA0706AC28EF}"/>
+              </a:ext>
+            </a:extLst>
+          </p:cNvPr>
+          <p:cNvSpPr>
+            <a:spLocks noGrp="1"/>
+          </p:cNvSpPr>
+          <p:nvPr>
+            <p:ph type="sldNum" sz="quarter" idx="5"/>
+          </p:nvPr>
+        </p:nvSpPr>
+        <p:spPr/>
+        <p:txBody>
+          <a:bodyPr/>
+          <a:lstStyle/>
+          <a:p>
+            <a:fld id="{6FC8D850-966F-45A6-8DE7-15B891E7D40D}" type="slidenum">
+              <a:rPr lang="pt-BR" smtClean="0"/>
+              <a:t>28</a:t>
+            </a:fld>
+            <a:endParaRPr lang="pt-BR"/>
+          </a:p>
+        </p:txBody>
+      </p:sp>
+    </p:spTree>
+    <p:extLst>
+      <p:ext uri="{BB962C8B-B14F-4D97-AF65-F5344CB8AC3E}">
+        <p14:creationId xmlns:p14="http://schemas.microsoft.com/office/powerpoint/2010/main" val="1079998532"/>
+      </p:ext>
+    </p:extLst>
+  </p:cSld>
+  <p:clrMapOvr>
+    <a:masterClrMapping/>
+  </p:clrMapOvr>
+</p:notes>
+</file>
+
+<file path=ppt/notesSlides/notesSlide11.xml><?xml version="1.0" encoding="utf-8"?>
+<p:notes xmlns:a="http://schemas.openxmlformats.org/drawingml/2006/main" xmlns:r="http://schemas.openxmlformats.org/officeDocument/2006/relationships" xmlns:p="http://schemas.openxmlformats.org/presentationml/2006/main">
+  <p:cSld>
+    <p:spTree>
+      <p:nvGrpSpPr>
+        <p:cNvPr id="1" name="">
+          <a:extLst>
+            <a:ext uri="{FF2B5EF4-FFF2-40B4-BE49-F238E27FC236}">
+              <a16:creationId xmlns:a16="http://schemas.microsoft.com/office/drawing/2014/main" id="{E31EF816-FAD1-7754-88EB-3F61FA9BD99A}"/>
+            </a:ext>
+          </a:extLst>
+        </p:cNvPr>
+        <p:cNvGrpSpPr/>
+        <p:nvPr/>
+      </p:nvGrpSpPr>
+      <p:grpSpPr>
+        <a:xfrm>
+          <a:off x="0" y="0"/>
+          <a:ext cx="0" cy="0"/>
+          <a:chOff x="0" y="0"/>
+          <a:chExt cx="0" cy="0"/>
+        </a:xfrm>
+      </p:grpSpPr>
+      <p:sp>
+        <p:nvSpPr>
+          <p:cNvPr id="2" name="Slide Image Placeholder 1">
+            <a:extLst>
+              <a:ext uri="{FF2B5EF4-FFF2-40B4-BE49-F238E27FC236}">
+                <a16:creationId xmlns:a16="http://schemas.microsoft.com/office/drawing/2014/main" id="{C96EF682-69D2-4146-2F40-F457BB3DCAE3}"/>
+              </a:ext>
+            </a:extLst>
+          </p:cNvPr>
+          <p:cNvSpPr>
+            <a:spLocks noGrp="1" noRot="1" noChangeAspect="1"/>
+          </p:cNvSpPr>
+          <p:nvPr>
+            <p:ph type="sldImg"/>
+          </p:nvPr>
+        </p:nvSpPr>
+        <p:spPr/>
+      </p:sp>
+      <p:sp>
+        <p:nvSpPr>
+          <p:cNvPr id="3" name="Notes Placeholder 2">
+            <a:extLst>
+              <a:ext uri="{FF2B5EF4-FFF2-40B4-BE49-F238E27FC236}">
+                <a16:creationId xmlns:a16="http://schemas.microsoft.com/office/drawing/2014/main" id="{D07B870B-9B79-97C2-3697-FD92D80AF53A}"/>
+              </a:ext>
+            </a:extLst>
+          </p:cNvPr>
+          <p:cNvSpPr>
+            <a:spLocks noGrp="1"/>
+          </p:cNvSpPr>
+          <p:nvPr>
+            <p:ph type="body" idx="1"/>
+          </p:nvPr>
+        </p:nvSpPr>
+        <p:spPr/>
+        <p:txBody>
+          <a:bodyPr/>
+          <a:lstStyle/>
+          <a:p>
+            <a:endParaRPr lang="pt-BR" dirty="0"/>
+          </a:p>
+        </p:txBody>
+      </p:sp>
+      <p:sp>
+        <p:nvSpPr>
+          <p:cNvPr id="4" name="Slide Number Placeholder 3">
+            <a:extLst>
+              <a:ext uri="{FF2B5EF4-FFF2-40B4-BE49-F238E27FC236}">
+                <a16:creationId xmlns:a16="http://schemas.microsoft.com/office/drawing/2014/main" id="{BFDBB226-9A59-3C54-ADAE-014B68C5EED7}"/>
+              </a:ext>
+            </a:extLst>
+          </p:cNvPr>
+          <p:cNvSpPr>
+            <a:spLocks noGrp="1"/>
+          </p:cNvSpPr>
+          <p:nvPr>
+            <p:ph type="sldNum" sz="quarter" idx="5"/>
+          </p:nvPr>
+        </p:nvSpPr>
+        <p:spPr/>
+        <p:txBody>
+          <a:bodyPr/>
+          <a:lstStyle/>
+          <a:p>
+            <a:fld id="{6FC8D850-966F-45A6-8DE7-15B891E7D40D}" type="slidenum">
+              <a:rPr lang="pt-BR" smtClean="0"/>
+              <a:t>30</a:t>
+            </a:fld>
+            <a:endParaRPr lang="pt-BR"/>
+          </a:p>
+        </p:txBody>
+      </p:sp>
+    </p:spTree>
+    <p:extLst>
+      <p:ext uri="{BB962C8B-B14F-4D97-AF65-F5344CB8AC3E}">
+        <p14:creationId xmlns:p14="http://schemas.microsoft.com/office/powerpoint/2010/main" val="2672080891"/>
+      </p:ext>
+    </p:extLst>
+  </p:cSld>
+  <p:clrMapOvr>
+    <a:masterClrMapping/>
+  </p:clrMapOvr>
+</p:notes>
+</file>
+
+<file path=ppt/notesSlides/notesSlide12.xml><?xml version="1.0" encoding="utf-8"?>
+<p:notes xmlns:a="http://schemas.openxmlformats.org/drawingml/2006/main" xmlns:r="http://schemas.openxmlformats.org/officeDocument/2006/relationships" xmlns:p="http://schemas.openxmlformats.org/presentationml/2006/main">
+  <p:cSld>
+    <p:spTree>
+      <p:nvGrpSpPr>
+        <p:cNvPr id="1" name="">
+          <a:extLst>
+            <a:ext uri="{FF2B5EF4-FFF2-40B4-BE49-F238E27FC236}">
+              <a16:creationId xmlns:a16="http://schemas.microsoft.com/office/drawing/2014/main" id="{90E8CBBA-2F12-0299-06CF-2CFF2BF48BCC}"/>
+            </a:ext>
+          </a:extLst>
+        </p:cNvPr>
+        <p:cNvGrpSpPr/>
+        <p:nvPr/>
+      </p:nvGrpSpPr>
+      <p:grpSpPr>
+        <a:xfrm>
+          <a:off x="0" y="0"/>
+          <a:ext cx="0" cy="0"/>
+          <a:chOff x="0" y="0"/>
+          <a:chExt cx="0" cy="0"/>
+        </a:xfrm>
+      </p:grpSpPr>
+      <p:sp>
+        <p:nvSpPr>
+          <p:cNvPr id="2" name="Slide Image Placeholder 1">
+            <a:extLst>
+              <a:ext uri="{FF2B5EF4-FFF2-40B4-BE49-F238E27FC236}">
+                <a16:creationId xmlns:a16="http://schemas.microsoft.com/office/drawing/2014/main" id="{17EFDAF8-16C2-EB02-6EF5-D613B3AE5B05}"/>
+              </a:ext>
+            </a:extLst>
+          </p:cNvPr>
+          <p:cNvSpPr>
+            <a:spLocks noGrp="1" noRot="1" noChangeAspect="1"/>
+          </p:cNvSpPr>
+          <p:nvPr>
+            <p:ph type="sldImg"/>
+          </p:nvPr>
+        </p:nvSpPr>
+        <p:spPr/>
+      </p:sp>
+      <p:sp>
+        <p:nvSpPr>
+          <p:cNvPr id="3" name="Notes Placeholder 2">
+            <a:extLst>
+              <a:ext uri="{FF2B5EF4-FFF2-40B4-BE49-F238E27FC236}">
+                <a16:creationId xmlns:a16="http://schemas.microsoft.com/office/drawing/2014/main" id="{24243F9D-755E-4F98-70FE-067CE5576175}"/>
+              </a:ext>
+            </a:extLst>
+          </p:cNvPr>
+          <p:cNvSpPr>
+            <a:spLocks noGrp="1"/>
+          </p:cNvSpPr>
+          <p:nvPr>
+            <p:ph type="body" idx="1"/>
+          </p:nvPr>
+        </p:nvSpPr>
+        <p:spPr/>
+        <p:txBody>
+          <a:bodyPr/>
+          <a:lstStyle/>
+          <a:p>
+            <a:endParaRPr lang="pt-BR" dirty="0"/>
+          </a:p>
+        </p:txBody>
+      </p:sp>
+      <p:sp>
+        <p:nvSpPr>
+          <p:cNvPr id="4" name="Slide Number Placeholder 3">
+            <a:extLst>
+              <a:ext uri="{FF2B5EF4-FFF2-40B4-BE49-F238E27FC236}">
+                <a16:creationId xmlns:a16="http://schemas.microsoft.com/office/drawing/2014/main" id="{E5E66D55-E59D-D0C4-80E5-0881E44CAF49}"/>
+              </a:ext>
+            </a:extLst>
+          </p:cNvPr>
+          <p:cNvSpPr>
+            <a:spLocks noGrp="1"/>
+          </p:cNvSpPr>
+          <p:nvPr>
+            <p:ph type="sldNum" sz="quarter" idx="5"/>
+          </p:nvPr>
+        </p:nvSpPr>
+        <p:spPr/>
+        <p:txBody>
+          <a:bodyPr/>
+          <a:lstStyle/>
+          <a:p>
+            <a:fld id="{6FC8D850-966F-45A6-8DE7-15B891E7D40D}" type="slidenum">
+              <a:rPr lang="pt-BR" smtClean="0"/>
+              <a:t>32</a:t>
+            </a:fld>
+            <a:endParaRPr lang="pt-BR"/>
+          </a:p>
+        </p:txBody>
+      </p:sp>
+    </p:spTree>
+    <p:extLst>
+      <p:ext uri="{BB962C8B-B14F-4D97-AF65-F5344CB8AC3E}">
+        <p14:creationId xmlns:p14="http://schemas.microsoft.com/office/powerpoint/2010/main" val="3509674225"/>
+      </p:ext>
+    </p:extLst>
+  </p:cSld>
+  <p:clrMapOvr>
+    <a:masterClrMapping/>
+  </p:clrMapOvr>
+</p:notes>
+</file>
+
 <file path=ppt/notesSlides/notesSlide2.xml><?xml version="1.0" encoding="utf-8"?>
 <p:notes xmlns:a="http://schemas.openxmlformats.org/drawingml/2006/main" xmlns:r="http://schemas.openxmlformats.org/officeDocument/2006/relationships" xmlns:p="http://schemas.openxmlformats.org/presentationml/2006/main">
   <p:cSld>
@@ -1111,6 +1445,522 @@
     <p:extLst>
       <p:ext uri="{BB962C8B-B14F-4D97-AF65-F5344CB8AC3E}">
         <p14:creationId xmlns:p14="http://schemas.microsoft.com/office/powerpoint/2010/main" val="439082056"/>
+      </p:ext>
+    </p:extLst>
+  </p:cSld>
+  <p:clrMapOvr>
+    <a:masterClrMapping/>
+  </p:clrMapOvr>
+</p:notes>
+</file>
+
+<file path=ppt/notesSlides/notesSlide5.xml><?xml version="1.0" encoding="utf-8"?>
+<p:notes xmlns:a="http://schemas.openxmlformats.org/drawingml/2006/main" xmlns:r="http://schemas.openxmlformats.org/officeDocument/2006/relationships" xmlns:p="http://schemas.openxmlformats.org/presentationml/2006/main">
+  <p:cSld>
+    <p:spTree>
+      <p:nvGrpSpPr>
+        <p:cNvPr id="1" name=""/>
+        <p:cNvGrpSpPr/>
+        <p:nvPr/>
+      </p:nvGrpSpPr>
+      <p:grpSpPr>
+        <a:xfrm>
+          <a:off x="0" y="0"/>
+          <a:ext cx="0" cy="0"/>
+          <a:chOff x="0" y="0"/>
+          <a:chExt cx="0" cy="0"/>
+        </a:xfrm>
+      </p:grpSpPr>
+      <p:sp>
+        <p:nvSpPr>
+          <p:cNvPr id="2" name="Slide Image Placeholder 1"/>
+          <p:cNvSpPr>
+            <a:spLocks noGrp="1" noRot="1" noChangeAspect="1"/>
+          </p:cNvSpPr>
+          <p:nvPr>
+            <p:ph type="sldImg"/>
+          </p:nvPr>
+        </p:nvSpPr>
+        <p:spPr/>
+      </p:sp>
+      <p:sp>
+        <p:nvSpPr>
+          <p:cNvPr id="3" name="Notes Placeholder 2"/>
+          <p:cNvSpPr>
+            <a:spLocks noGrp="1"/>
+          </p:cNvSpPr>
+          <p:nvPr>
+            <p:ph type="body" idx="1"/>
+          </p:nvPr>
+        </p:nvSpPr>
+        <p:spPr/>
+        <p:txBody>
+          <a:bodyPr/>
+          <a:lstStyle/>
+          <a:p>
+            <a:endParaRPr lang="pt-BR" dirty="0"/>
+          </a:p>
+        </p:txBody>
+      </p:sp>
+      <p:sp>
+        <p:nvSpPr>
+          <p:cNvPr id="4" name="Slide Number Placeholder 3"/>
+          <p:cNvSpPr>
+            <a:spLocks noGrp="1"/>
+          </p:cNvSpPr>
+          <p:nvPr>
+            <p:ph type="sldNum" sz="quarter" idx="5"/>
+          </p:nvPr>
+        </p:nvSpPr>
+        <p:spPr/>
+        <p:txBody>
+          <a:bodyPr/>
+          <a:lstStyle/>
+          <a:p>
+            <a:fld id="{6FC8D850-966F-45A6-8DE7-15B891E7D40D}" type="slidenum">
+              <a:rPr lang="pt-BR" smtClean="0"/>
+              <a:t>23</a:t>
+            </a:fld>
+            <a:endParaRPr lang="pt-BR"/>
+          </a:p>
+        </p:txBody>
+      </p:sp>
+    </p:spTree>
+    <p:extLst>
+      <p:ext uri="{BB962C8B-B14F-4D97-AF65-F5344CB8AC3E}">
+        <p14:creationId xmlns:p14="http://schemas.microsoft.com/office/powerpoint/2010/main" val="2320561109"/>
+      </p:ext>
+    </p:extLst>
+  </p:cSld>
+  <p:clrMapOvr>
+    <a:masterClrMapping/>
+  </p:clrMapOvr>
+</p:notes>
+</file>
+
+<file path=ppt/notesSlides/notesSlide6.xml><?xml version="1.0" encoding="utf-8"?>
+<p:notes xmlns:a="http://schemas.openxmlformats.org/drawingml/2006/main" xmlns:r="http://schemas.openxmlformats.org/officeDocument/2006/relationships" xmlns:p="http://schemas.openxmlformats.org/presentationml/2006/main">
+  <p:cSld>
+    <p:spTree>
+      <p:nvGrpSpPr>
+        <p:cNvPr id="1" name="">
+          <a:extLst>
+            <a:ext uri="{FF2B5EF4-FFF2-40B4-BE49-F238E27FC236}">
+              <a16:creationId xmlns:a16="http://schemas.microsoft.com/office/drawing/2014/main" id="{C28D01C1-EBAC-7896-E3CC-A4B552EB935E}"/>
+            </a:ext>
+          </a:extLst>
+        </p:cNvPr>
+        <p:cNvGrpSpPr/>
+        <p:nvPr/>
+      </p:nvGrpSpPr>
+      <p:grpSpPr>
+        <a:xfrm>
+          <a:off x="0" y="0"/>
+          <a:ext cx="0" cy="0"/>
+          <a:chOff x="0" y="0"/>
+          <a:chExt cx="0" cy="0"/>
+        </a:xfrm>
+      </p:grpSpPr>
+      <p:sp>
+        <p:nvSpPr>
+          <p:cNvPr id="2" name="Slide Image Placeholder 1">
+            <a:extLst>
+              <a:ext uri="{FF2B5EF4-FFF2-40B4-BE49-F238E27FC236}">
+                <a16:creationId xmlns:a16="http://schemas.microsoft.com/office/drawing/2014/main" id="{B809FA62-AB2D-780E-1847-E8AB699BAD3C}"/>
+              </a:ext>
+            </a:extLst>
+          </p:cNvPr>
+          <p:cNvSpPr>
+            <a:spLocks noGrp="1" noRot="1" noChangeAspect="1"/>
+          </p:cNvSpPr>
+          <p:nvPr>
+            <p:ph type="sldImg"/>
+          </p:nvPr>
+        </p:nvSpPr>
+        <p:spPr/>
+      </p:sp>
+      <p:sp>
+        <p:nvSpPr>
+          <p:cNvPr id="3" name="Notes Placeholder 2">
+            <a:extLst>
+              <a:ext uri="{FF2B5EF4-FFF2-40B4-BE49-F238E27FC236}">
+                <a16:creationId xmlns:a16="http://schemas.microsoft.com/office/drawing/2014/main" id="{0A2486C4-2905-96A0-9D9F-3731051D893B}"/>
+              </a:ext>
+            </a:extLst>
+          </p:cNvPr>
+          <p:cNvSpPr>
+            <a:spLocks noGrp="1"/>
+          </p:cNvSpPr>
+          <p:nvPr>
+            <p:ph type="body" idx="1"/>
+          </p:nvPr>
+        </p:nvSpPr>
+        <p:spPr/>
+        <p:txBody>
+          <a:bodyPr/>
+          <a:lstStyle/>
+          <a:p>
+            <a:endParaRPr lang="pt-BR" dirty="0"/>
+          </a:p>
+        </p:txBody>
+      </p:sp>
+      <p:sp>
+        <p:nvSpPr>
+          <p:cNvPr id="4" name="Slide Number Placeholder 3">
+            <a:extLst>
+              <a:ext uri="{FF2B5EF4-FFF2-40B4-BE49-F238E27FC236}">
+                <a16:creationId xmlns:a16="http://schemas.microsoft.com/office/drawing/2014/main" id="{5A5FA7B3-D18C-5E77-43F1-EAE60B5DBFCC}"/>
+              </a:ext>
+            </a:extLst>
+          </p:cNvPr>
+          <p:cNvSpPr>
+            <a:spLocks noGrp="1"/>
+          </p:cNvSpPr>
+          <p:nvPr>
+            <p:ph type="sldNum" sz="quarter" idx="5"/>
+          </p:nvPr>
+        </p:nvSpPr>
+        <p:spPr/>
+        <p:txBody>
+          <a:bodyPr/>
+          <a:lstStyle/>
+          <a:p>
+            <a:fld id="{6FC8D850-966F-45A6-8DE7-15B891E7D40D}" type="slidenum">
+              <a:rPr lang="pt-BR" smtClean="0"/>
+              <a:t>24</a:t>
+            </a:fld>
+            <a:endParaRPr lang="pt-BR"/>
+          </a:p>
+        </p:txBody>
+      </p:sp>
+    </p:spTree>
+    <p:extLst>
+      <p:ext uri="{BB962C8B-B14F-4D97-AF65-F5344CB8AC3E}">
+        <p14:creationId xmlns:p14="http://schemas.microsoft.com/office/powerpoint/2010/main" val="2327547929"/>
+      </p:ext>
+    </p:extLst>
+  </p:cSld>
+  <p:clrMapOvr>
+    <a:masterClrMapping/>
+  </p:clrMapOvr>
+</p:notes>
+</file>
+
+<file path=ppt/notesSlides/notesSlide7.xml><?xml version="1.0" encoding="utf-8"?>
+<p:notes xmlns:a="http://schemas.openxmlformats.org/drawingml/2006/main" xmlns:r="http://schemas.openxmlformats.org/officeDocument/2006/relationships" xmlns:p="http://schemas.openxmlformats.org/presentationml/2006/main">
+  <p:cSld>
+    <p:spTree>
+      <p:nvGrpSpPr>
+        <p:cNvPr id="1" name="">
+          <a:extLst>
+            <a:ext uri="{FF2B5EF4-FFF2-40B4-BE49-F238E27FC236}">
+              <a16:creationId xmlns:a16="http://schemas.microsoft.com/office/drawing/2014/main" id="{FD277759-5E46-2781-9B9A-18A2A1D570CE}"/>
+            </a:ext>
+          </a:extLst>
+        </p:cNvPr>
+        <p:cNvGrpSpPr/>
+        <p:nvPr/>
+      </p:nvGrpSpPr>
+      <p:grpSpPr>
+        <a:xfrm>
+          <a:off x="0" y="0"/>
+          <a:ext cx="0" cy="0"/>
+          <a:chOff x="0" y="0"/>
+          <a:chExt cx="0" cy="0"/>
+        </a:xfrm>
+      </p:grpSpPr>
+      <p:sp>
+        <p:nvSpPr>
+          <p:cNvPr id="2" name="Slide Image Placeholder 1">
+            <a:extLst>
+              <a:ext uri="{FF2B5EF4-FFF2-40B4-BE49-F238E27FC236}">
+                <a16:creationId xmlns:a16="http://schemas.microsoft.com/office/drawing/2014/main" id="{92AD4069-27EC-3241-27AC-FAFA125ACB04}"/>
+              </a:ext>
+            </a:extLst>
+          </p:cNvPr>
+          <p:cNvSpPr>
+            <a:spLocks noGrp="1" noRot="1" noChangeAspect="1"/>
+          </p:cNvSpPr>
+          <p:nvPr>
+            <p:ph type="sldImg"/>
+          </p:nvPr>
+        </p:nvSpPr>
+        <p:spPr/>
+      </p:sp>
+      <p:sp>
+        <p:nvSpPr>
+          <p:cNvPr id="3" name="Notes Placeholder 2">
+            <a:extLst>
+              <a:ext uri="{FF2B5EF4-FFF2-40B4-BE49-F238E27FC236}">
+                <a16:creationId xmlns:a16="http://schemas.microsoft.com/office/drawing/2014/main" id="{E5B64C82-D32F-D549-FD1A-B1C75365333D}"/>
+              </a:ext>
+            </a:extLst>
+          </p:cNvPr>
+          <p:cNvSpPr>
+            <a:spLocks noGrp="1"/>
+          </p:cNvSpPr>
+          <p:nvPr>
+            <p:ph type="body" idx="1"/>
+          </p:nvPr>
+        </p:nvSpPr>
+        <p:spPr/>
+        <p:txBody>
+          <a:bodyPr/>
+          <a:lstStyle/>
+          <a:p>
+            <a:endParaRPr lang="pt-BR" dirty="0"/>
+          </a:p>
+        </p:txBody>
+      </p:sp>
+      <p:sp>
+        <p:nvSpPr>
+          <p:cNvPr id="4" name="Slide Number Placeholder 3">
+            <a:extLst>
+              <a:ext uri="{FF2B5EF4-FFF2-40B4-BE49-F238E27FC236}">
+                <a16:creationId xmlns:a16="http://schemas.microsoft.com/office/drawing/2014/main" id="{890A3495-A740-B9B3-BA85-61BE207F8B09}"/>
+              </a:ext>
+            </a:extLst>
+          </p:cNvPr>
+          <p:cNvSpPr>
+            <a:spLocks noGrp="1"/>
+          </p:cNvSpPr>
+          <p:nvPr>
+            <p:ph type="sldNum" sz="quarter" idx="5"/>
+          </p:nvPr>
+        </p:nvSpPr>
+        <p:spPr/>
+        <p:txBody>
+          <a:bodyPr/>
+          <a:lstStyle/>
+          <a:p>
+            <a:fld id="{6FC8D850-966F-45A6-8DE7-15B891E7D40D}" type="slidenum">
+              <a:rPr lang="pt-BR" smtClean="0"/>
+              <a:t>25</a:t>
+            </a:fld>
+            <a:endParaRPr lang="pt-BR"/>
+          </a:p>
+        </p:txBody>
+      </p:sp>
+    </p:spTree>
+    <p:extLst>
+      <p:ext uri="{BB962C8B-B14F-4D97-AF65-F5344CB8AC3E}">
+        <p14:creationId xmlns:p14="http://schemas.microsoft.com/office/powerpoint/2010/main" val="1644739195"/>
+      </p:ext>
+    </p:extLst>
+  </p:cSld>
+  <p:clrMapOvr>
+    <a:masterClrMapping/>
+  </p:clrMapOvr>
+</p:notes>
+</file>
+
+<file path=ppt/notesSlides/notesSlide8.xml><?xml version="1.0" encoding="utf-8"?>
+<p:notes xmlns:a="http://schemas.openxmlformats.org/drawingml/2006/main" xmlns:r="http://schemas.openxmlformats.org/officeDocument/2006/relationships" xmlns:p="http://schemas.openxmlformats.org/presentationml/2006/main">
+  <p:cSld>
+    <p:spTree>
+      <p:nvGrpSpPr>
+        <p:cNvPr id="1" name="">
+          <a:extLst>
+            <a:ext uri="{FF2B5EF4-FFF2-40B4-BE49-F238E27FC236}">
+              <a16:creationId xmlns:a16="http://schemas.microsoft.com/office/drawing/2014/main" id="{BD73F24F-3FA3-ED99-1142-6FA25277CF98}"/>
+            </a:ext>
+          </a:extLst>
+        </p:cNvPr>
+        <p:cNvGrpSpPr/>
+        <p:nvPr/>
+      </p:nvGrpSpPr>
+      <p:grpSpPr>
+        <a:xfrm>
+          <a:off x="0" y="0"/>
+          <a:ext cx="0" cy="0"/>
+          <a:chOff x="0" y="0"/>
+          <a:chExt cx="0" cy="0"/>
+        </a:xfrm>
+      </p:grpSpPr>
+      <p:sp>
+        <p:nvSpPr>
+          <p:cNvPr id="2" name="Slide Image Placeholder 1">
+            <a:extLst>
+              <a:ext uri="{FF2B5EF4-FFF2-40B4-BE49-F238E27FC236}">
+                <a16:creationId xmlns:a16="http://schemas.microsoft.com/office/drawing/2014/main" id="{B1B2DE49-E1D4-EAC2-370C-67A2EC4C4791}"/>
+              </a:ext>
+            </a:extLst>
+          </p:cNvPr>
+          <p:cNvSpPr>
+            <a:spLocks noGrp="1" noRot="1" noChangeAspect="1"/>
+          </p:cNvSpPr>
+          <p:nvPr>
+            <p:ph type="sldImg"/>
+          </p:nvPr>
+        </p:nvSpPr>
+        <p:spPr/>
+      </p:sp>
+      <p:sp>
+        <p:nvSpPr>
+          <p:cNvPr id="3" name="Notes Placeholder 2">
+            <a:extLst>
+              <a:ext uri="{FF2B5EF4-FFF2-40B4-BE49-F238E27FC236}">
+                <a16:creationId xmlns:a16="http://schemas.microsoft.com/office/drawing/2014/main" id="{944DC2B0-9D73-9869-181C-BEC62DC38260}"/>
+              </a:ext>
+            </a:extLst>
+          </p:cNvPr>
+          <p:cNvSpPr>
+            <a:spLocks noGrp="1"/>
+          </p:cNvSpPr>
+          <p:nvPr>
+            <p:ph type="body" idx="1"/>
+          </p:nvPr>
+        </p:nvSpPr>
+        <p:spPr/>
+        <p:txBody>
+          <a:bodyPr/>
+          <a:lstStyle/>
+          <a:p>
+            <a:endParaRPr lang="pt-BR" dirty="0"/>
+          </a:p>
+        </p:txBody>
+      </p:sp>
+      <p:sp>
+        <p:nvSpPr>
+          <p:cNvPr id="4" name="Slide Number Placeholder 3">
+            <a:extLst>
+              <a:ext uri="{FF2B5EF4-FFF2-40B4-BE49-F238E27FC236}">
+                <a16:creationId xmlns:a16="http://schemas.microsoft.com/office/drawing/2014/main" id="{E5B95351-3DC7-278B-4D30-2EC6DB732BDC}"/>
+              </a:ext>
+            </a:extLst>
+          </p:cNvPr>
+          <p:cNvSpPr>
+            <a:spLocks noGrp="1"/>
+          </p:cNvSpPr>
+          <p:nvPr>
+            <p:ph type="sldNum" sz="quarter" idx="5"/>
+          </p:nvPr>
+        </p:nvSpPr>
+        <p:spPr/>
+        <p:txBody>
+          <a:bodyPr/>
+          <a:lstStyle/>
+          <a:p>
+            <a:fld id="{6FC8D850-966F-45A6-8DE7-15B891E7D40D}" type="slidenum">
+              <a:rPr lang="pt-BR" smtClean="0"/>
+              <a:t>26</a:t>
+            </a:fld>
+            <a:endParaRPr lang="pt-BR"/>
+          </a:p>
+        </p:txBody>
+      </p:sp>
+    </p:spTree>
+    <p:extLst>
+      <p:ext uri="{BB962C8B-B14F-4D97-AF65-F5344CB8AC3E}">
+        <p14:creationId xmlns:p14="http://schemas.microsoft.com/office/powerpoint/2010/main" val="4051590686"/>
+      </p:ext>
+    </p:extLst>
+  </p:cSld>
+  <p:clrMapOvr>
+    <a:masterClrMapping/>
+  </p:clrMapOvr>
+</p:notes>
+</file>
+
+<file path=ppt/notesSlides/notesSlide9.xml><?xml version="1.0" encoding="utf-8"?>
+<p:notes xmlns:a="http://schemas.openxmlformats.org/drawingml/2006/main" xmlns:r="http://schemas.openxmlformats.org/officeDocument/2006/relationships" xmlns:p="http://schemas.openxmlformats.org/presentationml/2006/main">
+  <p:cSld>
+    <p:spTree>
+      <p:nvGrpSpPr>
+        <p:cNvPr id="1" name="">
+          <a:extLst>
+            <a:ext uri="{FF2B5EF4-FFF2-40B4-BE49-F238E27FC236}">
+              <a16:creationId xmlns:a16="http://schemas.microsoft.com/office/drawing/2014/main" id="{FDC6058E-5265-79F9-9491-069EB7DA52E0}"/>
+            </a:ext>
+          </a:extLst>
+        </p:cNvPr>
+        <p:cNvGrpSpPr/>
+        <p:nvPr/>
+      </p:nvGrpSpPr>
+      <p:grpSpPr>
+        <a:xfrm>
+          <a:off x="0" y="0"/>
+          <a:ext cx="0" cy="0"/>
+          <a:chOff x="0" y="0"/>
+          <a:chExt cx="0" cy="0"/>
+        </a:xfrm>
+      </p:grpSpPr>
+      <p:sp>
+        <p:nvSpPr>
+          <p:cNvPr id="2" name="Slide Image Placeholder 1">
+            <a:extLst>
+              <a:ext uri="{FF2B5EF4-FFF2-40B4-BE49-F238E27FC236}">
+                <a16:creationId xmlns:a16="http://schemas.microsoft.com/office/drawing/2014/main" id="{76F85BF1-D68A-3430-0DFE-15C5C045B86D}"/>
+              </a:ext>
+            </a:extLst>
+          </p:cNvPr>
+          <p:cNvSpPr>
+            <a:spLocks noGrp="1" noRot="1" noChangeAspect="1"/>
+          </p:cNvSpPr>
+          <p:nvPr>
+            <p:ph type="sldImg"/>
+          </p:nvPr>
+        </p:nvSpPr>
+        <p:spPr/>
+      </p:sp>
+      <p:sp>
+        <p:nvSpPr>
+          <p:cNvPr id="3" name="Notes Placeholder 2">
+            <a:extLst>
+              <a:ext uri="{FF2B5EF4-FFF2-40B4-BE49-F238E27FC236}">
+                <a16:creationId xmlns:a16="http://schemas.microsoft.com/office/drawing/2014/main" id="{6798E386-B5A8-C406-077D-A1D25FF81CC8}"/>
+              </a:ext>
+            </a:extLst>
+          </p:cNvPr>
+          <p:cNvSpPr>
+            <a:spLocks noGrp="1"/>
+          </p:cNvSpPr>
+          <p:nvPr>
+            <p:ph type="body" idx="1"/>
+          </p:nvPr>
+        </p:nvSpPr>
+        <p:spPr/>
+        <p:txBody>
+          <a:bodyPr/>
+          <a:lstStyle/>
+          <a:p>
+            <a:endParaRPr lang="pt-BR" dirty="0"/>
+          </a:p>
+        </p:txBody>
+      </p:sp>
+      <p:sp>
+        <p:nvSpPr>
+          <p:cNvPr id="4" name="Slide Number Placeholder 3">
+            <a:extLst>
+              <a:ext uri="{FF2B5EF4-FFF2-40B4-BE49-F238E27FC236}">
+                <a16:creationId xmlns:a16="http://schemas.microsoft.com/office/drawing/2014/main" id="{5AD9343C-8FB0-B794-4973-0FC2EBF1CFF8}"/>
+              </a:ext>
+            </a:extLst>
+          </p:cNvPr>
+          <p:cNvSpPr>
+            <a:spLocks noGrp="1"/>
+          </p:cNvSpPr>
+          <p:nvPr>
+            <p:ph type="sldNum" sz="quarter" idx="5"/>
+          </p:nvPr>
+        </p:nvSpPr>
+        <p:spPr/>
+        <p:txBody>
+          <a:bodyPr/>
+          <a:lstStyle/>
+          <a:p>
+            <a:fld id="{6FC8D850-966F-45A6-8DE7-15B891E7D40D}" type="slidenum">
+              <a:rPr lang="pt-BR" smtClean="0"/>
+              <a:t>27</a:t>
+            </a:fld>
+            <a:endParaRPr lang="pt-BR"/>
+          </a:p>
+        </p:txBody>
+      </p:sp>
+    </p:spTree>
+    <p:extLst>
+      <p:ext uri="{BB962C8B-B14F-4D97-AF65-F5344CB8AC3E}">
+        <p14:creationId xmlns:p14="http://schemas.microsoft.com/office/powerpoint/2010/main" val="2896353849"/>
       </p:ext>
     </p:extLst>
   </p:cSld>
@@ -1267,7 +2117,7 @@
           <a:p>
             <a:fld id="{63289F7E-B80B-496E-81B4-D396C37C9454}" type="datetimeFigureOut">
               <a:rPr lang="pt-BR" smtClean="0"/>
-              <a:t>15/09/2025</a:t>
+              <a:t>18/09/2025</a:t>
             </a:fld>
             <a:endParaRPr lang="pt-BR"/>
           </a:p>
@@ -1465,7 +2315,7 @@
           <a:p>
             <a:fld id="{63289F7E-B80B-496E-81B4-D396C37C9454}" type="datetimeFigureOut">
               <a:rPr lang="pt-BR" smtClean="0"/>
-              <a:t>15/09/2025</a:t>
+              <a:t>18/09/2025</a:t>
             </a:fld>
             <a:endParaRPr lang="pt-BR"/>
           </a:p>
@@ -1673,7 +2523,7 @@
           <a:p>
             <a:fld id="{63289F7E-B80B-496E-81B4-D396C37C9454}" type="datetimeFigureOut">
               <a:rPr lang="pt-BR" smtClean="0"/>
-              <a:t>15/09/2025</a:t>
+              <a:t>18/09/2025</a:t>
             </a:fld>
             <a:endParaRPr lang="pt-BR"/>
           </a:p>
@@ -1871,7 +2721,7 @@
           <a:p>
             <a:fld id="{63289F7E-B80B-496E-81B4-D396C37C9454}" type="datetimeFigureOut">
               <a:rPr lang="pt-BR" smtClean="0"/>
-              <a:t>15/09/2025</a:t>
+              <a:t>18/09/2025</a:t>
             </a:fld>
             <a:endParaRPr lang="pt-BR"/>
           </a:p>
@@ -2146,7 +2996,7 @@
           <a:p>
             <a:fld id="{63289F7E-B80B-496E-81B4-D396C37C9454}" type="datetimeFigureOut">
               <a:rPr lang="pt-BR" smtClean="0"/>
-              <a:t>15/09/2025</a:t>
+              <a:t>18/09/2025</a:t>
             </a:fld>
             <a:endParaRPr lang="pt-BR"/>
           </a:p>
@@ -2411,7 +3261,7 @@
           <a:p>
             <a:fld id="{63289F7E-B80B-496E-81B4-D396C37C9454}" type="datetimeFigureOut">
               <a:rPr lang="pt-BR" smtClean="0"/>
-              <a:t>15/09/2025</a:t>
+              <a:t>18/09/2025</a:t>
             </a:fld>
             <a:endParaRPr lang="pt-BR"/>
           </a:p>
@@ -2823,7 +3673,7 @@
           <a:p>
             <a:fld id="{63289F7E-B80B-496E-81B4-D396C37C9454}" type="datetimeFigureOut">
               <a:rPr lang="pt-BR" smtClean="0"/>
-              <a:t>15/09/2025</a:t>
+              <a:t>18/09/2025</a:t>
             </a:fld>
             <a:endParaRPr lang="pt-BR"/>
           </a:p>
@@ -2964,7 +3814,7 @@
           <a:p>
             <a:fld id="{63289F7E-B80B-496E-81B4-D396C37C9454}" type="datetimeFigureOut">
               <a:rPr lang="pt-BR" smtClean="0"/>
-              <a:t>15/09/2025</a:t>
+              <a:t>18/09/2025</a:t>
             </a:fld>
             <a:endParaRPr lang="pt-BR"/>
           </a:p>
@@ -3077,7 +3927,7 @@
           <a:p>
             <a:fld id="{63289F7E-B80B-496E-81B4-D396C37C9454}" type="datetimeFigureOut">
               <a:rPr lang="pt-BR" smtClean="0"/>
-              <a:t>15/09/2025</a:t>
+              <a:t>18/09/2025</a:t>
             </a:fld>
             <a:endParaRPr lang="pt-BR"/>
           </a:p>
@@ -3388,7 +4238,7 @@
           <a:p>
             <a:fld id="{63289F7E-B80B-496E-81B4-D396C37C9454}" type="datetimeFigureOut">
               <a:rPr lang="pt-BR" smtClean="0"/>
-              <a:t>15/09/2025</a:t>
+              <a:t>18/09/2025</a:t>
             </a:fld>
             <a:endParaRPr lang="pt-BR"/>
           </a:p>
@@ -3676,7 +4526,7 @@
           <a:p>
             <a:fld id="{63289F7E-B80B-496E-81B4-D396C37C9454}" type="datetimeFigureOut">
               <a:rPr lang="pt-BR" smtClean="0"/>
-              <a:t>15/09/2025</a:t>
+              <a:t>18/09/2025</a:t>
             </a:fld>
             <a:endParaRPr lang="pt-BR"/>
           </a:p>
@@ -3917,7 +4767,7 @@
           <a:p>
             <a:fld id="{63289F7E-B80B-496E-81B4-D396C37C9454}" type="datetimeFigureOut">
               <a:rPr lang="pt-BR" smtClean="0"/>
-              <a:t>15/09/2025</a:t>
+              <a:t>18/09/2025</a:t>
             </a:fld>
             <a:endParaRPr lang="pt-BR"/>
           </a:p>
@@ -5392,8 +6242,8 @@
           </a:p>
         </p:txBody>
       </p:sp>
-      <mc:AlternateContent xmlns:mc="http://schemas.openxmlformats.org/markup-compatibility/2006">
-        <mc:Choice xmlns:a14="http://schemas.microsoft.com/office/drawing/2010/main" Requires="a14">
+      <mc:AlternateContent xmlns:mc="http://schemas.openxmlformats.org/markup-compatibility/2006" xmlns:a14="http://schemas.microsoft.com/office/drawing/2010/main">
+        <mc:Choice Requires="a14">
           <p:sp>
             <p:nvSpPr>
               <p:cNvPr id="18" name="TextBox 17">
@@ -5448,7 +6298,7 @@
             </p:txBody>
           </p:sp>
         </mc:Choice>
-        <mc:Fallback>
+        <mc:Fallback xmlns="">
           <p:sp>
             <p:nvSpPr>
               <p:cNvPr id="18" name="TextBox 17">
@@ -9297,15 +10147,7 @@
           <a:p>
             <a:r>
               <a:rPr lang="pt-BR" noProof="0" dirty="0"/>
-              <a:t>Não se adapta facilmente a vocabulários </a:t>
-            </a:r>
-            <a:r>
-              <a:rPr lang="pt-BR" noProof="0" dirty="0" err="1"/>
-              <a:t>especificos</a:t>
-            </a:r>
-            <a:r>
-              <a:rPr lang="pt-BR" noProof="0" dirty="0"/>
-              <a:t> (ex.: medicina, engenharia</a:t>
+              <a:t>Não se adapta facilmente a vocabulários específicos (ex.: medicina, engenharia</a:t>
             </a:r>
             <a:r>
               <a:rPr lang="pt-BR" dirty="0"/>
@@ -9682,7 +10524,7 @@
                     <a:schemeClr val="bg1"/>
                   </a:solidFill>
                 </a:rPr>
-                <a:t>2020</a:t>
+                <a:t>Hoje</a:t>
               </a:r>
               <a:endParaRPr lang="pt-BR" sz="1600" b="1" noProof="0" dirty="0">
                 <a:solidFill>
@@ -10337,7 +11179,13 @@
   <p:cSld>
     <p:spTree>
       <p:nvGrpSpPr>
-        <p:cNvPr id="1" name=""/>
+        <p:cNvPr id="1" name="">
+          <a:extLst>
+            <a:ext uri="{FF2B5EF4-FFF2-40B4-BE49-F238E27FC236}">
+              <a16:creationId xmlns:a16="http://schemas.microsoft.com/office/drawing/2014/main" id="{2434D8EC-A249-3B6D-1A59-CC4BFE97964D}"/>
+            </a:ext>
+          </a:extLst>
+        </p:cNvPr>
         <p:cNvGrpSpPr/>
         <p:nvPr/>
       </p:nvGrpSpPr>
@@ -10354,7 +11202,7 @@
           <p:cNvPr id="2" name="Título 1">
             <a:extLst>
               <a:ext uri="{FF2B5EF4-FFF2-40B4-BE49-F238E27FC236}">
-                <a16:creationId xmlns:a16="http://schemas.microsoft.com/office/drawing/2014/main" id="{94AB8438-E56E-2412-517C-8456E4CA773C}"/>
+                <a16:creationId xmlns:a16="http://schemas.microsoft.com/office/drawing/2014/main" id="{7C16E339-5749-058B-7351-09E048919A43}"/>
               </a:ext>
             </a:extLst>
           </p:cNvPr>
@@ -10372,17 +11220,141 @@
           <a:p>
             <a:r>
               <a:rPr lang="pt-BR" noProof="0" dirty="0"/>
-              <a:t>Fundamentação teórica</a:t>
+              <a:t>Introdução</a:t>
             </a:r>
           </a:p>
         </p:txBody>
       </p:sp>
+      <p:grpSp>
+        <p:nvGrpSpPr>
+          <p:cNvPr id="9" name="Group 8">
+            <a:extLst>
+              <a:ext uri="{FF2B5EF4-FFF2-40B4-BE49-F238E27FC236}">
+                <a16:creationId xmlns:a16="http://schemas.microsoft.com/office/drawing/2014/main" id="{BBFABDE1-C8B9-F929-00B6-BBCAE826EC6E}"/>
+              </a:ext>
+            </a:extLst>
+          </p:cNvPr>
+          <p:cNvGrpSpPr/>
+          <p:nvPr/>
+        </p:nvGrpSpPr>
+        <p:grpSpPr>
+          <a:xfrm>
+            <a:off x="838200" y="4761569"/>
+            <a:ext cx="11353800" cy="1550019"/>
+            <a:chOff x="838200" y="4761569"/>
+            <a:chExt cx="11353800" cy="1550019"/>
+          </a:xfrm>
+        </p:grpSpPr>
+        <p:sp>
+          <p:nvSpPr>
+            <p:cNvPr id="4" name="Oval 3">
+              <a:extLst>
+                <a:ext uri="{FF2B5EF4-FFF2-40B4-BE49-F238E27FC236}">
+                  <a16:creationId xmlns:a16="http://schemas.microsoft.com/office/drawing/2014/main" id="{F92DEE81-B676-43AC-3859-9F1D6840570E}"/>
+                </a:ext>
+              </a:extLst>
+            </p:cNvPr>
+            <p:cNvSpPr/>
+            <p:nvPr/>
+          </p:nvSpPr>
+          <p:spPr>
+            <a:xfrm>
+              <a:off x="838200" y="4761569"/>
+              <a:ext cx="1550019" cy="1550019"/>
+            </a:xfrm>
+            <a:prstGeom prst="ellipse">
+              <a:avLst/>
+            </a:prstGeom>
+            <a:solidFill>
+              <a:schemeClr val="bg2">
+                <a:lumMod val="50000"/>
+              </a:schemeClr>
+            </a:solidFill>
+            <a:ln>
+              <a:noFill/>
+            </a:ln>
+          </p:spPr>
+          <p:style>
+            <a:lnRef idx="2">
+              <a:schemeClr val="accent1">
+                <a:shade val="15000"/>
+              </a:schemeClr>
+            </a:lnRef>
+            <a:fillRef idx="1">
+              <a:schemeClr val="accent1"/>
+            </a:fillRef>
+            <a:effectRef idx="0">
+              <a:schemeClr val="accent1"/>
+            </a:effectRef>
+            <a:fontRef idx="minor">
+              <a:schemeClr val="lt1"/>
+            </a:fontRef>
+          </p:style>
+          <p:txBody>
+            <a:bodyPr rtlCol="0" anchor="ctr"/>
+            <a:lstStyle/>
+            <a:p>
+              <a:pPr algn="ctr"/>
+              <a:r>
+                <a:rPr lang="pt-BR" sz="2400" b="1" noProof="0" dirty="0"/>
+                <a:t>Hoje</a:t>
+              </a:r>
+              <a:endParaRPr lang="pt-BR" sz="1600" b="1" noProof="0" dirty="0"/>
+            </a:p>
+          </p:txBody>
+        </p:sp>
+        <p:cxnSp>
+          <p:nvCxnSpPr>
+            <p:cNvPr id="6" name="Straight Connector 5">
+              <a:extLst>
+                <a:ext uri="{FF2B5EF4-FFF2-40B4-BE49-F238E27FC236}">
+                  <a16:creationId xmlns:a16="http://schemas.microsoft.com/office/drawing/2014/main" id="{141E0CC5-3B7F-E9A9-2DEE-F3E44FBC6349}"/>
+                </a:ext>
+              </a:extLst>
+            </p:cNvPr>
+            <p:cNvCxnSpPr>
+              <a:cxnSpLocks/>
+            </p:cNvCxnSpPr>
+            <p:nvPr/>
+          </p:nvCxnSpPr>
+          <p:spPr>
+            <a:xfrm>
+              <a:off x="2094570" y="5536578"/>
+              <a:ext cx="10097430" cy="0"/>
+            </a:xfrm>
+            <a:prstGeom prst="line">
+              <a:avLst/>
+            </a:prstGeom>
+            <a:ln w="203200">
+              <a:solidFill>
+                <a:schemeClr val="bg2">
+                  <a:lumMod val="50000"/>
+                </a:schemeClr>
+              </a:solidFill>
+            </a:ln>
+          </p:spPr>
+          <p:style>
+            <a:lnRef idx="1">
+              <a:schemeClr val="accent1"/>
+            </a:lnRef>
+            <a:fillRef idx="0">
+              <a:schemeClr val="accent1"/>
+            </a:fillRef>
+            <a:effectRef idx="0">
+              <a:schemeClr val="accent1"/>
+            </a:effectRef>
+            <a:fontRef idx="minor">
+              <a:schemeClr val="tx1"/>
+            </a:fontRef>
+          </p:style>
+        </p:cxnSp>
+      </p:grpSp>
       <p:sp>
         <p:nvSpPr>
-          <p:cNvPr id="3" name="Espaço Reservado para Conteúdo 2">
-            <a:extLst>
-              <a:ext uri="{FF2B5EF4-FFF2-40B4-BE49-F238E27FC236}">
-                <a16:creationId xmlns:a16="http://schemas.microsoft.com/office/drawing/2014/main" id="{F7E2B09C-6D56-4C9F-A364-B904CCE2F1A0}"/>
+          <p:cNvPr id="10" name="Espaço Reservado para Conteúdo 2">
+            <a:extLst>
+              <a:ext uri="{FF2B5EF4-FFF2-40B4-BE49-F238E27FC236}">
+                <a16:creationId xmlns:a16="http://schemas.microsoft.com/office/drawing/2014/main" id="{EB8D0C79-A706-1946-2084-62A4FCD9C2F6}"/>
               </a:ext>
             </a:extLst>
           </p:cNvPr>
@@ -10393,19 +11365,61 @@
             <p:ph idx="1"/>
           </p:nvPr>
         </p:nvSpPr>
-        <p:spPr/>
+        <p:spPr>
+          <a:xfrm>
+            <a:off x="838200" y="1825627"/>
+            <a:ext cx="11026992" cy="2283078"/>
+          </a:xfrm>
+        </p:spPr>
         <p:txBody>
-          <a:bodyPr/>
+          <a:bodyPr>
+            <a:noAutofit/>
+          </a:bodyPr>
           <a:lstStyle/>
           <a:p>
-            <a:endParaRPr lang="pt-BR" noProof="0" dirty="0"/>
+            <a:pPr marL="0" indent="0">
+              <a:buNone/>
+            </a:pPr>
+            <a:r>
+              <a:rPr lang="pt-BR" b="1" i="1" dirty="0"/>
+              <a:t>Mas ainda há limitações:</a:t>
+            </a:r>
+          </a:p>
+          <a:p>
+            <a:r>
+              <a:rPr lang="pt-BR" noProof="0" dirty="0"/>
+              <a:t>Proibitivamente pesado em vários ambientes;</a:t>
+            </a:r>
+          </a:p>
+          <a:p>
+            <a:r>
+              <a:rPr lang="pt-BR" noProof="0" dirty="0"/>
+              <a:t>Alto custo computacional e treinamento</a:t>
+            </a:r>
+            <a:r>
+              <a:rPr lang="pt-BR" dirty="0"/>
+              <a:t> lento</a:t>
+            </a:r>
+            <a:r>
+              <a:rPr lang="pt-BR" noProof="0" dirty="0"/>
+              <a:t>;</a:t>
+            </a:r>
+          </a:p>
+          <a:p>
+            <a:r>
+              <a:rPr lang="pt-BR" b="1" dirty="0"/>
+              <a:t>Quando em domínios (vocabulários) específicos, ainda há muitos erros (alucinações);</a:t>
+            </a:r>
+          </a:p>
+          <a:p>
+            <a:endParaRPr lang="pt-BR" dirty="0"/>
           </a:p>
         </p:txBody>
       </p:sp>
     </p:spTree>
     <p:extLst>
       <p:ext uri="{BB962C8B-B14F-4D97-AF65-F5344CB8AC3E}">
-        <p14:creationId xmlns:p14="http://schemas.microsoft.com/office/powerpoint/2010/main" val="3187071590"/>
+        <p14:creationId xmlns:p14="http://schemas.microsoft.com/office/powerpoint/2010/main" val="1807673995"/>
       </p:ext>
     </p:extLst>
   </p:cSld>
@@ -10420,7 +11434,13 @@
   <p:cSld>
     <p:spTree>
       <p:nvGrpSpPr>
-        <p:cNvPr id="1" name=""/>
+        <p:cNvPr id="1" name="">
+          <a:extLst>
+            <a:ext uri="{FF2B5EF4-FFF2-40B4-BE49-F238E27FC236}">
+              <a16:creationId xmlns:a16="http://schemas.microsoft.com/office/drawing/2014/main" id="{9EA30403-F7F3-50C4-6DB8-42AD2006B9AF}"/>
+            </a:ext>
+          </a:extLst>
+        </p:cNvPr>
         <p:cNvGrpSpPr/>
         <p:nvPr/>
       </p:nvGrpSpPr>
@@ -10437,7 +11457,7 @@
           <p:cNvPr id="2" name="Título 1">
             <a:extLst>
               <a:ext uri="{FF2B5EF4-FFF2-40B4-BE49-F238E27FC236}">
-                <a16:creationId xmlns:a16="http://schemas.microsoft.com/office/drawing/2014/main" id="{083FFF02-0FC8-9F0B-AAB0-565FC99EA70D}"/>
+                <a16:creationId xmlns:a16="http://schemas.microsoft.com/office/drawing/2014/main" id="{8F869797-8088-E52D-3E8A-D4AFC38C393E}"/>
               </a:ext>
             </a:extLst>
           </p:cNvPr>
@@ -10455,17 +11475,17 @@
           <a:p>
             <a:r>
               <a:rPr lang="pt-BR" noProof="0" dirty="0"/>
-              <a:t>Arquitetura e funcionamento</a:t>
+              <a:t>Introdução</a:t>
             </a:r>
           </a:p>
         </p:txBody>
       </p:sp>
       <p:sp>
         <p:nvSpPr>
-          <p:cNvPr id="3" name="Espaço Reservado para Conteúdo 2">
-            <a:extLst>
-              <a:ext uri="{FF2B5EF4-FFF2-40B4-BE49-F238E27FC236}">
-                <a16:creationId xmlns:a16="http://schemas.microsoft.com/office/drawing/2014/main" id="{8C5488AE-34B4-EF1D-F674-507FF2FCD122}"/>
+          <p:cNvPr id="10" name="Espaço Reservado para Conteúdo 2">
+            <a:extLst>
+              <a:ext uri="{FF2B5EF4-FFF2-40B4-BE49-F238E27FC236}">
+                <a16:creationId xmlns:a16="http://schemas.microsoft.com/office/drawing/2014/main" id="{617E7E29-C5AA-3C0D-A21A-57A285D29CFC}"/>
               </a:ext>
             </a:extLst>
           </p:cNvPr>
@@ -10476,19 +11496,65 @@
             <p:ph idx="1"/>
           </p:nvPr>
         </p:nvSpPr>
-        <p:spPr/>
+        <p:spPr>
+          <a:xfrm>
+            <a:off x="838200" y="1825626"/>
+            <a:ext cx="11026992" cy="4380102"/>
+          </a:xfrm>
+        </p:spPr>
         <p:txBody>
-          <a:bodyPr/>
+          <a:bodyPr>
+            <a:noAutofit/>
+          </a:bodyPr>
           <a:lstStyle/>
           <a:p>
+            <a:pPr marL="0" indent="0">
+              <a:buNone/>
+            </a:pPr>
+            <a:r>
+              <a:rPr lang="pt-BR" dirty="0"/>
+              <a:t>Usando </a:t>
+            </a:r>
+            <a:r>
+              <a:rPr lang="en-US" i="1" noProof="0" dirty="0"/>
+              <a:t>fine-tuning</a:t>
+            </a:r>
+            <a:r>
+              <a:rPr lang="pt-BR" dirty="0"/>
+              <a:t> aplicados ao LLM, é possível:</a:t>
+            </a:r>
+          </a:p>
+          <a:p>
+            <a:r>
+              <a:rPr lang="pt-BR" dirty="0"/>
+              <a:t>Ajustar tons de resposta;</a:t>
+            </a:r>
             <a:endParaRPr lang="pt-BR" noProof="0" dirty="0"/>
+          </a:p>
+          <a:p>
+            <a:r>
+              <a:rPr lang="pt-BR" b="1" noProof="0" dirty="0"/>
+              <a:t>Especializar o modelo para aplicações específicas (jurídico, médico, financeiro, técnico, etc.);</a:t>
+            </a:r>
+          </a:p>
+          <a:p>
+            <a:r>
+              <a:rPr lang="pt-BR" b="1" noProof="0" dirty="0"/>
+              <a:t>Melhorar em tarefas específicas (refinado para classificação de texto, sumarização, geração de código, extração de entidades, tradução técnica, etc.);</a:t>
+            </a:r>
+          </a:p>
+          <a:p>
+            <a:r>
+              <a:rPr lang="pt-BR" b="1" dirty="0"/>
+              <a:t>Redução de Alucinação.</a:t>
+            </a:r>
           </a:p>
         </p:txBody>
       </p:sp>
     </p:spTree>
     <p:extLst>
       <p:ext uri="{BB962C8B-B14F-4D97-AF65-F5344CB8AC3E}">
-        <p14:creationId xmlns:p14="http://schemas.microsoft.com/office/powerpoint/2010/main" val="1547259554"/>
+        <p14:creationId xmlns:p14="http://schemas.microsoft.com/office/powerpoint/2010/main" val="2489669499"/>
       </p:ext>
     </p:extLst>
   </p:cSld>
@@ -10506,7 +11572,7 @@
         <p:cNvPr id="1" name="">
           <a:extLst>
             <a:ext uri="{FF2B5EF4-FFF2-40B4-BE49-F238E27FC236}">
-              <a16:creationId xmlns:a16="http://schemas.microsoft.com/office/drawing/2014/main" id="{E1C9F56A-97FC-7CCD-E5BA-3B5E230AD9AB}"/>
+              <a16:creationId xmlns:a16="http://schemas.microsoft.com/office/drawing/2014/main" id="{909303A3-06E6-34F7-B874-005DDEA5EBF2}"/>
             </a:ext>
           </a:extLst>
         </p:cNvPr>
@@ -10526,7 +11592,7 @@
           <p:cNvPr id="2" name="Título 1">
             <a:extLst>
               <a:ext uri="{FF2B5EF4-FFF2-40B4-BE49-F238E27FC236}">
-                <a16:creationId xmlns:a16="http://schemas.microsoft.com/office/drawing/2014/main" id="{A979DAB9-0612-F0CD-7BB1-AF52B98B3210}"/>
+                <a16:creationId xmlns:a16="http://schemas.microsoft.com/office/drawing/2014/main" id="{E22A60F8-EF74-A809-4F5A-40F681134E32}"/>
               </a:ext>
             </a:extLst>
           </p:cNvPr>
@@ -10544,17 +11610,17 @@
           <a:p>
             <a:r>
               <a:rPr lang="pt-BR" noProof="0" dirty="0"/>
-              <a:t>Treinamento e otimização</a:t>
+              <a:t>Introdução</a:t>
             </a:r>
           </a:p>
         </p:txBody>
       </p:sp>
       <p:sp>
         <p:nvSpPr>
-          <p:cNvPr id="3" name="Espaço Reservado para Conteúdo 2">
-            <a:extLst>
-              <a:ext uri="{FF2B5EF4-FFF2-40B4-BE49-F238E27FC236}">
-                <a16:creationId xmlns:a16="http://schemas.microsoft.com/office/drawing/2014/main" id="{F22F88A5-87D1-340F-853F-8C2ED8F8C877}"/>
+          <p:cNvPr id="10" name="Espaço Reservado para Conteúdo 2">
+            <a:extLst>
+              <a:ext uri="{FF2B5EF4-FFF2-40B4-BE49-F238E27FC236}">
+                <a16:creationId xmlns:a16="http://schemas.microsoft.com/office/drawing/2014/main" id="{0EC89793-6B58-9F99-9DEE-ED8DEAF85910}"/>
               </a:ext>
             </a:extLst>
           </p:cNvPr>
@@ -10565,19 +11631,65 @@
             <p:ph idx="1"/>
           </p:nvPr>
         </p:nvSpPr>
-        <p:spPr/>
+        <p:spPr>
+          <a:xfrm>
+            <a:off x="838200" y="1825626"/>
+            <a:ext cx="11026992" cy="4380102"/>
+          </a:xfrm>
+        </p:spPr>
         <p:txBody>
-          <a:bodyPr/>
+          <a:bodyPr>
+            <a:noAutofit/>
+          </a:bodyPr>
           <a:lstStyle/>
           <a:p>
+            <a:pPr marL="0" indent="0">
+              <a:buNone/>
+            </a:pPr>
+            <a:r>
+              <a:rPr lang="pt-BR" dirty="0"/>
+              <a:t>Usando </a:t>
+            </a:r>
+            <a:r>
+              <a:rPr lang="en-US" i="1" noProof="0" dirty="0"/>
+              <a:t>fine-tuning</a:t>
+            </a:r>
+            <a:r>
+              <a:rPr lang="pt-BR" dirty="0"/>
+              <a:t> tradicional aplicados ao LLM, é possível:</a:t>
+            </a:r>
+          </a:p>
+          <a:p>
+            <a:r>
+              <a:rPr lang="pt-BR" dirty="0"/>
+              <a:t>Ajustar tons de resposta;</a:t>
+            </a:r>
             <a:endParaRPr lang="pt-BR" noProof="0" dirty="0"/>
+          </a:p>
+          <a:p>
+            <a:r>
+              <a:rPr lang="pt-BR" b="1" noProof="0" dirty="0"/>
+              <a:t>Especializar o modelo para aplicações específicas (jurídico, médico, financeiro, técnico, etc.);</a:t>
+            </a:r>
+          </a:p>
+          <a:p>
+            <a:r>
+              <a:rPr lang="pt-BR" b="1" noProof="0" dirty="0"/>
+              <a:t>Melhorar em tarefas específicas (refinado para classificação de texto, sumarização, geração de código, extração de entidades, tradução técnica, etc.);</a:t>
+            </a:r>
+          </a:p>
+          <a:p>
+            <a:r>
+              <a:rPr lang="pt-BR" b="1" dirty="0"/>
+              <a:t>Redução de Alucinação.</a:t>
+            </a:r>
           </a:p>
         </p:txBody>
       </p:sp>
     </p:spTree>
     <p:extLst>
       <p:ext uri="{BB962C8B-B14F-4D97-AF65-F5344CB8AC3E}">
-        <p14:creationId xmlns:p14="http://schemas.microsoft.com/office/powerpoint/2010/main" val="3906980817"/>
+        <p14:creationId xmlns:p14="http://schemas.microsoft.com/office/powerpoint/2010/main" val="3907419411"/>
       </p:ext>
     </p:extLst>
   </p:cSld>
@@ -10595,7 +11707,7 @@
         <p:cNvPr id="1" name="">
           <a:extLst>
             <a:ext uri="{FF2B5EF4-FFF2-40B4-BE49-F238E27FC236}">
-              <a16:creationId xmlns:a16="http://schemas.microsoft.com/office/drawing/2014/main" id="{B28A9759-CA4F-DA4F-85C2-F6E51DCED2D9}"/>
+              <a16:creationId xmlns:a16="http://schemas.microsoft.com/office/drawing/2014/main" id="{108F05F8-E0F4-B694-89AF-25CEBC3E9E93}"/>
             </a:ext>
           </a:extLst>
         </p:cNvPr>
@@ -10615,7 +11727,7 @@
           <p:cNvPr id="2" name="Título 1">
             <a:extLst>
               <a:ext uri="{FF2B5EF4-FFF2-40B4-BE49-F238E27FC236}">
-                <a16:creationId xmlns:a16="http://schemas.microsoft.com/office/drawing/2014/main" id="{072F732D-34CE-6153-324F-D7F6821577F0}"/>
+                <a16:creationId xmlns:a16="http://schemas.microsoft.com/office/drawing/2014/main" id="{7BB8657F-0472-84AE-2E0B-0CA821220AE7}"/>
               </a:ext>
             </a:extLst>
           </p:cNvPr>
@@ -10633,17 +11745,17 @@
           <a:p>
             <a:r>
               <a:rPr lang="pt-BR" noProof="0" dirty="0"/>
-              <a:t>Vantagens e desvantagens</a:t>
+              <a:t>Introdução</a:t>
             </a:r>
           </a:p>
         </p:txBody>
       </p:sp>
       <p:sp>
         <p:nvSpPr>
-          <p:cNvPr id="3" name="Espaço Reservado para Conteúdo 2">
-            <a:extLst>
-              <a:ext uri="{FF2B5EF4-FFF2-40B4-BE49-F238E27FC236}">
-                <a16:creationId xmlns:a16="http://schemas.microsoft.com/office/drawing/2014/main" id="{62A55622-8E11-E5D7-8EAF-7AE2CCAA3321}"/>
+          <p:cNvPr id="10" name="Espaço Reservado para Conteúdo 2">
+            <a:extLst>
+              <a:ext uri="{FF2B5EF4-FFF2-40B4-BE49-F238E27FC236}">
+                <a16:creationId xmlns:a16="http://schemas.microsoft.com/office/drawing/2014/main" id="{2B2EC955-EADB-ABD6-90C3-EC6DBB017DBE}"/>
               </a:ext>
             </a:extLst>
           </p:cNvPr>
@@ -10654,25 +11766,138 @@
             <p:ph idx="1"/>
           </p:nvPr>
         </p:nvSpPr>
-        <p:spPr/>
+        <p:spPr>
+          <a:xfrm>
+            <a:off x="838200" y="1825626"/>
+            <a:ext cx="11026992" cy="4380102"/>
+          </a:xfrm>
+        </p:spPr>
         <p:txBody>
-          <a:bodyPr/>
+          <a:bodyPr anchor="ctr">
+            <a:noAutofit/>
+          </a:bodyPr>
           <a:lstStyle/>
           <a:p>
-            <a:endParaRPr lang="pt-BR" noProof="0" dirty="0"/>
+            <a:pPr marL="0" indent="0" algn="ctr">
+              <a:buNone/>
+            </a:pPr>
+            <a:r>
+              <a:rPr lang="en-US" dirty="0"/>
+              <a:t>Só </a:t>
+            </a:r>
+            <a:r>
+              <a:rPr lang="en-US" dirty="0" err="1"/>
+              <a:t>que</a:t>
+            </a:r>
+            <a:r>
+              <a:rPr lang="en-US" dirty="0"/>
+              <a:t>…</a:t>
+            </a:r>
+          </a:p>
+          <a:p>
+            <a:pPr marL="0" indent="0" algn="ctr">
+              <a:buNone/>
+            </a:pPr>
+            <a:r>
+              <a:rPr lang="pt-BR" b="1" i="1" dirty="0"/>
+              <a:t>Ainda há limitações!</a:t>
+            </a:r>
+            <a:endParaRPr lang="pt-BR" b="1" dirty="0"/>
           </a:p>
         </p:txBody>
       </p:sp>
     </p:spTree>
     <p:extLst>
       <p:ext uri="{BB962C8B-B14F-4D97-AF65-F5344CB8AC3E}">
-        <p14:creationId xmlns:p14="http://schemas.microsoft.com/office/powerpoint/2010/main" val="1521811257"/>
+        <p14:creationId xmlns:p14="http://schemas.microsoft.com/office/powerpoint/2010/main" val="2785326954"/>
       </p:ext>
     </p:extLst>
   </p:cSld>
   <p:clrMapOvr>
     <a:masterClrMapping/>
   </p:clrMapOvr>
+  <p:timing>
+    <p:tnLst>
+      <p:par>
+        <p:cTn id="1" dur="indefinite" restart="never" nodeType="tmRoot">
+          <p:childTnLst>
+            <p:seq concurrent="1" nextAc="seek">
+              <p:cTn id="2" dur="indefinite" nodeType="mainSeq">
+                <p:childTnLst>
+                  <p:par>
+                    <p:cTn id="3" fill="hold">
+                      <p:stCondLst>
+                        <p:cond delay="indefinite"/>
+                      </p:stCondLst>
+                      <p:childTnLst>
+                        <p:par>
+                          <p:cTn id="4" fill="hold">
+                            <p:stCondLst>
+                              <p:cond delay="0"/>
+                            </p:stCondLst>
+                            <p:childTnLst>
+                              <p:par>
+                                <p:cTn id="5" presetID="1" presetClass="entr" presetSubtype="0" fill="hold" grpId="0" nodeType="clickEffect">
+                                  <p:stCondLst>
+                                    <p:cond delay="0"/>
+                                  </p:stCondLst>
+                                  <p:childTnLst>
+                                    <p:set>
+                                      <p:cBhvr>
+                                        <p:cTn id="6" dur="1" fill="hold">
+                                          <p:stCondLst>
+                                            <p:cond delay="0"/>
+                                          </p:stCondLst>
+                                        </p:cTn>
+                                        <p:tgtEl>
+                                          <p:spTgt spid="10">
+                                            <p:txEl>
+                                              <p:pRg st="1" end="1"/>
+                                            </p:txEl>
+                                          </p:spTgt>
+                                        </p:tgtEl>
+                                        <p:attrNameLst>
+                                          <p:attrName>style.visibility</p:attrName>
+                                        </p:attrNameLst>
+                                      </p:cBhvr>
+                                      <p:to>
+                                        <p:strVal val="visible"/>
+                                      </p:to>
+                                    </p:set>
+                                  </p:childTnLst>
+                                </p:cTn>
+                              </p:par>
+                            </p:childTnLst>
+                          </p:cTn>
+                        </p:par>
+                      </p:childTnLst>
+                    </p:cTn>
+                  </p:par>
+                </p:childTnLst>
+              </p:cTn>
+              <p:prevCondLst>
+                <p:cond evt="onPrev" delay="0">
+                  <p:tgtEl>
+                    <p:sldTgt/>
+                  </p:tgtEl>
+                </p:cond>
+              </p:prevCondLst>
+              <p:nextCondLst>
+                <p:cond evt="onNext" delay="0">
+                  <p:tgtEl>
+                    <p:sldTgt/>
+                  </p:tgtEl>
+                </p:cond>
+              </p:nextCondLst>
+            </p:seq>
+          </p:childTnLst>
+        </p:cTn>
+      </p:par>
+    </p:tnLst>
+    <p:bldLst>
+      <p:bldP spid="10" grpId="0" uiExpand="1" build="p"/>
+    </p:bldLst>
+  </p:timing>
 </p:sld>
 </file>
 
@@ -10681,7 +11906,13 @@
   <p:cSld>
     <p:spTree>
       <p:nvGrpSpPr>
-        <p:cNvPr id="1" name=""/>
+        <p:cNvPr id="1" name="">
+          <a:extLst>
+            <a:ext uri="{FF2B5EF4-FFF2-40B4-BE49-F238E27FC236}">
+              <a16:creationId xmlns:a16="http://schemas.microsoft.com/office/drawing/2014/main" id="{EE03AB94-BAD5-1674-6C72-D01461D8F822}"/>
+            </a:ext>
+          </a:extLst>
+        </p:cNvPr>
         <p:cNvGrpSpPr/>
         <p:nvPr/>
       </p:nvGrpSpPr>
@@ -10698,7 +11929,7 @@
           <p:cNvPr id="2" name="Título 1">
             <a:extLst>
               <a:ext uri="{FF2B5EF4-FFF2-40B4-BE49-F238E27FC236}">
-                <a16:creationId xmlns:a16="http://schemas.microsoft.com/office/drawing/2014/main" id="{B9E502FC-4440-F5DA-F299-69CD15E702AE}"/>
+                <a16:creationId xmlns:a16="http://schemas.microsoft.com/office/drawing/2014/main" id="{D55CC4CF-2333-C949-5C8D-D437ED4DBBDB}"/>
               </a:ext>
             </a:extLst>
           </p:cNvPr>
@@ -10716,25 +11947,17 @@
           <a:p>
             <a:r>
               <a:rPr lang="pt-BR" noProof="0" dirty="0"/>
-              <a:t>Exemplo(</a:t>
-            </a:r>
-            <a:r>
-              <a:rPr lang="pt-BR" noProof="0" dirty="0" err="1"/>
-              <a:t>s</a:t>
-            </a:r>
-            <a:r>
-              <a:rPr lang="pt-BR" noProof="0" dirty="0"/>
-              <a:t>) de aplicação</a:t>
+              <a:t>Introdução</a:t>
             </a:r>
           </a:p>
         </p:txBody>
       </p:sp>
       <p:sp>
         <p:nvSpPr>
-          <p:cNvPr id="3" name="Espaço Reservado para Conteúdo 2">
-            <a:extLst>
-              <a:ext uri="{FF2B5EF4-FFF2-40B4-BE49-F238E27FC236}">
-                <a16:creationId xmlns:a16="http://schemas.microsoft.com/office/drawing/2014/main" id="{69359096-6B47-BEA3-55AD-95F90CDC8489}"/>
+          <p:cNvPr id="10" name="Espaço Reservado para Conteúdo 2">
+            <a:extLst>
+              <a:ext uri="{FF2B5EF4-FFF2-40B4-BE49-F238E27FC236}">
+                <a16:creationId xmlns:a16="http://schemas.microsoft.com/office/drawing/2014/main" id="{31D02892-EA90-EAC3-FF34-601DDA31866C}"/>
               </a:ext>
             </a:extLst>
           </p:cNvPr>
@@ -10745,19 +11968,290 @@
             <p:ph idx="1"/>
           </p:nvPr>
         </p:nvSpPr>
-        <p:spPr/>
+        <p:spPr>
+          <a:xfrm>
+            <a:off x="838200" y="1825626"/>
+            <a:ext cx="11026992" cy="4380102"/>
+          </a:xfrm>
+        </p:spPr>
         <p:txBody>
-          <a:bodyPr/>
+          <a:bodyPr>
+            <a:noAutofit/>
+          </a:bodyPr>
           <a:lstStyle/>
           <a:p>
-            <a:endParaRPr lang="pt-BR" noProof="0" dirty="0"/>
+            <a:pPr marL="0" indent="0">
+              <a:buNone/>
+            </a:pPr>
+            <a:r>
+              <a:rPr lang="en-US" b="1" dirty="0"/>
+              <a:t>No </a:t>
+            </a:r>
+            <a:r>
+              <a:rPr lang="en-US" b="1" i="1" dirty="0"/>
+              <a:t>fine-tuning</a:t>
+            </a:r>
+            <a:r>
+              <a:rPr lang="en-US" b="1" dirty="0"/>
+              <a:t> </a:t>
+            </a:r>
+            <a:r>
+              <a:rPr lang="en-US" b="1" dirty="0" err="1"/>
+              <a:t>tradicional</a:t>
+            </a:r>
+            <a:r>
+              <a:rPr lang="en-US" b="1" dirty="0"/>
+              <a:t>:</a:t>
+            </a:r>
+          </a:p>
+          <a:p>
+            <a:r>
+              <a:rPr lang="en-US" dirty="0" err="1"/>
+              <a:t>É</a:t>
+            </a:r>
+            <a:r>
+              <a:rPr lang="en-US" dirty="0"/>
+              <a:t> </a:t>
+            </a:r>
+            <a:r>
+              <a:rPr lang="en-US" dirty="0" err="1"/>
+              <a:t>preciso</a:t>
+            </a:r>
+            <a:r>
+              <a:rPr lang="en-US" dirty="0"/>
+              <a:t> </a:t>
+            </a:r>
+            <a:r>
+              <a:rPr lang="en-US" dirty="0" err="1"/>
+              <a:t>atualizar</a:t>
+            </a:r>
+            <a:r>
+              <a:rPr lang="en-US" dirty="0"/>
+              <a:t> </a:t>
+            </a:r>
+            <a:r>
+              <a:rPr lang="en-US" dirty="0" err="1"/>
+              <a:t>quase</a:t>
+            </a:r>
+            <a:r>
+              <a:rPr lang="en-US" dirty="0"/>
+              <a:t> </a:t>
+            </a:r>
+            <a:r>
+              <a:rPr lang="en-US" dirty="0" err="1"/>
+              <a:t>todos</a:t>
+            </a:r>
+            <a:r>
+              <a:rPr lang="en-US" dirty="0"/>
+              <a:t> esses </a:t>
+            </a:r>
+            <a:r>
+              <a:rPr lang="en-US" dirty="0" err="1"/>
+              <a:t>parâmetros</a:t>
+            </a:r>
+            <a:endParaRPr lang="en-US" dirty="0"/>
+          </a:p>
+          <a:p>
+            <a:pPr marL="457200" lvl="1" indent="0">
+              <a:buNone/>
+            </a:pPr>
+            <a:r>
+              <a:rPr lang="en-US" dirty="0" err="1"/>
+              <a:t>Requer</a:t>
+            </a:r>
+            <a:r>
+              <a:rPr lang="en-US" dirty="0"/>
+              <a:t> </a:t>
+            </a:r>
+            <a:r>
+              <a:rPr lang="en-US" b="1" dirty="0"/>
+              <a:t>re-</a:t>
+            </a:r>
+            <a:r>
+              <a:rPr lang="en-US" b="1" dirty="0" err="1"/>
+              <a:t>treinar</a:t>
+            </a:r>
+            <a:r>
+              <a:rPr lang="en-US" b="1" dirty="0"/>
+              <a:t> </a:t>
+            </a:r>
+            <a:r>
+              <a:rPr lang="en-US" b="1" dirty="0" err="1"/>
+              <a:t>todos</a:t>
+            </a:r>
+            <a:r>
+              <a:rPr lang="en-US" b="1" dirty="0"/>
+              <a:t> </a:t>
+            </a:r>
+            <a:r>
+              <a:rPr lang="en-US" b="1" dirty="0" err="1"/>
+              <a:t>os</a:t>
+            </a:r>
+            <a:r>
+              <a:rPr lang="en-US" b="1" dirty="0"/>
+              <a:t> </a:t>
+            </a:r>
+            <a:r>
+              <a:rPr lang="en-US" b="1" dirty="0" err="1"/>
+              <a:t>parâmetros</a:t>
+            </a:r>
+            <a:r>
+              <a:rPr lang="en-US" dirty="0"/>
+              <a:t> do </a:t>
+            </a:r>
+            <a:r>
+              <a:rPr lang="en-US" dirty="0" err="1"/>
+              <a:t>modelo</a:t>
+            </a:r>
+            <a:r>
+              <a:rPr lang="en-US" dirty="0"/>
+              <a:t> (</a:t>
+            </a:r>
+            <a:r>
+              <a:rPr lang="en-US" dirty="0" err="1"/>
+              <a:t>milhões</a:t>
+            </a:r>
+            <a:r>
+              <a:rPr lang="en-US" dirty="0"/>
+              <a:t> </a:t>
+            </a:r>
+            <a:r>
+              <a:rPr lang="en-US" dirty="0" err="1"/>
+              <a:t>ou</a:t>
+            </a:r>
+            <a:r>
+              <a:rPr lang="en-US" dirty="0"/>
+              <a:t> </a:t>
+            </a:r>
+            <a:r>
+              <a:rPr lang="en-US" dirty="0" err="1"/>
+              <a:t>bilhões</a:t>
+            </a:r>
+            <a:r>
+              <a:rPr lang="en-US" dirty="0"/>
+              <a:t>).</a:t>
+            </a:r>
+          </a:p>
+          <a:p>
+            <a:r>
+              <a:rPr lang="en-US" dirty="0"/>
+              <a:t>Risco de </a:t>
+            </a:r>
+            <a:r>
+              <a:rPr lang="en-US" i="1" dirty="0"/>
+              <a:t>Overfitting</a:t>
+            </a:r>
+          </a:p>
+          <a:p>
+            <a:pPr marL="457200" lvl="1" indent="0">
+              <a:buNone/>
+            </a:pPr>
+            <a:r>
+              <a:rPr lang="en-US" dirty="0"/>
+              <a:t>Como </a:t>
+            </a:r>
+            <a:r>
+              <a:rPr lang="en-US" dirty="0" err="1"/>
+              <a:t>todos</a:t>
+            </a:r>
+            <a:r>
+              <a:rPr lang="en-US" dirty="0"/>
+              <a:t> </a:t>
+            </a:r>
+            <a:r>
+              <a:rPr lang="en-US" dirty="0" err="1"/>
+              <a:t>os</a:t>
+            </a:r>
+            <a:r>
+              <a:rPr lang="en-US" dirty="0"/>
+              <a:t> pesos </a:t>
+            </a:r>
+            <a:r>
+              <a:rPr lang="en-US" dirty="0" err="1"/>
+              <a:t>mudam</a:t>
+            </a:r>
+            <a:r>
+              <a:rPr lang="en-US" dirty="0"/>
+              <a:t>, o </a:t>
+            </a:r>
+            <a:r>
+              <a:rPr lang="en-US" dirty="0" err="1"/>
+              <a:t>modelo</a:t>
+            </a:r>
+            <a:r>
+              <a:rPr lang="en-US" dirty="0"/>
+              <a:t> </a:t>
+            </a:r>
+            <a:r>
+              <a:rPr lang="en-US" dirty="0" err="1"/>
+              <a:t>pode</a:t>
+            </a:r>
+            <a:r>
+              <a:rPr lang="en-US" dirty="0"/>
+              <a:t> </a:t>
+            </a:r>
+            <a:r>
+              <a:rPr lang="en-US" dirty="0" err="1"/>
+              <a:t>perder</a:t>
+            </a:r>
+            <a:r>
+              <a:rPr lang="en-US" dirty="0"/>
+              <a:t> </a:t>
+            </a:r>
+            <a:r>
+              <a:rPr lang="en-US" dirty="0" err="1"/>
+              <a:t>parte</a:t>
+            </a:r>
+            <a:r>
+              <a:rPr lang="en-US" dirty="0"/>
+              <a:t> do </a:t>
+            </a:r>
+            <a:r>
+              <a:rPr lang="en-US" dirty="0" err="1"/>
+              <a:t>conhecimento</a:t>
+            </a:r>
+            <a:r>
+              <a:rPr lang="en-US" dirty="0"/>
+              <a:t> </a:t>
+            </a:r>
+            <a:r>
+              <a:rPr lang="en-US" dirty="0" err="1"/>
+              <a:t>geral</a:t>
+            </a:r>
+            <a:r>
+              <a:rPr lang="en-US" dirty="0"/>
+              <a:t> </a:t>
+            </a:r>
+            <a:r>
+              <a:rPr lang="en-US" dirty="0" err="1"/>
+              <a:t>aprendido</a:t>
+            </a:r>
+            <a:r>
+              <a:rPr lang="en-US" dirty="0"/>
+              <a:t> no </a:t>
+            </a:r>
+            <a:r>
+              <a:rPr lang="en-US" dirty="0" err="1"/>
+              <a:t>pré-treinamento</a:t>
+            </a:r>
+            <a:r>
+              <a:rPr lang="en-US" dirty="0"/>
+              <a:t> (catastrophic forgetting).</a:t>
+            </a:r>
+            <a:endParaRPr lang="en-US" i="1" dirty="0"/>
+          </a:p>
+          <a:p>
+            <a:endParaRPr lang="en-US" i="1" dirty="0"/>
+          </a:p>
+          <a:p>
+            <a:endParaRPr lang="pt-BR" dirty="0"/>
           </a:p>
         </p:txBody>
       </p:sp>
     </p:spTree>
     <p:extLst>
       <p:ext uri="{BB962C8B-B14F-4D97-AF65-F5344CB8AC3E}">
-        <p14:creationId xmlns:p14="http://schemas.microsoft.com/office/powerpoint/2010/main" val="1532530965"/>
+        <p14:creationId xmlns:p14="http://schemas.microsoft.com/office/powerpoint/2010/main" val="3732290519"/>
       </p:ext>
     </p:extLst>
   </p:cSld>
@@ -10772,7 +12266,13 @@
   <p:cSld>
     <p:spTree>
       <p:nvGrpSpPr>
-        <p:cNvPr id="1" name=""/>
+        <p:cNvPr id="1" name="">
+          <a:extLst>
+            <a:ext uri="{FF2B5EF4-FFF2-40B4-BE49-F238E27FC236}">
+              <a16:creationId xmlns:a16="http://schemas.microsoft.com/office/drawing/2014/main" id="{883C8E64-9726-81F7-1C6F-4B5DA02F538B}"/>
+            </a:ext>
+          </a:extLst>
+        </p:cNvPr>
         <p:cNvGrpSpPr/>
         <p:nvPr/>
       </p:nvGrpSpPr>
@@ -10789,7 +12289,7 @@
           <p:cNvPr id="2" name="Título 1">
             <a:extLst>
               <a:ext uri="{FF2B5EF4-FFF2-40B4-BE49-F238E27FC236}">
-                <a16:creationId xmlns:a16="http://schemas.microsoft.com/office/drawing/2014/main" id="{B7EBC8F7-03EF-338A-A90B-280A41AF9688}"/>
+                <a16:creationId xmlns:a16="http://schemas.microsoft.com/office/drawing/2014/main" id="{AE880DF8-A183-7209-6090-C269EFFD4BD7}"/>
               </a:ext>
             </a:extLst>
           </p:cNvPr>
@@ -10807,17 +12307,17 @@
           <a:p>
             <a:r>
               <a:rPr lang="pt-BR" noProof="0" dirty="0"/>
-              <a:t>Comparação com outros algoritmos</a:t>
+              <a:t>Introdução</a:t>
             </a:r>
           </a:p>
         </p:txBody>
       </p:sp>
       <p:sp>
         <p:nvSpPr>
-          <p:cNvPr id="3" name="Espaço Reservado para Conteúdo 2">
-            <a:extLst>
-              <a:ext uri="{FF2B5EF4-FFF2-40B4-BE49-F238E27FC236}">
-                <a16:creationId xmlns:a16="http://schemas.microsoft.com/office/drawing/2014/main" id="{C525BCE7-C19D-7DDA-016A-E3016C398CBA}"/>
+          <p:cNvPr id="10" name="Espaço Reservado para Conteúdo 2">
+            <a:extLst>
+              <a:ext uri="{FF2B5EF4-FFF2-40B4-BE49-F238E27FC236}">
+                <a16:creationId xmlns:a16="http://schemas.microsoft.com/office/drawing/2014/main" id="{69A58AF7-3AA8-D640-2B3C-EACCA40F9C82}"/>
               </a:ext>
             </a:extLst>
           </p:cNvPr>
@@ -10828,19 +12328,389 @@
             <p:ph idx="1"/>
           </p:nvPr>
         </p:nvSpPr>
-        <p:spPr/>
+        <p:spPr>
+          <a:xfrm>
+            <a:off x="838200" y="1825626"/>
+            <a:ext cx="11026992" cy="4380102"/>
+          </a:xfrm>
+        </p:spPr>
         <p:txBody>
-          <a:bodyPr/>
+          <a:bodyPr>
+            <a:noAutofit/>
+          </a:bodyPr>
           <a:lstStyle/>
           <a:p>
-            <a:endParaRPr lang="pt-BR" noProof="0" dirty="0"/>
+            <a:pPr marL="0" indent="0">
+              <a:buNone/>
+            </a:pPr>
+            <a:r>
+              <a:rPr lang="en-US" b="1" dirty="0"/>
+              <a:t>No </a:t>
+            </a:r>
+            <a:r>
+              <a:rPr lang="en-US" b="1" i="1" dirty="0"/>
+              <a:t>fine-tuning</a:t>
+            </a:r>
+            <a:r>
+              <a:rPr lang="en-US" b="1" dirty="0"/>
+              <a:t> </a:t>
+            </a:r>
+            <a:r>
+              <a:rPr lang="en-US" b="1" dirty="0" err="1"/>
+              <a:t>tradicional</a:t>
+            </a:r>
+            <a:r>
+              <a:rPr lang="en-US" b="1" dirty="0"/>
+              <a:t>:</a:t>
+            </a:r>
+          </a:p>
+          <a:p>
+            <a:r>
+              <a:rPr lang="en-US" dirty="0"/>
+              <a:t>Baixa </a:t>
+            </a:r>
+            <a:r>
+              <a:rPr lang="en-US" dirty="0" err="1"/>
+              <a:t>Reusabilidade</a:t>
+            </a:r>
+            <a:endParaRPr lang="en-US" dirty="0"/>
+          </a:p>
+          <a:p>
+            <a:pPr marL="457200" lvl="1" indent="0">
+              <a:buNone/>
+            </a:pPr>
+            <a:r>
+              <a:rPr lang="en-US" dirty="0"/>
+              <a:t>Se </a:t>
+            </a:r>
+            <a:r>
+              <a:rPr lang="en-US" dirty="0" err="1"/>
+              <a:t>você</a:t>
+            </a:r>
+            <a:r>
+              <a:rPr lang="en-US" dirty="0"/>
+              <a:t> </a:t>
+            </a:r>
+            <a:r>
+              <a:rPr lang="en-US" dirty="0" err="1"/>
+              <a:t>fizer</a:t>
+            </a:r>
+            <a:r>
+              <a:rPr lang="en-US" dirty="0"/>
+              <a:t> </a:t>
+            </a:r>
+            <a:r>
+              <a:rPr lang="en-US" i="1" dirty="0"/>
+              <a:t>fine-tuning</a:t>
+            </a:r>
+            <a:r>
+              <a:rPr lang="en-US" dirty="0"/>
+              <a:t> para </a:t>
+            </a:r>
+            <a:r>
+              <a:rPr lang="en-US" dirty="0" err="1"/>
+              <a:t>jurídico</a:t>
+            </a:r>
+            <a:r>
+              <a:rPr lang="en-US" dirty="0"/>
+              <a:t> e </a:t>
+            </a:r>
+            <a:r>
+              <a:rPr lang="en-US" dirty="0" err="1"/>
+              <a:t>depois</a:t>
+            </a:r>
+            <a:r>
+              <a:rPr lang="en-US" dirty="0"/>
+              <a:t> </a:t>
+            </a:r>
+            <a:r>
+              <a:rPr lang="en-US" dirty="0" err="1"/>
+              <a:t>quiser</a:t>
+            </a:r>
+            <a:r>
+              <a:rPr lang="en-US" dirty="0"/>
+              <a:t> um para </a:t>
+            </a:r>
+            <a:r>
+              <a:rPr lang="en-US" dirty="0" err="1"/>
+              <a:t>saúde</a:t>
+            </a:r>
+            <a:r>
+              <a:rPr lang="en-US" dirty="0"/>
+              <a:t>, </a:t>
+            </a:r>
+            <a:r>
+              <a:rPr lang="en-US" dirty="0" err="1"/>
+              <a:t>precisa</a:t>
+            </a:r>
+            <a:r>
+              <a:rPr lang="en-US" dirty="0"/>
+              <a:t> </a:t>
+            </a:r>
+            <a:r>
+              <a:rPr lang="en-US" dirty="0" err="1"/>
+              <a:t>guardar</a:t>
+            </a:r>
+            <a:r>
+              <a:rPr lang="en-US" dirty="0"/>
+              <a:t> </a:t>
+            </a:r>
+            <a:r>
+              <a:rPr lang="en-US" dirty="0" err="1"/>
+              <a:t>dois</a:t>
+            </a:r>
+            <a:r>
+              <a:rPr lang="en-US" dirty="0"/>
+              <a:t> </a:t>
+            </a:r>
+            <a:r>
+              <a:rPr lang="en-US" dirty="0" err="1"/>
+              <a:t>modelos</a:t>
+            </a:r>
+            <a:r>
+              <a:rPr lang="en-US" dirty="0"/>
+              <a:t> </a:t>
+            </a:r>
+            <a:r>
+              <a:rPr lang="en-US" dirty="0" err="1"/>
+              <a:t>inteiros</a:t>
+            </a:r>
+            <a:r>
+              <a:rPr lang="en-US" dirty="0"/>
+              <a:t> (</a:t>
+            </a:r>
+            <a:r>
+              <a:rPr lang="en-US" dirty="0" err="1"/>
+              <a:t>vários</a:t>
+            </a:r>
+            <a:r>
+              <a:rPr lang="en-US" dirty="0"/>
+              <a:t> GB </a:t>
+            </a:r>
+            <a:r>
+              <a:rPr lang="en-US" dirty="0" err="1"/>
+              <a:t>cada</a:t>
+            </a:r>
+            <a:r>
+              <a:rPr lang="en-US" dirty="0"/>
+              <a:t>) e </a:t>
+            </a:r>
+            <a:r>
+              <a:rPr lang="en-US" b="1" dirty="0" err="1"/>
+              <a:t>não</a:t>
+            </a:r>
+            <a:r>
+              <a:rPr lang="en-US" b="1" dirty="0"/>
+              <a:t> </a:t>
+            </a:r>
+            <a:r>
+              <a:rPr lang="en-US" b="1" dirty="0" err="1"/>
+              <a:t>dá</a:t>
+            </a:r>
+            <a:r>
+              <a:rPr lang="en-US" b="1" dirty="0"/>
+              <a:t> para </a:t>
+            </a:r>
+            <a:r>
+              <a:rPr lang="en-US" b="1" dirty="0" err="1"/>
+              <a:t>compartilhar</a:t>
+            </a:r>
+            <a:r>
+              <a:rPr lang="en-US" b="1" dirty="0"/>
+              <a:t> </a:t>
+            </a:r>
+            <a:r>
+              <a:rPr lang="en-US" b="1" dirty="0" err="1"/>
+              <a:t>só</a:t>
+            </a:r>
+            <a:r>
+              <a:rPr lang="en-US" b="1" dirty="0"/>
+              <a:t> o “</a:t>
+            </a:r>
+            <a:r>
+              <a:rPr lang="en-US" b="1" dirty="0" err="1"/>
+              <a:t>ajuste</a:t>
+            </a:r>
+            <a:r>
+              <a:rPr lang="en-US" b="1" dirty="0"/>
+              <a:t>”, </a:t>
+            </a:r>
+            <a:r>
+              <a:rPr lang="en-US" b="1" dirty="0" err="1"/>
+              <a:t>você</a:t>
+            </a:r>
+            <a:r>
+              <a:rPr lang="en-US" b="1" dirty="0"/>
+              <a:t> </a:t>
+            </a:r>
+            <a:r>
+              <a:rPr lang="en-US" b="1" dirty="0" err="1"/>
+              <a:t>precisa</a:t>
+            </a:r>
+            <a:r>
+              <a:rPr lang="en-US" b="1" dirty="0"/>
+              <a:t> </a:t>
+            </a:r>
+            <a:r>
+              <a:rPr lang="en-US" b="1" dirty="0" err="1"/>
+              <a:t>compartilhar</a:t>
+            </a:r>
+            <a:r>
+              <a:rPr lang="en-US" b="1" dirty="0"/>
+              <a:t> </a:t>
+            </a:r>
+            <a:r>
+              <a:rPr lang="en-US" b="1" dirty="0" err="1"/>
+              <a:t>tudo</a:t>
+            </a:r>
+            <a:r>
+              <a:rPr lang="en-US" dirty="0"/>
+              <a:t>.</a:t>
+            </a:r>
+            <a:endParaRPr lang="en-US" sz="2400" dirty="0"/>
+          </a:p>
+          <a:p>
+            <a:r>
+              <a:rPr lang="en-US" dirty="0" err="1"/>
+              <a:t>Escalabilidade</a:t>
+            </a:r>
+            <a:r>
+              <a:rPr lang="en-US" dirty="0"/>
+              <a:t> </a:t>
+            </a:r>
+            <a:r>
+              <a:rPr lang="en-US" dirty="0" err="1"/>
+              <a:t>Ruim</a:t>
+            </a:r>
+            <a:endParaRPr lang="en-US" dirty="0"/>
+          </a:p>
+          <a:p>
+            <a:pPr marL="457200" lvl="1" indent="0">
+              <a:buNone/>
+            </a:pPr>
+            <a:r>
+              <a:rPr lang="en-US" dirty="0" err="1"/>
+              <a:t>Domínio</a:t>
+            </a:r>
+            <a:r>
+              <a:rPr lang="en-US" dirty="0"/>
+              <a:t> </a:t>
+            </a:r>
+            <a:r>
+              <a:rPr lang="en-US" dirty="0" err="1"/>
+              <a:t>jurídico</a:t>
+            </a:r>
+            <a:r>
+              <a:rPr lang="en-US" dirty="0"/>
+              <a:t> → 1 </a:t>
+            </a:r>
+            <a:r>
+              <a:rPr lang="en-US" dirty="0" err="1"/>
+              <a:t>modelo</a:t>
+            </a:r>
+            <a:r>
+              <a:rPr lang="en-US" dirty="0"/>
+              <a:t> </a:t>
+            </a:r>
+            <a:r>
+              <a:rPr lang="en-US" dirty="0" err="1"/>
+              <a:t>completo</a:t>
+            </a:r>
+            <a:r>
+              <a:rPr lang="en-US" dirty="0"/>
+              <a:t>.</a:t>
+            </a:r>
+          </a:p>
+          <a:p>
+            <a:pPr marL="457200" lvl="1" indent="0">
+              <a:buNone/>
+            </a:pPr>
+            <a:r>
+              <a:rPr lang="en-US" dirty="0" err="1"/>
+              <a:t>Domínio</a:t>
+            </a:r>
+            <a:r>
+              <a:rPr lang="en-US" dirty="0"/>
+              <a:t> </a:t>
+            </a:r>
+            <a:r>
+              <a:rPr lang="en-US" dirty="0" err="1"/>
+              <a:t>médico</a:t>
+            </a:r>
+            <a:r>
+              <a:rPr lang="en-US" dirty="0"/>
+              <a:t> → outro </a:t>
+            </a:r>
+            <a:r>
+              <a:rPr lang="en-US" dirty="0" err="1"/>
+              <a:t>modelo</a:t>
+            </a:r>
+            <a:r>
+              <a:rPr lang="en-US" dirty="0"/>
+              <a:t> </a:t>
+            </a:r>
+            <a:r>
+              <a:rPr lang="en-US" dirty="0" err="1"/>
+              <a:t>completo</a:t>
+            </a:r>
+            <a:r>
+              <a:rPr lang="en-US" dirty="0"/>
+              <a:t>.</a:t>
+            </a:r>
+          </a:p>
+          <a:p>
+            <a:pPr marL="457200" lvl="1" indent="0">
+              <a:buNone/>
+            </a:pPr>
+            <a:r>
+              <a:rPr lang="en-US" dirty="0" err="1"/>
+              <a:t>Domínio</a:t>
+            </a:r>
+            <a:r>
+              <a:rPr lang="en-US" dirty="0"/>
+              <a:t> </a:t>
+            </a:r>
+            <a:r>
+              <a:rPr lang="en-US" dirty="0" err="1"/>
+              <a:t>financeiro</a:t>
+            </a:r>
+            <a:r>
+              <a:rPr lang="en-US" dirty="0"/>
+              <a:t> → outro </a:t>
+            </a:r>
+            <a:r>
+              <a:rPr lang="en-US" dirty="0" err="1"/>
+              <a:t>modelo</a:t>
+            </a:r>
+            <a:r>
+              <a:rPr lang="en-US" dirty="0"/>
+              <a:t> </a:t>
+            </a:r>
+            <a:r>
+              <a:rPr lang="en-US" dirty="0" err="1"/>
+              <a:t>completo</a:t>
+            </a:r>
+            <a:r>
+              <a:rPr lang="en-US" dirty="0"/>
+              <a:t>.</a:t>
+            </a:r>
+          </a:p>
+          <a:p>
+            <a:pPr lvl="1"/>
+            <a:endParaRPr lang="en-US" i="1" dirty="0"/>
+          </a:p>
+          <a:p>
+            <a:endParaRPr lang="en-US" i="1" dirty="0"/>
+          </a:p>
+          <a:p>
+            <a:endParaRPr lang="pt-BR" dirty="0"/>
           </a:p>
         </p:txBody>
       </p:sp>
     </p:spTree>
     <p:extLst>
       <p:ext uri="{BB962C8B-B14F-4D97-AF65-F5344CB8AC3E}">
-        <p14:creationId xmlns:p14="http://schemas.microsoft.com/office/powerpoint/2010/main" val="3601469261"/>
+        <p14:creationId xmlns:p14="http://schemas.microsoft.com/office/powerpoint/2010/main" val="2977455347"/>
       </p:ext>
     </p:extLst>
   </p:cSld>
@@ -10855,7 +12725,13 @@
   <p:cSld>
     <p:spTree>
       <p:nvGrpSpPr>
-        <p:cNvPr id="1" name=""/>
+        <p:cNvPr id="1" name="">
+          <a:extLst>
+            <a:ext uri="{FF2B5EF4-FFF2-40B4-BE49-F238E27FC236}">
+              <a16:creationId xmlns:a16="http://schemas.microsoft.com/office/drawing/2014/main" id="{12DE57CD-1436-A300-A0A4-548A0F0A4655}"/>
+            </a:ext>
+          </a:extLst>
+        </p:cNvPr>
         <p:cNvGrpSpPr/>
         <p:nvPr/>
       </p:nvGrpSpPr>
@@ -10869,64 +12745,173 @@
       </p:grpSpPr>
       <p:sp>
         <p:nvSpPr>
-          <p:cNvPr id="4" name="Título 1">
-            <a:extLst>
-              <a:ext uri="{FF2B5EF4-FFF2-40B4-BE49-F238E27FC236}">
-                <a16:creationId xmlns:a16="http://schemas.microsoft.com/office/drawing/2014/main" id="{32666AC8-2E17-4DB4-B0F5-60C640CCFD2E}"/>
-              </a:ext>
-            </a:extLst>
-          </p:cNvPr>
-          <p:cNvSpPr txBox="1">
-            <a:spLocks/>
+          <p:cNvPr id="2" name="Título 1">
+            <a:extLst>
+              <a:ext uri="{FF2B5EF4-FFF2-40B4-BE49-F238E27FC236}">
+                <a16:creationId xmlns:a16="http://schemas.microsoft.com/office/drawing/2014/main" id="{B3D50217-F013-E38F-CEE5-38DF6D722215}"/>
+              </a:ext>
+            </a:extLst>
+          </p:cNvPr>
+          <p:cNvSpPr>
+            <a:spLocks noGrp="1"/>
           </p:cNvSpPr>
-          <p:nvPr/>
+          <p:nvPr>
+            <p:ph type="title"/>
+          </p:nvPr>
+        </p:nvSpPr>
+        <p:spPr/>
+        <p:txBody>
+          <a:bodyPr/>
+          <a:lstStyle/>
+          <a:p>
+            <a:r>
+              <a:rPr lang="pt-BR" noProof="0" dirty="0"/>
+              <a:t>Introdução</a:t>
+            </a:r>
+          </a:p>
+        </p:txBody>
+      </p:sp>
+      <p:sp>
+        <p:nvSpPr>
+          <p:cNvPr id="10" name="Espaço Reservado para Conteúdo 2">
+            <a:extLst>
+              <a:ext uri="{FF2B5EF4-FFF2-40B4-BE49-F238E27FC236}">
+                <a16:creationId xmlns:a16="http://schemas.microsoft.com/office/drawing/2014/main" id="{61883EDB-19F5-D796-E345-703430853DEB}"/>
+              </a:ext>
+            </a:extLst>
+          </p:cNvPr>
+          <p:cNvSpPr>
+            <a:spLocks noGrp="1"/>
+          </p:cNvSpPr>
+          <p:nvPr>
+            <p:ph idx="1"/>
+          </p:nvPr>
         </p:nvSpPr>
         <p:spPr>
           <a:xfrm>
-            <a:off x="1431533" y="2720526"/>
-            <a:ext cx="9144000" cy="1029541"/>
+            <a:off x="838200" y="1430528"/>
+            <a:ext cx="5867400" cy="4642104"/>
+          </a:xfrm>
+        </p:spPr>
+        <p:txBody>
+          <a:bodyPr anchor="ctr">
+            <a:noAutofit/>
+          </a:bodyPr>
+          <a:lstStyle/>
+          <a:p>
+            <a:pPr marL="0" indent="0" algn="just">
+              <a:buNone/>
+            </a:pPr>
+            <a:r>
+              <a:rPr lang="pt-BR" noProof="0" dirty="0"/>
+              <a:t>Então Hu et al. propuseram </a:t>
+            </a:r>
+            <a:r>
+              <a:rPr lang="pt-BR" dirty="0"/>
+              <a:t>uma nova abordagem de </a:t>
+            </a:r>
+            <a:r>
+              <a:rPr lang="pt-BR" i="1" dirty="0"/>
+              <a:t>fine-</a:t>
+            </a:r>
+            <a:r>
+              <a:rPr lang="pt-BR" i="1" dirty="0" err="1"/>
+              <a:t>tuning</a:t>
+            </a:r>
+            <a:r>
+              <a:rPr lang="pt-BR" i="1" dirty="0"/>
+              <a:t> </a:t>
+            </a:r>
+            <a:r>
+              <a:rPr lang="pt-BR" dirty="0"/>
+              <a:t>chamado </a:t>
+            </a:r>
+            <a:r>
+              <a:rPr lang="pt-BR" dirty="0" err="1"/>
+              <a:t>Low</a:t>
+            </a:r>
+            <a:r>
+              <a:rPr lang="pt-BR" dirty="0"/>
+              <a:t>-Rank (</a:t>
+            </a:r>
+            <a:r>
+              <a:rPr lang="pt-BR" dirty="0" err="1"/>
+              <a:t>LoRA</a:t>
+            </a:r>
+            <a:r>
+              <a:rPr lang="pt-BR" dirty="0"/>
+              <a:t>).</a:t>
+            </a:r>
+          </a:p>
+          <a:p>
+            <a:pPr marL="0" indent="0" algn="just">
+              <a:buNone/>
+            </a:pPr>
+            <a:r>
+              <a:rPr lang="pt-BR" dirty="0"/>
+              <a:t>A partir do congelamento de modelos </a:t>
+            </a:r>
+            <a:r>
+              <a:rPr lang="pt-BR" dirty="0" err="1"/>
+              <a:t>pré</a:t>
+            </a:r>
+            <a:r>
+              <a:rPr lang="pt-BR" dirty="0"/>
+              <a:t>-treinados e injeção de </a:t>
+            </a:r>
+            <a:r>
+              <a:rPr lang="pt-BR" i="1" dirty="0"/>
+              <a:t>ranks</a:t>
+            </a:r>
+            <a:r>
+              <a:rPr lang="pt-BR" dirty="0"/>
+              <a:t> em cada camada da arquitetura </a:t>
+            </a:r>
+            <a:r>
+              <a:rPr lang="pt-BR" i="1" dirty="0" err="1"/>
+              <a:t>Transformer</a:t>
+            </a:r>
+            <a:r>
+              <a:rPr lang="pt-BR" dirty="0"/>
+              <a:t>.</a:t>
+            </a:r>
+          </a:p>
+        </p:txBody>
+      </p:sp>
+      <p:pic>
+        <p:nvPicPr>
+          <p:cNvPr id="4" name="Picture 3">
+            <a:extLst>
+              <a:ext uri="{FF2B5EF4-FFF2-40B4-BE49-F238E27FC236}">
+                <a16:creationId xmlns:a16="http://schemas.microsoft.com/office/drawing/2014/main" id="{906CEDA4-3665-31BC-B462-5126CDB9480C}"/>
+              </a:ext>
+            </a:extLst>
+          </p:cNvPr>
+          <p:cNvPicPr>
+            <a:picLocks noChangeAspect="1"/>
+          </p:cNvPicPr>
+          <p:nvPr/>
+        </p:nvPicPr>
+        <p:blipFill>
+          <a:blip r:embed="rId3"/>
+          <a:stretch>
+            <a:fillRect/>
+          </a:stretch>
+        </p:blipFill>
+        <p:spPr>
+          <a:xfrm>
+            <a:off x="6674238" y="1430528"/>
+            <a:ext cx="5160637" cy="4642104"/>
           </a:xfrm>
           <a:prstGeom prst="rect">
             <a:avLst/>
           </a:prstGeom>
         </p:spPr>
-        <p:txBody>
-          <a:bodyPr vert="horz" lIns="91440" tIns="45720" rIns="91440" bIns="45720" rtlCol="0" anchor="ctr">
-            <a:normAutofit/>
-          </a:bodyPr>
-          <a:lstStyle>
-            <a:lvl1pPr algn="l" defTabSz="914400" rtl="0" eaLnBrk="1" latinLnBrk="0" hangingPunct="1">
-              <a:lnSpc>
-                <a:spcPct val="90000"/>
-              </a:lnSpc>
-              <a:spcBef>
-                <a:spcPct val="0"/>
-              </a:spcBef>
-              <a:buNone/>
-              <a:defRPr sz="4400" kern="1200">
-                <a:solidFill>
-                  <a:schemeClr val="tx1"/>
-                </a:solidFill>
-                <a:latin typeface="+mj-lt"/>
-                <a:ea typeface="+mj-ea"/>
-                <a:cs typeface="+mj-cs"/>
-              </a:defRPr>
-            </a:lvl1pPr>
-          </a:lstStyle>
-          <a:p>
-            <a:pPr algn="ctr"/>
-            <a:r>
-              <a:rPr lang="pt-BR" sz="6600" noProof="0" dirty="0"/>
-              <a:t>Perguntas?</a:t>
-            </a:r>
-            <a:endParaRPr lang="pt-BR" sz="6600" b="1" i="1" noProof="0" dirty="0"/>
-          </a:p>
-        </p:txBody>
-      </p:sp>
+      </p:pic>
     </p:spTree>
     <p:extLst>
       <p:ext uri="{BB962C8B-B14F-4D97-AF65-F5344CB8AC3E}">
-        <p14:creationId xmlns:p14="http://schemas.microsoft.com/office/powerpoint/2010/main" val="3773005660"/>
+        <p14:creationId xmlns:p14="http://schemas.microsoft.com/office/powerpoint/2010/main" val="508037839"/>
       </p:ext>
     </p:extLst>
   </p:cSld>
@@ -10958,7 +12943,7 @@
           <p:cNvPr id="2" name="Título 1">
             <a:extLst>
               <a:ext uri="{FF2B5EF4-FFF2-40B4-BE49-F238E27FC236}">
-                <a16:creationId xmlns:a16="http://schemas.microsoft.com/office/drawing/2014/main" id="{3CA32550-8C76-B013-2EC7-989D8C3B19BE}"/>
+                <a16:creationId xmlns:a16="http://schemas.microsoft.com/office/drawing/2014/main" id="{94AB8438-E56E-2412-517C-8456E4CA773C}"/>
               </a:ext>
             </a:extLst>
           </p:cNvPr>
@@ -10976,70 +12961,1265 @@
           <a:p>
             <a:r>
               <a:rPr lang="pt-BR" noProof="0" dirty="0"/>
-              <a:t>Referências</a:t>
+              <a:t>Fundamentação teórica</a:t>
             </a:r>
           </a:p>
         </p:txBody>
       </p:sp>
       <p:sp>
         <p:nvSpPr>
-          <p:cNvPr id="3" name="Espaço Reservado para Conteúdo 2">
-            <a:extLst>
-              <a:ext uri="{FF2B5EF4-FFF2-40B4-BE49-F238E27FC236}">
-                <a16:creationId xmlns:a16="http://schemas.microsoft.com/office/drawing/2014/main" id="{EF043237-7757-7557-B63E-D4EB5152D44B}"/>
-              </a:ext>
-            </a:extLst>
-          </p:cNvPr>
-          <p:cNvSpPr>
-            <a:spLocks noGrp="1"/>
-          </p:cNvSpPr>
-          <p:nvPr>
-            <p:ph idx="1"/>
-          </p:nvPr>
+          <p:cNvPr id="4" name="Rectangle 3">
+            <a:extLst>
+              <a:ext uri="{FF2B5EF4-FFF2-40B4-BE49-F238E27FC236}">
+                <a16:creationId xmlns:a16="http://schemas.microsoft.com/office/drawing/2014/main" id="{9007CE1B-B161-E252-D22F-34538CD839C0}"/>
+              </a:ext>
+            </a:extLst>
+          </p:cNvPr>
+          <p:cNvSpPr/>
+          <p:nvPr/>
         </p:nvSpPr>
-        <p:spPr/>
+        <p:spPr>
+          <a:xfrm>
+            <a:off x="2245091" y="1975690"/>
+            <a:ext cx="1743456" cy="675195"/>
+          </a:xfrm>
+          <a:prstGeom prst="rect">
+            <a:avLst/>
+          </a:prstGeom>
+          <a:solidFill>
+            <a:schemeClr val="accent4">
+              <a:lumMod val="40000"/>
+              <a:lumOff val="60000"/>
+            </a:schemeClr>
+          </a:solidFill>
+        </p:spPr>
+        <p:style>
+          <a:lnRef idx="2">
+            <a:schemeClr val="accent1">
+              <a:shade val="15000"/>
+            </a:schemeClr>
+          </a:lnRef>
+          <a:fillRef idx="1">
+            <a:schemeClr val="accent1"/>
+          </a:fillRef>
+          <a:effectRef idx="0">
+            <a:schemeClr val="accent1"/>
+          </a:effectRef>
+          <a:fontRef idx="minor">
+            <a:schemeClr val="lt1"/>
+          </a:fontRef>
+        </p:style>
         <p:txBody>
-          <a:bodyPr/>
+          <a:bodyPr rtlCol="0" anchor="ctr"/>
           <a:lstStyle/>
           <a:p>
+            <a:pPr algn="ctr"/>
+            <a:r>
+              <a:rPr lang="pt-BR" dirty="0" err="1">
+                <a:ln w="0">
+                  <a:noFill/>
+                </a:ln>
+                <a:solidFill>
+                  <a:schemeClr val="accent1"/>
+                </a:solidFill>
+                <a:effectLst>
+                  <a:outerShdw dist="19050" sx="1000" sy="1000" algn="tl" rotWithShape="0">
+                    <a:schemeClr val="dk1"/>
+                  </a:outerShdw>
+                </a:effectLst>
+              </a:rPr>
+              <a:t>Embedding</a:t>
+            </a:r>
             <a:r>
               <a:rPr lang="pt-BR" dirty="0">
-                <a:hlinkClick r:id="rId2"/>
+                <a:ln w="0">
+                  <a:noFill/>
+                </a:ln>
+                <a:solidFill>
+                  <a:schemeClr val="accent1"/>
+                </a:solidFill>
+                <a:effectLst>
+                  <a:outerShdw dist="19050" sx="1000" sy="1000" algn="tl" rotWithShape="0">
+                    <a:schemeClr val="dk1"/>
+                  </a:outerShdw>
+                </a:effectLst>
               </a:rPr>
-              <a:t>https://www.fishi-pedia.com/wp-content/uploads/2019/06/baracuda.jpg</a:t>
+              <a:t> (</a:t>
+            </a:r>
+            <a:r>
+              <a:rPr lang="pt-BR" dirty="0" err="1">
+                <a:ln w="0">
+                  <a:noFill/>
+                </a:ln>
+                <a:solidFill>
+                  <a:schemeClr val="accent1"/>
+                </a:solidFill>
+                <a:effectLst>
+                  <a:outerShdw dist="19050" sx="1000" sy="1000" algn="tl" rotWithShape="0">
+                    <a:schemeClr val="dk1"/>
+                  </a:outerShdw>
+                </a:effectLst>
+              </a:rPr>
+              <a:t>h</a:t>
+            </a:r>
+            <a:r>
+              <a:rPr lang="pt-BR" dirty="0">
+                <a:ln w="0">
+                  <a:noFill/>
+                </a:ln>
+                <a:solidFill>
+                  <a:schemeClr val="accent1"/>
+                </a:solidFill>
+                <a:effectLst>
+                  <a:outerShdw dist="19050" sx="1000" sy="1000" algn="tl" rotWithShape="0">
+                    <a:schemeClr val="dk1"/>
+                  </a:outerShdw>
+                </a:effectLst>
+              </a:rPr>
+              <a:t>)</a:t>
+            </a:r>
+          </a:p>
+        </p:txBody>
+      </p:sp>
+      <p:sp>
+        <p:nvSpPr>
+          <p:cNvPr id="5" name="Rectangle 4">
+            <a:extLst>
+              <a:ext uri="{FF2B5EF4-FFF2-40B4-BE49-F238E27FC236}">
+                <a16:creationId xmlns:a16="http://schemas.microsoft.com/office/drawing/2014/main" id="{88B39D87-F153-883A-20AA-2B21D66B0227}"/>
+              </a:ext>
+            </a:extLst>
+          </p:cNvPr>
+          <p:cNvSpPr/>
+          <p:nvPr/>
+        </p:nvSpPr>
+        <p:spPr>
+          <a:xfrm>
+            <a:off x="1541645" y="3321445"/>
+            <a:ext cx="1283208" cy="1487424"/>
+          </a:xfrm>
+          <a:prstGeom prst="rect">
+            <a:avLst/>
+          </a:prstGeom>
+        </p:spPr>
+        <p:style>
+          <a:lnRef idx="2">
+            <a:schemeClr val="accent1">
+              <a:shade val="15000"/>
+            </a:schemeClr>
+          </a:lnRef>
+          <a:fillRef idx="1">
+            <a:schemeClr val="accent1"/>
+          </a:fillRef>
+          <a:effectRef idx="0">
+            <a:schemeClr val="accent1"/>
+          </a:effectRef>
+          <a:fontRef idx="minor">
+            <a:schemeClr val="lt1"/>
+          </a:fontRef>
+        </p:style>
+        <p:txBody>
+          <a:bodyPr rtlCol="0" anchor="ctr"/>
+          <a:lstStyle/>
+          <a:p>
+            <a:pPr algn="ctr"/>
+            <a:r>
+              <a:rPr lang="pt-BR" dirty="0" err="1"/>
+              <a:t>Pretrained</a:t>
+            </a:r>
+            <a:r>
+              <a:rPr lang="pt-BR" dirty="0"/>
+              <a:t> </a:t>
+            </a:r>
+            <a:r>
+              <a:rPr lang="pt-BR" dirty="0" err="1"/>
+              <a:t>Weights</a:t>
+            </a:r>
+            <a:r>
+              <a:rPr lang="pt-BR" dirty="0"/>
+              <a:t> (W)</a:t>
+            </a:r>
+          </a:p>
+        </p:txBody>
+      </p:sp>
+      <p:sp>
+        <p:nvSpPr>
+          <p:cNvPr id="8" name="Rectangle 7">
+            <a:extLst>
+              <a:ext uri="{FF2B5EF4-FFF2-40B4-BE49-F238E27FC236}">
+                <a16:creationId xmlns:a16="http://schemas.microsoft.com/office/drawing/2014/main" id="{336D36F4-0B41-9387-DAEB-BC40F7BEEA78}"/>
+              </a:ext>
+            </a:extLst>
+          </p:cNvPr>
+          <p:cNvSpPr/>
+          <p:nvPr/>
+        </p:nvSpPr>
+        <p:spPr>
+          <a:xfrm>
+            <a:off x="2245091" y="5647798"/>
+            <a:ext cx="1743456" cy="675195"/>
+          </a:xfrm>
+          <a:prstGeom prst="rect">
+            <a:avLst/>
+          </a:prstGeom>
+          <a:solidFill>
+            <a:schemeClr val="accent4">
+              <a:lumMod val="40000"/>
+              <a:lumOff val="60000"/>
+            </a:schemeClr>
+          </a:solidFill>
+        </p:spPr>
+        <p:style>
+          <a:lnRef idx="2">
+            <a:schemeClr val="accent1">
+              <a:shade val="15000"/>
+            </a:schemeClr>
+          </a:lnRef>
+          <a:fillRef idx="1">
+            <a:schemeClr val="accent1"/>
+          </a:fillRef>
+          <a:effectRef idx="0">
+            <a:schemeClr val="accent1"/>
+          </a:effectRef>
+          <a:fontRef idx="minor">
+            <a:schemeClr val="lt1"/>
+          </a:fontRef>
+        </p:style>
+        <p:txBody>
+          <a:bodyPr rtlCol="0" anchor="ctr"/>
+          <a:lstStyle/>
+          <a:p>
+            <a:pPr algn="ctr"/>
+            <a:r>
+              <a:rPr lang="pt-BR">
+                <a:ln w="0">
+                  <a:noFill/>
+                </a:ln>
+                <a:solidFill>
+                  <a:schemeClr val="accent1"/>
+                </a:solidFill>
+                <a:effectLst>
+                  <a:outerShdw dist="19050" sx="1000" sy="1000" algn="tl" rotWithShape="0">
+                    <a:schemeClr val="dk1"/>
+                  </a:outerShdw>
+                </a:effectLst>
+              </a:rPr>
+              <a:t>Inputs (x)</a:t>
+            </a:r>
+            <a:endParaRPr lang="pt-BR" dirty="0">
+              <a:ln w="0">
+                <a:noFill/>
+              </a:ln>
+              <a:solidFill>
+                <a:schemeClr val="accent1"/>
+              </a:solidFill>
+              <a:effectLst>
+                <a:outerShdw dist="19050" sx="1000" sy="1000" algn="tl" rotWithShape="0">
+                  <a:schemeClr val="dk1"/>
+                </a:outerShdw>
+              </a:effectLst>
+            </a:endParaRPr>
+          </a:p>
+        </p:txBody>
+      </p:sp>
+      <mc:AlternateContent xmlns:mc="http://schemas.openxmlformats.org/markup-compatibility/2006">
+        <mc:Choice xmlns:a14="http://schemas.microsoft.com/office/drawing/2010/main" Requires="a14">
+          <p:sp>
+            <p:nvSpPr>
+              <p:cNvPr id="9" name="Rectangle 8">
+                <a:extLst>
+                  <a:ext uri="{FF2B5EF4-FFF2-40B4-BE49-F238E27FC236}">
+                    <a16:creationId xmlns:a16="http://schemas.microsoft.com/office/drawing/2014/main" id="{534DA68E-BA06-3072-A1B2-6E7090078E57}"/>
+                  </a:ext>
+                </a:extLst>
+              </p:cNvPr>
+              <p:cNvSpPr/>
+              <p:nvPr/>
+            </p:nvSpPr>
+            <p:spPr>
+              <a:xfrm>
+                <a:off x="3595997" y="3321445"/>
+                <a:ext cx="1283208" cy="1487424"/>
+              </a:xfrm>
+              <a:prstGeom prst="rect">
+                <a:avLst/>
+              </a:prstGeom>
+            </p:spPr>
+            <p:style>
+              <a:lnRef idx="2">
+                <a:schemeClr val="accent1">
+                  <a:shade val="15000"/>
+                </a:schemeClr>
+              </a:lnRef>
+              <a:fillRef idx="1">
+                <a:schemeClr val="accent1"/>
+              </a:fillRef>
+              <a:effectRef idx="0">
+                <a:schemeClr val="accent1"/>
+              </a:effectRef>
+              <a:fontRef idx="minor">
+                <a:schemeClr val="lt1"/>
+              </a:fontRef>
+            </p:style>
+            <p:txBody>
+              <a:bodyPr rtlCol="0" anchor="ctr"/>
+              <a:lstStyle/>
+              <a:p>
+                <a:pPr algn="ctr"/>
+                <a:r>
+                  <a:rPr lang="pt-BR" dirty="0" err="1"/>
+                  <a:t>Weight</a:t>
+                </a:r>
+                <a:endParaRPr lang="pt-BR" dirty="0"/>
+              </a:p>
+              <a:p>
+                <a:pPr algn="ctr"/>
+                <a:r>
+                  <a:rPr lang="pt-BR" dirty="0"/>
+                  <a:t>Update</a:t>
+                </a:r>
+              </a:p>
+              <a:p>
+                <a:pPr algn="ctr"/>
+                <a:r>
+                  <a:rPr lang="pt-BR" dirty="0"/>
+                  <a:t>(</a:t>
+                </a:r>
+                <a14:m>
+                  <m:oMath xmlns:m="http://schemas.openxmlformats.org/officeDocument/2006/math">
+                    <m:r>
+                      <a:rPr lang="pt-BR" i="1" smtClean="0">
+                        <a:latin typeface="Cambria Math" panose="02040503050406030204" pitchFamily="18" charset="0"/>
+                        <a:ea typeface="Cambria Math" panose="02040503050406030204" pitchFamily="18" charset="0"/>
+                      </a:rPr>
+                      <m:t>∆</m:t>
+                    </m:r>
+                  </m:oMath>
+                </a14:m>
+                <a:r>
+                  <a:rPr lang="pt-BR" dirty="0"/>
+                  <a:t>W)</a:t>
+                </a:r>
+              </a:p>
+            </p:txBody>
+          </p:sp>
+        </mc:Choice>
+        <mc:Fallback>
+          <p:sp>
+            <p:nvSpPr>
+              <p:cNvPr id="9" name="Rectangle 8">
+                <a:extLst>
+                  <a:ext uri="{FF2B5EF4-FFF2-40B4-BE49-F238E27FC236}">
+                    <a16:creationId xmlns:a16="http://schemas.microsoft.com/office/drawing/2014/main" id="{534DA68E-BA06-3072-A1B2-6E7090078E57}"/>
+                  </a:ext>
+                </a:extLst>
+              </p:cNvPr>
+              <p:cNvSpPr>
+                <a:spLocks noRot="1" noChangeAspect="1" noMove="1" noResize="1" noEditPoints="1" noAdjustHandles="1" noChangeArrowheads="1" noChangeShapeType="1" noTextEdit="1"/>
+              </p:cNvSpPr>
+              <p:nvPr/>
+            </p:nvSpPr>
+            <p:spPr>
+              <a:xfrm>
+                <a:off x="3595997" y="3321445"/>
+                <a:ext cx="1283208" cy="1487424"/>
+              </a:xfrm>
+              <a:prstGeom prst="rect">
+                <a:avLst/>
+              </a:prstGeom>
+              <a:blipFill>
+                <a:blip r:embed="rId2"/>
+                <a:stretch>
+                  <a:fillRect/>
+                </a:stretch>
+              </a:blipFill>
+            </p:spPr>
+            <p:txBody>
+              <a:bodyPr/>
+              <a:lstStyle/>
+              <a:p>
+                <a:r>
+                  <a:rPr lang="pt-BR">
+                    <a:noFill/>
+                  </a:rPr>
+                  <a:t> </a:t>
+                </a:r>
+              </a:p>
+            </p:txBody>
+          </p:sp>
+        </mc:Fallback>
+      </mc:AlternateContent>
+      <p:cxnSp>
+        <p:nvCxnSpPr>
+          <p:cNvPr id="13" name="Straight Arrow Connector 12">
+            <a:extLst>
+              <a:ext uri="{FF2B5EF4-FFF2-40B4-BE49-F238E27FC236}">
+                <a16:creationId xmlns:a16="http://schemas.microsoft.com/office/drawing/2014/main" id="{616D4E78-63DA-56B5-C613-1C6BDED76421}"/>
+              </a:ext>
+            </a:extLst>
+          </p:cNvPr>
+          <p:cNvCxnSpPr>
+            <a:stCxn id="8" idx="0"/>
+            <a:endCxn id="5" idx="2"/>
+          </p:cNvCxnSpPr>
+          <p:nvPr/>
+        </p:nvCxnSpPr>
+        <p:spPr>
+          <a:xfrm flipH="1" flipV="1">
+            <a:off x="2183249" y="4808869"/>
+            <a:ext cx="933570" cy="838929"/>
+          </a:xfrm>
+          <a:prstGeom prst="straightConnector1">
+            <a:avLst/>
+          </a:prstGeom>
+          <a:ln>
+            <a:tailEnd type="triangle"/>
+          </a:ln>
+        </p:spPr>
+        <p:style>
+          <a:lnRef idx="1">
+            <a:schemeClr val="accent1"/>
+          </a:lnRef>
+          <a:fillRef idx="0">
+            <a:schemeClr val="accent1"/>
+          </a:fillRef>
+          <a:effectRef idx="0">
+            <a:schemeClr val="accent1"/>
+          </a:effectRef>
+          <a:fontRef idx="minor">
+            <a:schemeClr val="tx1"/>
+          </a:fontRef>
+        </p:style>
+      </p:cxnSp>
+      <p:cxnSp>
+        <p:nvCxnSpPr>
+          <p:cNvPr id="15" name="Straight Arrow Connector 14">
+            <a:extLst>
+              <a:ext uri="{FF2B5EF4-FFF2-40B4-BE49-F238E27FC236}">
+                <a16:creationId xmlns:a16="http://schemas.microsoft.com/office/drawing/2014/main" id="{871A24AF-19AA-6781-8A5B-A22807EBBC28}"/>
+              </a:ext>
+            </a:extLst>
+          </p:cNvPr>
+          <p:cNvCxnSpPr>
+            <a:stCxn id="8" idx="0"/>
+            <a:endCxn id="9" idx="2"/>
+          </p:cNvCxnSpPr>
+          <p:nvPr/>
+        </p:nvCxnSpPr>
+        <p:spPr>
+          <a:xfrm flipV="1">
+            <a:off x="3116819" y="4808869"/>
+            <a:ext cx="1120782" cy="838929"/>
+          </a:xfrm>
+          <a:prstGeom prst="straightConnector1">
+            <a:avLst/>
+          </a:prstGeom>
+          <a:ln>
+            <a:tailEnd type="triangle"/>
+          </a:ln>
+        </p:spPr>
+        <p:style>
+          <a:lnRef idx="1">
+            <a:schemeClr val="accent1"/>
+          </a:lnRef>
+          <a:fillRef idx="0">
+            <a:schemeClr val="accent1"/>
+          </a:fillRef>
+          <a:effectRef idx="0">
+            <a:schemeClr val="accent1"/>
+          </a:effectRef>
+          <a:fontRef idx="minor">
+            <a:schemeClr val="tx1"/>
+          </a:fontRef>
+        </p:style>
+      </p:cxnSp>
+      <p:cxnSp>
+        <p:nvCxnSpPr>
+          <p:cNvPr id="17" name="Straight Arrow Connector 16">
+            <a:extLst>
+              <a:ext uri="{FF2B5EF4-FFF2-40B4-BE49-F238E27FC236}">
+                <a16:creationId xmlns:a16="http://schemas.microsoft.com/office/drawing/2014/main" id="{D5A56E3C-ED43-D160-71C4-9CB744B65DF2}"/>
+              </a:ext>
+            </a:extLst>
+          </p:cNvPr>
+          <p:cNvCxnSpPr>
+            <a:stCxn id="9" idx="0"/>
+            <a:endCxn id="4" idx="2"/>
+          </p:cNvCxnSpPr>
+          <p:nvPr/>
+        </p:nvCxnSpPr>
+        <p:spPr>
+          <a:xfrm flipH="1" flipV="1">
+            <a:off x="3116819" y="2650885"/>
+            <a:ext cx="1120782" cy="670560"/>
+          </a:xfrm>
+          <a:prstGeom prst="straightConnector1">
+            <a:avLst/>
+          </a:prstGeom>
+          <a:ln>
+            <a:tailEnd type="triangle"/>
+          </a:ln>
+        </p:spPr>
+        <p:style>
+          <a:lnRef idx="1">
+            <a:schemeClr val="accent1"/>
+          </a:lnRef>
+          <a:fillRef idx="0">
+            <a:schemeClr val="accent1"/>
+          </a:fillRef>
+          <a:effectRef idx="0">
+            <a:schemeClr val="accent1"/>
+          </a:effectRef>
+          <a:fontRef idx="minor">
+            <a:schemeClr val="tx1"/>
+          </a:fontRef>
+        </p:style>
+      </p:cxnSp>
+      <p:cxnSp>
+        <p:nvCxnSpPr>
+          <p:cNvPr id="19" name="Straight Arrow Connector 18">
+            <a:extLst>
+              <a:ext uri="{FF2B5EF4-FFF2-40B4-BE49-F238E27FC236}">
+                <a16:creationId xmlns:a16="http://schemas.microsoft.com/office/drawing/2014/main" id="{2B2866CB-4080-AE48-AB80-62BBC7FE3328}"/>
+              </a:ext>
+            </a:extLst>
+          </p:cNvPr>
+          <p:cNvCxnSpPr>
+            <a:stCxn id="5" idx="0"/>
+            <a:endCxn id="4" idx="2"/>
+          </p:cNvCxnSpPr>
+          <p:nvPr/>
+        </p:nvCxnSpPr>
+        <p:spPr>
+          <a:xfrm flipV="1">
+            <a:off x="2183249" y="2650885"/>
+            <a:ext cx="933570" cy="670560"/>
+          </a:xfrm>
+          <a:prstGeom prst="straightConnector1">
+            <a:avLst/>
+          </a:prstGeom>
+          <a:ln>
+            <a:tailEnd type="triangle"/>
+          </a:ln>
+        </p:spPr>
+        <p:style>
+          <a:lnRef idx="1">
+            <a:schemeClr val="accent1"/>
+          </a:lnRef>
+          <a:fillRef idx="0">
+            <a:schemeClr val="accent1"/>
+          </a:fillRef>
+          <a:effectRef idx="0">
+            <a:schemeClr val="accent1"/>
+          </a:effectRef>
+          <a:fontRef idx="minor">
+            <a:schemeClr val="tx1"/>
+          </a:fontRef>
+        </p:style>
+      </p:cxnSp>
+      <p:sp>
+        <p:nvSpPr>
+          <p:cNvPr id="34" name="Rectangle 33">
+            <a:extLst>
+              <a:ext uri="{FF2B5EF4-FFF2-40B4-BE49-F238E27FC236}">
+                <a16:creationId xmlns:a16="http://schemas.microsoft.com/office/drawing/2014/main" id="{1FD61E66-290A-9668-276E-A079D22AE508}"/>
+              </a:ext>
+            </a:extLst>
+          </p:cNvPr>
+          <p:cNvSpPr/>
+          <p:nvPr/>
+        </p:nvSpPr>
+        <p:spPr>
+          <a:xfrm>
+            <a:off x="8563999" y="2104357"/>
+            <a:ext cx="1743456" cy="675195"/>
+          </a:xfrm>
+          <a:prstGeom prst="rect">
+            <a:avLst/>
+          </a:prstGeom>
+          <a:solidFill>
+            <a:schemeClr val="accent4">
+              <a:lumMod val="40000"/>
+              <a:lumOff val="60000"/>
+            </a:schemeClr>
+          </a:solidFill>
+        </p:spPr>
+        <p:style>
+          <a:lnRef idx="2">
+            <a:schemeClr val="accent1">
+              <a:shade val="15000"/>
+            </a:schemeClr>
+          </a:lnRef>
+          <a:fillRef idx="1">
+            <a:schemeClr val="accent1"/>
+          </a:fillRef>
+          <a:effectRef idx="0">
+            <a:schemeClr val="accent1"/>
+          </a:effectRef>
+          <a:fontRef idx="minor">
+            <a:schemeClr val="lt1"/>
+          </a:fontRef>
+        </p:style>
+        <p:txBody>
+          <a:bodyPr rtlCol="0" anchor="ctr"/>
+          <a:lstStyle/>
+          <a:p>
+            <a:pPr algn="ctr"/>
+            <a:r>
+              <a:rPr lang="pt-BR" dirty="0" err="1">
+                <a:ln w="0">
+                  <a:noFill/>
+                </a:ln>
+                <a:solidFill>
+                  <a:schemeClr val="accent1"/>
+                </a:solidFill>
+                <a:effectLst>
+                  <a:outerShdw dist="19050" sx="1000" sy="1000" algn="tl" rotWithShape="0">
+                    <a:schemeClr val="dk1"/>
+                  </a:outerShdw>
+                </a:effectLst>
+              </a:rPr>
+              <a:t>Embedding</a:t>
+            </a:r>
+            <a:r>
+              <a:rPr lang="pt-BR" dirty="0">
+                <a:ln w="0">
+                  <a:noFill/>
+                </a:ln>
+                <a:solidFill>
+                  <a:schemeClr val="accent1"/>
+                </a:solidFill>
+                <a:effectLst>
+                  <a:outerShdw dist="19050" sx="1000" sy="1000" algn="tl" rotWithShape="0">
+                    <a:schemeClr val="dk1"/>
+                  </a:outerShdw>
+                </a:effectLst>
+              </a:rPr>
+              <a:t> (</a:t>
+            </a:r>
+            <a:r>
+              <a:rPr lang="pt-BR" dirty="0" err="1">
+                <a:ln w="0">
+                  <a:noFill/>
+                </a:ln>
+                <a:solidFill>
+                  <a:schemeClr val="accent1"/>
+                </a:solidFill>
+                <a:effectLst>
+                  <a:outerShdw dist="19050" sx="1000" sy="1000" algn="tl" rotWithShape="0">
+                    <a:schemeClr val="dk1"/>
+                  </a:outerShdw>
+                </a:effectLst>
+              </a:rPr>
+              <a:t>h</a:t>
+            </a:r>
+            <a:r>
+              <a:rPr lang="pt-BR" dirty="0">
+                <a:ln w="0">
+                  <a:noFill/>
+                </a:ln>
+                <a:solidFill>
+                  <a:schemeClr val="accent1"/>
+                </a:solidFill>
+                <a:effectLst>
+                  <a:outerShdw dist="19050" sx="1000" sy="1000" algn="tl" rotWithShape="0">
+                    <a:schemeClr val="dk1"/>
+                  </a:outerShdw>
+                </a:effectLst>
+              </a:rPr>
+              <a:t>)</a:t>
+            </a:r>
+          </a:p>
+        </p:txBody>
+      </p:sp>
+      <p:sp>
+        <p:nvSpPr>
+          <p:cNvPr id="35" name="Rectangle 34">
+            <a:extLst>
+              <a:ext uri="{FF2B5EF4-FFF2-40B4-BE49-F238E27FC236}">
+                <a16:creationId xmlns:a16="http://schemas.microsoft.com/office/drawing/2014/main" id="{2F07F950-30A3-6AB2-2A5A-75F6AB017859}"/>
+              </a:ext>
+            </a:extLst>
+          </p:cNvPr>
+          <p:cNvSpPr/>
+          <p:nvPr/>
+        </p:nvSpPr>
+        <p:spPr>
+          <a:xfrm>
+            <a:off x="7727323" y="3450112"/>
+            <a:ext cx="1283208" cy="1487424"/>
+          </a:xfrm>
+          <a:prstGeom prst="rect">
+            <a:avLst/>
+          </a:prstGeom>
+        </p:spPr>
+        <p:style>
+          <a:lnRef idx="2">
+            <a:schemeClr val="accent1">
+              <a:shade val="15000"/>
+            </a:schemeClr>
+          </a:lnRef>
+          <a:fillRef idx="1">
+            <a:schemeClr val="accent1"/>
+          </a:fillRef>
+          <a:effectRef idx="0">
+            <a:schemeClr val="accent1"/>
+          </a:effectRef>
+          <a:fontRef idx="minor">
+            <a:schemeClr val="lt1"/>
+          </a:fontRef>
+        </p:style>
+        <p:txBody>
+          <a:bodyPr rtlCol="0" anchor="ctr"/>
+          <a:lstStyle/>
+          <a:p>
+            <a:pPr algn="ctr"/>
+            <a:r>
+              <a:rPr lang="pt-BR" dirty="0" err="1"/>
+              <a:t>Pretrained</a:t>
+            </a:r>
+            <a:r>
+              <a:rPr lang="pt-BR" dirty="0"/>
+              <a:t> </a:t>
+            </a:r>
+            <a:r>
+              <a:rPr lang="pt-BR" dirty="0" err="1"/>
+              <a:t>Weights</a:t>
+            </a:r>
+            <a:r>
+              <a:rPr lang="pt-BR" dirty="0"/>
+              <a:t> (W)</a:t>
+            </a:r>
+          </a:p>
+        </p:txBody>
+      </p:sp>
+      <p:sp>
+        <p:nvSpPr>
+          <p:cNvPr id="36" name="Rectangle 35">
+            <a:extLst>
+              <a:ext uri="{FF2B5EF4-FFF2-40B4-BE49-F238E27FC236}">
+                <a16:creationId xmlns:a16="http://schemas.microsoft.com/office/drawing/2014/main" id="{23B39C4A-34D0-88F1-B05C-13EA4E3E1987}"/>
+              </a:ext>
+            </a:extLst>
+          </p:cNvPr>
+          <p:cNvSpPr/>
+          <p:nvPr/>
+        </p:nvSpPr>
+        <p:spPr>
+          <a:xfrm>
+            <a:off x="8563999" y="5776466"/>
+            <a:ext cx="1743456" cy="675195"/>
+          </a:xfrm>
+          <a:prstGeom prst="rect">
+            <a:avLst/>
+          </a:prstGeom>
+          <a:solidFill>
+            <a:schemeClr val="accent4">
+              <a:lumMod val="40000"/>
+              <a:lumOff val="60000"/>
+            </a:schemeClr>
+          </a:solidFill>
+        </p:spPr>
+        <p:style>
+          <a:lnRef idx="2">
+            <a:schemeClr val="accent1">
+              <a:shade val="15000"/>
+            </a:schemeClr>
+          </a:lnRef>
+          <a:fillRef idx="1">
+            <a:schemeClr val="accent1"/>
+          </a:fillRef>
+          <a:effectRef idx="0">
+            <a:schemeClr val="accent1"/>
+          </a:effectRef>
+          <a:fontRef idx="minor">
+            <a:schemeClr val="lt1"/>
+          </a:fontRef>
+        </p:style>
+        <p:txBody>
+          <a:bodyPr rtlCol="0" anchor="ctr"/>
+          <a:lstStyle/>
+          <a:p>
+            <a:pPr algn="ctr"/>
+            <a:r>
+              <a:rPr lang="pt-BR">
+                <a:ln w="0">
+                  <a:noFill/>
+                </a:ln>
+                <a:solidFill>
+                  <a:schemeClr val="accent1"/>
+                </a:solidFill>
+                <a:effectLst>
+                  <a:outerShdw dist="19050" sx="1000" sy="1000" algn="tl" rotWithShape="0">
+                    <a:schemeClr val="dk1"/>
+                  </a:outerShdw>
+                </a:effectLst>
+              </a:rPr>
+              <a:t>Inputs (x)</a:t>
+            </a:r>
+            <a:endParaRPr lang="pt-BR" dirty="0">
+              <a:ln w="0">
+                <a:noFill/>
+              </a:ln>
+              <a:solidFill>
+                <a:schemeClr val="accent1"/>
+              </a:solidFill>
+              <a:effectLst>
+                <a:outerShdw dist="19050" sx="1000" sy="1000" algn="tl" rotWithShape="0">
+                  <a:schemeClr val="dk1"/>
+                </a:outerShdw>
+              </a:effectLst>
+            </a:endParaRPr>
+          </a:p>
+        </p:txBody>
+      </p:sp>
+      <p:cxnSp>
+        <p:nvCxnSpPr>
+          <p:cNvPr id="38" name="Straight Arrow Connector 37">
+            <a:extLst>
+              <a:ext uri="{FF2B5EF4-FFF2-40B4-BE49-F238E27FC236}">
+                <a16:creationId xmlns:a16="http://schemas.microsoft.com/office/drawing/2014/main" id="{0057E610-5F46-DBE0-86E1-DFBCD59122AC}"/>
+              </a:ext>
+            </a:extLst>
+          </p:cNvPr>
+          <p:cNvCxnSpPr>
+            <a:cxnSpLocks/>
+            <a:stCxn id="36" idx="0"/>
+            <a:endCxn id="35" idx="2"/>
+          </p:cNvCxnSpPr>
+          <p:nvPr/>
+        </p:nvCxnSpPr>
+        <p:spPr>
+          <a:xfrm flipH="1" flipV="1">
+            <a:off x="8368927" y="4937536"/>
+            <a:ext cx="1066800" cy="838930"/>
+          </a:xfrm>
+          <a:prstGeom prst="straightConnector1">
+            <a:avLst/>
+          </a:prstGeom>
+          <a:ln>
+            <a:tailEnd type="triangle"/>
+          </a:ln>
+        </p:spPr>
+        <p:style>
+          <a:lnRef idx="1">
+            <a:schemeClr val="accent1"/>
+          </a:lnRef>
+          <a:fillRef idx="0">
+            <a:schemeClr val="accent1"/>
+          </a:fillRef>
+          <a:effectRef idx="0">
+            <a:schemeClr val="accent1"/>
+          </a:effectRef>
+          <a:fontRef idx="minor">
+            <a:schemeClr val="tx1"/>
+          </a:fontRef>
+        </p:style>
+      </p:cxnSp>
+      <p:cxnSp>
+        <p:nvCxnSpPr>
+          <p:cNvPr id="39" name="Straight Arrow Connector 38">
+            <a:extLst>
+              <a:ext uri="{FF2B5EF4-FFF2-40B4-BE49-F238E27FC236}">
+                <a16:creationId xmlns:a16="http://schemas.microsoft.com/office/drawing/2014/main" id="{516EC508-E37C-A587-77A6-27014DD0D485}"/>
+              </a:ext>
+            </a:extLst>
+          </p:cNvPr>
+          <p:cNvCxnSpPr>
+            <a:cxnSpLocks/>
+            <a:stCxn id="36" idx="0"/>
+            <a:endCxn id="52" idx="2"/>
+          </p:cNvCxnSpPr>
+          <p:nvPr/>
+        </p:nvCxnSpPr>
+        <p:spPr>
+          <a:xfrm flipV="1">
+            <a:off x="9435727" y="4937536"/>
+            <a:ext cx="987552" cy="838930"/>
+          </a:xfrm>
+          <a:prstGeom prst="straightConnector1">
+            <a:avLst/>
+          </a:prstGeom>
+          <a:ln>
+            <a:tailEnd type="triangle"/>
+          </a:ln>
+        </p:spPr>
+        <p:style>
+          <a:lnRef idx="1">
+            <a:schemeClr val="accent1"/>
+          </a:lnRef>
+          <a:fillRef idx="0">
+            <a:schemeClr val="accent1"/>
+          </a:fillRef>
+          <a:effectRef idx="0">
+            <a:schemeClr val="accent1"/>
+          </a:effectRef>
+          <a:fontRef idx="minor">
+            <a:schemeClr val="tx1"/>
+          </a:fontRef>
+        </p:style>
+      </p:cxnSp>
+      <p:cxnSp>
+        <p:nvCxnSpPr>
+          <p:cNvPr id="40" name="Straight Arrow Connector 39">
+            <a:extLst>
+              <a:ext uri="{FF2B5EF4-FFF2-40B4-BE49-F238E27FC236}">
+                <a16:creationId xmlns:a16="http://schemas.microsoft.com/office/drawing/2014/main" id="{5D78ACF9-4743-D1B8-D90F-2FF90D15B80B}"/>
+              </a:ext>
+            </a:extLst>
+          </p:cNvPr>
+          <p:cNvCxnSpPr>
+            <a:cxnSpLocks/>
+            <a:stCxn id="56" idx="2"/>
+            <a:endCxn id="34" idx="2"/>
+          </p:cNvCxnSpPr>
+          <p:nvPr/>
+        </p:nvCxnSpPr>
+        <p:spPr>
+          <a:xfrm flipH="1" flipV="1">
+            <a:off x="9435727" y="2779552"/>
+            <a:ext cx="987552" cy="648151"/>
+          </a:xfrm>
+          <a:prstGeom prst="straightConnector1">
+            <a:avLst/>
+          </a:prstGeom>
+          <a:ln>
+            <a:tailEnd type="triangle"/>
+          </a:ln>
+        </p:spPr>
+        <p:style>
+          <a:lnRef idx="1">
+            <a:schemeClr val="accent1"/>
+          </a:lnRef>
+          <a:fillRef idx="0">
+            <a:schemeClr val="accent1"/>
+          </a:fillRef>
+          <a:effectRef idx="0">
+            <a:schemeClr val="accent1"/>
+          </a:effectRef>
+          <a:fontRef idx="minor">
+            <a:schemeClr val="tx1"/>
+          </a:fontRef>
+        </p:style>
+      </p:cxnSp>
+      <p:cxnSp>
+        <p:nvCxnSpPr>
+          <p:cNvPr id="41" name="Straight Arrow Connector 40">
+            <a:extLst>
+              <a:ext uri="{FF2B5EF4-FFF2-40B4-BE49-F238E27FC236}">
+                <a16:creationId xmlns:a16="http://schemas.microsoft.com/office/drawing/2014/main" id="{7DE3A6E6-AF88-CB30-6F74-A2F2989080A5}"/>
+              </a:ext>
+            </a:extLst>
+          </p:cNvPr>
+          <p:cNvCxnSpPr>
+            <a:cxnSpLocks/>
+            <a:stCxn id="35" idx="0"/>
+            <a:endCxn id="34" idx="2"/>
+          </p:cNvCxnSpPr>
+          <p:nvPr/>
+        </p:nvCxnSpPr>
+        <p:spPr>
+          <a:xfrm flipV="1">
+            <a:off x="8368927" y="2779552"/>
+            <a:ext cx="1066800" cy="670560"/>
+          </a:xfrm>
+          <a:prstGeom prst="straightConnector1">
+            <a:avLst/>
+          </a:prstGeom>
+          <a:ln>
+            <a:tailEnd type="triangle"/>
+          </a:ln>
+        </p:spPr>
+        <p:style>
+          <a:lnRef idx="1">
+            <a:schemeClr val="accent1"/>
+          </a:lnRef>
+          <a:fillRef idx="0">
+            <a:schemeClr val="accent1"/>
+          </a:fillRef>
+          <a:effectRef idx="0">
+            <a:schemeClr val="accent1"/>
+          </a:effectRef>
+          <a:fontRef idx="minor">
+            <a:schemeClr val="tx1"/>
+          </a:fontRef>
+        </p:style>
+      </p:cxnSp>
+      <p:sp>
+        <p:nvSpPr>
+          <p:cNvPr id="52" name="Trapezoid 51">
+            <a:extLst>
+              <a:ext uri="{FF2B5EF4-FFF2-40B4-BE49-F238E27FC236}">
+                <a16:creationId xmlns:a16="http://schemas.microsoft.com/office/drawing/2014/main" id="{A2539869-5671-5C01-373E-6FDE9B92F9BA}"/>
+              </a:ext>
+            </a:extLst>
+          </p:cNvPr>
+          <p:cNvSpPr/>
+          <p:nvPr/>
+        </p:nvSpPr>
+        <p:spPr>
+          <a:xfrm>
+            <a:off x="9853998" y="4333603"/>
+            <a:ext cx="1138562" cy="603933"/>
+          </a:xfrm>
+          <a:prstGeom prst="trapezoid">
+            <a:avLst/>
+          </a:prstGeom>
+        </p:spPr>
+        <p:style>
+          <a:lnRef idx="2">
+            <a:schemeClr val="accent1">
+              <a:shade val="15000"/>
+            </a:schemeClr>
+          </a:lnRef>
+          <a:fillRef idx="1">
+            <a:schemeClr val="accent1"/>
+          </a:fillRef>
+          <a:effectRef idx="0">
+            <a:schemeClr val="accent1"/>
+          </a:effectRef>
+          <a:fontRef idx="minor">
+            <a:schemeClr val="lt1"/>
+          </a:fontRef>
+        </p:style>
+        <p:txBody>
+          <a:bodyPr rtlCol="0" anchor="ctr"/>
+          <a:lstStyle/>
+          <a:p>
+            <a:pPr algn="ctr"/>
+            <a:r>
+              <a:rPr lang="pt-BR" dirty="0"/>
+              <a:t>W</a:t>
+            </a:r>
+            <a:r>
+              <a:rPr lang="pt-BR" baseline="-25000" dirty="0"/>
+              <a:t>A</a:t>
+            </a:r>
+          </a:p>
+        </p:txBody>
+      </p:sp>
+      <p:sp>
+        <p:nvSpPr>
+          <p:cNvPr id="56" name="Trapezoid 55">
+            <a:extLst>
+              <a:ext uri="{FF2B5EF4-FFF2-40B4-BE49-F238E27FC236}">
+                <a16:creationId xmlns:a16="http://schemas.microsoft.com/office/drawing/2014/main" id="{3205A891-F64E-84D2-AF71-B85B6CEB271D}"/>
+              </a:ext>
+            </a:extLst>
+          </p:cNvPr>
+          <p:cNvSpPr/>
+          <p:nvPr/>
+        </p:nvSpPr>
+        <p:spPr>
+          <a:xfrm rot="10800000">
+            <a:off x="9853998" y="3427703"/>
+            <a:ext cx="1138562" cy="603933"/>
+          </a:xfrm>
+          <a:prstGeom prst="trapezoid">
+            <a:avLst/>
+          </a:prstGeom>
+        </p:spPr>
+        <p:style>
+          <a:lnRef idx="2">
+            <a:schemeClr val="accent1">
+              <a:shade val="15000"/>
+            </a:schemeClr>
+          </a:lnRef>
+          <a:fillRef idx="1">
+            <a:schemeClr val="accent1"/>
+          </a:fillRef>
+          <a:effectRef idx="0">
+            <a:schemeClr val="accent1"/>
+          </a:effectRef>
+          <a:fontRef idx="minor">
+            <a:schemeClr val="lt1"/>
+          </a:fontRef>
+        </p:style>
+        <p:txBody>
+          <a:bodyPr rtlCol="0" anchor="ctr">
+            <a:scene3d>
+              <a:camera prst="orthographicFront">
+                <a:rot lat="0" lon="0" rev="10799999"/>
+              </a:camera>
+              <a:lightRig rig="threePt" dir="t"/>
+            </a:scene3d>
+          </a:bodyPr>
+          <a:lstStyle/>
+          <a:p>
+            <a:pPr algn="ctr"/>
+            <a:r>
+              <a:rPr lang="pt-BR" dirty="0">
+                <a:effectLst>
+                  <a:outerShdw dist="50800" sx="1000" sy="1000" algn="ctr" rotWithShape="0">
+                    <a:srgbClr val="000000"/>
+                  </a:outerShdw>
+                </a:effectLst>
+              </a:rPr>
+              <a:t>W</a:t>
+            </a:r>
+            <a:r>
+              <a:rPr lang="pt-BR" baseline="-25000" dirty="0">
+                <a:effectLst>
+                  <a:outerShdw dist="50800" sx="1000" sy="1000" algn="ctr" rotWithShape="0">
+                    <a:srgbClr val="000000"/>
+                  </a:outerShdw>
+                </a:effectLst>
+              </a:rPr>
+              <a:t>B</a:t>
+            </a:r>
+            <a:endParaRPr lang="pt-BR" baseline="-25000" dirty="0"/>
+          </a:p>
+        </p:txBody>
+      </p:sp>
+      <p:sp>
+        <p:nvSpPr>
+          <p:cNvPr id="58" name="TextBox 57">
+            <a:extLst>
+              <a:ext uri="{FF2B5EF4-FFF2-40B4-BE49-F238E27FC236}">
+                <a16:creationId xmlns:a16="http://schemas.microsoft.com/office/drawing/2014/main" id="{842B9A90-7AC5-9CF3-D346-0D99B230EC76}"/>
+              </a:ext>
+            </a:extLst>
+          </p:cNvPr>
+          <p:cNvSpPr txBox="1"/>
+          <p:nvPr/>
+        </p:nvSpPr>
+        <p:spPr>
+          <a:xfrm>
+            <a:off x="10286062" y="3949102"/>
+            <a:ext cx="274434" cy="400110"/>
+          </a:xfrm>
+          <a:prstGeom prst="rect">
+            <a:avLst/>
+          </a:prstGeom>
+          <a:noFill/>
+        </p:spPr>
+        <p:txBody>
+          <a:bodyPr wrap="none" rtlCol="0">
+            <a:spAutoFit/>
+          </a:bodyPr>
+          <a:lstStyle/>
+          <a:p>
+            <a:pPr algn="ctr"/>
+            <a:r>
+              <a:rPr lang="pt-BR" sz="2000" dirty="0" err="1"/>
+              <a:t>r</a:t>
+            </a:r>
+            <a:endParaRPr lang="pt-BR" sz="2000" dirty="0"/>
+          </a:p>
+        </p:txBody>
+      </p:sp>
+      <p:sp>
+        <p:nvSpPr>
+          <p:cNvPr id="59" name="TextBox 58">
+            <a:extLst>
+              <a:ext uri="{FF2B5EF4-FFF2-40B4-BE49-F238E27FC236}">
+                <a16:creationId xmlns:a16="http://schemas.microsoft.com/office/drawing/2014/main" id="{60ADE60D-02B8-D328-725B-1A2433D36FCC}"/>
+              </a:ext>
+            </a:extLst>
+          </p:cNvPr>
+          <p:cNvSpPr txBox="1"/>
+          <p:nvPr/>
+        </p:nvSpPr>
+        <p:spPr>
+          <a:xfrm>
+            <a:off x="5937504" y="3206495"/>
+            <a:ext cx="731520" cy="1200329"/>
+          </a:xfrm>
+          <a:prstGeom prst="rect">
+            <a:avLst/>
+          </a:prstGeom>
+          <a:noFill/>
+        </p:spPr>
+        <p:txBody>
+          <a:bodyPr wrap="square" rtlCol="0">
+            <a:spAutoFit/>
+          </a:bodyPr>
+          <a:lstStyle/>
+          <a:p>
+            <a:pPr algn="ctr"/>
+            <a:r>
+              <a:rPr lang="pt-BR" sz="7200" dirty="0"/>
+              <a:t>X</a:t>
+            </a:r>
+          </a:p>
+        </p:txBody>
+      </p:sp>
+      <p:sp>
+        <p:nvSpPr>
+          <p:cNvPr id="60" name="TextBox 59">
+            <a:extLst>
+              <a:ext uri="{FF2B5EF4-FFF2-40B4-BE49-F238E27FC236}">
+                <a16:creationId xmlns:a16="http://schemas.microsoft.com/office/drawing/2014/main" id="{1787CF99-EC5C-A1AE-F229-A097CDBCE20F}"/>
+              </a:ext>
+            </a:extLst>
+          </p:cNvPr>
+          <p:cNvSpPr txBox="1"/>
+          <p:nvPr/>
+        </p:nvSpPr>
+        <p:spPr>
+          <a:xfrm>
+            <a:off x="10502527" y="2720037"/>
+            <a:ext cx="928459" cy="523220"/>
+          </a:xfrm>
+          <a:prstGeom prst="rect">
+            <a:avLst/>
+          </a:prstGeom>
+          <a:noFill/>
+        </p:spPr>
+        <p:txBody>
+          <a:bodyPr wrap="none" rtlCol="0">
+            <a:spAutoFit/>
+          </a:bodyPr>
+          <a:lstStyle/>
+          <a:p>
+            <a:r>
+              <a:rPr lang="pt-BR" sz="2800" dirty="0" err="1"/>
+              <a:t>LoRA</a:t>
             </a:r>
             <a:endParaRPr lang="pt-BR" dirty="0"/>
           </a:p>
-          <a:p>
-            <a:r>
-              <a:rPr lang="pt-BR" dirty="0">
-                <a:hlinkClick r:id="rId3"/>
-              </a:rPr>
-              <a:t>https://di-uploads-pod15.dealerinspire.com/capecoralchryslerdodgejeepram/uploads/2024/02/Dodge-Barracuda.jpg</a:t>
+        </p:txBody>
+      </p:sp>
+      <p:sp>
+        <p:nvSpPr>
+          <p:cNvPr id="61" name="TextBox 60">
+            <a:extLst>
+              <a:ext uri="{FF2B5EF4-FFF2-40B4-BE49-F238E27FC236}">
+                <a16:creationId xmlns:a16="http://schemas.microsoft.com/office/drawing/2014/main" id="{681FB27C-3CF3-1870-E6C5-798CA0EC6465}"/>
+              </a:ext>
+            </a:extLst>
+          </p:cNvPr>
+          <p:cNvSpPr txBox="1"/>
+          <p:nvPr/>
+        </p:nvSpPr>
+        <p:spPr>
+          <a:xfrm>
+            <a:off x="181039" y="2683275"/>
+            <a:ext cx="1762855" cy="523220"/>
+          </a:xfrm>
+          <a:prstGeom prst="rect">
+            <a:avLst/>
+          </a:prstGeom>
+          <a:noFill/>
+        </p:spPr>
+        <p:txBody>
+          <a:bodyPr wrap="none" rtlCol="0">
+            <a:spAutoFit/>
+          </a:bodyPr>
+          <a:lstStyle/>
+          <a:p>
+            <a:r>
+              <a:rPr lang="pt-BR" sz="2800" dirty="0"/>
+              <a:t>Tradicional</a:t>
             </a:r>
             <a:endParaRPr lang="pt-BR" dirty="0"/>
-          </a:p>
-          <a:p>
-            <a:r>
-              <a:rPr lang="pt-BR" dirty="0">
-                <a:hlinkClick r:id="rId4"/>
-              </a:rPr>
-              <a:t>https://www.youtube.com/watch?v=LPZh9BOjkQs</a:t>
-            </a:r>
-            <a:endParaRPr lang="pt-BR" dirty="0"/>
-          </a:p>
-          <a:p>
-            <a:endParaRPr lang="pt-BR" dirty="0"/>
-          </a:p>
-          <a:p>
-            <a:endParaRPr lang="pt-BR" noProof="0" dirty="0"/>
           </a:p>
         </p:txBody>
       </p:sp>
     </p:spTree>
     <p:extLst>
       <p:ext uri="{BB962C8B-B14F-4D97-AF65-F5344CB8AC3E}">
-        <p14:creationId xmlns:p14="http://schemas.microsoft.com/office/powerpoint/2010/main" val="1787264919"/>
+        <p14:creationId xmlns:p14="http://schemas.microsoft.com/office/powerpoint/2010/main" val="3187071590"/>
       </p:ext>
     </p:extLst>
   </p:cSld>
@@ -11276,8 +14456,8 @@
           </p:style>
         </p:cxnSp>
       </p:grpSp>
-      <mc:AlternateContent xmlns:mc="http://schemas.openxmlformats.org/markup-compatibility/2006">
-        <mc:Choice xmlns:a14="http://schemas.microsoft.com/office/drawing/2010/main" Requires="a14">
+      <mc:AlternateContent xmlns:mc="http://schemas.openxmlformats.org/markup-compatibility/2006" xmlns:a14="http://schemas.microsoft.com/office/drawing/2010/main">
+        <mc:Choice Requires="a14">
           <p:sp>
             <p:nvSpPr>
               <p:cNvPr id="47" name="Espaço Reservado para Conteúdo 2">
@@ -11568,7 +14748,7 @@
             </p:txBody>
           </p:sp>
         </mc:Choice>
-        <mc:Fallback>
+        <mc:Fallback xmlns="">
           <p:sp>
             <p:nvSpPr>
               <p:cNvPr id="47" name="Espaço Reservado para Conteúdo 2">
@@ -11803,6 +14983,1605 @@
   <p:cSld>
     <p:spTree>
       <p:nvGrpSpPr>
+        <p:cNvPr id="1" name="">
+          <a:extLst>
+            <a:ext uri="{FF2B5EF4-FFF2-40B4-BE49-F238E27FC236}">
+              <a16:creationId xmlns:a16="http://schemas.microsoft.com/office/drawing/2014/main" id="{7292C492-6D13-2A91-5AF6-D8E5C9D21070}"/>
+            </a:ext>
+          </a:extLst>
+        </p:cNvPr>
+        <p:cNvGrpSpPr/>
+        <p:nvPr/>
+      </p:nvGrpSpPr>
+      <p:grpSpPr>
+        <a:xfrm>
+          <a:off x="0" y="0"/>
+          <a:ext cx="0" cy="0"/>
+          <a:chOff x="0" y="0"/>
+          <a:chExt cx="0" cy="0"/>
+        </a:xfrm>
+      </p:grpSpPr>
+      <p:sp>
+        <p:nvSpPr>
+          <p:cNvPr id="2" name="Título 1">
+            <a:extLst>
+              <a:ext uri="{FF2B5EF4-FFF2-40B4-BE49-F238E27FC236}">
+                <a16:creationId xmlns:a16="http://schemas.microsoft.com/office/drawing/2014/main" id="{C52160E0-9F15-0450-252C-02656C4FA02B}"/>
+              </a:ext>
+            </a:extLst>
+          </p:cNvPr>
+          <p:cNvSpPr>
+            <a:spLocks noGrp="1"/>
+          </p:cNvSpPr>
+          <p:nvPr>
+            <p:ph type="title"/>
+          </p:nvPr>
+        </p:nvSpPr>
+        <p:spPr/>
+        <p:txBody>
+          <a:bodyPr/>
+          <a:lstStyle/>
+          <a:p>
+            <a:r>
+              <a:rPr lang="pt-BR" dirty="0"/>
+              <a:t>Fundamentação teórica</a:t>
+            </a:r>
+            <a:endParaRPr lang="pt-BR" noProof="0" dirty="0"/>
+          </a:p>
+        </p:txBody>
+      </p:sp>
+      <p:sp>
+        <p:nvSpPr>
+          <p:cNvPr id="10" name="Espaço Reservado para Conteúdo 2">
+            <a:extLst>
+              <a:ext uri="{FF2B5EF4-FFF2-40B4-BE49-F238E27FC236}">
+                <a16:creationId xmlns:a16="http://schemas.microsoft.com/office/drawing/2014/main" id="{5A60545A-73FE-8F87-76A5-77C9A2840F35}"/>
+              </a:ext>
+            </a:extLst>
+          </p:cNvPr>
+          <p:cNvSpPr>
+            <a:spLocks noGrp="1"/>
+          </p:cNvSpPr>
+          <p:nvPr>
+            <p:ph idx="1"/>
+          </p:nvPr>
+        </p:nvSpPr>
+        <p:spPr>
+          <a:xfrm>
+            <a:off x="838200" y="1430528"/>
+            <a:ext cx="10515600" cy="4642104"/>
+          </a:xfrm>
+        </p:spPr>
+        <p:txBody>
+          <a:bodyPr anchor="ctr">
+            <a:noAutofit/>
+          </a:bodyPr>
+          <a:lstStyle/>
+          <a:p>
+            <a:pPr marL="0" indent="0" algn="just">
+              <a:buNone/>
+            </a:pPr>
+            <a:r>
+              <a:rPr lang="pt-BR" noProof="0" dirty="0"/>
+              <a:t>Então Hu et al. propuseram </a:t>
+            </a:r>
+            <a:r>
+              <a:rPr lang="pt-BR" dirty="0"/>
+              <a:t>uma nova abordagem de </a:t>
+            </a:r>
+            <a:r>
+              <a:rPr lang="pt-BR" i="1" dirty="0"/>
+              <a:t>fine-</a:t>
+            </a:r>
+            <a:r>
+              <a:rPr lang="pt-BR" i="1" dirty="0" err="1"/>
+              <a:t>tuning</a:t>
+            </a:r>
+            <a:r>
+              <a:rPr lang="pt-BR" i="1" dirty="0"/>
+              <a:t> </a:t>
+            </a:r>
+            <a:r>
+              <a:rPr lang="pt-BR" dirty="0"/>
+              <a:t>chamado </a:t>
+            </a:r>
+            <a:r>
+              <a:rPr lang="pt-BR" dirty="0" err="1"/>
+              <a:t>Low</a:t>
+            </a:r>
+            <a:r>
+              <a:rPr lang="pt-BR" dirty="0"/>
+              <a:t>-Rank (</a:t>
+            </a:r>
+            <a:r>
+              <a:rPr lang="pt-BR" dirty="0" err="1"/>
+              <a:t>LoRA</a:t>
+            </a:r>
+            <a:r>
+              <a:rPr lang="pt-BR" dirty="0"/>
+              <a:t>).</a:t>
+            </a:r>
+          </a:p>
+          <a:p>
+            <a:pPr marL="0" indent="0" algn="just">
+              <a:buNone/>
+            </a:pPr>
+            <a:r>
+              <a:rPr lang="pt-BR" dirty="0"/>
+              <a:t>A partir do congelamento de modelos </a:t>
+            </a:r>
+            <a:r>
+              <a:rPr lang="pt-BR" dirty="0" err="1"/>
+              <a:t>pré</a:t>
+            </a:r>
+            <a:r>
+              <a:rPr lang="pt-BR" dirty="0"/>
+              <a:t>-treinados e injeção de </a:t>
+            </a:r>
+            <a:r>
+              <a:rPr lang="pt-BR" i="1" dirty="0"/>
+              <a:t>ranks</a:t>
+            </a:r>
+            <a:r>
+              <a:rPr lang="pt-BR" dirty="0"/>
+              <a:t> em cada camada da arquitetura </a:t>
+            </a:r>
+            <a:r>
+              <a:rPr lang="pt-BR" i="1" dirty="0" err="1"/>
+              <a:t>Transformer</a:t>
+            </a:r>
+            <a:r>
+              <a:rPr lang="pt-BR" dirty="0"/>
+              <a:t>.</a:t>
+            </a:r>
+          </a:p>
+        </p:txBody>
+      </p:sp>
+    </p:spTree>
+    <p:extLst>
+      <p:ext uri="{BB962C8B-B14F-4D97-AF65-F5344CB8AC3E}">
+        <p14:creationId xmlns:p14="http://schemas.microsoft.com/office/powerpoint/2010/main" val="1137695531"/>
+      </p:ext>
+    </p:extLst>
+  </p:cSld>
+  <p:clrMapOvr>
+    <a:masterClrMapping/>
+  </p:clrMapOvr>
+</p:sld>
+</file>
+
+<file path=ppt/slides/slide31.xml><?xml version="1.0" encoding="utf-8"?>
+<p:sld xmlns:a="http://schemas.openxmlformats.org/drawingml/2006/main" xmlns:r="http://schemas.openxmlformats.org/officeDocument/2006/relationships" xmlns:p="http://schemas.openxmlformats.org/presentationml/2006/main">
+  <p:cSld>
+    <p:spTree>
+      <p:nvGrpSpPr>
+        <p:cNvPr id="1" name=""/>
+        <p:cNvGrpSpPr/>
+        <p:nvPr/>
+      </p:nvGrpSpPr>
+      <p:grpSpPr>
+        <a:xfrm>
+          <a:off x="0" y="0"/>
+          <a:ext cx="0" cy="0"/>
+          <a:chOff x="0" y="0"/>
+          <a:chExt cx="0" cy="0"/>
+        </a:xfrm>
+      </p:grpSpPr>
+      <p:sp>
+        <p:nvSpPr>
+          <p:cNvPr id="2" name="Título 1">
+            <a:extLst>
+              <a:ext uri="{FF2B5EF4-FFF2-40B4-BE49-F238E27FC236}">
+                <a16:creationId xmlns:a16="http://schemas.microsoft.com/office/drawing/2014/main" id="{083FFF02-0FC8-9F0B-AAB0-565FC99EA70D}"/>
+              </a:ext>
+            </a:extLst>
+          </p:cNvPr>
+          <p:cNvSpPr>
+            <a:spLocks noGrp="1"/>
+          </p:cNvSpPr>
+          <p:nvPr>
+            <p:ph type="title"/>
+          </p:nvPr>
+        </p:nvSpPr>
+        <p:spPr/>
+        <p:txBody>
+          <a:bodyPr/>
+          <a:lstStyle/>
+          <a:p>
+            <a:r>
+              <a:rPr lang="pt-BR" noProof="0" dirty="0"/>
+              <a:t>Arquitetura e funcionamento</a:t>
+            </a:r>
+          </a:p>
+        </p:txBody>
+      </p:sp>
+      <mc:AlternateContent xmlns:mc="http://schemas.openxmlformats.org/markup-compatibility/2006">
+        <mc:Choice xmlns:a14="http://schemas.microsoft.com/office/drawing/2010/main" Requires="a14">
+          <p:sp>
+            <p:nvSpPr>
+              <p:cNvPr id="7" name="TextBox 6">
+                <a:extLst>
+                  <a:ext uri="{FF2B5EF4-FFF2-40B4-BE49-F238E27FC236}">
+                    <a16:creationId xmlns:a16="http://schemas.microsoft.com/office/drawing/2014/main" id="{3973941C-2747-4086-804A-83807D99DEE0}"/>
+                  </a:ext>
+                </a:extLst>
+              </p:cNvPr>
+              <p:cNvSpPr txBox="1"/>
+              <p:nvPr/>
+            </p:nvSpPr>
+            <p:spPr>
+              <a:xfrm>
+                <a:off x="938784" y="2834199"/>
+                <a:ext cx="10415016" cy="1187120"/>
+              </a:xfrm>
+              <a:prstGeom prst="rect">
+                <a:avLst/>
+              </a:prstGeom>
+              <a:noFill/>
+            </p:spPr>
+            <p:txBody>
+              <a:bodyPr wrap="square">
+                <a:spAutoFit/>
+              </a:bodyPr>
+              <a:lstStyle/>
+              <a:p>
+                <a:pPr/>
+                <a14:m>
+                  <m:oMathPara xmlns:m="http://schemas.openxmlformats.org/officeDocument/2006/math">
+                    <m:oMathParaPr>
+                      <m:jc m:val="centerGroup"/>
+                    </m:oMathParaPr>
+                    <m:oMath xmlns:m="http://schemas.openxmlformats.org/officeDocument/2006/math">
+                      <m:func>
+                        <m:funcPr>
+                          <m:ctrlPr>
+                            <a:rPr lang="pt-BR" sz="3200" i="1" smtClean="0">
+                              <a:latin typeface="Cambria Math" panose="02040503050406030204" pitchFamily="18" charset="0"/>
+                            </a:rPr>
+                          </m:ctrlPr>
+                        </m:funcPr>
+                        <m:fName>
+                          <m:limLow>
+                            <m:limLowPr>
+                              <m:ctrlPr>
+                                <a:rPr lang="pt-BR" sz="3200" i="1">
+                                  <a:latin typeface="Cambria Math" panose="02040503050406030204" pitchFamily="18" charset="0"/>
+                                </a:rPr>
+                              </m:ctrlPr>
+                            </m:limLowPr>
+                            <m:e>
+                              <m:r>
+                                <m:rPr>
+                                  <m:sty m:val="p"/>
+                                </m:rPr>
+                                <a:rPr lang="pt-BR" sz="3200">
+                                  <a:latin typeface="Cambria Math" panose="02040503050406030204" pitchFamily="18" charset="0"/>
+                                </a:rPr>
+                                <m:t>max</m:t>
+                              </m:r>
+                            </m:e>
+                            <m:lim>
+                              <m:r>
+                                <m:rPr>
+                                  <m:sty m:val="p"/>
+                                </m:rPr>
+                                <a:rPr lang="pt-BR" sz="3200" i="0">
+                                  <a:latin typeface="Cambria Math" panose="02040503050406030204" pitchFamily="18" charset="0"/>
+                                </a:rPr>
+                                <m:t>Θ</m:t>
+                              </m:r>
+                            </m:lim>
+                          </m:limLow>
+                        </m:fName>
+                        <m:e>
+                          <m:nary>
+                            <m:naryPr>
+                              <m:chr m:val="∑"/>
+                              <m:limLoc m:val="subSup"/>
+                              <m:supHide m:val="on"/>
+                              <m:ctrlPr>
+                                <a:rPr lang="pt-BR" sz="3200" i="1">
+                                  <a:latin typeface="Cambria Math" panose="02040503050406030204" pitchFamily="18" charset="0"/>
+                                </a:rPr>
+                              </m:ctrlPr>
+                            </m:naryPr>
+                            <m:sub>
+                              <m:d>
+                                <m:dPr>
+                                  <m:ctrlPr>
+                                    <a:rPr lang="pt-BR" sz="3200" i="1">
+                                      <a:latin typeface="Cambria Math" panose="02040503050406030204" pitchFamily="18" charset="0"/>
+                                    </a:rPr>
+                                  </m:ctrlPr>
+                                </m:dPr>
+                                <m:e>
+                                  <m:r>
+                                    <a:rPr lang="pt-BR" sz="3200" i="1">
+                                      <a:latin typeface="Cambria Math" panose="02040503050406030204" pitchFamily="18" charset="0"/>
+                                    </a:rPr>
+                                    <m:t>𝑥</m:t>
+                                  </m:r>
+                                  <m:r>
+                                    <a:rPr lang="pt-BR" sz="3200" i="0">
+                                      <a:latin typeface="Cambria Math" panose="02040503050406030204" pitchFamily="18" charset="0"/>
+                                    </a:rPr>
+                                    <m:t>,</m:t>
+                                  </m:r>
+                                  <m:r>
+                                    <a:rPr lang="pt-BR" sz="3200" i="1">
+                                      <a:latin typeface="Cambria Math" panose="02040503050406030204" pitchFamily="18" charset="0"/>
+                                    </a:rPr>
+                                    <m:t>𝑦</m:t>
+                                  </m:r>
+                                </m:e>
+                              </m:d>
+                              <m:r>
+                                <a:rPr lang="pt-BR" sz="3200" i="0">
+                                  <a:latin typeface="Cambria Math" panose="02040503050406030204" pitchFamily="18" charset="0"/>
+                                </a:rPr>
+                                <m:t>∈</m:t>
+                              </m:r>
+                              <m:r>
+                                <a:rPr lang="pt-BR" sz="3200" i="0">
+                                  <a:latin typeface="Cambria Math" panose="02040503050406030204" pitchFamily="18" charset="0"/>
+                                </a:rPr>
+                                <m:t>𝒵</m:t>
+                              </m:r>
+                            </m:sub>
+                            <m:sup/>
+                            <m:e>
+                              <m:nary>
+                                <m:naryPr>
+                                  <m:chr m:val="∑"/>
+                                  <m:limLoc m:val="subSup"/>
+                                  <m:ctrlPr>
+                                    <a:rPr lang="pt-BR" sz="3200" i="1">
+                                      <a:latin typeface="Cambria Math" panose="02040503050406030204" pitchFamily="18" charset="0"/>
+                                    </a:rPr>
+                                  </m:ctrlPr>
+                                </m:naryPr>
+                                <m:sub>
+                                  <m:r>
+                                    <a:rPr lang="pt-BR" sz="3200" i="1">
+                                      <a:latin typeface="Cambria Math" panose="02040503050406030204" pitchFamily="18" charset="0"/>
+                                    </a:rPr>
+                                    <m:t>𝑡</m:t>
+                                  </m:r>
+                                  <m:r>
+                                    <a:rPr lang="pt-BR" sz="3200" i="0">
+                                      <a:latin typeface="Cambria Math" panose="02040503050406030204" pitchFamily="18" charset="0"/>
+                                    </a:rPr>
+                                    <m:t>=1</m:t>
+                                  </m:r>
+                                </m:sub>
+                                <m:sup>
+                                  <m:d>
+                                    <m:dPr>
+                                      <m:begChr m:val="|"/>
+                                      <m:endChr m:val="|"/>
+                                      <m:ctrlPr>
+                                        <a:rPr lang="pt-BR" sz="3200" i="1">
+                                          <a:latin typeface="Cambria Math" panose="02040503050406030204" pitchFamily="18" charset="0"/>
+                                        </a:rPr>
+                                      </m:ctrlPr>
+                                    </m:dPr>
+                                    <m:e>
+                                      <m:r>
+                                        <a:rPr lang="pt-BR" sz="3200" i="1">
+                                          <a:latin typeface="Cambria Math" panose="02040503050406030204" pitchFamily="18" charset="0"/>
+                                        </a:rPr>
+                                        <m:t>𝑦</m:t>
+                                      </m:r>
+                                    </m:e>
+                                  </m:d>
+                                </m:sup>
+                                <m:e>
+                                  <m:r>
+                                    <a:rPr lang="pt-BR" sz="3200" i="1">
+                                      <a:latin typeface="Cambria Math" panose="02040503050406030204" pitchFamily="18" charset="0"/>
+                                    </a:rPr>
+                                    <m:t>𝑙𝑜𝑔</m:t>
+                                  </m:r>
+                                  <m:d>
+                                    <m:dPr>
+                                      <m:ctrlPr>
+                                        <a:rPr lang="pt-BR" sz="3200" i="1">
+                                          <a:latin typeface="Cambria Math" panose="02040503050406030204" pitchFamily="18" charset="0"/>
+                                        </a:rPr>
+                                      </m:ctrlPr>
+                                    </m:dPr>
+                                    <m:e>
+                                      <m:sSub>
+                                        <m:sSubPr>
+                                          <m:ctrlPr>
+                                            <a:rPr lang="pt-BR" sz="3200" i="1">
+                                              <a:latin typeface="Cambria Math" panose="02040503050406030204" pitchFamily="18" charset="0"/>
+                                            </a:rPr>
+                                          </m:ctrlPr>
+                                        </m:sSubPr>
+                                        <m:e>
+                                          <m:r>
+                                            <a:rPr lang="pt-BR" sz="3200" i="1">
+                                              <a:latin typeface="Cambria Math" panose="02040503050406030204" pitchFamily="18" charset="0"/>
+                                            </a:rPr>
+                                            <m:t>𝑝</m:t>
+                                          </m:r>
+                                        </m:e>
+                                        <m:sub>
+                                          <m:sSub>
+                                            <m:sSubPr>
+                                              <m:ctrlPr>
+                                                <a:rPr lang="pt-BR" sz="3200" i="1">
+                                                  <a:latin typeface="Cambria Math" panose="02040503050406030204" pitchFamily="18" charset="0"/>
+                                                </a:rPr>
+                                              </m:ctrlPr>
+                                            </m:sSubPr>
+                                            <m:e>
+                                              <m:r>
+                                                <m:rPr>
+                                                  <m:sty m:val="p"/>
+                                                </m:rPr>
+                                                <a:rPr lang="pt-BR" sz="3200" i="0">
+                                                  <a:latin typeface="Cambria Math" panose="02040503050406030204" pitchFamily="18" charset="0"/>
+                                                </a:rPr>
+                                                <m:t>Φ</m:t>
+                                              </m:r>
+                                            </m:e>
+                                            <m:sub>
+                                              <m:r>
+                                                <a:rPr lang="pt-BR" sz="3200" i="0">
+                                                  <a:latin typeface="Cambria Math" panose="02040503050406030204" pitchFamily="18" charset="0"/>
+                                                </a:rPr>
+                                                <m:t>0</m:t>
+                                              </m:r>
+                                            </m:sub>
+                                          </m:sSub>
+                                          <m:r>
+                                            <a:rPr lang="pt-BR" sz="3200" i="0">
+                                              <a:latin typeface="Cambria Math" panose="02040503050406030204" pitchFamily="18" charset="0"/>
+                                            </a:rPr>
+                                            <m:t>+</m:t>
+                                          </m:r>
+                                          <m:r>
+                                            <m:rPr>
+                                              <m:sty m:val="p"/>
+                                            </m:rPr>
+                                            <a:rPr lang="pt-BR" sz="3200" i="0">
+                                              <a:latin typeface="Cambria Math" panose="02040503050406030204" pitchFamily="18" charset="0"/>
+                                            </a:rPr>
+                                            <m:t>ΔΦ</m:t>
+                                          </m:r>
+                                          <m:d>
+                                            <m:dPr>
+                                              <m:ctrlPr>
+                                                <a:rPr lang="pt-BR" sz="3200" i="1">
+                                                  <a:latin typeface="Cambria Math" panose="02040503050406030204" pitchFamily="18" charset="0"/>
+                                                </a:rPr>
+                                              </m:ctrlPr>
+                                            </m:dPr>
+                                            <m:e>
+                                              <m:r>
+                                                <m:rPr>
+                                                  <m:sty m:val="p"/>
+                                                </m:rPr>
+                                                <a:rPr lang="pt-BR" sz="3200" i="0">
+                                                  <a:latin typeface="Cambria Math" panose="02040503050406030204" pitchFamily="18" charset="0"/>
+                                                </a:rPr>
+                                                <m:t>Θ</m:t>
+                                              </m:r>
+                                            </m:e>
+                                          </m:d>
+                                        </m:sub>
+                                      </m:sSub>
+                                      <m:d>
+                                        <m:dPr>
+                                          <m:sepChr m:val="∣"/>
+                                          <m:ctrlPr>
+                                            <a:rPr lang="pt-BR" sz="3200" i="1">
+                                              <a:latin typeface="Cambria Math" panose="02040503050406030204" pitchFamily="18" charset="0"/>
+                                            </a:rPr>
+                                          </m:ctrlPr>
+                                        </m:dPr>
+                                        <m:e>
+                                          <m:sSub>
+                                            <m:sSubPr>
+                                              <m:ctrlPr>
+                                                <a:rPr lang="pt-BR" sz="3200" i="1">
+                                                  <a:latin typeface="Cambria Math" panose="02040503050406030204" pitchFamily="18" charset="0"/>
+                                                </a:rPr>
+                                              </m:ctrlPr>
+                                            </m:sSubPr>
+                                            <m:e>
+                                              <m:r>
+                                                <a:rPr lang="pt-BR" sz="3200" i="1">
+                                                  <a:latin typeface="Cambria Math" panose="02040503050406030204" pitchFamily="18" charset="0"/>
+                                                </a:rPr>
+                                                <m:t>𝑦</m:t>
+                                              </m:r>
+                                            </m:e>
+                                            <m:sub>
+                                              <m:r>
+                                                <a:rPr lang="pt-BR" sz="3200" i="1">
+                                                  <a:latin typeface="Cambria Math" panose="02040503050406030204" pitchFamily="18" charset="0"/>
+                                                </a:rPr>
+                                                <m:t>𝑡</m:t>
+                                              </m:r>
+                                            </m:sub>
+                                          </m:sSub>
+                                        </m:e>
+                                        <m:e>
+                                          <m:r>
+                                            <a:rPr lang="pt-BR" sz="3200" i="1">
+                                              <a:latin typeface="Cambria Math" panose="02040503050406030204" pitchFamily="18" charset="0"/>
+                                            </a:rPr>
+                                            <m:t>𝑥</m:t>
+                                          </m:r>
+                                          <m:r>
+                                            <a:rPr lang="pt-BR" sz="3200" i="0">
+                                              <a:latin typeface="Cambria Math" panose="02040503050406030204" pitchFamily="18" charset="0"/>
+                                            </a:rPr>
+                                            <m:t>,</m:t>
+                                          </m:r>
+                                          <m:sSub>
+                                            <m:sSubPr>
+                                              <m:ctrlPr>
+                                                <a:rPr lang="pt-BR" sz="3200" i="1">
+                                                  <a:latin typeface="Cambria Math" panose="02040503050406030204" pitchFamily="18" charset="0"/>
+                                                </a:rPr>
+                                              </m:ctrlPr>
+                                            </m:sSubPr>
+                                            <m:e>
+                                              <m:r>
+                                                <a:rPr lang="pt-BR" sz="3200" i="1">
+                                                  <a:latin typeface="Cambria Math" panose="02040503050406030204" pitchFamily="18" charset="0"/>
+                                                </a:rPr>
+                                                <m:t>𝑦</m:t>
+                                              </m:r>
+                                            </m:e>
+                                            <m:sub>
+                                              <m:r>
+                                                <a:rPr lang="pt-BR" sz="3200" i="0">
+                                                  <a:latin typeface="Cambria Math" panose="02040503050406030204" pitchFamily="18" charset="0"/>
+                                                </a:rPr>
+                                                <m:t>&lt;</m:t>
+                                              </m:r>
+                                              <m:r>
+                                                <a:rPr lang="pt-BR" sz="3200" i="1">
+                                                  <a:latin typeface="Cambria Math" panose="02040503050406030204" pitchFamily="18" charset="0"/>
+                                                </a:rPr>
+                                                <m:t>𝑡</m:t>
+                                              </m:r>
+                                            </m:sub>
+                                          </m:sSub>
+                                        </m:e>
+                                      </m:d>
+                                    </m:e>
+                                  </m:d>
+                                </m:e>
+                              </m:nary>
+                            </m:e>
+                          </m:nary>
+                        </m:e>
+                      </m:func>
+                    </m:oMath>
+                  </m:oMathPara>
+                </a14:m>
+                <a:endParaRPr lang="pt-BR" sz="3200" dirty="0"/>
+              </a:p>
+            </p:txBody>
+          </p:sp>
+        </mc:Choice>
+        <mc:Fallback>
+          <p:sp>
+            <p:nvSpPr>
+              <p:cNvPr id="7" name="TextBox 6">
+                <a:extLst>
+                  <a:ext uri="{FF2B5EF4-FFF2-40B4-BE49-F238E27FC236}">
+                    <a16:creationId xmlns:a16="http://schemas.microsoft.com/office/drawing/2014/main" id="{3973941C-2747-4086-804A-83807D99DEE0}"/>
+                  </a:ext>
+                </a:extLst>
+              </p:cNvPr>
+              <p:cNvSpPr txBox="1">
+                <a:spLocks noRot="1" noChangeAspect="1" noMove="1" noResize="1" noEditPoints="1" noAdjustHandles="1" noChangeArrowheads="1" noChangeShapeType="1" noTextEdit="1"/>
+              </p:cNvSpPr>
+              <p:nvPr/>
+            </p:nvSpPr>
+            <p:spPr>
+              <a:xfrm>
+                <a:off x="938784" y="2834199"/>
+                <a:ext cx="10415016" cy="1187120"/>
+              </a:xfrm>
+              <a:prstGeom prst="rect">
+                <a:avLst/>
+              </a:prstGeom>
+              <a:blipFill>
+                <a:blip r:embed="rId2"/>
+                <a:stretch>
+                  <a:fillRect t="-143617" b="-211702"/>
+                </a:stretch>
+              </a:blipFill>
+            </p:spPr>
+            <p:txBody>
+              <a:bodyPr/>
+              <a:lstStyle/>
+              <a:p>
+                <a:r>
+                  <a:rPr lang="pt-BR">
+                    <a:noFill/>
+                  </a:rPr>
+                  <a:t> </a:t>
+                </a:r>
+              </a:p>
+            </p:txBody>
+          </p:sp>
+        </mc:Fallback>
+      </mc:AlternateContent>
+    </p:spTree>
+    <p:extLst>
+      <p:ext uri="{BB962C8B-B14F-4D97-AF65-F5344CB8AC3E}">
+        <p14:creationId xmlns:p14="http://schemas.microsoft.com/office/powerpoint/2010/main" val="1547259554"/>
+      </p:ext>
+    </p:extLst>
+  </p:cSld>
+  <p:clrMapOvr>
+    <a:masterClrMapping/>
+  </p:clrMapOvr>
+</p:sld>
+</file>
+
+<file path=ppt/slides/slide32.xml><?xml version="1.0" encoding="utf-8"?>
+<p:sld xmlns:a="http://schemas.openxmlformats.org/drawingml/2006/main" xmlns:r="http://schemas.openxmlformats.org/officeDocument/2006/relationships" xmlns:p="http://schemas.openxmlformats.org/presentationml/2006/main">
+  <p:cSld>
+    <p:spTree>
+      <p:nvGrpSpPr>
+        <p:cNvPr id="1" name="">
+          <a:extLst>
+            <a:ext uri="{FF2B5EF4-FFF2-40B4-BE49-F238E27FC236}">
+              <a16:creationId xmlns:a16="http://schemas.microsoft.com/office/drawing/2014/main" id="{C5A13242-B40A-9551-24DB-B07E84FB2D1B}"/>
+            </a:ext>
+          </a:extLst>
+        </p:cNvPr>
+        <p:cNvGrpSpPr/>
+        <p:nvPr/>
+      </p:nvGrpSpPr>
+      <p:grpSpPr>
+        <a:xfrm>
+          <a:off x="0" y="0"/>
+          <a:ext cx="0" cy="0"/>
+          <a:chOff x="0" y="0"/>
+          <a:chExt cx="0" cy="0"/>
+        </a:xfrm>
+      </p:grpSpPr>
+      <p:sp>
+        <p:nvSpPr>
+          <p:cNvPr id="2" name="Título 1">
+            <a:extLst>
+              <a:ext uri="{FF2B5EF4-FFF2-40B4-BE49-F238E27FC236}">
+                <a16:creationId xmlns:a16="http://schemas.microsoft.com/office/drawing/2014/main" id="{5BD5649D-136C-4127-B3B3-63FD98F673CE}"/>
+              </a:ext>
+            </a:extLst>
+          </p:cNvPr>
+          <p:cNvSpPr>
+            <a:spLocks noGrp="1"/>
+          </p:cNvSpPr>
+          <p:nvPr>
+            <p:ph type="title"/>
+          </p:nvPr>
+        </p:nvSpPr>
+        <p:spPr/>
+        <p:txBody>
+          <a:bodyPr/>
+          <a:lstStyle/>
+          <a:p>
+            <a:r>
+              <a:rPr lang="pt-BR" dirty="0"/>
+              <a:t>Fundamentação teórica</a:t>
+            </a:r>
+            <a:endParaRPr lang="pt-BR" noProof="0" dirty="0"/>
+          </a:p>
+        </p:txBody>
+      </p:sp>
+      <mc:AlternateContent xmlns:mc="http://schemas.openxmlformats.org/markup-compatibility/2006">
+        <mc:Choice xmlns:a14="http://schemas.microsoft.com/office/drawing/2010/main" Requires="a14">
+          <p:sp>
+            <p:nvSpPr>
+              <p:cNvPr id="10" name="Espaço Reservado para Conteúdo 2">
+                <a:extLst>
+                  <a:ext uri="{FF2B5EF4-FFF2-40B4-BE49-F238E27FC236}">
+                    <a16:creationId xmlns:a16="http://schemas.microsoft.com/office/drawing/2014/main" id="{3BEC17AC-ADBB-1AC2-C98C-C53EE59DEBAC}"/>
+                  </a:ext>
+                </a:extLst>
+              </p:cNvPr>
+              <p:cNvSpPr>
+                <a:spLocks noGrp="1"/>
+              </p:cNvSpPr>
+              <p:nvPr>
+                <p:ph idx="1"/>
+              </p:nvPr>
+            </p:nvSpPr>
+            <p:spPr>
+              <a:xfrm>
+                <a:off x="838200" y="1430528"/>
+                <a:ext cx="10515600" cy="4642104"/>
+              </a:xfrm>
+            </p:spPr>
+            <p:txBody>
+              <a:bodyPr anchor="ctr">
+                <a:noAutofit/>
+              </a:bodyPr>
+              <a:lstStyle/>
+              <a:p>
+                <a:pPr marL="0" indent="0" algn="just">
+                  <a:buNone/>
+                </a:pPr>
+                <a:r>
+                  <a:rPr lang="pt-BR" dirty="0"/>
+                  <a:t>Onde</a:t>
+                </a:r>
+                <a14:m>
+                  <m:oMath xmlns:m="http://schemas.openxmlformats.org/officeDocument/2006/math">
+                    <m:r>
+                      <a:rPr lang="en-US" b="0" i="0" smtClean="0">
+                        <a:latin typeface="Cambria Math" panose="02040503050406030204" pitchFamily="18" charset="0"/>
+                        <a:ea typeface="Cambria Math" panose="02040503050406030204" pitchFamily="18" charset="0"/>
+                      </a:rPr>
+                      <m:t> </m:t>
+                    </m:r>
+                    <m:r>
+                      <a:rPr lang="pt-BR" i="1" smtClean="0">
+                        <a:latin typeface="Cambria Math" panose="02040503050406030204" pitchFamily="18" charset="0"/>
+                        <a:ea typeface="Cambria Math" panose="02040503050406030204" pitchFamily="18" charset="0"/>
+                      </a:rPr>
+                      <m:t>∆</m:t>
+                    </m:r>
+                    <m:r>
+                      <m:rPr>
+                        <m:sty m:val="p"/>
+                      </m:rPr>
+                      <a:rPr lang="pt-BR">
+                        <a:latin typeface="Cambria Math" panose="02040503050406030204" pitchFamily="18" charset="0"/>
+                      </a:rPr>
+                      <m:t>Φ</m:t>
+                    </m:r>
+                  </m:oMath>
+                </a14:m>
+                <a:r>
+                  <a:rPr lang="pt-BR" dirty="0"/>
+                  <a:t> é explicado por:</a:t>
+                </a:r>
+              </a:p>
+              <a:p>
+                <a:pPr marL="0" indent="0" algn="just">
+                  <a:buNone/>
+                </a:pPr>
+                <a:endParaRPr lang="pt-BR" dirty="0"/>
+              </a:p>
+              <a:p>
+                <a:pPr marL="0" indent="0" algn="just">
+                  <a:buNone/>
+                </a:pPr>
+                <a14:m>
+                  <m:oMathPara xmlns:m="http://schemas.openxmlformats.org/officeDocument/2006/math">
+                    <m:oMathParaPr>
+                      <m:jc m:val="centerGroup"/>
+                    </m:oMathParaPr>
+                    <m:oMath xmlns:m="http://schemas.openxmlformats.org/officeDocument/2006/math">
+                      <m:r>
+                        <m:rPr>
+                          <m:sty m:val="p"/>
+                        </m:rPr>
+                        <a:rPr lang="en-US" b="0" i="1" smtClean="0">
+                          <a:latin typeface="Cambria Math" panose="02040503050406030204" pitchFamily="18" charset="0"/>
+                        </a:rPr>
+                        <m:t>h</m:t>
+                      </m:r>
+                      <m:r>
+                        <a:rPr lang="en-US" b="0" i="1" smtClean="0">
+                          <a:latin typeface="Cambria Math" panose="02040503050406030204" pitchFamily="18" charset="0"/>
+                        </a:rPr>
+                        <m:t>= </m:t>
+                      </m:r>
+                      <m:r>
+                        <m:rPr>
+                          <m:sty m:val="p"/>
+                        </m:rPr>
+                        <a:rPr lang="en-US" b="0" i="1" smtClean="0">
+                          <a:latin typeface="Cambria Math" panose="02040503050406030204" pitchFamily="18" charset="0"/>
+                        </a:rPr>
+                        <m:t>W</m:t>
+                      </m:r>
+                      <m:r>
+                        <a:rPr lang="en-US" b="0" i="1" baseline="-25000" smtClean="0">
+                          <a:latin typeface="Cambria Math" panose="02040503050406030204" pitchFamily="18" charset="0"/>
+                        </a:rPr>
+                        <m:t>0</m:t>
+                      </m:r>
+                      <m:r>
+                        <a:rPr lang="pt-BR" i="1">
+                          <a:latin typeface="Cambria Math" panose="02040503050406030204" pitchFamily="18" charset="0"/>
+                        </a:rPr>
+                        <m:t>𝑥</m:t>
+                      </m:r>
+                      <m:r>
+                        <a:rPr lang="en-US" b="0" i="1" smtClean="0">
+                          <a:latin typeface="Cambria Math" panose="02040503050406030204" pitchFamily="18" charset="0"/>
+                        </a:rPr>
+                        <m:t> + </m:t>
+                      </m:r>
+                      <m:r>
+                        <a:rPr lang="en-US" b="0" i="1" smtClean="0">
+                          <a:latin typeface="Cambria Math" panose="02040503050406030204" pitchFamily="18" charset="0"/>
+                          <a:ea typeface="Cambria Math" panose="02040503050406030204" pitchFamily="18" charset="0"/>
+                        </a:rPr>
+                        <m:t>∆</m:t>
+                      </m:r>
+                      <m:r>
+                        <m:rPr>
+                          <m:sty m:val="p"/>
+                        </m:rPr>
+                        <a:rPr lang="en-US" b="0" i="1" smtClean="0">
+                          <a:latin typeface="Cambria Math" panose="02040503050406030204" pitchFamily="18" charset="0"/>
+                          <a:ea typeface="Cambria Math" panose="02040503050406030204" pitchFamily="18" charset="0"/>
+                        </a:rPr>
+                        <m:t>W</m:t>
+                      </m:r>
+                      <m:r>
+                        <a:rPr lang="pt-BR" i="1">
+                          <a:latin typeface="Cambria Math" panose="02040503050406030204" pitchFamily="18" charset="0"/>
+                        </a:rPr>
+                        <m:t>𝑥</m:t>
+                      </m:r>
+                      <m:r>
+                        <a:rPr lang="en-US" b="0" i="1" smtClean="0">
+                          <a:latin typeface="Cambria Math" panose="02040503050406030204" pitchFamily="18" charset="0"/>
+                        </a:rPr>
+                        <m:t> =</m:t>
+                      </m:r>
+                      <m:r>
+                        <m:rPr>
+                          <m:sty m:val="p"/>
+                        </m:rPr>
+                        <a:rPr lang="en-US" i="1">
+                          <a:latin typeface="Cambria Math" panose="02040503050406030204" pitchFamily="18" charset="0"/>
+                        </a:rPr>
+                        <m:t>W</m:t>
+                      </m:r>
+                      <m:r>
+                        <a:rPr lang="en-US" i="1" baseline="-25000">
+                          <a:latin typeface="Cambria Math" panose="02040503050406030204" pitchFamily="18" charset="0"/>
+                        </a:rPr>
+                        <m:t>0</m:t>
+                      </m:r>
+                      <m:r>
+                        <a:rPr lang="pt-BR" i="1">
+                          <a:latin typeface="Cambria Math" panose="02040503050406030204" pitchFamily="18" charset="0"/>
+                        </a:rPr>
+                        <m:t>𝑥</m:t>
+                      </m:r>
+                      <m:r>
+                        <a:rPr lang="en-US" b="0" i="1" smtClean="0">
+                          <a:latin typeface="Cambria Math" panose="02040503050406030204" pitchFamily="18" charset="0"/>
+                        </a:rPr>
+                        <m:t> + </m:t>
+                      </m:r>
+                      <m:r>
+                        <m:rPr>
+                          <m:sty m:val="p"/>
+                        </m:rPr>
+                        <a:rPr lang="en-US" b="0" i="1" smtClean="0">
+                          <a:latin typeface="Cambria Math" panose="02040503050406030204" pitchFamily="18" charset="0"/>
+                        </a:rPr>
+                        <m:t>BA</m:t>
+                      </m:r>
+                      <m:r>
+                        <a:rPr lang="pt-BR" i="1">
+                          <a:latin typeface="Cambria Math" panose="02040503050406030204" pitchFamily="18" charset="0"/>
+                        </a:rPr>
+                        <m:t>𝑥</m:t>
+                      </m:r>
+                    </m:oMath>
+                  </m:oMathPara>
+                </a14:m>
+                <a:endParaRPr lang="pt-BR" dirty="0"/>
+              </a:p>
+              <a:p>
+                <a:pPr marL="0" indent="0" algn="just">
+                  <a:buNone/>
+                </a:pPr>
+                <a:r>
+                  <a:rPr lang="pt-BR" dirty="0"/>
+                  <a:t>Onde:</a:t>
+                </a:r>
+              </a:p>
+              <a:p>
+                <a:pPr marL="0" indent="0" algn="just">
+                  <a:buNone/>
+                </a:pPr>
+                <a14:m>
+                  <m:oMathPara xmlns:m="http://schemas.openxmlformats.org/officeDocument/2006/math">
+                    <m:oMathParaPr>
+                      <m:jc m:val="centerGroup"/>
+                    </m:oMathParaPr>
+                    <m:oMath xmlns:m="http://schemas.openxmlformats.org/officeDocument/2006/math">
+                      <m:r>
+                        <m:rPr>
+                          <m:sty m:val="p"/>
+                        </m:rPr>
+                        <a:rPr lang="en-US" i="1">
+                          <a:latin typeface="Cambria Math" panose="02040503050406030204" pitchFamily="18" charset="0"/>
+                        </a:rPr>
+                        <m:t>B</m:t>
+                      </m:r>
+                      <m:sSup>
+                        <m:sSupPr>
+                          <m:ctrlPr>
+                            <a:rPr lang="en-US" i="1" smtClean="0">
+                              <a:latin typeface="Cambria Math" panose="02040503050406030204" pitchFamily="18" charset="0"/>
+                            </a:rPr>
+                          </m:ctrlPr>
+                        </m:sSupPr>
+                        <m:e>
+                          <m:r>
+                            <a:rPr lang="en-US" i="1">
+                              <a:latin typeface="Cambria Math" panose="02040503050406030204" pitchFamily="18" charset="0"/>
+                              <a:ea typeface="Cambria Math" panose="02040503050406030204" pitchFamily="18" charset="0"/>
+                            </a:rPr>
+                            <m:t>∈</m:t>
+                          </m:r>
+                          <m:r>
+                            <a:rPr lang="en-US" i="1" smtClean="0">
+                              <a:latin typeface="Cambria Math" panose="02040503050406030204" pitchFamily="18" charset="0"/>
+                              <a:ea typeface="Cambria Math" panose="02040503050406030204" pitchFamily="18" charset="0"/>
+                            </a:rPr>
+                            <m:t>ℝ</m:t>
+                          </m:r>
+                        </m:e>
+                        <m:sup>
+                          <m:r>
+                            <m:rPr>
+                              <m:sty m:val="p"/>
+                            </m:rPr>
+                            <a:rPr lang="en-US" b="0" i="1" smtClean="0">
+                              <a:latin typeface="Cambria Math" panose="02040503050406030204" pitchFamily="18" charset="0"/>
+                            </a:rPr>
+                            <m:t>d</m:t>
+                          </m:r>
+                          <m:r>
+                            <a:rPr lang="en-US" b="0" i="1" smtClean="0">
+                              <a:latin typeface="Cambria Math" panose="02040503050406030204" pitchFamily="18" charset="0"/>
+                              <a:ea typeface="Cambria Math" panose="02040503050406030204" pitchFamily="18" charset="0"/>
+                            </a:rPr>
+                            <m:t>×</m:t>
+                          </m:r>
+                          <m:r>
+                            <m:rPr>
+                              <m:sty m:val="p"/>
+                            </m:rPr>
+                            <a:rPr lang="en-US" b="0" i="1" smtClean="0">
+                              <a:latin typeface="Cambria Math" panose="02040503050406030204" pitchFamily="18" charset="0"/>
+                              <a:ea typeface="Cambria Math" panose="02040503050406030204" pitchFamily="18" charset="0"/>
+                            </a:rPr>
+                            <m:t>r</m:t>
+                          </m:r>
+                        </m:sup>
+                      </m:sSup>
+                      <m:r>
+                        <a:rPr lang="en-US" b="0" i="1" smtClean="0">
+                          <a:latin typeface="Cambria Math" panose="02040503050406030204" pitchFamily="18" charset="0"/>
+                          <a:ea typeface="Cambria Math" panose="02040503050406030204" pitchFamily="18" charset="0"/>
+                        </a:rPr>
+                        <m:t>ℝ</m:t>
+                      </m:r>
+                      <m:r>
+                        <a:rPr lang="en-US" b="0" i="1" smtClean="0">
+                          <a:latin typeface="Cambria Math" panose="02040503050406030204" pitchFamily="18" charset="0"/>
+                          <a:ea typeface="Cambria Math" panose="02040503050406030204" pitchFamily="18" charset="0"/>
+                        </a:rPr>
+                        <m:t>, </m:t>
+                      </m:r>
+                      <m:r>
+                        <m:rPr>
+                          <m:sty m:val="p"/>
+                        </m:rPr>
+                        <a:rPr lang="en-US" i="1">
+                          <a:latin typeface="Cambria Math" panose="02040503050406030204" pitchFamily="18" charset="0"/>
+                        </a:rPr>
+                        <m:t>A</m:t>
+                      </m:r>
+                      <m:sSup>
+                        <m:sSupPr>
+                          <m:ctrlPr>
+                            <a:rPr lang="en-US" i="1">
+                              <a:latin typeface="Cambria Math" panose="02040503050406030204" pitchFamily="18" charset="0"/>
+                            </a:rPr>
+                          </m:ctrlPr>
+                        </m:sSupPr>
+                        <m:e>
+                          <m:r>
+                            <a:rPr lang="en-US" i="1">
+                              <a:latin typeface="Cambria Math" panose="02040503050406030204" pitchFamily="18" charset="0"/>
+                              <a:ea typeface="Cambria Math" panose="02040503050406030204" pitchFamily="18" charset="0"/>
+                            </a:rPr>
+                            <m:t>∈</m:t>
+                          </m:r>
+                          <m:r>
+                            <a:rPr lang="en-US" i="1">
+                              <a:latin typeface="Cambria Math" panose="02040503050406030204" pitchFamily="18" charset="0"/>
+                              <a:ea typeface="Cambria Math" panose="02040503050406030204" pitchFamily="18" charset="0"/>
+                            </a:rPr>
+                            <m:t>ℝ</m:t>
+                          </m:r>
+                        </m:e>
+                        <m:sup>
+                          <m:r>
+                            <m:rPr>
+                              <m:sty m:val="p"/>
+                            </m:rPr>
+                            <a:rPr lang="en-US" b="0" i="1" smtClean="0">
+                              <a:latin typeface="Cambria Math" panose="02040503050406030204" pitchFamily="18" charset="0"/>
+                            </a:rPr>
+                            <m:t>r</m:t>
+                          </m:r>
+                          <m:r>
+                            <a:rPr lang="en-US" i="1">
+                              <a:latin typeface="Cambria Math" panose="02040503050406030204" pitchFamily="18" charset="0"/>
+                              <a:ea typeface="Cambria Math" panose="02040503050406030204" pitchFamily="18" charset="0"/>
+                            </a:rPr>
+                            <m:t>×</m:t>
+                          </m:r>
+                          <m:r>
+                            <m:rPr>
+                              <m:sty m:val="p"/>
+                            </m:rPr>
+                            <a:rPr lang="en-US" b="0" i="1" smtClean="0">
+                              <a:latin typeface="Cambria Math" panose="02040503050406030204" pitchFamily="18" charset="0"/>
+                              <a:ea typeface="Cambria Math" panose="02040503050406030204" pitchFamily="18" charset="0"/>
+                            </a:rPr>
+                            <m:t>k</m:t>
+                          </m:r>
+                        </m:sup>
+                      </m:sSup>
+                    </m:oMath>
+                  </m:oMathPara>
+                </a14:m>
+                <a:endParaRPr lang="pt-BR" dirty="0"/>
+              </a:p>
+            </p:txBody>
+          </p:sp>
+        </mc:Choice>
+        <mc:Fallback>
+          <p:sp>
+            <p:nvSpPr>
+              <p:cNvPr id="10" name="Espaço Reservado para Conteúdo 2">
+                <a:extLst>
+                  <a:ext uri="{FF2B5EF4-FFF2-40B4-BE49-F238E27FC236}">
+                    <a16:creationId xmlns:a16="http://schemas.microsoft.com/office/drawing/2014/main" id="{3BEC17AC-ADBB-1AC2-C98C-C53EE59DEBAC}"/>
+                  </a:ext>
+                </a:extLst>
+              </p:cNvPr>
+              <p:cNvSpPr>
+                <a:spLocks noGrp="1" noRot="1" noChangeAspect="1" noMove="1" noResize="1" noEditPoints="1" noAdjustHandles="1" noChangeArrowheads="1" noChangeShapeType="1" noTextEdit="1"/>
+              </p:cNvSpPr>
+              <p:nvPr>
+                <p:ph idx="1"/>
+              </p:nvPr>
+            </p:nvSpPr>
+            <p:spPr>
+              <a:xfrm>
+                <a:off x="838200" y="1430528"/>
+                <a:ext cx="10515600" cy="4642104"/>
+              </a:xfrm>
+              <a:blipFill>
+                <a:blip r:embed="rId3"/>
+                <a:stretch>
+                  <a:fillRect l="-1206"/>
+                </a:stretch>
+              </a:blipFill>
+            </p:spPr>
+            <p:txBody>
+              <a:bodyPr/>
+              <a:lstStyle/>
+              <a:p>
+                <a:r>
+                  <a:rPr lang="pt-BR">
+                    <a:noFill/>
+                  </a:rPr>
+                  <a:t> </a:t>
+                </a:r>
+              </a:p>
+            </p:txBody>
+          </p:sp>
+        </mc:Fallback>
+      </mc:AlternateContent>
+    </p:spTree>
+    <p:extLst>
+      <p:ext uri="{BB962C8B-B14F-4D97-AF65-F5344CB8AC3E}">
+        <p14:creationId xmlns:p14="http://schemas.microsoft.com/office/powerpoint/2010/main" val="3941957648"/>
+      </p:ext>
+    </p:extLst>
+  </p:cSld>
+  <p:clrMapOvr>
+    <a:masterClrMapping/>
+  </p:clrMapOvr>
+</p:sld>
+</file>
+
+<file path=ppt/slides/slide33.xml><?xml version="1.0" encoding="utf-8"?>
+<p:sld xmlns:a="http://schemas.openxmlformats.org/drawingml/2006/main" xmlns:r="http://schemas.openxmlformats.org/officeDocument/2006/relationships" xmlns:p="http://schemas.openxmlformats.org/presentationml/2006/main">
+  <p:cSld>
+    <p:spTree>
+      <p:nvGrpSpPr>
+        <p:cNvPr id="1" name="">
+          <a:extLst>
+            <a:ext uri="{FF2B5EF4-FFF2-40B4-BE49-F238E27FC236}">
+              <a16:creationId xmlns:a16="http://schemas.microsoft.com/office/drawing/2014/main" id="{CB19A22E-3F9D-7D30-6D23-634EB85C36EE}"/>
+            </a:ext>
+          </a:extLst>
+        </p:cNvPr>
+        <p:cNvGrpSpPr/>
+        <p:nvPr/>
+      </p:nvGrpSpPr>
+      <p:grpSpPr>
+        <a:xfrm>
+          <a:off x="0" y="0"/>
+          <a:ext cx="0" cy="0"/>
+          <a:chOff x="0" y="0"/>
+          <a:chExt cx="0" cy="0"/>
+        </a:xfrm>
+      </p:grpSpPr>
+      <p:sp>
+        <p:nvSpPr>
+          <p:cNvPr id="2" name="Título 1">
+            <a:extLst>
+              <a:ext uri="{FF2B5EF4-FFF2-40B4-BE49-F238E27FC236}">
+                <a16:creationId xmlns:a16="http://schemas.microsoft.com/office/drawing/2014/main" id="{A8EDA58E-EA6B-AE01-FFAE-FC37ED2DF81D}"/>
+              </a:ext>
+            </a:extLst>
+          </p:cNvPr>
+          <p:cNvSpPr>
+            <a:spLocks noGrp="1"/>
+          </p:cNvSpPr>
+          <p:nvPr>
+            <p:ph type="title"/>
+          </p:nvPr>
+        </p:nvSpPr>
+        <p:spPr/>
+        <p:txBody>
+          <a:bodyPr/>
+          <a:lstStyle/>
+          <a:p>
+            <a:r>
+              <a:rPr lang="pt-BR" noProof="0" dirty="0"/>
+              <a:t>Treinamento e otimização</a:t>
+            </a:r>
+          </a:p>
+        </p:txBody>
+      </p:sp>
+      <p:sp>
+        <p:nvSpPr>
+          <p:cNvPr id="3" name="Espaço Reservado para Conteúdo 2">
+            <a:extLst>
+              <a:ext uri="{FF2B5EF4-FFF2-40B4-BE49-F238E27FC236}">
+                <a16:creationId xmlns:a16="http://schemas.microsoft.com/office/drawing/2014/main" id="{F763EB96-C7A7-8618-8D7C-EB9FC3B0293A}"/>
+              </a:ext>
+            </a:extLst>
+          </p:cNvPr>
+          <p:cNvSpPr>
+            <a:spLocks noGrp="1"/>
+          </p:cNvSpPr>
+          <p:nvPr>
+            <p:ph idx="1"/>
+          </p:nvPr>
+        </p:nvSpPr>
+        <p:spPr/>
+        <p:txBody>
+          <a:bodyPr anchor="ctr"/>
+          <a:lstStyle/>
+          <a:p>
+            <a:pPr marL="0" indent="0" algn="r">
+              <a:buNone/>
+            </a:pPr>
+            <a:r>
+              <a:rPr lang="pt-BR" noProof="0" dirty="0"/>
+              <a:t>Toda matriz tem um “Rank” </a:t>
+            </a:r>
+            <a:r>
+              <a:rPr lang="pt-BR" dirty="0"/>
+              <a:t>(</a:t>
+            </a:r>
+            <a:r>
+              <a:rPr lang="pt-BR" dirty="0" err="1"/>
+              <a:t>r</a:t>
+            </a:r>
+            <a:r>
+              <a:rPr lang="pt-BR" dirty="0"/>
+              <a:t>), </a:t>
+            </a:r>
+            <a:r>
+              <a:rPr lang="pt-BR" noProof="0" dirty="0"/>
+              <a:t>que é a quantidade de </a:t>
+            </a:r>
+            <a:r>
+              <a:rPr lang="pt-BR" dirty="0"/>
+              <a:t>colunas linearmente independentes que a matriz tem.</a:t>
+            </a:r>
+            <a:endParaRPr lang="pt-BR" noProof="0" dirty="0"/>
+          </a:p>
+        </p:txBody>
+      </p:sp>
+    </p:spTree>
+    <p:extLst>
+      <p:ext uri="{BB962C8B-B14F-4D97-AF65-F5344CB8AC3E}">
+        <p14:creationId xmlns:p14="http://schemas.microsoft.com/office/powerpoint/2010/main" val="1650308801"/>
+      </p:ext>
+    </p:extLst>
+  </p:cSld>
+  <p:clrMapOvr>
+    <a:masterClrMapping/>
+  </p:clrMapOvr>
+</p:sld>
+</file>
+
+<file path=ppt/slides/slide34.xml><?xml version="1.0" encoding="utf-8"?>
+<p:sld xmlns:a="http://schemas.openxmlformats.org/drawingml/2006/main" xmlns:r="http://schemas.openxmlformats.org/officeDocument/2006/relationships" xmlns:p="http://schemas.openxmlformats.org/presentationml/2006/main">
+  <p:cSld>
+    <p:spTree>
+      <p:nvGrpSpPr>
+        <p:cNvPr id="1" name="">
+          <a:extLst>
+            <a:ext uri="{FF2B5EF4-FFF2-40B4-BE49-F238E27FC236}">
+              <a16:creationId xmlns:a16="http://schemas.microsoft.com/office/drawing/2014/main" id="{E1C9F56A-97FC-7CCD-E5BA-3B5E230AD9AB}"/>
+            </a:ext>
+          </a:extLst>
+        </p:cNvPr>
+        <p:cNvGrpSpPr/>
+        <p:nvPr/>
+      </p:nvGrpSpPr>
+      <p:grpSpPr>
+        <a:xfrm>
+          <a:off x="0" y="0"/>
+          <a:ext cx="0" cy="0"/>
+          <a:chOff x="0" y="0"/>
+          <a:chExt cx="0" cy="0"/>
+        </a:xfrm>
+      </p:grpSpPr>
+      <p:sp>
+        <p:nvSpPr>
+          <p:cNvPr id="2" name="Título 1">
+            <a:extLst>
+              <a:ext uri="{FF2B5EF4-FFF2-40B4-BE49-F238E27FC236}">
+                <a16:creationId xmlns:a16="http://schemas.microsoft.com/office/drawing/2014/main" id="{A979DAB9-0612-F0CD-7BB1-AF52B98B3210}"/>
+              </a:ext>
+            </a:extLst>
+          </p:cNvPr>
+          <p:cNvSpPr>
+            <a:spLocks noGrp="1"/>
+          </p:cNvSpPr>
+          <p:nvPr>
+            <p:ph type="title"/>
+          </p:nvPr>
+        </p:nvSpPr>
+        <p:spPr/>
+        <p:txBody>
+          <a:bodyPr/>
+          <a:lstStyle/>
+          <a:p>
+            <a:r>
+              <a:rPr lang="pt-BR" noProof="0" dirty="0"/>
+              <a:t>Treinamento e otimização</a:t>
+            </a:r>
+          </a:p>
+        </p:txBody>
+      </p:sp>
+      <p:sp>
+        <p:nvSpPr>
+          <p:cNvPr id="3" name="Espaço Reservado para Conteúdo 2">
+            <a:extLst>
+              <a:ext uri="{FF2B5EF4-FFF2-40B4-BE49-F238E27FC236}">
+                <a16:creationId xmlns:a16="http://schemas.microsoft.com/office/drawing/2014/main" id="{F22F88A5-87D1-340F-853F-8C2ED8F8C877}"/>
+              </a:ext>
+            </a:extLst>
+          </p:cNvPr>
+          <p:cNvSpPr>
+            <a:spLocks noGrp="1"/>
+          </p:cNvSpPr>
+          <p:nvPr>
+            <p:ph idx="1"/>
+          </p:nvPr>
+        </p:nvSpPr>
+        <p:spPr/>
+        <p:txBody>
+          <a:bodyPr anchor="ctr"/>
+          <a:lstStyle/>
+          <a:p>
+            <a:pPr marL="0" indent="0" algn="r">
+              <a:buNone/>
+            </a:pPr>
+            <a:endParaRPr lang="pt-BR" noProof="0" dirty="0"/>
+          </a:p>
+        </p:txBody>
+      </p:sp>
+    </p:spTree>
+    <p:extLst>
+      <p:ext uri="{BB962C8B-B14F-4D97-AF65-F5344CB8AC3E}">
+        <p14:creationId xmlns:p14="http://schemas.microsoft.com/office/powerpoint/2010/main" val="3906980817"/>
+      </p:ext>
+    </p:extLst>
+  </p:cSld>
+  <p:clrMapOvr>
+    <a:masterClrMapping/>
+  </p:clrMapOvr>
+</p:sld>
+</file>
+
+<file path=ppt/slides/slide35.xml><?xml version="1.0" encoding="utf-8"?>
+<p:sld xmlns:a="http://schemas.openxmlformats.org/drawingml/2006/main" xmlns:r="http://schemas.openxmlformats.org/officeDocument/2006/relationships" xmlns:p="http://schemas.openxmlformats.org/presentationml/2006/main">
+  <p:cSld>
+    <p:spTree>
+      <p:nvGrpSpPr>
+        <p:cNvPr id="1" name="">
+          <a:extLst>
+            <a:ext uri="{FF2B5EF4-FFF2-40B4-BE49-F238E27FC236}">
+              <a16:creationId xmlns:a16="http://schemas.microsoft.com/office/drawing/2014/main" id="{B28A9759-CA4F-DA4F-85C2-F6E51DCED2D9}"/>
+            </a:ext>
+          </a:extLst>
+        </p:cNvPr>
+        <p:cNvGrpSpPr/>
+        <p:nvPr/>
+      </p:nvGrpSpPr>
+      <p:grpSpPr>
+        <a:xfrm>
+          <a:off x="0" y="0"/>
+          <a:ext cx="0" cy="0"/>
+          <a:chOff x="0" y="0"/>
+          <a:chExt cx="0" cy="0"/>
+        </a:xfrm>
+      </p:grpSpPr>
+      <p:sp>
+        <p:nvSpPr>
+          <p:cNvPr id="2" name="Título 1">
+            <a:extLst>
+              <a:ext uri="{FF2B5EF4-FFF2-40B4-BE49-F238E27FC236}">
+                <a16:creationId xmlns:a16="http://schemas.microsoft.com/office/drawing/2014/main" id="{072F732D-34CE-6153-324F-D7F6821577F0}"/>
+              </a:ext>
+            </a:extLst>
+          </p:cNvPr>
+          <p:cNvSpPr>
+            <a:spLocks noGrp="1"/>
+          </p:cNvSpPr>
+          <p:nvPr>
+            <p:ph type="title"/>
+          </p:nvPr>
+        </p:nvSpPr>
+        <p:spPr/>
+        <p:txBody>
+          <a:bodyPr/>
+          <a:lstStyle/>
+          <a:p>
+            <a:r>
+              <a:rPr lang="pt-BR" noProof="0" dirty="0"/>
+              <a:t>Vantagens e desvantagens</a:t>
+            </a:r>
+          </a:p>
+        </p:txBody>
+      </p:sp>
+      <p:sp>
+        <p:nvSpPr>
+          <p:cNvPr id="3" name="Espaço Reservado para Conteúdo 2">
+            <a:extLst>
+              <a:ext uri="{FF2B5EF4-FFF2-40B4-BE49-F238E27FC236}">
+                <a16:creationId xmlns:a16="http://schemas.microsoft.com/office/drawing/2014/main" id="{62A55622-8E11-E5D7-8EAF-7AE2CCAA3321}"/>
+              </a:ext>
+            </a:extLst>
+          </p:cNvPr>
+          <p:cNvSpPr>
+            <a:spLocks noGrp="1"/>
+          </p:cNvSpPr>
+          <p:nvPr>
+            <p:ph idx="1"/>
+          </p:nvPr>
+        </p:nvSpPr>
+        <p:spPr/>
+        <p:txBody>
+          <a:bodyPr/>
+          <a:lstStyle/>
+          <a:p>
+            <a:endParaRPr lang="pt-BR" noProof="0" dirty="0"/>
+          </a:p>
+        </p:txBody>
+      </p:sp>
+    </p:spTree>
+    <p:extLst>
+      <p:ext uri="{BB962C8B-B14F-4D97-AF65-F5344CB8AC3E}">
+        <p14:creationId xmlns:p14="http://schemas.microsoft.com/office/powerpoint/2010/main" val="1521811257"/>
+      </p:ext>
+    </p:extLst>
+  </p:cSld>
+  <p:clrMapOvr>
+    <a:masterClrMapping/>
+  </p:clrMapOvr>
+</p:sld>
+</file>
+
+<file path=ppt/slides/slide36.xml><?xml version="1.0" encoding="utf-8"?>
+<p:sld xmlns:a="http://schemas.openxmlformats.org/drawingml/2006/main" xmlns:r="http://schemas.openxmlformats.org/officeDocument/2006/relationships" xmlns:p="http://schemas.openxmlformats.org/presentationml/2006/main">
+  <p:cSld>
+    <p:spTree>
+      <p:nvGrpSpPr>
+        <p:cNvPr id="1" name=""/>
+        <p:cNvGrpSpPr/>
+        <p:nvPr/>
+      </p:nvGrpSpPr>
+      <p:grpSpPr>
+        <a:xfrm>
+          <a:off x="0" y="0"/>
+          <a:ext cx="0" cy="0"/>
+          <a:chOff x="0" y="0"/>
+          <a:chExt cx="0" cy="0"/>
+        </a:xfrm>
+      </p:grpSpPr>
+      <p:sp>
+        <p:nvSpPr>
+          <p:cNvPr id="2" name="Título 1">
+            <a:extLst>
+              <a:ext uri="{FF2B5EF4-FFF2-40B4-BE49-F238E27FC236}">
+                <a16:creationId xmlns:a16="http://schemas.microsoft.com/office/drawing/2014/main" id="{B9E502FC-4440-F5DA-F299-69CD15E702AE}"/>
+              </a:ext>
+            </a:extLst>
+          </p:cNvPr>
+          <p:cNvSpPr>
+            <a:spLocks noGrp="1"/>
+          </p:cNvSpPr>
+          <p:nvPr>
+            <p:ph type="title"/>
+          </p:nvPr>
+        </p:nvSpPr>
+        <p:spPr/>
+        <p:txBody>
+          <a:bodyPr/>
+          <a:lstStyle/>
+          <a:p>
+            <a:r>
+              <a:rPr lang="pt-BR" noProof="0" dirty="0"/>
+              <a:t>Exemplo(</a:t>
+            </a:r>
+            <a:r>
+              <a:rPr lang="pt-BR" noProof="0" dirty="0" err="1"/>
+              <a:t>s</a:t>
+            </a:r>
+            <a:r>
+              <a:rPr lang="pt-BR" noProof="0" dirty="0"/>
+              <a:t>) de aplicação</a:t>
+            </a:r>
+          </a:p>
+        </p:txBody>
+      </p:sp>
+      <p:sp>
+        <p:nvSpPr>
+          <p:cNvPr id="3" name="Espaço Reservado para Conteúdo 2">
+            <a:extLst>
+              <a:ext uri="{FF2B5EF4-FFF2-40B4-BE49-F238E27FC236}">
+                <a16:creationId xmlns:a16="http://schemas.microsoft.com/office/drawing/2014/main" id="{69359096-6B47-BEA3-55AD-95F90CDC8489}"/>
+              </a:ext>
+            </a:extLst>
+          </p:cNvPr>
+          <p:cNvSpPr>
+            <a:spLocks noGrp="1"/>
+          </p:cNvSpPr>
+          <p:nvPr>
+            <p:ph idx="1"/>
+          </p:nvPr>
+        </p:nvSpPr>
+        <p:spPr/>
+        <p:txBody>
+          <a:bodyPr/>
+          <a:lstStyle/>
+          <a:p>
+            <a:endParaRPr lang="pt-BR" noProof="0" dirty="0"/>
+          </a:p>
+        </p:txBody>
+      </p:sp>
+    </p:spTree>
+    <p:extLst>
+      <p:ext uri="{BB962C8B-B14F-4D97-AF65-F5344CB8AC3E}">
+        <p14:creationId xmlns:p14="http://schemas.microsoft.com/office/powerpoint/2010/main" val="1532530965"/>
+      </p:ext>
+    </p:extLst>
+  </p:cSld>
+  <p:clrMapOvr>
+    <a:masterClrMapping/>
+  </p:clrMapOvr>
+</p:sld>
+</file>
+
+<file path=ppt/slides/slide37.xml><?xml version="1.0" encoding="utf-8"?>
+<p:sld xmlns:a="http://schemas.openxmlformats.org/drawingml/2006/main" xmlns:r="http://schemas.openxmlformats.org/officeDocument/2006/relationships" xmlns:p="http://schemas.openxmlformats.org/presentationml/2006/main">
+  <p:cSld>
+    <p:spTree>
+      <p:nvGrpSpPr>
+        <p:cNvPr id="1" name=""/>
+        <p:cNvGrpSpPr/>
+        <p:nvPr/>
+      </p:nvGrpSpPr>
+      <p:grpSpPr>
+        <a:xfrm>
+          <a:off x="0" y="0"/>
+          <a:ext cx="0" cy="0"/>
+          <a:chOff x="0" y="0"/>
+          <a:chExt cx="0" cy="0"/>
+        </a:xfrm>
+      </p:grpSpPr>
+      <p:sp>
+        <p:nvSpPr>
+          <p:cNvPr id="2" name="Título 1">
+            <a:extLst>
+              <a:ext uri="{FF2B5EF4-FFF2-40B4-BE49-F238E27FC236}">
+                <a16:creationId xmlns:a16="http://schemas.microsoft.com/office/drawing/2014/main" id="{B7EBC8F7-03EF-338A-A90B-280A41AF9688}"/>
+              </a:ext>
+            </a:extLst>
+          </p:cNvPr>
+          <p:cNvSpPr>
+            <a:spLocks noGrp="1"/>
+          </p:cNvSpPr>
+          <p:nvPr>
+            <p:ph type="title"/>
+          </p:nvPr>
+        </p:nvSpPr>
+        <p:spPr/>
+        <p:txBody>
+          <a:bodyPr/>
+          <a:lstStyle/>
+          <a:p>
+            <a:r>
+              <a:rPr lang="pt-BR" noProof="0" dirty="0"/>
+              <a:t>Comparação com outros algoritmos</a:t>
+            </a:r>
+          </a:p>
+        </p:txBody>
+      </p:sp>
+      <p:sp>
+        <p:nvSpPr>
+          <p:cNvPr id="3" name="Espaço Reservado para Conteúdo 2">
+            <a:extLst>
+              <a:ext uri="{FF2B5EF4-FFF2-40B4-BE49-F238E27FC236}">
+                <a16:creationId xmlns:a16="http://schemas.microsoft.com/office/drawing/2014/main" id="{C525BCE7-C19D-7DDA-016A-E3016C398CBA}"/>
+              </a:ext>
+            </a:extLst>
+          </p:cNvPr>
+          <p:cNvSpPr>
+            <a:spLocks noGrp="1"/>
+          </p:cNvSpPr>
+          <p:nvPr>
+            <p:ph idx="1"/>
+          </p:nvPr>
+        </p:nvSpPr>
+        <p:spPr/>
+        <p:txBody>
+          <a:bodyPr/>
+          <a:lstStyle/>
+          <a:p>
+            <a:endParaRPr lang="pt-BR" noProof="0" dirty="0"/>
+          </a:p>
+        </p:txBody>
+      </p:sp>
+    </p:spTree>
+    <p:extLst>
+      <p:ext uri="{BB962C8B-B14F-4D97-AF65-F5344CB8AC3E}">
+        <p14:creationId xmlns:p14="http://schemas.microsoft.com/office/powerpoint/2010/main" val="3601469261"/>
+      </p:ext>
+    </p:extLst>
+  </p:cSld>
+  <p:clrMapOvr>
+    <a:masterClrMapping/>
+  </p:clrMapOvr>
+</p:sld>
+</file>
+
+<file path=ppt/slides/slide38.xml><?xml version="1.0" encoding="utf-8"?>
+<p:sld xmlns:a="http://schemas.openxmlformats.org/drawingml/2006/main" xmlns:r="http://schemas.openxmlformats.org/officeDocument/2006/relationships" xmlns:p="http://schemas.openxmlformats.org/presentationml/2006/main">
+  <p:cSld>
+    <p:spTree>
+      <p:nvGrpSpPr>
         <p:cNvPr id="1" name=""/>
         <p:cNvGrpSpPr/>
         <p:nvPr/>
@@ -11865,7 +16644,7 @@
             <a:pPr algn="ctr"/>
             <a:r>
               <a:rPr lang="pt-BR" sz="6600" noProof="0" dirty="0"/>
-              <a:t>Obrigado!</a:t>
+              <a:t>Perguntas?</a:t>
             </a:r>
             <a:endParaRPr lang="pt-BR" sz="6600" b="1" i="1" noProof="0" dirty="0"/>
           </a:p>
@@ -11874,7 +16653,128 @@
     </p:spTree>
     <p:extLst>
       <p:ext uri="{BB962C8B-B14F-4D97-AF65-F5344CB8AC3E}">
-        <p14:creationId xmlns:p14="http://schemas.microsoft.com/office/powerpoint/2010/main" val="2655704619"/>
+        <p14:creationId xmlns:p14="http://schemas.microsoft.com/office/powerpoint/2010/main" val="3773005660"/>
+      </p:ext>
+    </p:extLst>
+  </p:cSld>
+  <p:clrMapOvr>
+    <a:masterClrMapping/>
+  </p:clrMapOvr>
+</p:sld>
+</file>
+
+<file path=ppt/slides/slide39.xml><?xml version="1.0" encoding="utf-8"?>
+<p:sld xmlns:a="http://schemas.openxmlformats.org/drawingml/2006/main" xmlns:r="http://schemas.openxmlformats.org/officeDocument/2006/relationships" xmlns:p="http://schemas.openxmlformats.org/presentationml/2006/main">
+  <p:cSld>
+    <p:spTree>
+      <p:nvGrpSpPr>
+        <p:cNvPr id="1" name=""/>
+        <p:cNvGrpSpPr/>
+        <p:nvPr/>
+      </p:nvGrpSpPr>
+      <p:grpSpPr>
+        <a:xfrm>
+          <a:off x="0" y="0"/>
+          <a:ext cx="0" cy="0"/>
+          <a:chOff x="0" y="0"/>
+          <a:chExt cx="0" cy="0"/>
+        </a:xfrm>
+      </p:grpSpPr>
+      <p:sp>
+        <p:nvSpPr>
+          <p:cNvPr id="2" name="Título 1">
+            <a:extLst>
+              <a:ext uri="{FF2B5EF4-FFF2-40B4-BE49-F238E27FC236}">
+                <a16:creationId xmlns:a16="http://schemas.microsoft.com/office/drawing/2014/main" id="{3CA32550-8C76-B013-2EC7-989D8C3B19BE}"/>
+              </a:ext>
+            </a:extLst>
+          </p:cNvPr>
+          <p:cNvSpPr>
+            <a:spLocks noGrp="1"/>
+          </p:cNvSpPr>
+          <p:nvPr>
+            <p:ph type="title"/>
+          </p:nvPr>
+        </p:nvSpPr>
+        <p:spPr/>
+        <p:txBody>
+          <a:bodyPr/>
+          <a:lstStyle/>
+          <a:p>
+            <a:r>
+              <a:rPr lang="pt-BR" noProof="0" dirty="0"/>
+              <a:t>Referências</a:t>
+            </a:r>
+          </a:p>
+        </p:txBody>
+      </p:sp>
+      <p:sp>
+        <p:nvSpPr>
+          <p:cNvPr id="3" name="Espaço Reservado para Conteúdo 2">
+            <a:extLst>
+              <a:ext uri="{FF2B5EF4-FFF2-40B4-BE49-F238E27FC236}">
+                <a16:creationId xmlns:a16="http://schemas.microsoft.com/office/drawing/2014/main" id="{EF043237-7757-7557-B63E-D4EB5152D44B}"/>
+              </a:ext>
+            </a:extLst>
+          </p:cNvPr>
+          <p:cNvSpPr>
+            <a:spLocks noGrp="1"/>
+          </p:cNvSpPr>
+          <p:nvPr>
+            <p:ph idx="1"/>
+          </p:nvPr>
+        </p:nvSpPr>
+        <p:spPr/>
+        <p:txBody>
+          <a:bodyPr/>
+          <a:lstStyle/>
+          <a:p>
+            <a:r>
+              <a:rPr lang="pt-BR" dirty="0">
+                <a:hlinkClick r:id="rId2"/>
+              </a:rPr>
+              <a:t>https://arxiv.org/pdf/2106.09685</a:t>
+            </a:r>
+          </a:p>
+          <a:p>
+            <a:r>
+              <a:rPr lang="pt-BR" dirty="0">
+                <a:hlinkClick r:id="rId2"/>
+              </a:rPr>
+              <a:t>https://www.fishi-pedia.com/wp-content/uploads/2019/06/baracuda.jpg</a:t>
+            </a:r>
+            <a:endParaRPr lang="pt-BR" dirty="0"/>
+          </a:p>
+          <a:p>
+            <a:r>
+              <a:rPr lang="pt-BR" dirty="0">
+                <a:hlinkClick r:id="rId3"/>
+              </a:rPr>
+              <a:t>https://di-uploads-pod15.dealerinspire.com/capecoralchryslerdodgejeepram/uploads/2024/02/Dodge-Barracuda.jpg</a:t>
+            </a:r>
+            <a:endParaRPr lang="pt-BR" dirty="0"/>
+          </a:p>
+          <a:p>
+            <a:r>
+              <a:rPr lang="pt-BR" dirty="0">
+                <a:hlinkClick r:id="rId4"/>
+              </a:rPr>
+              <a:t>https://www.youtube.com/watch?v=LPZh9BOjkQs</a:t>
+            </a:r>
+            <a:endParaRPr lang="pt-BR" dirty="0"/>
+          </a:p>
+          <a:p>
+            <a:endParaRPr lang="pt-BR" dirty="0"/>
+          </a:p>
+          <a:p>
+            <a:endParaRPr lang="pt-BR" noProof="0" dirty="0"/>
+          </a:p>
+        </p:txBody>
+      </p:sp>
+    </p:spTree>
+    <p:extLst>
+      <p:ext uri="{BB962C8B-B14F-4D97-AF65-F5344CB8AC3E}">
+        <p14:creationId xmlns:p14="http://schemas.microsoft.com/office/powerpoint/2010/main" val="1787264919"/>
       </p:ext>
     </p:extLst>
   </p:cSld>
@@ -13894,6 +18794,92 @@
     <p:extLst>
       <p:ext uri="{BB962C8B-B14F-4D97-AF65-F5344CB8AC3E}">
         <p14:creationId xmlns:p14="http://schemas.microsoft.com/office/powerpoint/2010/main" val="3781053226"/>
+      </p:ext>
+    </p:extLst>
+  </p:cSld>
+  <p:clrMapOvr>
+    <a:masterClrMapping/>
+  </p:clrMapOvr>
+</p:sld>
+</file>
+
+<file path=ppt/slides/slide40.xml><?xml version="1.0" encoding="utf-8"?>
+<p:sld xmlns:a="http://schemas.openxmlformats.org/drawingml/2006/main" xmlns:r="http://schemas.openxmlformats.org/officeDocument/2006/relationships" xmlns:p="http://schemas.openxmlformats.org/presentationml/2006/main">
+  <p:cSld>
+    <p:spTree>
+      <p:nvGrpSpPr>
+        <p:cNvPr id="1" name=""/>
+        <p:cNvGrpSpPr/>
+        <p:nvPr/>
+      </p:nvGrpSpPr>
+      <p:grpSpPr>
+        <a:xfrm>
+          <a:off x="0" y="0"/>
+          <a:ext cx="0" cy="0"/>
+          <a:chOff x="0" y="0"/>
+          <a:chExt cx="0" cy="0"/>
+        </a:xfrm>
+      </p:grpSpPr>
+      <p:sp>
+        <p:nvSpPr>
+          <p:cNvPr id="4" name="Título 1">
+            <a:extLst>
+              <a:ext uri="{FF2B5EF4-FFF2-40B4-BE49-F238E27FC236}">
+                <a16:creationId xmlns:a16="http://schemas.microsoft.com/office/drawing/2014/main" id="{32666AC8-2E17-4DB4-B0F5-60C640CCFD2E}"/>
+              </a:ext>
+            </a:extLst>
+          </p:cNvPr>
+          <p:cNvSpPr txBox="1">
+            <a:spLocks/>
+          </p:cNvSpPr>
+          <p:nvPr/>
+        </p:nvSpPr>
+        <p:spPr>
+          <a:xfrm>
+            <a:off x="1431533" y="2720526"/>
+            <a:ext cx="9144000" cy="1029541"/>
+          </a:xfrm>
+          <a:prstGeom prst="rect">
+            <a:avLst/>
+          </a:prstGeom>
+        </p:spPr>
+        <p:txBody>
+          <a:bodyPr vert="horz" lIns="91440" tIns="45720" rIns="91440" bIns="45720" rtlCol="0" anchor="ctr">
+            <a:normAutofit/>
+          </a:bodyPr>
+          <a:lstStyle>
+            <a:lvl1pPr algn="l" defTabSz="914400" rtl="0" eaLnBrk="1" latinLnBrk="0" hangingPunct="1">
+              <a:lnSpc>
+                <a:spcPct val="90000"/>
+              </a:lnSpc>
+              <a:spcBef>
+                <a:spcPct val="0"/>
+              </a:spcBef>
+              <a:buNone/>
+              <a:defRPr sz="4400" kern="1200">
+                <a:solidFill>
+                  <a:schemeClr val="tx1"/>
+                </a:solidFill>
+                <a:latin typeface="+mj-lt"/>
+                <a:ea typeface="+mj-ea"/>
+                <a:cs typeface="+mj-cs"/>
+              </a:defRPr>
+            </a:lvl1pPr>
+          </a:lstStyle>
+          <a:p>
+            <a:pPr algn="ctr"/>
+            <a:r>
+              <a:rPr lang="pt-BR" sz="6600" noProof="0" dirty="0"/>
+              <a:t>Obrigado!</a:t>
+            </a:r>
+            <a:endParaRPr lang="pt-BR" sz="6600" b="1" i="1" noProof="0" dirty="0"/>
+          </a:p>
+        </p:txBody>
+      </p:sp>
+    </p:spTree>
+    <p:extLst>
+      <p:ext uri="{BB962C8B-B14F-4D97-AF65-F5344CB8AC3E}">
+        <p14:creationId xmlns:p14="http://schemas.microsoft.com/office/powerpoint/2010/main" val="2655704619"/>
       </p:ext>
     </p:extLst>
   </p:cSld>

--- a/seminarios/ciclo 2/TP558_LoRA.pptx
+++ b/seminarios/ciclo 2/TP558_LoRA.pptx
@@ -5,10 +5,10 @@
     <p:sldMasterId id="2147483648" r:id="rId1"/>
   </p:sldMasterIdLst>
   <p:notesMasterIdLst>
-    <p:notesMasterId r:id="rId42"/>
+    <p:notesMasterId r:id="rId51"/>
   </p:notesMasterIdLst>
   <p:handoutMasterIdLst>
-    <p:handoutMasterId r:id="rId43"/>
+    <p:handoutMasterId r:id="rId52"/>
   </p:handoutMasterIdLst>
   <p:sldIdLst>
     <p:sldId id="256" r:id="rId2"/>
@@ -45,12 +45,21 @@
     <p:sldId id="345" r:id="rId33"/>
     <p:sldId id="346" r:id="rId34"/>
     <p:sldId id="310" r:id="rId35"/>
-    <p:sldId id="311" r:id="rId36"/>
-    <p:sldId id="312" r:id="rId37"/>
-    <p:sldId id="313" r:id="rId38"/>
-    <p:sldId id="293" r:id="rId39"/>
-    <p:sldId id="314" r:id="rId40"/>
-    <p:sldId id="306" r:id="rId41"/>
+    <p:sldId id="347" r:id="rId36"/>
+    <p:sldId id="348" r:id="rId37"/>
+    <p:sldId id="349" r:id="rId38"/>
+    <p:sldId id="350" r:id="rId39"/>
+    <p:sldId id="351" r:id="rId40"/>
+    <p:sldId id="355" r:id="rId41"/>
+    <p:sldId id="352" r:id="rId42"/>
+    <p:sldId id="353" r:id="rId43"/>
+    <p:sldId id="354" r:id="rId44"/>
+    <p:sldId id="311" r:id="rId45"/>
+    <p:sldId id="312" r:id="rId46"/>
+    <p:sldId id="313" r:id="rId47"/>
+    <p:sldId id="293" r:id="rId48"/>
+    <p:sldId id="314" r:id="rId49"/>
+    <p:sldId id="306" r:id="rId50"/>
   </p:sldIdLst>
   <p:sldSz cx="12192000" cy="6858000"/>
   <p:notesSz cx="7315200" cy="9601200"/>
@@ -15675,7 +15684,7 @@
           <a:p>
             <a:r>
               <a:rPr lang="pt-BR" dirty="0"/>
-              <a:t>Fundamentação teórica</a:t>
+              <a:t>Arquitetura e funcionamento</a:t>
             </a:r>
             <a:endParaRPr lang="pt-BR" noProof="0" dirty="0"/>
           </a:p>
@@ -16273,34 +16282,315 @@
           </a:p>
         </p:txBody>
       </p:sp>
-      <p:sp>
-        <p:nvSpPr>
-          <p:cNvPr id="3" name="Espaço Reservado para Conteúdo 2">
-            <a:extLst>
-              <a:ext uri="{FF2B5EF4-FFF2-40B4-BE49-F238E27FC236}">
-                <a16:creationId xmlns:a16="http://schemas.microsoft.com/office/drawing/2014/main" id="{F22F88A5-87D1-340F-853F-8C2ED8F8C877}"/>
-              </a:ext>
-            </a:extLst>
-          </p:cNvPr>
-          <p:cNvSpPr>
-            <a:spLocks noGrp="1"/>
-          </p:cNvSpPr>
-          <p:nvPr>
-            <p:ph idx="1"/>
-          </p:nvPr>
-        </p:nvSpPr>
-        <p:spPr/>
-        <p:txBody>
-          <a:bodyPr anchor="ctr"/>
-          <a:lstStyle/>
-          <a:p>
-            <a:pPr marL="0" indent="0" algn="r">
-              <a:buNone/>
-            </a:pPr>
-            <a:endParaRPr lang="pt-BR" noProof="0" dirty="0"/>
-          </a:p>
-        </p:txBody>
-      </p:sp>
+      <mc:AlternateContent xmlns:mc="http://schemas.openxmlformats.org/markup-compatibility/2006">
+        <mc:Choice xmlns:a14="http://schemas.microsoft.com/office/drawing/2010/main" Requires="a14">
+          <p:sp>
+            <p:nvSpPr>
+              <p:cNvPr id="3" name="Espaço Reservado para Conteúdo 2">
+                <a:extLst>
+                  <a:ext uri="{FF2B5EF4-FFF2-40B4-BE49-F238E27FC236}">
+                    <a16:creationId xmlns:a16="http://schemas.microsoft.com/office/drawing/2014/main" id="{F22F88A5-87D1-340F-853F-8C2ED8F8C877}"/>
+                  </a:ext>
+                </a:extLst>
+              </p:cNvPr>
+              <p:cNvSpPr>
+                <a:spLocks noGrp="1"/>
+              </p:cNvSpPr>
+              <p:nvPr>
+                <p:ph idx="1"/>
+              </p:nvPr>
+            </p:nvSpPr>
+            <p:spPr/>
+            <p:txBody>
+              <a:bodyPr anchor="ctr"/>
+              <a:lstStyle/>
+              <a:p>
+                <a:pPr marL="0" indent="0" algn="ctr">
+                  <a:buNone/>
+                </a:pPr>
+                <a14:m>
+                  <m:oMath xmlns:m="http://schemas.openxmlformats.org/officeDocument/2006/math">
+                    <m:r>
+                      <a:rPr lang="pt-BR" i="1" noProof="0" smtClean="0">
+                        <a:latin typeface="Cambria Math" panose="02040503050406030204" pitchFamily="18" charset="0"/>
+                        <a:ea typeface="Cambria Math" panose="02040503050406030204" pitchFamily="18" charset="0"/>
+                      </a:rPr>
+                      <m:t>∆</m:t>
+                    </m:r>
+                    <m:r>
+                      <m:rPr>
+                        <m:sty m:val="p"/>
+                      </m:rPr>
+                      <a:rPr lang="en-US" b="0" i="1" noProof="0" smtClean="0">
+                        <a:latin typeface="Cambria Math" panose="02040503050406030204" pitchFamily="18" charset="0"/>
+                        <a:ea typeface="Cambria Math" panose="02040503050406030204" pitchFamily="18" charset="0"/>
+                      </a:rPr>
+                      <m:t>W</m:t>
+                    </m:r>
+                    <m:r>
+                      <a:rPr lang="en-US" b="0" i="1" noProof="0" smtClean="0">
+                        <a:latin typeface="Cambria Math" panose="02040503050406030204" pitchFamily="18" charset="0"/>
+                        <a:ea typeface="Cambria Math" panose="02040503050406030204" pitchFamily="18" charset="0"/>
+                      </a:rPr>
+                      <m:t>=</m:t>
+                    </m:r>
+                    <m:d>
+                      <m:dPr>
+                        <m:begChr m:val="["/>
+                        <m:endChr m:val="]"/>
+                        <m:ctrlPr>
+                          <a:rPr lang="en-US" b="0" i="1" noProof="0" smtClean="0">
+                            <a:latin typeface="Cambria Math" panose="02040503050406030204" pitchFamily="18" charset="0"/>
+                            <a:ea typeface="Cambria Math" panose="02040503050406030204" pitchFamily="18" charset="0"/>
+                          </a:rPr>
+                        </m:ctrlPr>
+                      </m:dPr>
+                      <m:e>
+                        <m:m>
+                          <m:mPr>
+                            <m:mcs>
+                              <m:mc>
+                                <m:mcPr>
+                                  <m:count m:val="3"/>
+                                  <m:mcJc m:val="center"/>
+                                </m:mcPr>
+                              </m:mc>
+                            </m:mcs>
+                            <m:ctrlPr>
+                              <a:rPr lang="en-US" b="0" i="1" noProof="0" smtClean="0">
+                                <a:latin typeface="Cambria Math" panose="02040503050406030204" pitchFamily="18" charset="0"/>
+                                <a:ea typeface="Cambria Math" panose="02040503050406030204" pitchFamily="18" charset="0"/>
+                              </a:rPr>
+                            </m:ctrlPr>
+                          </m:mPr>
+                          <m:mr>
+                            <m:e>
+                              <m:r>
+                                <m:rPr>
+                                  <m:brk m:alnAt="7"/>
+                                </m:rPr>
+                                <a:rPr lang="en-US" b="0" i="1" noProof="0" smtClean="0">
+                                  <a:latin typeface="Cambria Math" panose="02040503050406030204" pitchFamily="18" charset="0"/>
+                                  <a:ea typeface="Cambria Math" panose="02040503050406030204" pitchFamily="18" charset="0"/>
+                                </a:rPr>
+                                <m:t>0</m:t>
+                              </m:r>
+                            </m:e>
+                            <m:e>
+                              <m:r>
+                                <a:rPr lang="en-US" b="0" i="1" noProof="0" smtClean="0">
+                                  <a:latin typeface="Cambria Math" panose="02040503050406030204" pitchFamily="18" charset="0"/>
+                                  <a:ea typeface="Cambria Math" panose="02040503050406030204" pitchFamily="18" charset="0"/>
+                                </a:rPr>
+                                <m:t>0</m:t>
+                              </m:r>
+                            </m:e>
+                            <m:e>
+                              <m:r>
+                                <a:rPr lang="en-US" b="0" i="1" noProof="0" smtClean="0">
+                                  <a:latin typeface="Cambria Math" panose="02040503050406030204" pitchFamily="18" charset="0"/>
+                                  <a:ea typeface="Cambria Math" panose="02040503050406030204" pitchFamily="18" charset="0"/>
+                                </a:rPr>
+                                <m:t>0</m:t>
+                              </m:r>
+                            </m:e>
+                          </m:mr>
+                          <m:mr>
+                            <m:e>
+                              <m:r>
+                                <a:rPr lang="en-US" b="0" i="1" noProof="0" smtClean="0">
+                                  <a:latin typeface="Cambria Math" panose="02040503050406030204" pitchFamily="18" charset="0"/>
+                                  <a:ea typeface="Cambria Math" panose="02040503050406030204" pitchFamily="18" charset="0"/>
+                                </a:rPr>
+                                <m:t>1</m:t>
+                              </m:r>
+                            </m:e>
+                            <m:e>
+                              <m:r>
+                                <a:rPr lang="en-US" b="0" i="1" noProof="0" smtClean="0">
+                                  <a:latin typeface="Cambria Math" panose="02040503050406030204" pitchFamily="18" charset="0"/>
+                                  <a:ea typeface="Cambria Math" panose="02040503050406030204" pitchFamily="18" charset="0"/>
+                                </a:rPr>
+                                <m:t>2</m:t>
+                              </m:r>
+                            </m:e>
+                            <m:e>
+                              <m:r>
+                                <a:rPr lang="en-US" b="0" i="1" noProof="0" smtClean="0">
+                                  <a:latin typeface="Cambria Math" panose="02040503050406030204" pitchFamily="18" charset="0"/>
+                                  <a:ea typeface="Cambria Math" panose="02040503050406030204" pitchFamily="18" charset="0"/>
+                                </a:rPr>
+                                <m:t>1</m:t>
+                              </m:r>
+                            </m:e>
+                          </m:mr>
+                          <m:mr>
+                            <m:e>
+                              <m:r>
+                                <a:rPr lang="en-US" b="0" i="1" noProof="0" smtClean="0">
+                                  <a:latin typeface="Cambria Math" panose="02040503050406030204" pitchFamily="18" charset="0"/>
+                                  <a:ea typeface="Cambria Math" panose="02040503050406030204" pitchFamily="18" charset="0"/>
+                                </a:rPr>
+                                <m:t>1</m:t>
+                              </m:r>
+                            </m:e>
+                            <m:e>
+                              <m:r>
+                                <a:rPr lang="en-US" b="0" i="1" noProof="0" smtClean="0">
+                                  <a:latin typeface="Cambria Math" panose="02040503050406030204" pitchFamily="18" charset="0"/>
+                                  <a:ea typeface="Cambria Math" panose="02040503050406030204" pitchFamily="18" charset="0"/>
+                                </a:rPr>
+                                <m:t>2</m:t>
+                              </m:r>
+                            </m:e>
+                            <m:e>
+                              <m:r>
+                                <a:rPr lang="en-US" b="0" i="1" noProof="0" smtClean="0">
+                                  <a:latin typeface="Cambria Math" panose="02040503050406030204" pitchFamily="18" charset="0"/>
+                                  <a:ea typeface="Cambria Math" panose="02040503050406030204" pitchFamily="18" charset="0"/>
+                                </a:rPr>
+                                <m:t>2</m:t>
+                              </m:r>
+                            </m:e>
+                          </m:mr>
+                        </m:m>
+                      </m:e>
+                    </m:d>
+                  </m:oMath>
+                </a14:m>
+                <a:r>
+                  <a:rPr lang="pt-BR" noProof="0" dirty="0"/>
+                  <a:t>,</a:t>
+                </a:r>
+                <a14:m>
+                  <m:oMath xmlns:m="http://schemas.openxmlformats.org/officeDocument/2006/math">
+                    <m:sSup>
+                      <m:sSupPr>
+                        <m:ctrlPr>
+                          <a:rPr lang="en-US" i="1" smtClean="0">
+                            <a:latin typeface="Cambria Math" panose="02040503050406030204" pitchFamily="18" charset="0"/>
+                          </a:rPr>
+                        </m:ctrlPr>
+                      </m:sSupPr>
+                      <m:e>
+                        <m:r>
+                          <a:rPr lang="en-US" i="1">
+                            <a:latin typeface="Cambria Math" panose="02040503050406030204" pitchFamily="18" charset="0"/>
+                            <a:ea typeface="Cambria Math" panose="02040503050406030204" pitchFamily="18" charset="0"/>
+                          </a:rPr>
+                          <m:t>∈</m:t>
+                        </m:r>
+                        <m:r>
+                          <a:rPr lang="en-US" i="1">
+                            <a:latin typeface="Cambria Math" panose="02040503050406030204" pitchFamily="18" charset="0"/>
+                            <a:ea typeface="Cambria Math" panose="02040503050406030204" pitchFamily="18" charset="0"/>
+                          </a:rPr>
+                          <m:t>ℝ</m:t>
+                        </m:r>
+                      </m:e>
+                      <m:sup>
+                        <m:r>
+                          <m:rPr>
+                            <m:sty m:val="p"/>
+                          </m:rPr>
+                          <a:rPr lang="en-US" i="1">
+                            <a:latin typeface="Cambria Math" panose="02040503050406030204" pitchFamily="18" charset="0"/>
+                          </a:rPr>
+                          <m:t>d</m:t>
+                        </m:r>
+                        <m:r>
+                          <a:rPr lang="en-US" i="1">
+                            <a:latin typeface="Cambria Math" panose="02040503050406030204" pitchFamily="18" charset="0"/>
+                            <a:ea typeface="Cambria Math" panose="02040503050406030204" pitchFamily="18" charset="0"/>
+                          </a:rPr>
+                          <m:t>×</m:t>
+                        </m:r>
+                        <m:r>
+                          <m:rPr>
+                            <m:sty m:val="p"/>
+                          </m:rPr>
+                          <a:rPr lang="en-US" b="0" i="1" smtClean="0">
+                            <a:latin typeface="Cambria Math" panose="02040503050406030204" pitchFamily="18" charset="0"/>
+                            <a:ea typeface="Cambria Math" panose="02040503050406030204" pitchFamily="18" charset="0"/>
+                          </a:rPr>
+                          <m:t>k</m:t>
+                        </m:r>
+                      </m:sup>
+                    </m:sSup>
+                  </m:oMath>
+                </a14:m>
+                <a:endParaRPr lang="pt-BR" noProof="0" dirty="0"/>
+              </a:p>
+              <a:p>
+                <a:pPr marL="0" indent="0" algn="ctr">
+                  <a:buNone/>
+                </a:pPr>
+                <a:endParaRPr lang="pt-BR" dirty="0"/>
+              </a:p>
+              <a:p>
+                <a:pPr marL="0" indent="0">
+                  <a:buNone/>
+                </a:pPr>
+                <a:r>
+                  <a:rPr lang="pt-BR" noProof="0" dirty="0" err="1"/>
+                  <a:t>d</a:t>
+                </a:r>
+                <a:r>
+                  <a:rPr lang="pt-BR" noProof="0" dirty="0"/>
+                  <a:t> = 3 e </a:t>
+                </a:r>
+                <a:r>
+                  <a:rPr lang="pt-BR" noProof="0" dirty="0" err="1"/>
+                  <a:t>k</a:t>
+                </a:r>
+                <a:r>
+                  <a:rPr lang="pt-BR" noProof="0" dirty="0"/>
+                  <a:t>=3</a:t>
+                </a:r>
+              </a:p>
+            </p:txBody>
+          </p:sp>
+        </mc:Choice>
+        <mc:Fallback>
+          <p:sp>
+            <p:nvSpPr>
+              <p:cNvPr id="3" name="Espaço Reservado para Conteúdo 2">
+                <a:extLst>
+                  <a:ext uri="{FF2B5EF4-FFF2-40B4-BE49-F238E27FC236}">
+                    <a16:creationId xmlns:a16="http://schemas.microsoft.com/office/drawing/2014/main" id="{F22F88A5-87D1-340F-853F-8C2ED8F8C877}"/>
+                  </a:ext>
+                </a:extLst>
+              </p:cNvPr>
+              <p:cNvSpPr>
+                <a:spLocks noGrp="1" noRot="1" noChangeAspect="1" noMove="1" noResize="1" noEditPoints="1" noAdjustHandles="1" noChangeArrowheads="1" noChangeShapeType="1" noTextEdit="1"/>
+              </p:cNvSpPr>
+              <p:nvPr>
+                <p:ph idx="1"/>
+              </p:nvPr>
+            </p:nvSpPr>
+            <p:spPr>
+              <a:blipFill>
+                <a:blip r:embed="rId2"/>
+                <a:stretch>
+                  <a:fillRect l="-1206"/>
+                </a:stretch>
+              </a:blipFill>
+            </p:spPr>
+            <p:txBody>
+              <a:bodyPr/>
+              <a:lstStyle/>
+              <a:p>
+                <a:r>
+                  <a:rPr lang="pt-BR">
+                    <a:noFill/>
+                  </a:rPr>
+                  <a:t> </a:t>
+                </a:r>
+              </a:p>
+            </p:txBody>
+          </p:sp>
+        </mc:Fallback>
+      </mc:AlternateContent>
     </p:spTree>
     <p:extLst>
       <p:ext uri="{BB962C8B-B14F-4D97-AF65-F5344CB8AC3E}">
@@ -16322,7 +16612,7 @@
         <p:cNvPr id="1" name="">
           <a:extLst>
             <a:ext uri="{FF2B5EF4-FFF2-40B4-BE49-F238E27FC236}">
-              <a16:creationId xmlns:a16="http://schemas.microsoft.com/office/drawing/2014/main" id="{B28A9759-CA4F-DA4F-85C2-F6E51DCED2D9}"/>
+              <a16:creationId xmlns:a16="http://schemas.microsoft.com/office/drawing/2014/main" id="{102CAF80-19A6-04EF-2B30-C16F156B5AB6}"/>
             </a:ext>
           </a:extLst>
         </p:cNvPr>
@@ -16342,7 +16632,7 @@
           <p:cNvPr id="2" name="Título 1">
             <a:extLst>
               <a:ext uri="{FF2B5EF4-FFF2-40B4-BE49-F238E27FC236}">
-                <a16:creationId xmlns:a16="http://schemas.microsoft.com/office/drawing/2014/main" id="{072F732D-34CE-6153-324F-D7F6821577F0}"/>
+                <a16:creationId xmlns:a16="http://schemas.microsoft.com/office/drawing/2014/main" id="{DC8CCAC6-ECFF-9A4B-86A0-7388AF7600F0}"/>
               </a:ext>
             </a:extLst>
           </p:cNvPr>
@@ -16360,40 +16650,479 @@
           <a:p>
             <a:r>
               <a:rPr lang="pt-BR" noProof="0" dirty="0"/>
-              <a:t>Vantagens e desvantagens</a:t>
-            </a:r>
+              <a:t>Treinamento e otimização</a:t>
+            </a:r>
+          </a:p>
+        </p:txBody>
+      </p:sp>
+      <mc:AlternateContent xmlns:mc="http://schemas.openxmlformats.org/markup-compatibility/2006">
+        <mc:Choice xmlns:a14="http://schemas.microsoft.com/office/drawing/2010/main" Requires="a14">
+          <p:sp>
+            <p:nvSpPr>
+              <p:cNvPr id="3" name="Espaço Reservado para Conteúdo 2">
+                <a:extLst>
+                  <a:ext uri="{FF2B5EF4-FFF2-40B4-BE49-F238E27FC236}">
+                    <a16:creationId xmlns:a16="http://schemas.microsoft.com/office/drawing/2014/main" id="{BA692058-97D2-7D4E-A0A9-A52D59CE7E76}"/>
+                  </a:ext>
+                </a:extLst>
+              </p:cNvPr>
+              <p:cNvSpPr>
+                <a:spLocks noGrp="1"/>
+              </p:cNvSpPr>
+              <p:nvPr>
+                <p:ph idx="1"/>
+              </p:nvPr>
+            </p:nvSpPr>
+            <p:spPr/>
+            <p:txBody>
+              <a:bodyPr anchor="ctr"/>
+              <a:lstStyle/>
+              <a:p>
+                <a:pPr marL="0" indent="0" algn="ctr">
+                  <a:buNone/>
+                </a:pPr>
+                <a14:m>
+                  <m:oMathPara xmlns:m="http://schemas.openxmlformats.org/officeDocument/2006/math">
+                    <m:oMathParaPr>
+                      <m:jc m:val="centerGroup"/>
+                    </m:oMathParaPr>
+                    <m:oMath xmlns:m="http://schemas.openxmlformats.org/officeDocument/2006/math">
+                      <m:r>
+                        <a:rPr lang="pt-BR" i="1" noProof="0" smtClean="0">
+                          <a:latin typeface="Cambria Math" panose="02040503050406030204" pitchFamily="18" charset="0"/>
+                          <a:ea typeface="Cambria Math" panose="02040503050406030204" pitchFamily="18" charset="0"/>
+                        </a:rPr>
+                        <m:t>∆</m:t>
+                      </m:r>
+                      <m:r>
+                        <m:rPr>
+                          <m:sty m:val="p"/>
+                        </m:rPr>
+                        <a:rPr lang="en-US" b="0" i="1" noProof="0" smtClean="0">
+                          <a:latin typeface="Cambria Math" panose="02040503050406030204" pitchFamily="18" charset="0"/>
+                          <a:ea typeface="Cambria Math" panose="02040503050406030204" pitchFamily="18" charset="0"/>
+                        </a:rPr>
+                        <m:t>W</m:t>
+                      </m:r>
+                      <m:r>
+                        <a:rPr lang="en-US" b="0" i="1" noProof="0" smtClean="0">
+                          <a:latin typeface="Cambria Math" panose="02040503050406030204" pitchFamily="18" charset="0"/>
+                          <a:ea typeface="Cambria Math" panose="02040503050406030204" pitchFamily="18" charset="0"/>
+                        </a:rPr>
+                        <m:t>=</m:t>
+                      </m:r>
+                      <m:d>
+                        <m:dPr>
+                          <m:begChr m:val="["/>
+                          <m:endChr m:val="]"/>
+                          <m:ctrlPr>
+                            <a:rPr lang="en-US" b="0" i="1" noProof="0" smtClean="0">
+                              <a:latin typeface="Cambria Math" panose="02040503050406030204" pitchFamily="18" charset="0"/>
+                              <a:ea typeface="Cambria Math" panose="02040503050406030204" pitchFamily="18" charset="0"/>
+                            </a:rPr>
+                          </m:ctrlPr>
+                        </m:dPr>
+                        <m:e>
+                          <m:m>
+                            <m:mPr>
+                              <m:mcs>
+                                <m:mc>
+                                  <m:mcPr>
+                                    <m:count m:val="3"/>
+                                    <m:mcJc m:val="center"/>
+                                  </m:mcPr>
+                                </m:mc>
+                              </m:mcs>
+                              <m:ctrlPr>
+                                <a:rPr lang="en-US" b="0" i="1" noProof="0" smtClean="0">
+                                  <a:latin typeface="Cambria Math" panose="02040503050406030204" pitchFamily="18" charset="0"/>
+                                  <a:ea typeface="Cambria Math" panose="02040503050406030204" pitchFamily="18" charset="0"/>
+                                </a:rPr>
+                              </m:ctrlPr>
+                            </m:mPr>
+                            <m:mr>
+                              <m:e>
+                                <m:sSub>
+                                  <m:sSubPr>
+                                    <m:ctrlPr>
+                                      <a:rPr lang="en-US" b="0" i="1" noProof="0" smtClean="0">
+                                        <a:latin typeface="Cambria Math" panose="02040503050406030204" pitchFamily="18" charset="0"/>
+                                        <a:ea typeface="Cambria Math" panose="02040503050406030204" pitchFamily="18" charset="0"/>
+                                      </a:rPr>
+                                    </m:ctrlPr>
+                                  </m:sSubPr>
+                                  <m:e>
+                                    <m:r>
+                                      <a:rPr lang="en-US" b="0" i="1" noProof="0" smtClean="0">
+                                        <a:latin typeface="Cambria Math" panose="02040503050406030204" pitchFamily="18" charset="0"/>
+                                        <a:ea typeface="Cambria Math" panose="02040503050406030204" pitchFamily="18" charset="0"/>
+                                      </a:rPr>
+                                      <m:t>0</m:t>
+                                    </m:r>
+                                  </m:e>
+                                  <m:sub>
+                                    <m:r>
+                                      <m:rPr>
+                                        <m:sty m:val="p"/>
+                                      </m:rPr>
+                                      <a:rPr lang="en-US" b="0" i="1" noProof="0" smtClean="0">
+                                        <a:solidFill>
+                                          <a:srgbClr val="FF0000"/>
+                                        </a:solidFill>
+                                        <a:latin typeface="Cambria Math" panose="02040503050406030204" pitchFamily="18" charset="0"/>
+                                        <a:ea typeface="Cambria Math" panose="02040503050406030204" pitchFamily="18" charset="0"/>
+                                      </a:rPr>
+                                      <m:t>x</m:t>
+                                    </m:r>
+                                    <m:r>
+                                      <a:rPr lang="en-US" b="0" i="1" noProof="0" smtClean="0">
+                                        <a:solidFill>
+                                          <a:srgbClr val="FF0000"/>
+                                        </a:solidFill>
+                                        <a:latin typeface="Cambria Math" panose="02040503050406030204" pitchFamily="18" charset="0"/>
+                                        <a:ea typeface="Cambria Math" panose="02040503050406030204" pitchFamily="18" charset="0"/>
+                                      </a:rPr>
+                                      <m:t>2</m:t>
+                                    </m:r>
+                                  </m:sub>
+                                </m:sSub>
+                                <m:r>
+                                  <m:rPr>
+                                    <m:brk m:alnAt="7"/>
+                                  </m:rPr>
+                                  <a:rPr lang="en-US" b="0" i="1" noProof="0" smtClean="0">
+                                    <a:solidFill>
+                                      <a:srgbClr val="FF0000"/>
+                                    </a:solidFill>
+                                    <a:latin typeface="Cambria Math" panose="02040503050406030204" pitchFamily="18" charset="0"/>
+                                    <a:ea typeface="Cambria Math" panose="02040503050406030204" pitchFamily="18" charset="0"/>
+                                  </a:rPr>
+                                  <m:t>=</m:t>
+                                </m:r>
+                              </m:e>
+                              <m:e>
+                                <m:r>
+                                  <a:rPr lang="en-US" b="0" i="1" noProof="0" smtClean="0">
+                                    <a:latin typeface="Cambria Math" panose="02040503050406030204" pitchFamily="18" charset="0"/>
+                                    <a:ea typeface="Cambria Math" panose="02040503050406030204" pitchFamily="18" charset="0"/>
+                                  </a:rPr>
+                                  <m:t>0</m:t>
+                                </m:r>
+                              </m:e>
+                              <m:e>
+                                <m:r>
+                                  <a:rPr lang="en-US" b="0" i="1" noProof="0" smtClean="0">
+                                    <a:latin typeface="Cambria Math" panose="02040503050406030204" pitchFamily="18" charset="0"/>
+                                    <a:ea typeface="Cambria Math" panose="02040503050406030204" pitchFamily="18" charset="0"/>
+                                  </a:rPr>
+                                  <m:t>0</m:t>
+                                </m:r>
+                              </m:e>
+                            </m:mr>
+                            <m:mr>
+                              <m:e>
+                                <m:sSub>
+                                  <m:sSubPr>
+                                    <m:ctrlPr>
+                                      <a:rPr lang="en-US" b="0" i="1" noProof="0" smtClean="0">
+                                        <a:latin typeface="Cambria Math" panose="02040503050406030204" pitchFamily="18" charset="0"/>
+                                        <a:ea typeface="Cambria Math" panose="02040503050406030204" pitchFamily="18" charset="0"/>
+                                      </a:rPr>
+                                    </m:ctrlPr>
+                                  </m:sSubPr>
+                                  <m:e>
+                                    <m:r>
+                                      <a:rPr lang="en-US" b="0" i="1" noProof="0" smtClean="0">
+                                        <a:latin typeface="Cambria Math" panose="02040503050406030204" pitchFamily="18" charset="0"/>
+                                        <a:ea typeface="Cambria Math" panose="02040503050406030204" pitchFamily="18" charset="0"/>
+                                      </a:rPr>
+                                      <m:t>1</m:t>
+                                    </m:r>
+                                  </m:e>
+                                  <m:sub>
+                                    <m:r>
+                                      <m:rPr>
+                                        <m:sty m:val="p"/>
+                                      </m:rPr>
+                                      <a:rPr lang="en-US" b="0" i="1" noProof="0" smtClean="0">
+                                        <a:solidFill>
+                                          <a:srgbClr val="FF0000"/>
+                                        </a:solidFill>
+                                        <a:latin typeface="Cambria Math" panose="02040503050406030204" pitchFamily="18" charset="0"/>
+                                        <a:ea typeface="Cambria Math" panose="02040503050406030204" pitchFamily="18" charset="0"/>
+                                      </a:rPr>
+                                      <m:t>x</m:t>
+                                    </m:r>
+                                    <m:r>
+                                      <a:rPr lang="en-US" b="0" i="1" noProof="0" smtClean="0">
+                                        <a:solidFill>
+                                          <a:srgbClr val="FF0000"/>
+                                        </a:solidFill>
+                                        <a:latin typeface="Cambria Math" panose="02040503050406030204" pitchFamily="18" charset="0"/>
+                                        <a:ea typeface="Cambria Math" panose="02040503050406030204" pitchFamily="18" charset="0"/>
+                                      </a:rPr>
+                                      <m:t>2</m:t>
+                                    </m:r>
+                                  </m:sub>
+                                </m:sSub>
+                                <m:r>
+                                  <a:rPr lang="en-US" b="0" i="1" noProof="0" smtClean="0">
+                                    <a:solidFill>
+                                      <a:srgbClr val="FF0000"/>
+                                    </a:solidFill>
+                                    <a:latin typeface="Cambria Math" panose="02040503050406030204" pitchFamily="18" charset="0"/>
+                                    <a:ea typeface="Cambria Math" panose="02040503050406030204" pitchFamily="18" charset="0"/>
+                                  </a:rPr>
+                                  <m:t>=</m:t>
+                                </m:r>
+                              </m:e>
+                              <m:e>
+                                <m:r>
+                                  <a:rPr lang="en-US" b="0" i="1" noProof="0" smtClean="0">
+                                    <a:latin typeface="Cambria Math" panose="02040503050406030204" pitchFamily="18" charset="0"/>
+                                    <a:ea typeface="Cambria Math" panose="02040503050406030204" pitchFamily="18" charset="0"/>
+                                  </a:rPr>
+                                  <m:t>2</m:t>
+                                </m:r>
+                              </m:e>
+                              <m:e>
+                                <m:r>
+                                  <a:rPr lang="en-US" b="0" i="1" noProof="0" smtClean="0">
+                                    <a:latin typeface="Cambria Math" panose="02040503050406030204" pitchFamily="18" charset="0"/>
+                                    <a:ea typeface="Cambria Math" panose="02040503050406030204" pitchFamily="18" charset="0"/>
+                                  </a:rPr>
+                                  <m:t>1</m:t>
+                                </m:r>
+                              </m:e>
+                            </m:mr>
+                            <m:mr>
+                              <m:e>
+                                <m:sSub>
+                                  <m:sSubPr>
+                                    <m:ctrlPr>
+                                      <a:rPr lang="en-US" b="0" i="1" noProof="0" smtClean="0">
+                                        <a:latin typeface="Cambria Math" panose="02040503050406030204" pitchFamily="18" charset="0"/>
+                                        <a:ea typeface="Cambria Math" panose="02040503050406030204" pitchFamily="18" charset="0"/>
+                                      </a:rPr>
+                                    </m:ctrlPr>
+                                  </m:sSubPr>
+                                  <m:e>
+                                    <m:r>
+                                      <a:rPr lang="en-US" b="0" i="1" noProof="0" smtClean="0">
+                                        <a:latin typeface="Cambria Math" panose="02040503050406030204" pitchFamily="18" charset="0"/>
+                                        <a:ea typeface="Cambria Math" panose="02040503050406030204" pitchFamily="18" charset="0"/>
+                                      </a:rPr>
+                                      <m:t>1</m:t>
+                                    </m:r>
+                                  </m:e>
+                                  <m:sub>
+                                    <m:r>
+                                      <m:rPr>
+                                        <m:sty m:val="p"/>
+                                      </m:rPr>
+                                      <a:rPr lang="en-US" b="0" i="1" noProof="0" smtClean="0">
+                                        <a:solidFill>
+                                          <a:srgbClr val="FF0000"/>
+                                        </a:solidFill>
+                                        <a:latin typeface="Cambria Math" panose="02040503050406030204" pitchFamily="18" charset="0"/>
+                                        <a:ea typeface="Cambria Math" panose="02040503050406030204" pitchFamily="18" charset="0"/>
+                                      </a:rPr>
+                                      <m:t>x</m:t>
+                                    </m:r>
+                                    <m:r>
+                                      <a:rPr lang="en-US" b="0" i="1" noProof="0" smtClean="0">
+                                        <a:solidFill>
+                                          <a:srgbClr val="FF0000"/>
+                                        </a:solidFill>
+                                        <a:latin typeface="Cambria Math" panose="02040503050406030204" pitchFamily="18" charset="0"/>
+                                        <a:ea typeface="Cambria Math" panose="02040503050406030204" pitchFamily="18" charset="0"/>
+                                      </a:rPr>
+                                      <m:t>2</m:t>
+                                    </m:r>
+                                  </m:sub>
+                                </m:sSub>
+                                <m:r>
+                                  <a:rPr lang="en-US" b="0" i="1" noProof="0" smtClean="0">
+                                    <a:solidFill>
+                                      <a:srgbClr val="FF0000"/>
+                                    </a:solidFill>
+                                    <a:latin typeface="Cambria Math" panose="02040503050406030204" pitchFamily="18" charset="0"/>
+                                    <a:ea typeface="Cambria Math" panose="02040503050406030204" pitchFamily="18" charset="0"/>
+                                  </a:rPr>
+                                  <m:t>=</m:t>
+                                </m:r>
+                              </m:e>
+                              <m:e>
+                                <m:r>
+                                  <a:rPr lang="en-US" b="0" i="1" noProof="0" smtClean="0">
+                                    <a:latin typeface="Cambria Math" panose="02040503050406030204" pitchFamily="18" charset="0"/>
+                                    <a:ea typeface="Cambria Math" panose="02040503050406030204" pitchFamily="18" charset="0"/>
+                                  </a:rPr>
+                                  <m:t>2</m:t>
+                                </m:r>
+                              </m:e>
+                              <m:e>
+                                <m:r>
+                                  <a:rPr lang="en-US" b="0" i="1" noProof="0" smtClean="0">
+                                    <a:latin typeface="Cambria Math" panose="02040503050406030204" pitchFamily="18" charset="0"/>
+                                    <a:ea typeface="Cambria Math" panose="02040503050406030204" pitchFamily="18" charset="0"/>
+                                  </a:rPr>
+                                  <m:t>2</m:t>
+                                </m:r>
+                              </m:e>
+                            </m:mr>
+                          </m:m>
+                        </m:e>
+                      </m:d>
+                    </m:oMath>
+                  </m:oMathPara>
+                </a14:m>
+                <a:endParaRPr lang="pt-BR" noProof="0" dirty="0"/>
+              </a:p>
+            </p:txBody>
+          </p:sp>
+        </mc:Choice>
+        <mc:Fallback>
+          <p:sp>
+            <p:nvSpPr>
+              <p:cNvPr id="3" name="Espaço Reservado para Conteúdo 2">
+                <a:extLst>
+                  <a:ext uri="{FF2B5EF4-FFF2-40B4-BE49-F238E27FC236}">
+                    <a16:creationId xmlns:a16="http://schemas.microsoft.com/office/drawing/2014/main" id="{BA692058-97D2-7D4E-A0A9-A52D59CE7E76}"/>
+                  </a:ext>
+                </a:extLst>
+              </p:cNvPr>
+              <p:cNvSpPr>
+                <a:spLocks noGrp="1" noRot="1" noChangeAspect="1" noMove="1" noResize="1" noEditPoints="1" noAdjustHandles="1" noChangeArrowheads="1" noChangeShapeType="1" noTextEdit="1"/>
+              </p:cNvSpPr>
+              <p:nvPr>
+                <p:ph idx="1"/>
+              </p:nvPr>
+            </p:nvSpPr>
+            <p:spPr>
+              <a:blipFill>
+                <a:blip r:embed="rId2"/>
+                <a:stretch>
+                  <a:fillRect/>
+                </a:stretch>
+              </a:blipFill>
+            </p:spPr>
+            <p:txBody>
+              <a:bodyPr/>
+              <a:lstStyle/>
+              <a:p>
+                <a:r>
+                  <a:rPr lang="pt-BR">
+                    <a:noFill/>
+                  </a:rPr>
+                  <a:t> </a:t>
+                </a:r>
+              </a:p>
+            </p:txBody>
+          </p:sp>
+        </mc:Fallback>
+      </mc:AlternateContent>
+      <p:sp>
+        <p:nvSpPr>
+          <p:cNvPr id="4" name="Right Brace 3">
+            <a:extLst>
+              <a:ext uri="{FF2B5EF4-FFF2-40B4-BE49-F238E27FC236}">
+                <a16:creationId xmlns:a16="http://schemas.microsoft.com/office/drawing/2014/main" id="{295E1897-51CD-5960-208D-469279F33309}"/>
+              </a:ext>
+            </a:extLst>
+          </p:cNvPr>
+          <p:cNvSpPr/>
+          <p:nvPr/>
+        </p:nvSpPr>
+        <p:spPr>
+          <a:xfrm rot="5400000">
+            <a:off x="6138672" y="4005072"/>
+            <a:ext cx="298704" cy="1542288"/>
+          </a:xfrm>
+          <a:prstGeom prst="rightBrace">
+            <a:avLst>
+              <a:gd name="adj1" fmla="val 0"/>
+              <a:gd name="adj2" fmla="val 50000"/>
+            </a:avLst>
+          </a:prstGeom>
+          <a:ln w="25400">
+            <a:solidFill>
+              <a:srgbClr val="FF0000"/>
+            </a:solidFill>
+          </a:ln>
+          <a:scene3d>
+            <a:camera prst="orthographicFront">
+              <a:rot lat="0" lon="0" rev="0"/>
+            </a:camera>
+            <a:lightRig rig="threePt" dir="t"/>
+          </a:scene3d>
+        </p:spPr>
+        <p:style>
+          <a:lnRef idx="1">
+            <a:schemeClr val="accent1"/>
+          </a:lnRef>
+          <a:fillRef idx="0">
+            <a:schemeClr val="accent1"/>
+          </a:fillRef>
+          <a:effectRef idx="0">
+            <a:schemeClr val="accent1"/>
+          </a:effectRef>
+          <a:fontRef idx="minor">
+            <a:schemeClr val="tx1"/>
+          </a:fontRef>
+        </p:style>
+        <p:txBody>
+          <a:bodyPr rtlCol="0" anchor="ctr"/>
+          <a:lstStyle/>
+          <a:p>
+            <a:pPr algn="ctr"/>
+            <a:endParaRPr lang="pt-BR"/>
           </a:p>
         </p:txBody>
       </p:sp>
       <p:sp>
         <p:nvSpPr>
-          <p:cNvPr id="3" name="Espaço Reservado para Conteúdo 2">
-            <a:extLst>
-              <a:ext uri="{FF2B5EF4-FFF2-40B4-BE49-F238E27FC236}">
-                <a16:creationId xmlns:a16="http://schemas.microsoft.com/office/drawing/2014/main" id="{62A55622-8E11-E5D7-8EAF-7AE2CCAA3321}"/>
-              </a:ext>
-            </a:extLst>
-          </p:cNvPr>
-          <p:cNvSpPr>
-            <a:spLocks noGrp="1"/>
-          </p:cNvSpPr>
-          <p:nvPr>
-            <p:ph idx="1"/>
-          </p:nvPr>
+          <p:cNvPr id="5" name="TextBox 4">
+            <a:extLst>
+              <a:ext uri="{FF2B5EF4-FFF2-40B4-BE49-F238E27FC236}">
+                <a16:creationId xmlns:a16="http://schemas.microsoft.com/office/drawing/2014/main" id="{78CEB88B-A069-0D28-AD46-89BFC217D01C}"/>
+              </a:ext>
+            </a:extLst>
+          </p:cNvPr>
+          <p:cNvSpPr txBox="1"/>
+          <p:nvPr/>
         </p:nvSpPr>
-        <p:spPr/>
+        <p:spPr>
+          <a:xfrm>
+            <a:off x="4688446" y="4925568"/>
+            <a:ext cx="3384645" cy="461665"/>
+          </a:xfrm>
+          <a:prstGeom prst="rect">
+            <a:avLst/>
+          </a:prstGeom>
+          <a:noFill/>
+        </p:spPr>
         <p:txBody>
-          <a:bodyPr/>
+          <a:bodyPr wrap="none" rtlCol="0">
+            <a:spAutoFit/>
+          </a:bodyPr>
           <a:lstStyle/>
           <a:p>
-            <a:endParaRPr lang="pt-BR" noProof="0" dirty="0"/>
+            <a:r>
+              <a:rPr lang="pt-BR" sz="2400" dirty="0">
+                <a:solidFill>
+                  <a:srgbClr val="FF0000"/>
+                </a:solidFill>
+              </a:rPr>
+              <a:t>Linearmente Dependente</a:t>
+            </a:r>
           </a:p>
         </p:txBody>
       </p:sp>
     </p:spTree>
     <p:extLst>
       <p:ext uri="{BB962C8B-B14F-4D97-AF65-F5344CB8AC3E}">
-        <p14:creationId xmlns:p14="http://schemas.microsoft.com/office/powerpoint/2010/main" val="1521811257"/>
+        <p14:creationId xmlns:p14="http://schemas.microsoft.com/office/powerpoint/2010/main" val="4115682054"/>
       </p:ext>
     </p:extLst>
   </p:cSld>
@@ -16408,7 +17137,13 @@
   <p:cSld>
     <p:spTree>
       <p:nvGrpSpPr>
-        <p:cNvPr id="1" name=""/>
+        <p:cNvPr id="1" name="">
+          <a:extLst>
+            <a:ext uri="{FF2B5EF4-FFF2-40B4-BE49-F238E27FC236}">
+              <a16:creationId xmlns:a16="http://schemas.microsoft.com/office/drawing/2014/main" id="{7AA7040F-B759-0511-F54A-39448CA401C3}"/>
+            </a:ext>
+          </a:extLst>
+        </p:cNvPr>
         <p:cNvGrpSpPr/>
         <p:nvPr/>
       </p:nvGrpSpPr>
@@ -16425,7 +17160,7 @@
           <p:cNvPr id="2" name="Título 1">
             <a:extLst>
               <a:ext uri="{FF2B5EF4-FFF2-40B4-BE49-F238E27FC236}">
-                <a16:creationId xmlns:a16="http://schemas.microsoft.com/office/drawing/2014/main" id="{B9E502FC-4440-F5DA-F299-69CD15E702AE}"/>
+                <a16:creationId xmlns:a16="http://schemas.microsoft.com/office/drawing/2014/main" id="{BDE95080-9A3A-17C2-0292-141BF4A1F243}"/>
               </a:ext>
             </a:extLst>
           </p:cNvPr>
@@ -16443,48 +17178,520 @@
           <a:p>
             <a:r>
               <a:rPr lang="pt-BR" noProof="0" dirty="0"/>
-              <a:t>Exemplo(</a:t>
-            </a:r>
-            <a:r>
-              <a:rPr lang="pt-BR" noProof="0" dirty="0" err="1"/>
-              <a:t>s</a:t>
-            </a:r>
-            <a:r>
-              <a:rPr lang="pt-BR" noProof="0" dirty="0"/>
-              <a:t>) de aplicação</a:t>
-            </a:r>
+              <a:t>Treinamento e otimização</a:t>
+            </a:r>
+          </a:p>
+        </p:txBody>
+      </p:sp>
+      <mc:AlternateContent xmlns:mc="http://schemas.openxmlformats.org/markup-compatibility/2006">
+        <mc:Choice xmlns:a14="http://schemas.microsoft.com/office/drawing/2010/main" Requires="a14">
+          <p:sp>
+            <p:nvSpPr>
+              <p:cNvPr id="3" name="Espaço Reservado para Conteúdo 2">
+                <a:extLst>
+                  <a:ext uri="{FF2B5EF4-FFF2-40B4-BE49-F238E27FC236}">
+                    <a16:creationId xmlns:a16="http://schemas.microsoft.com/office/drawing/2014/main" id="{899B7148-23CF-F0F1-FC9D-1BF3FFC6B5AA}"/>
+                  </a:ext>
+                </a:extLst>
+              </p:cNvPr>
+              <p:cNvSpPr>
+                <a:spLocks noGrp="1"/>
+              </p:cNvSpPr>
+              <p:nvPr>
+                <p:ph idx="1"/>
+              </p:nvPr>
+            </p:nvSpPr>
+            <p:spPr/>
+            <p:txBody>
+              <a:bodyPr anchor="ctr"/>
+              <a:lstStyle/>
+              <a:p>
+                <a:pPr marL="0" indent="0" algn="ctr">
+                  <a:buNone/>
+                </a:pPr>
+                <a14:m>
+                  <m:oMathPara xmlns:m="http://schemas.openxmlformats.org/officeDocument/2006/math">
+                    <m:oMathParaPr>
+                      <m:jc m:val="centerGroup"/>
+                    </m:oMathParaPr>
+                    <m:oMath xmlns:m="http://schemas.openxmlformats.org/officeDocument/2006/math">
+                      <m:r>
+                        <a:rPr lang="pt-BR" i="1" noProof="0" smtClean="0">
+                          <a:latin typeface="Cambria Math" panose="02040503050406030204" pitchFamily="18" charset="0"/>
+                          <a:ea typeface="Cambria Math" panose="02040503050406030204" pitchFamily="18" charset="0"/>
+                        </a:rPr>
+                        <m:t>∆</m:t>
+                      </m:r>
+                      <m:r>
+                        <m:rPr>
+                          <m:sty m:val="p"/>
+                        </m:rPr>
+                        <a:rPr lang="en-US" b="0" i="1" noProof="0" smtClean="0">
+                          <a:latin typeface="Cambria Math" panose="02040503050406030204" pitchFamily="18" charset="0"/>
+                          <a:ea typeface="Cambria Math" panose="02040503050406030204" pitchFamily="18" charset="0"/>
+                        </a:rPr>
+                        <m:t>W</m:t>
+                      </m:r>
+                      <m:r>
+                        <a:rPr lang="en-US" b="0" i="1" noProof="0" smtClean="0">
+                          <a:latin typeface="Cambria Math" panose="02040503050406030204" pitchFamily="18" charset="0"/>
+                          <a:ea typeface="Cambria Math" panose="02040503050406030204" pitchFamily="18" charset="0"/>
+                        </a:rPr>
+                        <m:t>=</m:t>
+                      </m:r>
+                      <m:d>
+                        <m:dPr>
+                          <m:begChr m:val="["/>
+                          <m:endChr m:val="]"/>
+                          <m:ctrlPr>
+                            <a:rPr lang="en-US" b="0" i="1" noProof="0" smtClean="0">
+                              <a:latin typeface="Cambria Math" panose="02040503050406030204" pitchFamily="18" charset="0"/>
+                              <a:ea typeface="Cambria Math" panose="02040503050406030204" pitchFamily="18" charset="0"/>
+                            </a:rPr>
+                          </m:ctrlPr>
+                        </m:dPr>
+                        <m:e>
+                          <m:m>
+                            <m:mPr>
+                              <m:mcs>
+                                <m:mc>
+                                  <m:mcPr>
+                                    <m:count m:val="3"/>
+                                    <m:mcJc m:val="center"/>
+                                  </m:mcPr>
+                                </m:mc>
+                              </m:mcs>
+                              <m:ctrlPr>
+                                <a:rPr lang="en-US" b="0" i="1" noProof="0" smtClean="0">
+                                  <a:latin typeface="Cambria Math" panose="02040503050406030204" pitchFamily="18" charset="0"/>
+                                  <a:ea typeface="Cambria Math" panose="02040503050406030204" pitchFamily="18" charset="0"/>
+                                </a:rPr>
+                              </m:ctrlPr>
+                            </m:mPr>
+                            <m:mr>
+                              <m:e>
+                                <m:sSub>
+                                  <m:sSubPr>
+                                    <m:ctrlPr>
+                                      <a:rPr lang="en-US" b="0" i="1" noProof="0" smtClean="0">
+                                        <a:latin typeface="Cambria Math" panose="02040503050406030204" pitchFamily="18" charset="0"/>
+                                        <a:ea typeface="Cambria Math" panose="02040503050406030204" pitchFamily="18" charset="0"/>
+                                      </a:rPr>
+                                    </m:ctrlPr>
+                                  </m:sSubPr>
+                                  <m:e>
+                                    <m:r>
+                                      <a:rPr lang="en-US" b="0" i="1" noProof="0" smtClean="0">
+                                        <a:latin typeface="Cambria Math" panose="02040503050406030204" pitchFamily="18" charset="0"/>
+                                        <a:ea typeface="Cambria Math" panose="02040503050406030204" pitchFamily="18" charset="0"/>
+                                      </a:rPr>
+                                      <m:t>0</m:t>
+                                    </m:r>
+                                  </m:e>
+                                  <m:sub>
+                                    <m:r>
+                                      <m:rPr>
+                                        <m:sty m:val="p"/>
+                                      </m:rPr>
+                                      <a:rPr lang="en-US" b="0" i="1" noProof="0" smtClean="0">
+                                        <a:solidFill>
+                                          <a:srgbClr val="FF0000"/>
+                                        </a:solidFill>
+                                        <a:latin typeface="Cambria Math" panose="02040503050406030204" pitchFamily="18" charset="0"/>
+                                        <a:ea typeface="Cambria Math" panose="02040503050406030204" pitchFamily="18" charset="0"/>
+                                      </a:rPr>
+                                      <m:t>x</m:t>
+                                    </m:r>
+                                    <m:r>
+                                      <a:rPr lang="en-US" b="0" i="1" noProof="0" smtClean="0">
+                                        <a:solidFill>
+                                          <a:srgbClr val="FF0000"/>
+                                        </a:solidFill>
+                                        <a:latin typeface="Cambria Math" panose="02040503050406030204" pitchFamily="18" charset="0"/>
+                                        <a:ea typeface="Cambria Math" panose="02040503050406030204" pitchFamily="18" charset="0"/>
+                                      </a:rPr>
+                                      <m:t>2</m:t>
+                                    </m:r>
+                                  </m:sub>
+                                </m:sSub>
+                                <m:r>
+                                  <m:rPr>
+                                    <m:brk m:alnAt="7"/>
+                                  </m:rPr>
+                                  <a:rPr lang="en-US" b="0" i="1" noProof="0" smtClean="0">
+                                    <a:solidFill>
+                                      <a:srgbClr val="FF0000"/>
+                                    </a:solidFill>
+                                    <a:latin typeface="Cambria Math" panose="02040503050406030204" pitchFamily="18" charset="0"/>
+                                    <a:ea typeface="Cambria Math" panose="02040503050406030204" pitchFamily="18" charset="0"/>
+                                  </a:rPr>
+                                  <m:t>=</m:t>
+                                </m:r>
+                              </m:e>
+                              <m:e>
+                                <m:r>
+                                  <a:rPr lang="en-US" b="0" i="1" noProof="0" smtClean="0">
+                                    <a:latin typeface="Cambria Math" panose="02040503050406030204" pitchFamily="18" charset="0"/>
+                                    <a:ea typeface="Cambria Math" panose="02040503050406030204" pitchFamily="18" charset="0"/>
+                                  </a:rPr>
+                                  <m:t>0</m:t>
+                                </m:r>
+                              </m:e>
+                              <m:e>
+                                <m:r>
+                                  <a:rPr lang="en-US" b="0" i="1" noProof="0" smtClean="0">
+                                    <a:latin typeface="Cambria Math" panose="02040503050406030204" pitchFamily="18" charset="0"/>
+                                    <a:ea typeface="Cambria Math" panose="02040503050406030204" pitchFamily="18" charset="0"/>
+                                  </a:rPr>
+                                  <m:t>0</m:t>
+                                </m:r>
+                              </m:e>
+                            </m:mr>
+                            <m:mr>
+                              <m:e>
+                                <m:sSub>
+                                  <m:sSubPr>
+                                    <m:ctrlPr>
+                                      <a:rPr lang="en-US" b="0" i="1" noProof="0" smtClean="0">
+                                        <a:latin typeface="Cambria Math" panose="02040503050406030204" pitchFamily="18" charset="0"/>
+                                        <a:ea typeface="Cambria Math" panose="02040503050406030204" pitchFamily="18" charset="0"/>
+                                      </a:rPr>
+                                    </m:ctrlPr>
+                                  </m:sSubPr>
+                                  <m:e>
+                                    <m:r>
+                                      <a:rPr lang="en-US" b="0" i="1" noProof="0" smtClean="0">
+                                        <a:latin typeface="Cambria Math" panose="02040503050406030204" pitchFamily="18" charset="0"/>
+                                        <a:ea typeface="Cambria Math" panose="02040503050406030204" pitchFamily="18" charset="0"/>
+                                      </a:rPr>
+                                      <m:t>1</m:t>
+                                    </m:r>
+                                  </m:e>
+                                  <m:sub>
+                                    <m:r>
+                                      <m:rPr>
+                                        <m:sty m:val="p"/>
+                                      </m:rPr>
+                                      <a:rPr lang="en-US" b="0" i="1" noProof="0" smtClean="0">
+                                        <a:solidFill>
+                                          <a:srgbClr val="FF0000"/>
+                                        </a:solidFill>
+                                        <a:latin typeface="Cambria Math" panose="02040503050406030204" pitchFamily="18" charset="0"/>
+                                        <a:ea typeface="Cambria Math" panose="02040503050406030204" pitchFamily="18" charset="0"/>
+                                      </a:rPr>
+                                      <m:t>x</m:t>
+                                    </m:r>
+                                    <m:r>
+                                      <a:rPr lang="en-US" b="0" i="1" noProof="0" smtClean="0">
+                                        <a:solidFill>
+                                          <a:srgbClr val="FF0000"/>
+                                        </a:solidFill>
+                                        <a:latin typeface="Cambria Math" panose="02040503050406030204" pitchFamily="18" charset="0"/>
+                                        <a:ea typeface="Cambria Math" panose="02040503050406030204" pitchFamily="18" charset="0"/>
+                                      </a:rPr>
+                                      <m:t>2</m:t>
+                                    </m:r>
+                                  </m:sub>
+                                </m:sSub>
+                                <m:r>
+                                  <a:rPr lang="en-US" b="0" i="1" noProof="0" smtClean="0">
+                                    <a:solidFill>
+                                      <a:srgbClr val="FF0000"/>
+                                    </a:solidFill>
+                                    <a:latin typeface="Cambria Math" panose="02040503050406030204" pitchFamily="18" charset="0"/>
+                                    <a:ea typeface="Cambria Math" panose="02040503050406030204" pitchFamily="18" charset="0"/>
+                                  </a:rPr>
+                                  <m:t>=</m:t>
+                                </m:r>
+                              </m:e>
+                              <m:e>
+                                <m:r>
+                                  <a:rPr lang="en-US" b="0" i="1" noProof="0" smtClean="0">
+                                    <a:latin typeface="Cambria Math" panose="02040503050406030204" pitchFamily="18" charset="0"/>
+                                    <a:ea typeface="Cambria Math" panose="02040503050406030204" pitchFamily="18" charset="0"/>
+                                  </a:rPr>
+                                  <m:t>2</m:t>
+                                </m:r>
+                              </m:e>
+                              <m:e>
+                                <m:r>
+                                  <a:rPr lang="en-US" b="0" i="1" noProof="0" smtClean="0">
+                                    <a:latin typeface="Cambria Math" panose="02040503050406030204" pitchFamily="18" charset="0"/>
+                                    <a:ea typeface="Cambria Math" panose="02040503050406030204" pitchFamily="18" charset="0"/>
+                                  </a:rPr>
+                                  <m:t>1</m:t>
+                                </m:r>
+                              </m:e>
+                            </m:mr>
+                            <m:mr>
+                              <m:e>
+                                <m:sSub>
+                                  <m:sSubPr>
+                                    <m:ctrlPr>
+                                      <a:rPr lang="en-US" b="0" i="1" noProof="0" smtClean="0">
+                                        <a:latin typeface="Cambria Math" panose="02040503050406030204" pitchFamily="18" charset="0"/>
+                                        <a:ea typeface="Cambria Math" panose="02040503050406030204" pitchFamily="18" charset="0"/>
+                                      </a:rPr>
+                                    </m:ctrlPr>
+                                  </m:sSubPr>
+                                  <m:e>
+                                    <m:r>
+                                      <a:rPr lang="en-US" b="0" i="1" noProof="0" smtClean="0">
+                                        <a:latin typeface="Cambria Math" panose="02040503050406030204" pitchFamily="18" charset="0"/>
+                                        <a:ea typeface="Cambria Math" panose="02040503050406030204" pitchFamily="18" charset="0"/>
+                                      </a:rPr>
+                                      <m:t>1</m:t>
+                                    </m:r>
+                                  </m:e>
+                                  <m:sub>
+                                    <m:r>
+                                      <m:rPr>
+                                        <m:sty m:val="p"/>
+                                      </m:rPr>
+                                      <a:rPr lang="en-US" b="0" i="1" noProof="0" smtClean="0">
+                                        <a:solidFill>
+                                          <a:srgbClr val="FF0000"/>
+                                        </a:solidFill>
+                                        <a:latin typeface="Cambria Math" panose="02040503050406030204" pitchFamily="18" charset="0"/>
+                                        <a:ea typeface="Cambria Math" panose="02040503050406030204" pitchFamily="18" charset="0"/>
+                                      </a:rPr>
+                                      <m:t>x</m:t>
+                                    </m:r>
+                                    <m:r>
+                                      <a:rPr lang="en-US" b="0" i="1" noProof="0" smtClean="0">
+                                        <a:solidFill>
+                                          <a:srgbClr val="FF0000"/>
+                                        </a:solidFill>
+                                        <a:latin typeface="Cambria Math" panose="02040503050406030204" pitchFamily="18" charset="0"/>
+                                        <a:ea typeface="Cambria Math" panose="02040503050406030204" pitchFamily="18" charset="0"/>
+                                      </a:rPr>
+                                      <m:t>2</m:t>
+                                    </m:r>
+                                  </m:sub>
+                                </m:sSub>
+                                <m:r>
+                                  <a:rPr lang="en-US" b="0" i="1" noProof="0" smtClean="0">
+                                    <a:solidFill>
+                                      <a:srgbClr val="FF0000"/>
+                                    </a:solidFill>
+                                    <a:latin typeface="Cambria Math" panose="02040503050406030204" pitchFamily="18" charset="0"/>
+                                    <a:ea typeface="Cambria Math" panose="02040503050406030204" pitchFamily="18" charset="0"/>
+                                  </a:rPr>
+                                  <m:t>=</m:t>
+                                </m:r>
+                              </m:e>
+                              <m:e>
+                                <m:r>
+                                  <a:rPr lang="en-US" b="0" i="1" noProof="0" smtClean="0">
+                                    <a:latin typeface="Cambria Math" panose="02040503050406030204" pitchFamily="18" charset="0"/>
+                                    <a:ea typeface="Cambria Math" panose="02040503050406030204" pitchFamily="18" charset="0"/>
+                                  </a:rPr>
+                                  <m:t>2</m:t>
+                                </m:r>
+                              </m:e>
+                              <m:e>
+                                <m:r>
+                                  <a:rPr lang="en-US" b="0" i="1" noProof="0" smtClean="0">
+                                    <a:latin typeface="Cambria Math" panose="02040503050406030204" pitchFamily="18" charset="0"/>
+                                    <a:ea typeface="Cambria Math" panose="02040503050406030204" pitchFamily="18" charset="0"/>
+                                  </a:rPr>
+                                  <m:t>2</m:t>
+                                </m:r>
+                              </m:e>
+                            </m:mr>
+                          </m:m>
+                        </m:e>
+                      </m:d>
+                    </m:oMath>
+                  </m:oMathPara>
+                </a14:m>
+                <a:endParaRPr lang="pt-BR" noProof="0" dirty="0"/>
+              </a:p>
+            </p:txBody>
+          </p:sp>
+        </mc:Choice>
+        <mc:Fallback>
+          <p:sp>
+            <p:nvSpPr>
+              <p:cNvPr id="3" name="Espaço Reservado para Conteúdo 2">
+                <a:extLst>
+                  <a:ext uri="{FF2B5EF4-FFF2-40B4-BE49-F238E27FC236}">
+                    <a16:creationId xmlns:a16="http://schemas.microsoft.com/office/drawing/2014/main" id="{899B7148-23CF-F0F1-FC9D-1BF3FFC6B5AA}"/>
+                  </a:ext>
+                </a:extLst>
+              </p:cNvPr>
+              <p:cNvSpPr>
+                <a:spLocks noGrp="1" noRot="1" noChangeAspect="1" noMove="1" noResize="1" noEditPoints="1" noAdjustHandles="1" noChangeArrowheads="1" noChangeShapeType="1" noTextEdit="1"/>
+              </p:cNvSpPr>
+              <p:nvPr>
+                <p:ph idx="1"/>
+              </p:nvPr>
+            </p:nvSpPr>
+            <p:spPr>
+              <a:blipFill>
+                <a:blip r:embed="rId2"/>
+                <a:stretch>
+                  <a:fillRect/>
+                </a:stretch>
+              </a:blipFill>
+            </p:spPr>
+            <p:txBody>
+              <a:bodyPr/>
+              <a:lstStyle/>
+              <a:p>
+                <a:r>
+                  <a:rPr lang="pt-BR">
+                    <a:noFill/>
+                  </a:rPr>
+                  <a:t> </a:t>
+                </a:r>
+              </a:p>
+            </p:txBody>
+          </p:sp>
+        </mc:Fallback>
+      </mc:AlternateContent>
+      <p:sp>
+        <p:nvSpPr>
+          <p:cNvPr id="4" name="Right Brace 3">
+            <a:extLst>
+              <a:ext uri="{FF2B5EF4-FFF2-40B4-BE49-F238E27FC236}">
+                <a16:creationId xmlns:a16="http://schemas.microsoft.com/office/drawing/2014/main" id="{C1DFB7B2-B016-A192-EB1E-927EE6B059AB}"/>
+              </a:ext>
+            </a:extLst>
+          </p:cNvPr>
+          <p:cNvSpPr/>
+          <p:nvPr/>
+        </p:nvSpPr>
+        <p:spPr>
+          <a:xfrm rot="5400000">
+            <a:off x="6138672" y="4005072"/>
+            <a:ext cx="298704" cy="1542288"/>
+          </a:xfrm>
+          <a:prstGeom prst="rightBrace">
+            <a:avLst>
+              <a:gd name="adj1" fmla="val 0"/>
+              <a:gd name="adj2" fmla="val 50000"/>
+            </a:avLst>
+          </a:prstGeom>
+          <a:ln w="25400">
+            <a:solidFill>
+              <a:srgbClr val="FF0000"/>
+            </a:solidFill>
+          </a:ln>
+          <a:scene3d>
+            <a:camera prst="orthographicFront">
+              <a:rot lat="0" lon="0" rev="0"/>
+            </a:camera>
+            <a:lightRig rig="threePt" dir="t"/>
+          </a:scene3d>
+        </p:spPr>
+        <p:style>
+          <a:lnRef idx="1">
+            <a:schemeClr val="accent1"/>
+          </a:lnRef>
+          <a:fillRef idx="0">
+            <a:schemeClr val="accent1"/>
+          </a:fillRef>
+          <a:effectRef idx="0">
+            <a:schemeClr val="accent1"/>
+          </a:effectRef>
+          <a:fontRef idx="minor">
+            <a:schemeClr val="tx1"/>
+          </a:fontRef>
+        </p:style>
+        <p:txBody>
+          <a:bodyPr rtlCol="0" anchor="ctr"/>
+          <a:lstStyle/>
+          <a:p>
+            <a:pPr algn="ctr"/>
+            <a:endParaRPr lang="pt-BR"/>
           </a:p>
         </p:txBody>
       </p:sp>
       <p:sp>
         <p:nvSpPr>
-          <p:cNvPr id="3" name="Espaço Reservado para Conteúdo 2">
-            <a:extLst>
-              <a:ext uri="{FF2B5EF4-FFF2-40B4-BE49-F238E27FC236}">
-                <a16:creationId xmlns:a16="http://schemas.microsoft.com/office/drawing/2014/main" id="{69359096-6B47-BEA3-55AD-95F90CDC8489}"/>
-              </a:ext>
-            </a:extLst>
-          </p:cNvPr>
-          <p:cNvSpPr>
-            <a:spLocks noGrp="1"/>
-          </p:cNvSpPr>
-          <p:nvPr>
-            <p:ph idx="1"/>
-          </p:nvPr>
+          <p:cNvPr id="5" name="TextBox 4">
+            <a:extLst>
+              <a:ext uri="{FF2B5EF4-FFF2-40B4-BE49-F238E27FC236}">
+                <a16:creationId xmlns:a16="http://schemas.microsoft.com/office/drawing/2014/main" id="{55ED9C32-75AD-B554-B8A7-AC6C88DAD105}"/>
+              </a:ext>
+            </a:extLst>
+          </p:cNvPr>
+          <p:cNvSpPr txBox="1"/>
+          <p:nvPr/>
         </p:nvSpPr>
-        <p:spPr/>
+        <p:spPr>
+          <a:xfrm>
+            <a:off x="4688446" y="4925568"/>
+            <a:ext cx="3384645" cy="461665"/>
+          </a:xfrm>
+          <a:prstGeom prst="rect">
+            <a:avLst/>
+          </a:prstGeom>
+          <a:noFill/>
+        </p:spPr>
         <p:txBody>
-          <a:bodyPr/>
+          <a:bodyPr wrap="none" rtlCol="0">
+            <a:spAutoFit/>
+          </a:bodyPr>
           <a:lstStyle/>
           <a:p>
-            <a:endParaRPr lang="pt-BR" noProof="0" dirty="0"/>
+            <a:r>
+              <a:rPr lang="pt-BR" sz="2400" dirty="0">
+                <a:solidFill>
+                  <a:srgbClr val="FF0000"/>
+                </a:solidFill>
+              </a:rPr>
+              <a:t>Linearmente Dependente</a:t>
+            </a:r>
           </a:p>
         </p:txBody>
       </p:sp>
+      <p:cxnSp>
+        <p:nvCxnSpPr>
+          <p:cNvPr id="7" name="Straight Connector 6">
+            <a:extLst>
+              <a:ext uri="{FF2B5EF4-FFF2-40B4-BE49-F238E27FC236}">
+                <a16:creationId xmlns:a16="http://schemas.microsoft.com/office/drawing/2014/main" id="{1DAC0330-3F93-CB5D-4587-2F8857273A76}"/>
+              </a:ext>
+            </a:extLst>
+          </p:cNvPr>
+          <p:cNvCxnSpPr/>
+          <p:nvPr/>
+        </p:nvCxnSpPr>
+        <p:spPr>
+          <a:xfrm>
+            <a:off x="6888480" y="3121152"/>
+            <a:ext cx="0" cy="1804416"/>
+          </a:xfrm>
+          <a:prstGeom prst="line">
+            <a:avLst/>
+          </a:prstGeom>
+          <a:ln w="38100">
+            <a:solidFill>
+              <a:srgbClr val="FF0000"/>
+            </a:solidFill>
+          </a:ln>
+        </p:spPr>
+        <p:style>
+          <a:lnRef idx="1">
+            <a:schemeClr val="accent1"/>
+          </a:lnRef>
+          <a:fillRef idx="0">
+            <a:schemeClr val="accent1"/>
+          </a:fillRef>
+          <a:effectRef idx="0">
+            <a:schemeClr val="accent1"/>
+          </a:effectRef>
+          <a:fontRef idx="minor">
+            <a:schemeClr val="tx1"/>
+          </a:fontRef>
+        </p:style>
+      </p:cxnSp>
     </p:spTree>
     <p:extLst>
       <p:ext uri="{BB962C8B-B14F-4D97-AF65-F5344CB8AC3E}">
-        <p14:creationId xmlns:p14="http://schemas.microsoft.com/office/powerpoint/2010/main" val="1532530965"/>
+        <p14:creationId xmlns:p14="http://schemas.microsoft.com/office/powerpoint/2010/main" val="2087017922"/>
       </p:ext>
     </p:extLst>
   </p:cSld>
@@ -16499,7 +17706,13 @@
   <p:cSld>
     <p:spTree>
       <p:nvGrpSpPr>
-        <p:cNvPr id="1" name=""/>
+        <p:cNvPr id="1" name="">
+          <a:extLst>
+            <a:ext uri="{FF2B5EF4-FFF2-40B4-BE49-F238E27FC236}">
+              <a16:creationId xmlns:a16="http://schemas.microsoft.com/office/drawing/2014/main" id="{46254E15-4CB7-AA7F-4818-84AB14DA79E8}"/>
+            </a:ext>
+          </a:extLst>
+        </p:cNvPr>
         <p:cNvGrpSpPr/>
         <p:nvPr/>
       </p:nvGrpSpPr>
@@ -16516,7 +17729,7 @@
           <p:cNvPr id="2" name="Título 1">
             <a:extLst>
               <a:ext uri="{FF2B5EF4-FFF2-40B4-BE49-F238E27FC236}">
-                <a16:creationId xmlns:a16="http://schemas.microsoft.com/office/drawing/2014/main" id="{B7EBC8F7-03EF-338A-A90B-280A41AF9688}"/>
+                <a16:creationId xmlns:a16="http://schemas.microsoft.com/office/drawing/2014/main" id="{2B5E3C94-E683-A90D-09EB-6890C5E0093B}"/>
               </a:ext>
             </a:extLst>
           </p:cNvPr>
@@ -16534,40 +17747,601 @@
           <a:p>
             <a:r>
               <a:rPr lang="pt-BR" noProof="0" dirty="0"/>
-              <a:t>Comparação com outros algoritmos</a:t>
-            </a:r>
+              <a:t>Treinamento e otimização</a:t>
+            </a:r>
+          </a:p>
+        </p:txBody>
+      </p:sp>
+      <mc:AlternateContent xmlns:mc="http://schemas.openxmlformats.org/markup-compatibility/2006">
+        <mc:Choice xmlns:a14="http://schemas.microsoft.com/office/drawing/2010/main" Requires="a14">
+          <p:sp>
+            <p:nvSpPr>
+              <p:cNvPr id="3" name="Espaço Reservado para Conteúdo 2">
+                <a:extLst>
+                  <a:ext uri="{FF2B5EF4-FFF2-40B4-BE49-F238E27FC236}">
+                    <a16:creationId xmlns:a16="http://schemas.microsoft.com/office/drawing/2014/main" id="{976C2FE5-7153-504F-8404-C1902396E46C}"/>
+                  </a:ext>
+                </a:extLst>
+              </p:cNvPr>
+              <p:cNvSpPr>
+                <a:spLocks noGrp="1"/>
+              </p:cNvSpPr>
+              <p:nvPr>
+                <p:ph idx="1"/>
+              </p:nvPr>
+            </p:nvSpPr>
+            <p:spPr/>
+            <p:txBody>
+              <a:bodyPr anchor="ctr"/>
+              <a:lstStyle/>
+              <a:p>
+                <a:pPr marL="0" indent="0" algn="ctr">
+                  <a:buNone/>
+                </a:pPr>
+                <a14:m>
+                  <m:oMathPara xmlns:m="http://schemas.openxmlformats.org/officeDocument/2006/math">
+                    <m:oMathParaPr>
+                      <m:jc m:val="centerGroup"/>
+                    </m:oMathParaPr>
+                    <m:oMath xmlns:m="http://schemas.openxmlformats.org/officeDocument/2006/math">
+                      <m:r>
+                        <a:rPr lang="pt-BR" i="1" noProof="0" smtClean="0">
+                          <a:latin typeface="Cambria Math" panose="02040503050406030204" pitchFamily="18" charset="0"/>
+                          <a:ea typeface="Cambria Math" panose="02040503050406030204" pitchFamily="18" charset="0"/>
+                        </a:rPr>
+                        <m:t>∆</m:t>
+                      </m:r>
+                      <m:r>
+                        <m:rPr>
+                          <m:sty m:val="p"/>
+                        </m:rPr>
+                        <a:rPr lang="en-US" b="0" i="1" noProof="0" smtClean="0">
+                          <a:latin typeface="Cambria Math" panose="02040503050406030204" pitchFamily="18" charset="0"/>
+                          <a:ea typeface="Cambria Math" panose="02040503050406030204" pitchFamily="18" charset="0"/>
+                        </a:rPr>
+                        <m:t>W</m:t>
+                      </m:r>
+                      <m:r>
+                        <a:rPr lang="en-US" b="0" i="1" noProof="0" smtClean="0">
+                          <a:latin typeface="Cambria Math" panose="02040503050406030204" pitchFamily="18" charset="0"/>
+                          <a:ea typeface="Cambria Math" panose="02040503050406030204" pitchFamily="18" charset="0"/>
+                        </a:rPr>
+                        <m:t>=</m:t>
+                      </m:r>
+                      <m:d>
+                        <m:dPr>
+                          <m:begChr m:val="["/>
+                          <m:endChr m:val="]"/>
+                          <m:ctrlPr>
+                            <a:rPr lang="en-US" b="0" i="1" noProof="0" smtClean="0">
+                              <a:latin typeface="Cambria Math" panose="02040503050406030204" pitchFamily="18" charset="0"/>
+                              <a:ea typeface="Cambria Math" panose="02040503050406030204" pitchFamily="18" charset="0"/>
+                            </a:rPr>
+                          </m:ctrlPr>
+                        </m:dPr>
+                        <m:e>
+                          <m:m>
+                            <m:mPr>
+                              <m:mcs>
+                                <m:mc>
+                                  <m:mcPr>
+                                    <m:count m:val="3"/>
+                                    <m:mcJc m:val="center"/>
+                                  </m:mcPr>
+                                </m:mc>
+                              </m:mcs>
+                              <m:ctrlPr>
+                                <a:rPr lang="en-US" b="0" i="1" noProof="0" smtClean="0">
+                                  <a:latin typeface="Cambria Math" panose="02040503050406030204" pitchFamily="18" charset="0"/>
+                                  <a:ea typeface="Cambria Math" panose="02040503050406030204" pitchFamily="18" charset="0"/>
+                                </a:rPr>
+                              </m:ctrlPr>
+                            </m:mPr>
+                            <m:mr>
+                              <m:e>
+                                <m:sSub>
+                                  <m:sSubPr>
+                                    <m:ctrlPr>
+                                      <a:rPr lang="en-US" b="0" i="1" noProof="0" smtClean="0">
+                                        <a:latin typeface="Cambria Math" panose="02040503050406030204" pitchFamily="18" charset="0"/>
+                                        <a:ea typeface="Cambria Math" panose="02040503050406030204" pitchFamily="18" charset="0"/>
+                                      </a:rPr>
+                                    </m:ctrlPr>
+                                  </m:sSubPr>
+                                  <m:e>
+                                    <m:r>
+                                      <a:rPr lang="en-US" b="0" i="1" noProof="0" smtClean="0">
+                                        <a:latin typeface="Cambria Math" panose="02040503050406030204" pitchFamily="18" charset="0"/>
+                                        <a:ea typeface="Cambria Math" panose="02040503050406030204" pitchFamily="18" charset="0"/>
+                                      </a:rPr>
+                                      <m:t>0</m:t>
+                                    </m:r>
+                                  </m:e>
+                                  <m:sub>
+                                    <m:r>
+                                      <m:rPr>
+                                        <m:sty m:val="p"/>
+                                      </m:rPr>
+                                      <a:rPr lang="en-US" b="0" i="1" noProof="0" smtClean="0">
+                                        <a:solidFill>
+                                          <a:srgbClr val="FF0000"/>
+                                        </a:solidFill>
+                                        <a:latin typeface="Cambria Math" panose="02040503050406030204" pitchFamily="18" charset="0"/>
+                                        <a:ea typeface="Cambria Math" panose="02040503050406030204" pitchFamily="18" charset="0"/>
+                                      </a:rPr>
+                                      <m:t>x</m:t>
+                                    </m:r>
+                                    <m:r>
+                                      <a:rPr lang="en-US" b="0" i="1" noProof="0" smtClean="0">
+                                        <a:solidFill>
+                                          <a:srgbClr val="FF0000"/>
+                                        </a:solidFill>
+                                        <a:latin typeface="Cambria Math" panose="02040503050406030204" pitchFamily="18" charset="0"/>
+                                        <a:ea typeface="Cambria Math" panose="02040503050406030204" pitchFamily="18" charset="0"/>
+                                      </a:rPr>
+                                      <m:t>2</m:t>
+                                    </m:r>
+                                  </m:sub>
+                                </m:sSub>
+                                <m:r>
+                                  <m:rPr>
+                                    <m:brk m:alnAt="7"/>
+                                  </m:rPr>
+                                  <a:rPr lang="en-US" b="0" i="1" noProof="0" smtClean="0">
+                                    <a:solidFill>
+                                      <a:srgbClr val="FF0000"/>
+                                    </a:solidFill>
+                                    <a:latin typeface="Cambria Math" panose="02040503050406030204" pitchFamily="18" charset="0"/>
+                                    <a:ea typeface="Cambria Math" panose="02040503050406030204" pitchFamily="18" charset="0"/>
+                                  </a:rPr>
+                                  <m:t>=</m:t>
+                                </m:r>
+                              </m:e>
+                              <m:e>
+                                <m:r>
+                                  <a:rPr lang="en-US" b="0" i="1" noProof="0" smtClean="0">
+                                    <a:latin typeface="Cambria Math" panose="02040503050406030204" pitchFamily="18" charset="0"/>
+                                    <a:ea typeface="Cambria Math" panose="02040503050406030204" pitchFamily="18" charset="0"/>
+                                  </a:rPr>
+                                  <m:t>0</m:t>
+                                </m:r>
+                              </m:e>
+                              <m:e>
+                                <m:r>
+                                  <a:rPr lang="en-US" b="0" i="1" noProof="0" smtClean="0">
+                                    <a:latin typeface="Cambria Math" panose="02040503050406030204" pitchFamily="18" charset="0"/>
+                                    <a:ea typeface="Cambria Math" panose="02040503050406030204" pitchFamily="18" charset="0"/>
+                                  </a:rPr>
+                                  <m:t>0</m:t>
+                                </m:r>
+                              </m:e>
+                            </m:mr>
+                            <m:mr>
+                              <m:e>
+                                <m:sSub>
+                                  <m:sSubPr>
+                                    <m:ctrlPr>
+                                      <a:rPr lang="en-US" b="0" i="1" noProof="0" smtClean="0">
+                                        <a:latin typeface="Cambria Math" panose="02040503050406030204" pitchFamily="18" charset="0"/>
+                                        <a:ea typeface="Cambria Math" panose="02040503050406030204" pitchFamily="18" charset="0"/>
+                                      </a:rPr>
+                                    </m:ctrlPr>
+                                  </m:sSubPr>
+                                  <m:e>
+                                    <m:r>
+                                      <a:rPr lang="en-US" b="0" i="1" noProof="0" smtClean="0">
+                                        <a:latin typeface="Cambria Math" panose="02040503050406030204" pitchFamily="18" charset="0"/>
+                                        <a:ea typeface="Cambria Math" panose="02040503050406030204" pitchFamily="18" charset="0"/>
+                                      </a:rPr>
+                                      <m:t>1</m:t>
+                                    </m:r>
+                                  </m:e>
+                                  <m:sub>
+                                    <m:r>
+                                      <m:rPr>
+                                        <m:sty m:val="p"/>
+                                      </m:rPr>
+                                      <a:rPr lang="en-US" b="0" i="1" noProof="0" smtClean="0">
+                                        <a:solidFill>
+                                          <a:srgbClr val="FF0000"/>
+                                        </a:solidFill>
+                                        <a:latin typeface="Cambria Math" panose="02040503050406030204" pitchFamily="18" charset="0"/>
+                                        <a:ea typeface="Cambria Math" panose="02040503050406030204" pitchFamily="18" charset="0"/>
+                                      </a:rPr>
+                                      <m:t>x</m:t>
+                                    </m:r>
+                                    <m:r>
+                                      <a:rPr lang="en-US" b="0" i="1" noProof="0" smtClean="0">
+                                        <a:solidFill>
+                                          <a:srgbClr val="FF0000"/>
+                                        </a:solidFill>
+                                        <a:latin typeface="Cambria Math" panose="02040503050406030204" pitchFamily="18" charset="0"/>
+                                        <a:ea typeface="Cambria Math" panose="02040503050406030204" pitchFamily="18" charset="0"/>
+                                      </a:rPr>
+                                      <m:t>2</m:t>
+                                    </m:r>
+                                  </m:sub>
+                                </m:sSub>
+                                <m:r>
+                                  <a:rPr lang="en-US" b="0" i="1" noProof="0" smtClean="0">
+                                    <a:solidFill>
+                                      <a:srgbClr val="FF0000"/>
+                                    </a:solidFill>
+                                    <a:latin typeface="Cambria Math" panose="02040503050406030204" pitchFamily="18" charset="0"/>
+                                    <a:ea typeface="Cambria Math" panose="02040503050406030204" pitchFamily="18" charset="0"/>
+                                  </a:rPr>
+                                  <m:t>=</m:t>
+                                </m:r>
+                              </m:e>
+                              <m:e>
+                                <m:r>
+                                  <a:rPr lang="en-US" b="0" i="1" noProof="0" smtClean="0">
+                                    <a:latin typeface="Cambria Math" panose="02040503050406030204" pitchFamily="18" charset="0"/>
+                                    <a:ea typeface="Cambria Math" panose="02040503050406030204" pitchFamily="18" charset="0"/>
+                                  </a:rPr>
+                                  <m:t>2</m:t>
+                                </m:r>
+                              </m:e>
+                              <m:e>
+                                <m:r>
+                                  <a:rPr lang="en-US" b="0" i="1" noProof="0" smtClean="0">
+                                    <a:latin typeface="Cambria Math" panose="02040503050406030204" pitchFamily="18" charset="0"/>
+                                    <a:ea typeface="Cambria Math" panose="02040503050406030204" pitchFamily="18" charset="0"/>
+                                  </a:rPr>
+                                  <m:t>1</m:t>
+                                </m:r>
+                              </m:e>
+                            </m:mr>
+                            <m:mr>
+                              <m:e>
+                                <m:sSub>
+                                  <m:sSubPr>
+                                    <m:ctrlPr>
+                                      <a:rPr lang="en-US" b="0" i="1" noProof="0" smtClean="0">
+                                        <a:latin typeface="Cambria Math" panose="02040503050406030204" pitchFamily="18" charset="0"/>
+                                        <a:ea typeface="Cambria Math" panose="02040503050406030204" pitchFamily="18" charset="0"/>
+                                      </a:rPr>
+                                    </m:ctrlPr>
+                                  </m:sSubPr>
+                                  <m:e>
+                                    <m:r>
+                                      <a:rPr lang="en-US" b="0" i="1" noProof="0" smtClean="0">
+                                        <a:latin typeface="Cambria Math" panose="02040503050406030204" pitchFamily="18" charset="0"/>
+                                        <a:ea typeface="Cambria Math" panose="02040503050406030204" pitchFamily="18" charset="0"/>
+                                      </a:rPr>
+                                      <m:t>1</m:t>
+                                    </m:r>
+                                  </m:e>
+                                  <m:sub>
+                                    <m:r>
+                                      <m:rPr>
+                                        <m:sty m:val="p"/>
+                                      </m:rPr>
+                                      <a:rPr lang="en-US" b="0" i="1" noProof="0" smtClean="0">
+                                        <a:solidFill>
+                                          <a:srgbClr val="FF0000"/>
+                                        </a:solidFill>
+                                        <a:latin typeface="Cambria Math" panose="02040503050406030204" pitchFamily="18" charset="0"/>
+                                        <a:ea typeface="Cambria Math" panose="02040503050406030204" pitchFamily="18" charset="0"/>
+                                      </a:rPr>
+                                      <m:t>x</m:t>
+                                    </m:r>
+                                    <m:r>
+                                      <a:rPr lang="en-US" b="0" i="1" noProof="0" smtClean="0">
+                                        <a:solidFill>
+                                          <a:srgbClr val="FF0000"/>
+                                        </a:solidFill>
+                                        <a:latin typeface="Cambria Math" panose="02040503050406030204" pitchFamily="18" charset="0"/>
+                                        <a:ea typeface="Cambria Math" panose="02040503050406030204" pitchFamily="18" charset="0"/>
+                                      </a:rPr>
+                                      <m:t>2</m:t>
+                                    </m:r>
+                                  </m:sub>
+                                </m:sSub>
+                                <m:r>
+                                  <a:rPr lang="en-US" b="0" i="1" noProof="0" smtClean="0">
+                                    <a:solidFill>
+                                      <a:srgbClr val="FF0000"/>
+                                    </a:solidFill>
+                                    <a:latin typeface="Cambria Math" panose="02040503050406030204" pitchFamily="18" charset="0"/>
+                                    <a:ea typeface="Cambria Math" panose="02040503050406030204" pitchFamily="18" charset="0"/>
+                                  </a:rPr>
+                                  <m:t>=</m:t>
+                                </m:r>
+                              </m:e>
+                              <m:e>
+                                <m:r>
+                                  <a:rPr lang="en-US" b="0" i="1" noProof="0" smtClean="0">
+                                    <a:latin typeface="Cambria Math" panose="02040503050406030204" pitchFamily="18" charset="0"/>
+                                    <a:ea typeface="Cambria Math" panose="02040503050406030204" pitchFamily="18" charset="0"/>
+                                  </a:rPr>
+                                  <m:t>2</m:t>
+                                </m:r>
+                              </m:e>
+                              <m:e>
+                                <m:r>
+                                  <a:rPr lang="en-US" b="0" i="1" noProof="0" smtClean="0">
+                                    <a:latin typeface="Cambria Math" panose="02040503050406030204" pitchFamily="18" charset="0"/>
+                                    <a:ea typeface="Cambria Math" panose="02040503050406030204" pitchFamily="18" charset="0"/>
+                                  </a:rPr>
+                                  <m:t>2</m:t>
+                                </m:r>
+                              </m:e>
+                            </m:mr>
+                          </m:m>
+                        </m:e>
+                      </m:d>
+                    </m:oMath>
+                  </m:oMathPara>
+                </a14:m>
+                <a:endParaRPr lang="pt-BR" noProof="0" dirty="0"/>
+              </a:p>
+            </p:txBody>
+          </p:sp>
+        </mc:Choice>
+        <mc:Fallback>
+          <p:sp>
+            <p:nvSpPr>
+              <p:cNvPr id="3" name="Espaço Reservado para Conteúdo 2">
+                <a:extLst>
+                  <a:ext uri="{FF2B5EF4-FFF2-40B4-BE49-F238E27FC236}">
+                    <a16:creationId xmlns:a16="http://schemas.microsoft.com/office/drawing/2014/main" id="{976C2FE5-7153-504F-8404-C1902396E46C}"/>
+                  </a:ext>
+                </a:extLst>
+              </p:cNvPr>
+              <p:cNvSpPr>
+                <a:spLocks noGrp="1" noRot="1" noChangeAspect="1" noMove="1" noResize="1" noEditPoints="1" noAdjustHandles="1" noChangeArrowheads="1" noChangeShapeType="1" noTextEdit="1"/>
+              </p:cNvSpPr>
+              <p:nvPr>
+                <p:ph idx="1"/>
+              </p:nvPr>
+            </p:nvSpPr>
+            <p:spPr>
+              <a:blipFill>
+                <a:blip r:embed="rId2"/>
+                <a:stretch>
+                  <a:fillRect/>
+                </a:stretch>
+              </a:blipFill>
+            </p:spPr>
+            <p:txBody>
+              <a:bodyPr/>
+              <a:lstStyle/>
+              <a:p>
+                <a:r>
+                  <a:rPr lang="pt-BR">
+                    <a:noFill/>
+                  </a:rPr>
+                  <a:t> </a:t>
+                </a:r>
+              </a:p>
+            </p:txBody>
+          </p:sp>
+        </mc:Fallback>
+      </mc:AlternateContent>
+      <p:sp>
+        <p:nvSpPr>
+          <p:cNvPr id="4" name="Right Brace 3">
+            <a:extLst>
+              <a:ext uri="{FF2B5EF4-FFF2-40B4-BE49-F238E27FC236}">
+                <a16:creationId xmlns:a16="http://schemas.microsoft.com/office/drawing/2014/main" id="{C31FFD48-871D-377D-15D3-8874A86FAF67}"/>
+              </a:ext>
+            </a:extLst>
+          </p:cNvPr>
+          <p:cNvSpPr/>
+          <p:nvPr/>
+        </p:nvSpPr>
+        <p:spPr>
+          <a:xfrm rot="5400000">
+            <a:off x="6138672" y="4005072"/>
+            <a:ext cx="298704" cy="1542288"/>
+          </a:xfrm>
+          <a:prstGeom prst="rightBrace">
+            <a:avLst>
+              <a:gd name="adj1" fmla="val 0"/>
+              <a:gd name="adj2" fmla="val 50000"/>
+            </a:avLst>
+          </a:prstGeom>
+          <a:ln w="25400">
+            <a:solidFill>
+              <a:srgbClr val="FF0000"/>
+            </a:solidFill>
+          </a:ln>
+          <a:scene3d>
+            <a:camera prst="orthographicFront">
+              <a:rot lat="0" lon="0" rev="0"/>
+            </a:camera>
+            <a:lightRig rig="threePt" dir="t"/>
+          </a:scene3d>
+        </p:spPr>
+        <p:style>
+          <a:lnRef idx="1">
+            <a:schemeClr val="accent1"/>
+          </a:lnRef>
+          <a:fillRef idx="0">
+            <a:schemeClr val="accent1"/>
+          </a:fillRef>
+          <a:effectRef idx="0">
+            <a:schemeClr val="accent1"/>
+          </a:effectRef>
+          <a:fontRef idx="minor">
+            <a:schemeClr val="tx1"/>
+          </a:fontRef>
+        </p:style>
+        <p:txBody>
+          <a:bodyPr rtlCol="0" anchor="ctr"/>
+          <a:lstStyle/>
+          <a:p>
+            <a:pPr algn="ctr"/>
+            <a:endParaRPr lang="pt-BR"/>
           </a:p>
         </p:txBody>
       </p:sp>
       <p:sp>
         <p:nvSpPr>
-          <p:cNvPr id="3" name="Espaço Reservado para Conteúdo 2">
-            <a:extLst>
-              <a:ext uri="{FF2B5EF4-FFF2-40B4-BE49-F238E27FC236}">
-                <a16:creationId xmlns:a16="http://schemas.microsoft.com/office/drawing/2014/main" id="{C525BCE7-C19D-7DDA-016A-E3016C398CBA}"/>
-              </a:ext>
-            </a:extLst>
-          </p:cNvPr>
-          <p:cNvSpPr>
-            <a:spLocks noGrp="1"/>
-          </p:cNvSpPr>
-          <p:nvPr>
-            <p:ph idx="1"/>
-          </p:nvPr>
+          <p:cNvPr id="5" name="TextBox 4">
+            <a:extLst>
+              <a:ext uri="{FF2B5EF4-FFF2-40B4-BE49-F238E27FC236}">
+                <a16:creationId xmlns:a16="http://schemas.microsoft.com/office/drawing/2014/main" id="{188168DD-A6DE-10B9-5F04-ADC642DD1F44}"/>
+              </a:ext>
+            </a:extLst>
+          </p:cNvPr>
+          <p:cNvSpPr txBox="1"/>
+          <p:nvPr/>
         </p:nvSpPr>
-        <p:spPr/>
+        <p:spPr>
+          <a:xfrm>
+            <a:off x="4688446" y="4925568"/>
+            <a:ext cx="3384645" cy="461665"/>
+          </a:xfrm>
+          <a:prstGeom prst="rect">
+            <a:avLst/>
+          </a:prstGeom>
+          <a:noFill/>
+        </p:spPr>
         <p:txBody>
-          <a:bodyPr/>
+          <a:bodyPr wrap="none" rtlCol="0">
+            <a:spAutoFit/>
+          </a:bodyPr>
           <a:lstStyle/>
           <a:p>
-            <a:endParaRPr lang="pt-BR" noProof="0" dirty="0"/>
+            <a:r>
+              <a:rPr lang="pt-BR" sz="2400" dirty="0">
+                <a:solidFill>
+                  <a:srgbClr val="FF0000"/>
+                </a:solidFill>
+              </a:rPr>
+              <a:t>Linearmente Dependente</a:t>
+            </a:r>
+          </a:p>
+        </p:txBody>
+      </p:sp>
+      <p:cxnSp>
+        <p:nvCxnSpPr>
+          <p:cNvPr id="7" name="Straight Connector 6">
+            <a:extLst>
+              <a:ext uri="{FF2B5EF4-FFF2-40B4-BE49-F238E27FC236}">
+                <a16:creationId xmlns:a16="http://schemas.microsoft.com/office/drawing/2014/main" id="{37DBA414-B02D-8D70-ACCF-C73DFFAFACB6}"/>
+              </a:ext>
+            </a:extLst>
+          </p:cNvPr>
+          <p:cNvCxnSpPr/>
+          <p:nvPr/>
+        </p:nvCxnSpPr>
+        <p:spPr>
+          <a:xfrm>
+            <a:off x="6888480" y="3121152"/>
+            <a:ext cx="0" cy="1804416"/>
+          </a:xfrm>
+          <a:prstGeom prst="line">
+            <a:avLst/>
+          </a:prstGeom>
+          <a:ln w="38100">
+            <a:solidFill>
+              <a:srgbClr val="FF0000"/>
+            </a:solidFill>
+          </a:ln>
+        </p:spPr>
+        <p:style>
+          <a:lnRef idx="1">
+            <a:schemeClr val="accent1"/>
+          </a:lnRef>
+          <a:fillRef idx="0">
+            <a:schemeClr val="accent1"/>
+          </a:fillRef>
+          <a:effectRef idx="0">
+            <a:schemeClr val="accent1"/>
+          </a:effectRef>
+          <a:fontRef idx="minor">
+            <a:schemeClr val="tx1"/>
+          </a:fontRef>
+        </p:style>
+      </p:cxnSp>
+      <p:cxnSp>
+        <p:nvCxnSpPr>
+          <p:cNvPr id="8" name="Straight Arrow Connector 7">
+            <a:extLst>
+              <a:ext uri="{FF2B5EF4-FFF2-40B4-BE49-F238E27FC236}">
+                <a16:creationId xmlns:a16="http://schemas.microsoft.com/office/drawing/2014/main" id="{411927A4-A3BF-5133-B7D3-2419924FE8A0}"/>
+              </a:ext>
+            </a:extLst>
+          </p:cNvPr>
+          <p:cNvCxnSpPr>
+            <a:cxnSpLocks/>
+            <a:stCxn id="9" idx="2"/>
+          </p:cNvCxnSpPr>
+          <p:nvPr/>
+        </p:nvCxnSpPr>
+        <p:spPr>
+          <a:xfrm flipH="1">
+            <a:off x="7461504" y="2591693"/>
+            <a:ext cx="611587" cy="752856"/>
+          </a:xfrm>
+          <a:prstGeom prst="straightConnector1">
+            <a:avLst/>
+          </a:prstGeom>
+          <a:ln w="25400">
+            <a:tailEnd type="triangle"/>
+          </a:ln>
+        </p:spPr>
+        <p:style>
+          <a:lnRef idx="1">
+            <a:schemeClr val="accent1"/>
+          </a:lnRef>
+          <a:fillRef idx="0">
+            <a:schemeClr val="accent1"/>
+          </a:fillRef>
+          <a:effectRef idx="0">
+            <a:schemeClr val="accent1"/>
+          </a:effectRef>
+          <a:fontRef idx="minor">
+            <a:schemeClr val="tx1"/>
+          </a:fontRef>
+        </p:style>
+      </p:cxnSp>
+      <p:sp>
+        <p:nvSpPr>
+          <p:cNvPr id="9" name="TextBox 8">
+            <a:extLst>
+              <a:ext uri="{FF2B5EF4-FFF2-40B4-BE49-F238E27FC236}">
+                <a16:creationId xmlns:a16="http://schemas.microsoft.com/office/drawing/2014/main" id="{845CA2E0-B7CA-1D7F-A7F4-868420D1FDBF}"/>
+              </a:ext>
+            </a:extLst>
+          </p:cNvPr>
+          <p:cNvSpPr txBox="1"/>
+          <p:nvPr/>
+        </p:nvSpPr>
+        <p:spPr>
+          <a:xfrm>
+            <a:off x="6274970" y="2130028"/>
+            <a:ext cx="3596241" cy="461665"/>
+          </a:xfrm>
+          <a:prstGeom prst="rect">
+            <a:avLst/>
+          </a:prstGeom>
+          <a:noFill/>
+        </p:spPr>
+        <p:txBody>
+          <a:bodyPr wrap="none" rtlCol="0">
+            <a:spAutoFit/>
+          </a:bodyPr>
+          <a:lstStyle/>
+          <a:p>
+            <a:r>
+              <a:rPr lang="pt-BR" sz="2400" dirty="0">
+                <a:solidFill>
+                  <a:schemeClr val="accent1"/>
+                </a:solidFill>
+              </a:rPr>
+              <a:t>Linearmente Independente</a:t>
+            </a:r>
           </a:p>
         </p:txBody>
       </p:sp>
     </p:spTree>
     <p:extLst>
       <p:ext uri="{BB962C8B-B14F-4D97-AF65-F5344CB8AC3E}">
-        <p14:creationId xmlns:p14="http://schemas.microsoft.com/office/powerpoint/2010/main" val="3601469261"/>
+        <p14:creationId xmlns:p14="http://schemas.microsoft.com/office/powerpoint/2010/main" val="2702278359"/>
       </p:ext>
     </p:extLst>
   </p:cSld>
@@ -16582,7 +18356,13 @@
   <p:cSld>
     <p:spTree>
       <p:nvGrpSpPr>
-        <p:cNvPr id="1" name=""/>
+        <p:cNvPr id="1" name="">
+          <a:extLst>
+            <a:ext uri="{FF2B5EF4-FFF2-40B4-BE49-F238E27FC236}">
+              <a16:creationId xmlns:a16="http://schemas.microsoft.com/office/drawing/2014/main" id="{D9CA8564-F5BE-97BF-22ED-72B905301698}"/>
+            </a:ext>
+          </a:extLst>
+        </p:cNvPr>
         <p:cNvGrpSpPr/>
         <p:nvPr/>
       </p:nvGrpSpPr>
@@ -16596,64 +18376,75 @@
       </p:grpSpPr>
       <p:sp>
         <p:nvSpPr>
-          <p:cNvPr id="4" name="Título 1">
-            <a:extLst>
-              <a:ext uri="{FF2B5EF4-FFF2-40B4-BE49-F238E27FC236}">
-                <a16:creationId xmlns:a16="http://schemas.microsoft.com/office/drawing/2014/main" id="{32666AC8-2E17-4DB4-B0F5-60C640CCFD2E}"/>
-              </a:ext>
-            </a:extLst>
-          </p:cNvPr>
-          <p:cNvSpPr txBox="1">
-            <a:spLocks/>
+          <p:cNvPr id="2" name="Título 1">
+            <a:extLst>
+              <a:ext uri="{FF2B5EF4-FFF2-40B4-BE49-F238E27FC236}">
+                <a16:creationId xmlns:a16="http://schemas.microsoft.com/office/drawing/2014/main" id="{4AA75A25-273D-09AE-905D-FEE2C56D9616}"/>
+              </a:ext>
+            </a:extLst>
+          </p:cNvPr>
+          <p:cNvSpPr>
+            <a:spLocks noGrp="1"/>
           </p:cNvSpPr>
-          <p:nvPr/>
+          <p:nvPr>
+            <p:ph type="title"/>
+          </p:nvPr>
         </p:nvSpPr>
-        <p:spPr>
-          <a:xfrm>
-            <a:off x="1431533" y="2720526"/>
-            <a:ext cx="9144000" cy="1029541"/>
-          </a:xfrm>
-          <a:prstGeom prst="rect">
-            <a:avLst/>
-          </a:prstGeom>
-        </p:spPr>
+        <p:spPr/>
         <p:txBody>
-          <a:bodyPr vert="horz" lIns="91440" tIns="45720" rIns="91440" bIns="45720" rtlCol="0" anchor="ctr">
-            <a:normAutofit/>
-          </a:bodyPr>
-          <a:lstStyle>
-            <a:lvl1pPr algn="l" defTabSz="914400" rtl="0" eaLnBrk="1" latinLnBrk="0" hangingPunct="1">
-              <a:lnSpc>
-                <a:spcPct val="90000"/>
-              </a:lnSpc>
-              <a:spcBef>
-                <a:spcPct val="0"/>
-              </a:spcBef>
+          <a:bodyPr/>
+          <a:lstStyle/>
+          <a:p>
+            <a:r>
+              <a:rPr lang="pt-BR" noProof="0" dirty="0"/>
+              <a:t>Treinamento e otimização</a:t>
+            </a:r>
+          </a:p>
+        </p:txBody>
+      </p:sp>
+      <p:sp>
+        <p:nvSpPr>
+          <p:cNvPr id="3" name="Espaço Reservado para Conteúdo 2">
+            <a:extLst>
+              <a:ext uri="{FF2B5EF4-FFF2-40B4-BE49-F238E27FC236}">
+                <a16:creationId xmlns:a16="http://schemas.microsoft.com/office/drawing/2014/main" id="{88533220-279A-BD8B-D0DF-23B9AA5FE4BC}"/>
+              </a:ext>
+            </a:extLst>
+          </p:cNvPr>
+          <p:cNvSpPr>
+            <a:spLocks noGrp="1"/>
+          </p:cNvSpPr>
+          <p:nvPr>
+            <p:ph idx="1"/>
+          </p:nvPr>
+        </p:nvSpPr>
+        <p:spPr/>
+        <p:txBody>
+          <a:bodyPr anchor="ctr"/>
+          <a:lstStyle/>
+          <a:p>
+            <a:pPr marL="0" indent="0" algn="ctr">
               <a:buNone/>
-              <a:defRPr sz="4400" kern="1200">
-                <a:solidFill>
-                  <a:schemeClr val="tx1"/>
-                </a:solidFill>
-                <a:latin typeface="+mj-lt"/>
-                <a:ea typeface="+mj-ea"/>
-                <a:cs typeface="+mj-cs"/>
-              </a:defRPr>
-            </a:lvl1pPr>
-          </a:lstStyle>
-          <a:p>
-            <a:pPr algn="ctr"/>
-            <a:r>
-              <a:rPr lang="pt-BR" sz="6600" noProof="0" dirty="0"/>
-              <a:t>Perguntas?</a:t>
-            </a:r>
-            <a:endParaRPr lang="pt-BR" sz="6600" b="1" i="1" noProof="0" dirty="0"/>
+            </a:pPr>
+            <a:r>
+              <a:rPr lang="pt-BR" noProof="0" dirty="0"/>
+              <a:t>Portanto </a:t>
+            </a:r>
+            <a:r>
+              <a:rPr lang="pt-BR" noProof="0" dirty="0" err="1"/>
+              <a:t>r</a:t>
+            </a:r>
+            <a:r>
+              <a:rPr lang="pt-BR" noProof="0" dirty="0"/>
+              <a:t> = 1</a:t>
+            </a:r>
           </a:p>
         </p:txBody>
       </p:sp>
     </p:spTree>
     <p:extLst>
       <p:ext uri="{BB962C8B-B14F-4D97-AF65-F5344CB8AC3E}">
-        <p14:creationId xmlns:p14="http://schemas.microsoft.com/office/powerpoint/2010/main" val="3773005660"/>
+        <p14:creationId xmlns:p14="http://schemas.microsoft.com/office/powerpoint/2010/main" val="339699680"/>
       </p:ext>
     </p:extLst>
   </p:cSld>
@@ -16668,7 +18459,13 @@
   <p:cSld>
     <p:spTree>
       <p:nvGrpSpPr>
-        <p:cNvPr id="1" name=""/>
+        <p:cNvPr id="1" name="">
+          <a:extLst>
+            <a:ext uri="{FF2B5EF4-FFF2-40B4-BE49-F238E27FC236}">
+              <a16:creationId xmlns:a16="http://schemas.microsoft.com/office/drawing/2014/main" id="{6013A8C1-1D8D-A801-4689-8FB768BAF99A}"/>
+            </a:ext>
+          </a:extLst>
+        </p:cNvPr>
         <p:cNvGrpSpPr/>
         <p:nvPr/>
       </p:nvGrpSpPr>
@@ -16685,7 +18482,7 @@
           <p:cNvPr id="2" name="Título 1">
             <a:extLst>
               <a:ext uri="{FF2B5EF4-FFF2-40B4-BE49-F238E27FC236}">
-                <a16:creationId xmlns:a16="http://schemas.microsoft.com/office/drawing/2014/main" id="{3CA32550-8C76-B013-2EC7-989D8C3B19BE}"/>
+                <a16:creationId xmlns:a16="http://schemas.microsoft.com/office/drawing/2014/main" id="{78C96D66-86CF-F781-FE4E-16BDAC620342}"/>
               </a:ext>
             </a:extLst>
           </p:cNvPr>
@@ -16703,7 +18500,7 @@
           <a:p>
             <a:r>
               <a:rPr lang="pt-BR" noProof="0" dirty="0"/>
-              <a:t>Referências</a:t>
+              <a:t>Treinamento e otimização</a:t>
             </a:r>
           </a:p>
         </p:txBody>
@@ -16713,7 +18510,7 @@
           <p:cNvPr id="3" name="Espaço Reservado para Conteúdo 2">
             <a:extLst>
               <a:ext uri="{FF2B5EF4-FFF2-40B4-BE49-F238E27FC236}">
-                <a16:creationId xmlns:a16="http://schemas.microsoft.com/office/drawing/2014/main" id="{EF043237-7757-7557-B63E-D4EB5152D44B}"/>
+                <a16:creationId xmlns:a16="http://schemas.microsoft.com/office/drawing/2014/main" id="{6B78717A-B1DF-1021-683D-4D7DA7C903D8}"/>
               </a:ext>
             </a:extLst>
           </p:cNvPr>
@@ -16724,57 +18521,81 @@
             <p:ph idx="1"/>
           </p:nvPr>
         </p:nvSpPr>
-        <p:spPr/>
+        <p:spPr>
+          <a:xfrm>
+            <a:off x="838200" y="1825625"/>
+            <a:ext cx="5343144" cy="4351338"/>
+          </a:xfrm>
+        </p:spPr>
         <p:txBody>
-          <a:bodyPr/>
+          <a:bodyPr anchor="ctr"/>
           <a:lstStyle/>
           <a:p>
-            <a:r>
-              <a:rPr lang="pt-BR" dirty="0">
-                <a:hlinkClick r:id="rId2"/>
-              </a:rPr>
-              <a:t>https://arxiv.org/pdf/2106.09685</a:t>
-            </a:r>
-          </a:p>
-          <a:p>
-            <a:r>
-              <a:rPr lang="pt-BR" dirty="0">
-                <a:hlinkClick r:id="rId2"/>
-              </a:rPr>
-              <a:t>https://www.fishi-pedia.com/wp-content/uploads/2019/06/baracuda.jpg</a:t>
-            </a:r>
-            <a:endParaRPr lang="pt-BR" dirty="0"/>
-          </a:p>
-          <a:p>
-            <a:r>
-              <a:rPr lang="pt-BR" dirty="0">
-                <a:hlinkClick r:id="rId3"/>
-              </a:rPr>
-              <a:t>https://di-uploads-pod15.dealerinspire.com/capecoralchryslerdodgejeepram/uploads/2024/02/Dodge-Barracuda.jpg</a:t>
-            </a:r>
-            <a:endParaRPr lang="pt-BR" dirty="0"/>
-          </a:p>
-          <a:p>
-            <a:r>
-              <a:rPr lang="pt-BR" dirty="0">
-                <a:hlinkClick r:id="rId4"/>
-              </a:rPr>
-              <a:t>https://www.youtube.com/watch?v=LPZh9BOjkQs</a:t>
-            </a:r>
-            <a:endParaRPr lang="pt-BR" dirty="0"/>
-          </a:p>
-          <a:p>
-            <a:endParaRPr lang="pt-BR" dirty="0"/>
-          </a:p>
-          <a:p>
-            <a:endParaRPr lang="pt-BR" noProof="0" dirty="0"/>
+            <a:pPr marL="0" indent="0" algn="r">
+              <a:buNone/>
+            </a:pPr>
+            <a:r>
+              <a:rPr lang="pt-BR" noProof="0" dirty="0"/>
+              <a:t>Dessa forma é possível reduzir a matriz usando </a:t>
+            </a:r>
+            <a:r>
+              <a:rPr lang="pt-BR" b="1" noProof="0" dirty="0"/>
+              <a:t>decomposição</a:t>
+            </a:r>
           </a:p>
         </p:txBody>
       </p:sp>
+      <p:pic>
+        <p:nvPicPr>
+          <p:cNvPr id="3076" name="Picture 4" descr="YARN | Willie, sometimes less is more. | ALF (1986) - S01E14 Family | Video  gifs by quotes | fa15f229 | 紗">
+            <a:extLst>
+              <a:ext uri="{FF2B5EF4-FFF2-40B4-BE49-F238E27FC236}">
+                <a16:creationId xmlns:a16="http://schemas.microsoft.com/office/drawing/2014/main" id="{436FA91D-1965-F215-0050-C56BB98B4A87}"/>
+              </a:ext>
+            </a:extLst>
+          </p:cNvPr>
+          <p:cNvPicPr>
+            <a:picLocks noChangeAspect="1" noChangeArrowheads="1"/>
+          </p:cNvPicPr>
+          <p:nvPr/>
+        </p:nvPicPr>
+        <p:blipFill>
+          <a:blip r:embed="rId2">
+            <a:extLst>
+              <a:ext uri="{28A0092B-C50C-407E-A947-70E740481C1C}">
+                <a14:useLocalDpi xmlns:a14="http://schemas.microsoft.com/office/drawing/2010/main" val="0"/>
+              </a:ext>
+            </a:extLst>
+          </a:blip>
+          <a:srcRect/>
+          <a:stretch>
+            <a:fillRect/>
+          </a:stretch>
+        </p:blipFill>
+        <p:spPr bwMode="auto">
+          <a:xfrm>
+            <a:off x="6518656" y="2096294"/>
+            <a:ext cx="5080000" cy="3810000"/>
+          </a:xfrm>
+          <a:prstGeom prst="rect">
+            <a:avLst/>
+          </a:prstGeom>
+          <a:noFill/>
+          <a:extLst>
+            <a:ext uri="{909E8E84-426E-40DD-AFC4-6F175D3DCCD1}">
+              <a14:hiddenFill xmlns:a14="http://schemas.microsoft.com/office/drawing/2010/main">
+                <a:solidFill>
+                  <a:srgbClr val="FFFFFF"/>
+                </a:solidFill>
+              </a14:hiddenFill>
+            </a:ext>
+          </a:extLst>
+        </p:spPr>
+      </p:pic>
     </p:spTree>
     <p:extLst>
       <p:ext uri="{BB962C8B-B14F-4D97-AF65-F5344CB8AC3E}">
-        <p14:creationId xmlns:p14="http://schemas.microsoft.com/office/powerpoint/2010/main" val="1787264919"/>
+        <p14:creationId xmlns:p14="http://schemas.microsoft.com/office/powerpoint/2010/main" val="342024444"/>
       </p:ext>
     </p:extLst>
   </p:cSld>
@@ -18804,6 +20625,1578 @@
 </file>
 
 <file path=ppt/slides/slide40.xml><?xml version="1.0" encoding="utf-8"?>
+<p:sld xmlns:a="http://schemas.openxmlformats.org/drawingml/2006/main" xmlns:r="http://schemas.openxmlformats.org/officeDocument/2006/relationships" xmlns:p="http://schemas.openxmlformats.org/presentationml/2006/main">
+  <p:cSld>
+    <p:spTree>
+      <p:nvGrpSpPr>
+        <p:cNvPr id="1" name="">
+          <a:extLst>
+            <a:ext uri="{FF2B5EF4-FFF2-40B4-BE49-F238E27FC236}">
+              <a16:creationId xmlns:a16="http://schemas.microsoft.com/office/drawing/2014/main" id="{8C1BAE56-7136-2282-3CEC-12AB026FC99B}"/>
+            </a:ext>
+          </a:extLst>
+        </p:cNvPr>
+        <p:cNvGrpSpPr/>
+        <p:nvPr/>
+      </p:nvGrpSpPr>
+      <p:grpSpPr>
+        <a:xfrm>
+          <a:off x="0" y="0"/>
+          <a:ext cx="0" cy="0"/>
+          <a:chOff x="0" y="0"/>
+          <a:chExt cx="0" cy="0"/>
+        </a:xfrm>
+      </p:grpSpPr>
+      <p:sp>
+        <p:nvSpPr>
+          <p:cNvPr id="2" name="Título 1">
+            <a:extLst>
+              <a:ext uri="{FF2B5EF4-FFF2-40B4-BE49-F238E27FC236}">
+                <a16:creationId xmlns:a16="http://schemas.microsoft.com/office/drawing/2014/main" id="{84E89C6A-DDEA-99CB-70C0-80CA0BA11CBB}"/>
+              </a:ext>
+            </a:extLst>
+          </p:cNvPr>
+          <p:cNvSpPr>
+            <a:spLocks noGrp="1"/>
+          </p:cNvSpPr>
+          <p:nvPr>
+            <p:ph type="title"/>
+          </p:nvPr>
+        </p:nvSpPr>
+        <p:spPr/>
+        <p:txBody>
+          <a:bodyPr/>
+          <a:lstStyle/>
+          <a:p>
+            <a:r>
+              <a:rPr lang="pt-BR" dirty="0"/>
+              <a:t>Treinamento e otimização</a:t>
+            </a:r>
+            <a:endParaRPr lang="pt-BR" noProof="0" dirty="0"/>
+          </a:p>
+        </p:txBody>
+      </p:sp>
+      <mc:AlternateContent xmlns:mc="http://schemas.openxmlformats.org/markup-compatibility/2006">
+        <mc:Choice xmlns:a14="http://schemas.microsoft.com/office/drawing/2010/main" Requires="a14">
+          <p:sp>
+            <p:nvSpPr>
+              <p:cNvPr id="3" name="Espaço Reservado para Conteúdo 2">
+                <a:extLst>
+                  <a:ext uri="{FF2B5EF4-FFF2-40B4-BE49-F238E27FC236}">
+                    <a16:creationId xmlns:a16="http://schemas.microsoft.com/office/drawing/2014/main" id="{EEF1E0DD-921C-EC5F-9F05-97CEE7C32B10}"/>
+                  </a:ext>
+                </a:extLst>
+              </p:cNvPr>
+              <p:cNvSpPr>
+                <a:spLocks noGrp="1"/>
+              </p:cNvSpPr>
+              <p:nvPr>
+                <p:ph idx="1"/>
+              </p:nvPr>
+            </p:nvSpPr>
+            <p:spPr/>
+            <p:txBody>
+              <a:bodyPr anchor="ctr"/>
+              <a:lstStyle/>
+              <a:p>
+                <a:pPr marL="0" indent="0" algn="ctr">
+                  <a:buNone/>
+                </a:pPr>
+                <a14:m>
+                  <m:oMathPara xmlns:m="http://schemas.openxmlformats.org/officeDocument/2006/math">
+                    <m:oMathParaPr>
+                      <m:jc m:val="center"/>
+                    </m:oMathParaPr>
+                    <m:oMath xmlns:m="http://schemas.openxmlformats.org/officeDocument/2006/math">
+                      <m:r>
+                        <a:rPr lang="en-US" i="1" smtClean="0">
+                          <a:latin typeface="Cambria Math" panose="02040503050406030204" pitchFamily="18" charset="0"/>
+                          <a:ea typeface="Cambria Math" panose="02040503050406030204" pitchFamily="18" charset="0"/>
+                        </a:rPr>
+                        <m:t>∆</m:t>
+                      </m:r>
+                      <m:r>
+                        <m:rPr>
+                          <m:sty m:val="p"/>
+                        </m:rPr>
+                        <a:rPr lang="en-US" b="0" i="1" smtClean="0">
+                          <a:latin typeface="Cambria Math" panose="02040503050406030204" pitchFamily="18" charset="0"/>
+                          <a:ea typeface="Cambria Math" panose="02040503050406030204" pitchFamily="18" charset="0"/>
+                        </a:rPr>
+                        <m:t>W</m:t>
+                      </m:r>
+                      <m:r>
+                        <a:rPr lang="pt-BR" i="1">
+                          <a:latin typeface="Cambria Math" panose="02040503050406030204" pitchFamily="18" charset="0"/>
+                        </a:rPr>
+                        <m:t>𝑥</m:t>
+                      </m:r>
+                      <m:r>
+                        <a:rPr lang="en-US" b="0" i="1" smtClean="0">
+                          <a:latin typeface="Cambria Math" panose="02040503050406030204" pitchFamily="18" charset="0"/>
+                        </a:rPr>
+                        <m:t> = </m:t>
+                      </m:r>
+                      <m:r>
+                        <m:rPr>
+                          <m:sty m:val="p"/>
+                        </m:rPr>
+                        <a:rPr lang="en-US" b="0" i="1" smtClean="0">
+                          <a:latin typeface="Cambria Math" panose="02040503050406030204" pitchFamily="18" charset="0"/>
+                        </a:rPr>
+                        <m:t>BA</m:t>
+                      </m:r>
+                      <m:r>
+                        <a:rPr lang="en-US" b="0" i="1" smtClean="0">
+                          <a:latin typeface="Cambria Math" panose="02040503050406030204" pitchFamily="18" charset="0"/>
+                        </a:rPr>
+                        <m:t> | </m:t>
+                      </m:r>
+                      <m:r>
+                        <m:rPr>
+                          <m:sty m:val="p"/>
+                        </m:rPr>
+                        <a:rPr lang="en-US" i="1">
+                          <a:latin typeface="Cambria Math" panose="02040503050406030204" pitchFamily="18" charset="0"/>
+                        </a:rPr>
+                        <m:t>B</m:t>
+                      </m:r>
+                      <m:sSup>
+                        <m:sSupPr>
+                          <m:ctrlPr>
+                            <a:rPr lang="en-US" i="1">
+                              <a:latin typeface="Cambria Math" panose="02040503050406030204" pitchFamily="18" charset="0"/>
+                            </a:rPr>
+                          </m:ctrlPr>
+                        </m:sSupPr>
+                        <m:e>
+                          <m:r>
+                            <a:rPr lang="en-US" i="1">
+                              <a:latin typeface="Cambria Math" panose="02040503050406030204" pitchFamily="18" charset="0"/>
+                              <a:ea typeface="Cambria Math" panose="02040503050406030204" pitchFamily="18" charset="0"/>
+                            </a:rPr>
+                            <m:t>∈</m:t>
+                          </m:r>
+                          <m:r>
+                            <a:rPr lang="en-US" i="1">
+                              <a:latin typeface="Cambria Math" panose="02040503050406030204" pitchFamily="18" charset="0"/>
+                              <a:ea typeface="Cambria Math" panose="02040503050406030204" pitchFamily="18" charset="0"/>
+                            </a:rPr>
+                            <m:t>ℝ</m:t>
+                          </m:r>
+                        </m:e>
+                        <m:sup>
+                          <m:r>
+                            <m:rPr>
+                              <m:sty m:val="p"/>
+                            </m:rPr>
+                            <a:rPr lang="en-US" i="1">
+                              <a:latin typeface="Cambria Math" panose="02040503050406030204" pitchFamily="18" charset="0"/>
+                            </a:rPr>
+                            <m:t>d</m:t>
+                          </m:r>
+                          <m:r>
+                            <a:rPr lang="en-US" i="1">
+                              <a:latin typeface="Cambria Math" panose="02040503050406030204" pitchFamily="18" charset="0"/>
+                              <a:ea typeface="Cambria Math" panose="02040503050406030204" pitchFamily="18" charset="0"/>
+                            </a:rPr>
+                            <m:t>×</m:t>
+                          </m:r>
+                          <m:r>
+                            <m:rPr>
+                              <m:sty m:val="p"/>
+                            </m:rPr>
+                            <a:rPr lang="en-US" i="1">
+                              <a:latin typeface="Cambria Math" panose="02040503050406030204" pitchFamily="18" charset="0"/>
+                              <a:ea typeface="Cambria Math" panose="02040503050406030204" pitchFamily="18" charset="0"/>
+                            </a:rPr>
+                            <m:t>r</m:t>
+                          </m:r>
+                        </m:sup>
+                      </m:sSup>
+                      <m:r>
+                        <a:rPr lang="en-US" i="1">
+                          <a:latin typeface="Cambria Math" panose="02040503050406030204" pitchFamily="18" charset="0"/>
+                          <a:ea typeface="Cambria Math" panose="02040503050406030204" pitchFamily="18" charset="0"/>
+                        </a:rPr>
+                        <m:t>ℝ</m:t>
+                      </m:r>
+                      <m:r>
+                        <a:rPr lang="en-US" b="0" i="1" smtClean="0">
+                          <a:latin typeface="Cambria Math" panose="02040503050406030204" pitchFamily="18" charset="0"/>
+                          <a:ea typeface="Cambria Math" panose="02040503050406030204" pitchFamily="18" charset="0"/>
+                        </a:rPr>
+                        <m:t>, </m:t>
+                      </m:r>
+                      <m:r>
+                        <m:rPr>
+                          <m:sty m:val="p"/>
+                        </m:rPr>
+                        <a:rPr lang="en-US" i="1">
+                          <a:latin typeface="Cambria Math" panose="02040503050406030204" pitchFamily="18" charset="0"/>
+                        </a:rPr>
+                        <m:t>A</m:t>
+                      </m:r>
+                      <m:sSup>
+                        <m:sSupPr>
+                          <m:ctrlPr>
+                            <a:rPr lang="en-US" i="1">
+                              <a:latin typeface="Cambria Math" panose="02040503050406030204" pitchFamily="18" charset="0"/>
+                            </a:rPr>
+                          </m:ctrlPr>
+                        </m:sSupPr>
+                        <m:e>
+                          <m:r>
+                            <a:rPr lang="en-US" i="1">
+                              <a:latin typeface="Cambria Math" panose="02040503050406030204" pitchFamily="18" charset="0"/>
+                              <a:ea typeface="Cambria Math" panose="02040503050406030204" pitchFamily="18" charset="0"/>
+                            </a:rPr>
+                            <m:t>∈</m:t>
+                          </m:r>
+                          <m:r>
+                            <a:rPr lang="en-US" i="1">
+                              <a:latin typeface="Cambria Math" panose="02040503050406030204" pitchFamily="18" charset="0"/>
+                              <a:ea typeface="Cambria Math" panose="02040503050406030204" pitchFamily="18" charset="0"/>
+                            </a:rPr>
+                            <m:t>ℝ</m:t>
+                          </m:r>
+                        </m:e>
+                        <m:sup>
+                          <m:r>
+                            <m:rPr>
+                              <m:sty m:val="p"/>
+                            </m:rPr>
+                            <a:rPr lang="en-US" i="1">
+                              <a:latin typeface="Cambria Math" panose="02040503050406030204" pitchFamily="18" charset="0"/>
+                            </a:rPr>
+                            <m:t>r</m:t>
+                          </m:r>
+                          <m:r>
+                            <a:rPr lang="en-US" i="1">
+                              <a:latin typeface="Cambria Math" panose="02040503050406030204" pitchFamily="18" charset="0"/>
+                              <a:ea typeface="Cambria Math" panose="02040503050406030204" pitchFamily="18" charset="0"/>
+                            </a:rPr>
+                            <m:t>×</m:t>
+                          </m:r>
+                          <m:r>
+                            <m:rPr>
+                              <m:sty m:val="p"/>
+                            </m:rPr>
+                            <a:rPr lang="en-US" i="1">
+                              <a:latin typeface="Cambria Math" panose="02040503050406030204" pitchFamily="18" charset="0"/>
+                              <a:ea typeface="Cambria Math" panose="02040503050406030204" pitchFamily="18" charset="0"/>
+                            </a:rPr>
+                            <m:t>k</m:t>
+                          </m:r>
+                        </m:sup>
+                      </m:sSup>
+                    </m:oMath>
+                  </m:oMathPara>
+                </a14:m>
+                <a:endParaRPr lang="pt-BR" dirty="0"/>
+              </a:p>
+              <a:p>
+                <a:pPr marL="0" indent="0" algn="ctr">
+                  <a:buNone/>
+                </a:pPr>
+                <a:endParaRPr lang="pt-BR" dirty="0"/>
+              </a:p>
+              <a:p>
+                <a:pPr marL="0" indent="0" algn="ctr">
+                  <a:buNone/>
+                </a:pPr>
+                <a14:m>
+                  <m:oMathPara xmlns:m="http://schemas.openxmlformats.org/officeDocument/2006/math">
+                    <m:oMathParaPr>
+                      <m:jc m:val="center"/>
+                    </m:oMathParaPr>
+                    <m:oMath xmlns:m="http://schemas.openxmlformats.org/officeDocument/2006/math">
+                      <m:r>
+                        <a:rPr lang="en-US" i="1">
+                          <a:latin typeface="Cambria Math" panose="02040503050406030204" pitchFamily="18" charset="0"/>
+                          <a:ea typeface="Cambria Math" panose="02040503050406030204" pitchFamily="18" charset="0"/>
+                        </a:rPr>
+                        <m:t>∆</m:t>
+                      </m:r>
+                      <m:r>
+                        <m:rPr>
+                          <m:sty m:val="p"/>
+                        </m:rPr>
+                        <a:rPr lang="en-US" i="1">
+                          <a:latin typeface="Cambria Math" panose="02040503050406030204" pitchFamily="18" charset="0"/>
+                          <a:ea typeface="Cambria Math" panose="02040503050406030204" pitchFamily="18" charset="0"/>
+                        </a:rPr>
+                        <m:t>W</m:t>
+                      </m:r>
+                      <m:r>
+                        <a:rPr lang="pt-BR" i="1">
+                          <a:latin typeface="Cambria Math" panose="02040503050406030204" pitchFamily="18" charset="0"/>
+                        </a:rPr>
+                        <m:t>𝑥</m:t>
+                      </m:r>
+                      <m:r>
+                        <a:rPr lang="en-US" b="0" i="1" smtClean="0">
+                          <a:latin typeface="Cambria Math" panose="02040503050406030204" pitchFamily="18" charset="0"/>
+                        </a:rPr>
+                        <m:t> =</m:t>
+                      </m:r>
+                      <m:r>
+                        <m:rPr>
+                          <m:sty m:val="p"/>
+                        </m:rPr>
+                        <a:rPr lang="en-US" b="0" i="1" smtClean="0">
+                          <a:latin typeface="Cambria Math" panose="02040503050406030204" pitchFamily="18" charset="0"/>
+                        </a:rPr>
+                        <m:t>BA</m:t>
+                      </m:r>
+                      <m:r>
+                        <a:rPr lang="en-US" b="0" i="1" smtClean="0">
+                          <a:latin typeface="Cambria Math" panose="02040503050406030204" pitchFamily="18" charset="0"/>
+                        </a:rPr>
+                        <m:t> =</m:t>
+                      </m:r>
+                      <m:d>
+                        <m:dPr>
+                          <m:begChr m:val="["/>
+                          <m:endChr m:val="]"/>
+                          <m:ctrlPr>
+                            <a:rPr lang="en-US" b="0" i="1" smtClean="0">
+                              <a:latin typeface="Cambria Math" panose="02040503050406030204" pitchFamily="18" charset="0"/>
+                            </a:rPr>
+                          </m:ctrlPr>
+                        </m:dPr>
+                        <m:e>
+                          <m:m>
+                            <m:mPr>
+                              <m:mcs>
+                                <m:mc>
+                                  <m:mcPr>
+                                    <m:count m:val="1"/>
+                                    <m:mcJc m:val="center"/>
+                                  </m:mcPr>
+                                </m:mc>
+                              </m:mcs>
+                              <m:ctrlPr>
+                                <a:rPr lang="en-US" b="0" i="1" smtClean="0">
+                                  <a:latin typeface="Cambria Math" panose="02040503050406030204" pitchFamily="18" charset="0"/>
+                                </a:rPr>
+                              </m:ctrlPr>
+                            </m:mPr>
+                            <m:mr>
+                              <m:e>
+                                <m:sSub>
+                                  <m:sSubPr>
+                                    <m:ctrlPr>
+                                      <a:rPr lang="en-US" b="0" i="1" smtClean="0">
+                                        <a:latin typeface="Cambria Math" panose="02040503050406030204" pitchFamily="18" charset="0"/>
+                                      </a:rPr>
+                                    </m:ctrlPr>
+                                  </m:sSubPr>
+                                  <m:e>
+                                    <m:r>
+                                      <m:rPr>
+                                        <m:sty m:val="p"/>
+                                      </m:rPr>
+                                      <a:rPr lang="en-US" b="0" i="1" smtClean="0">
+                                        <a:latin typeface="Cambria Math" panose="02040503050406030204" pitchFamily="18" charset="0"/>
+                                      </a:rPr>
+                                      <m:t>b</m:t>
+                                    </m:r>
+                                  </m:e>
+                                  <m:sub>
+                                    <m:r>
+                                      <a:rPr lang="en-US" b="0" i="1" smtClean="0">
+                                        <a:latin typeface="Cambria Math" panose="02040503050406030204" pitchFamily="18" charset="0"/>
+                                      </a:rPr>
+                                      <m:t>1</m:t>
+                                    </m:r>
+                                  </m:sub>
+                                </m:sSub>
+                              </m:e>
+                            </m:mr>
+                            <m:mr>
+                              <m:e>
+                                <m:sSub>
+                                  <m:sSubPr>
+                                    <m:ctrlPr>
+                                      <a:rPr lang="en-US" i="1">
+                                        <a:latin typeface="Cambria Math" panose="02040503050406030204" pitchFamily="18" charset="0"/>
+                                      </a:rPr>
+                                    </m:ctrlPr>
+                                  </m:sSubPr>
+                                  <m:e>
+                                    <m:r>
+                                      <m:rPr>
+                                        <m:sty m:val="p"/>
+                                      </m:rPr>
+                                      <a:rPr lang="en-US" i="1">
+                                        <a:latin typeface="Cambria Math" panose="02040503050406030204" pitchFamily="18" charset="0"/>
+                                      </a:rPr>
+                                      <m:t>b</m:t>
+                                    </m:r>
+                                  </m:e>
+                                  <m:sub>
+                                    <m:r>
+                                      <a:rPr lang="en-US" b="0" i="1" smtClean="0">
+                                        <a:latin typeface="Cambria Math" panose="02040503050406030204" pitchFamily="18" charset="0"/>
+                                      </a:rPr>
+                                      <m:t>2</m:t>
+                                    </m:r>
+                                  </m:sub>
+                                </m:sSub>
+                              </m:e>
+                            </m:mr>
+                            <m:mr>
+                              <m:e>
+                                <m:sSub>
+                                  <m:sSubPr>
+                                    <m:ctrlPr>
+                                      <a:rPr lang="en-US" i="1">
+                                        <a:latin typeface="Cambria Math" panose="02040503050406030204" pitchFamily="18" charset="0"/>
+                                      </a:rPr>
+                                    </m:ctrlPr>
+                                  </m:sSubPr>
+                                  <m:e>
+                                    <m:r>
+                                      <m:rPr>
+                                        <m:sty m:val="p"/>
+                                      </m:rPr>
+                                      <a:rPr lang="en-US" i="1">
+                                        <a:latin typeface="Cambria Math" panose="02040503050406030204" pitchFamily="18" charset="0"/>
+                                      </a:rPr>
+                                      <m:t>b</m:t>
+                                    </m:r>
+                                  </m:e>
+                                  <m:sub>
+                                    <m:r>
+                                      <a:rPr lang="en-US" b="0" i="1" smtClean="0">
+                                        <a:latin typeface="Cambria Math" panose="02040503050406030204" pitchFamily="18" charset="0"/>
+                                      </a:rPr>
+                                      <m:t>3</m:t>
+                                    </m:r>
+                                  </m:sub>
+                                </m:sSub>
+                              </m:e>
+                            </m:mr>
+                          </m:m>
+                        </m:e>
+                      </m:d>
+                      <m:r>
+                        <a:rPr lang="en-US" b="0" i="1" smtClean="0">
+                          <a:latin typeface="Cambria Math" panose="02040503050406030204" pitchFamily="18" charset="0"/>
+                          <a:ea typeface="Cambria Math" panose="02040503050406030204" pitchFamily="18" charset="0"/>
+                        </a:rPr>
+                        <m:t>×</m:t>
+                      </m:r>
+                      <m:d>
+                        <m:dPr>
+                          <m:begChr m:val="["/>
+                          <m:endChr m:val="]"/>
+                          <m:ctrlPr>
+                            <a:rPr lang="en-US" b="0" i="1" smtClean="0">
+                              <a:latin typeface="Cambria Math" panose="02040503050406030204" pitchFamily="18" charset="0"/>
+                              <a:ea typeface="Cambria Math" panose="02040503050406030204" pitchFamily="18" charset="0"/>
+                            </a:rPr>
+                          </m:ctrlPr>
+                        </m:dPr>
+                        <m:e>
+                          <m:m>
+                            <m:mPr>
+                              <m:mcs>
+                                <m:mc>
+                                  <m:mcPr>
+                                    <m:count m:val="3"/>
+                                    <m:mcJc m:val="center"/>
+                                  </m:mcPr>
+                                </m:mc>
+                              </m:mcs>
+                              <m:ctrlPr>
+                                <a:rPr lang="en-US" b="0" i="1" smtClean="0">
+                                  <a:latin typeface="Cambria Math" panose="02040503050406030204" pitchFamily="18" charset="0"/>
+                                  <a:ea typeface="Cambria Math" panose="02040503050406030204" pitchFamily="18" charset="0"/>
+                                </a:rPr>
+                              </m:ctrlPr>
+                            </m:mPr>
+                            <m:mr>
+                              <m:e>
+                                <m:sSub>
+                                  <m:sSubPr>
+                                    <m:ctrlPr>
+                                      <a:rPr lang="en-US" b="0" i="1" smtClean="0">
+                                        <a:latin typeface="Cambria Math" panose="02040503050406030204" pitchFamily="18" charset="0"/>
+                                        <a:ea typeface="Cambria Math" panose="02040503050406030204" pitchFamily="18" charset="0"/>
+                                      </a:rPr>
+                                    </m:ctrlPr>
+                                  </m:sSubPr>
+                                  <m:e>
+                                    <m:r>
+                                      <m:rPr>
+                                        <m:sty m:val="p"/>
+                                      </m:rPr>
+                                      <a:rPr lang="en-US" b="0" i="1" smtClean="0">
+                                        <a:latin typeface="Cambria Math" panose="02040503050406030204" pitchFamily="18" charset="0"/>
+                                        <a:ea typeface="Cambria Math" panose="02040503050406030204" pitchFamily="18" charset="0"/>
+                                      </a:rPr>
+                                      <m:t>a</m:t>
+                                    </m:r>
+                                  </m:e>
+                                  <m:sub>
+                                    <m:r>
+                                      <a:rPr lang="en-US" b="0" i="1" smtClean="0">
+                                        <a:latin typeface="Cambria Math" panose="02040503050406030204" pitchFamily="18" charset="0"/>
+                                        <a:ea typeface="Cambria Math" panose="02040503050406030204" pitchFamily="18" charset="0"/>
+                                      </a:rPr>
+                                      <m:t>1</m:t>
+                                    </m:r>
+                                  </m:sub>
+                                </m:sSub>
+                              </m:e>
+                              <m:e>
+                                <m:sSub>
+                                  <m:sSubPr>
+                                    <m:ctrlPr>
+                                      <a:rPr lang="en-US" i="1">
+                                        <a:latin typeface="Cambria Math" panose="02040503050406030204" pitchFamily="18" charset="0"/>
+                                        <a:ea typeface="Cambria Math" panose="02040503050406030204" pitchFamily="18" charset="0"/>
+                                      </a:rPr>
+                                    </m:ctrlPr>
+                                  </m:sSubPr>
+                                  <m:e>
+                                    <m:r>
+                                      <m:rPr>
+                                        <m:sty m:val="p"/>
+                                      </m:rPr>
+                                      <a:rPr lang="en-US" i="1">
+                                        <a:latin typeface="Cambria Math" panose="02040503050406030204" pitchFamily="18" charset="0"/>
+                                        <a:ea typeface="Cambria Math" panose="02040503050406030204" pitchFamily="18" charset="0"/>
+                                      </a:rPr>
+                                      <m:t>a</m:t>
+                                    </m:r>
+                                  </m:e>
+                                  <m:sub>
+                                    <m:r>
+                                      <a:rPr lang="en-US" b="0" i="1" smtClean="0">
+                                        <a:latin typeface="Cambria Math" panose="02040503050406030204" pitchFamily="18" charset="0"/>
+                                        <a:ea typeface="Cambria Math" panose="02040503050406030204" pitchFamily="18" charset="0"/>
+                                      </a:rPr>
+                                      <m:t>2</m:t>
+                                    </m:r>
+                                  </m:sub>
+                                </m:sSub>
+                              </m:e>
+                              <m:e>
+                                <m:sSub>
+                                  <m:sSubPr>
+                                    <m:ctrlPr>
+                                      <a:rPr lang="en-US" i="1">
+                                        <a:latin typeface="Cambria Math" panose="02040503050406030204" pitchFamily="18" charset="0"/>
+                                        <a:ea typeface="Cambria Math" panose="02040503050406030204" pitchFamily="18" charset="0"/>
+                                      </a:rPr>
+                                    </m:ctrlPr>
+                                  </m:sSubPr>
+                                  <m:e>
+                                    <m:r>
+                                      <m:rPr>
+                                        <m:sty m:val="p"/>
+                                      </m:rPr>
+                                      <a:rPr lang="en-US" i="1">
+                                        <a:latin typeface="Cambria Math" panose="02040503050406030204" pitchFamily="18" charset="0"/>
+                                        <a:ea typeface="Cambria Math" panose="02040503050406030204" pitchFamily="18" charset="0"/>
+                                      </a:rPr>
+                                      <m:t>a</m:t>
+                                    </m:r>
+                                  </m:e>
+                                  <m:sub>
+                                    <m:r>
+                                      <a:rPr lang="en-US" b="0" i="1" smtClean="0">
+                                        <a:latin typeface="Cambria Math" panose="02040503050406030204" pitchFamily="18" charset="0"/>
+                                        <a:ea typeface="Cambria Math" panose="02040503050406030204" pitchFamily="18" charset="0"/>
+                                      </a:rPr>
+                                      <m:t>3</m:t>
+                                    </m:r>
+                                  </m:sub>
+                                </m:sSub>
+                              </m:e>
+                            </m:mr>
+                          </m:m>
+                        </m:e>
+                      </m:d>
+                    </m:oMath>
+                  </m:oMathPara>
+                </a14:m>
+                <a:endParaRPr lang="pt-BR" dirty="0"/>
+              </a:p>
+              <a:p>
+                <a:pPr marL="0" indent="0" algn="ctr">
+                  <a:buNone/>
+                </a:pPr>
+                <a:endParaRPr lang="pt-BR" dirty="0"/>
+              </a:p>
+              <a:p>
+                <a:pPr marL="0" indent="0" algn="ctr">
+                  <a:buNone/>
+                </a:pPr>
+                <a14:m>
+                  <m:oMathPara xmlns:m="http://schemas.openxmlformats.org/officeDocument/2006/math">
+                    <m:oMathParaPr>
+                      <m:jc m:val="center"/>
+                    </m:oMathParaPr>
+                    <m:oMath xmlns:m="http://schemas.openxmlformats.org/officeDocument/2006/math">
+                      <m:r>
+                        <a:rPr lang="en-US" b="0" i="0" smtClean="0">
+                          <a:latin typeface="Cambria Math" panose="02040503050406030204" pitchFamily="18" charset="0"/>
+                        </a:rPr>
+                        <m:t>(</m:t>
+                      </m:r>
+                      <m:r>
+                        <m:rPr>
+                          <m:sty m:val="p"/>
+                        </m:rPr>
+                        <a:rPr lang="en-US" i="1">
+                          <a:latin typeface="Cambria Math" panose="02040503050406030204" pitchFamily="18" charset="0"/>
+                        </a:rPr>
+                        <m:t>d</m:t>
+                      </m:r>
+                      <m:r>
+                        <a:rPr lang="en-US" i="1">
+                          <a:latin typeface="Cambria Math" panose="02040503050406030204" pitchFamily="18" charset="0"/>
+                          <a:ea typeface="Cambria Math" panose="02040503050406030204" pitchFamily="18" charset="0"/>
+                        </a:rPr>
+                        <m:t>×</m:t>
+                      </m:r>
+                      <m:r>
+                        <m:rPr>
+                          <m:sty m:val="p"/>
+                        </m:rPr>
+                        <a:rPr lang="en-US" i="1">
+                          <a:latin typeface="Cambria Math" panose="02040503050406030204" pitchFamily="18" charset="0"/>
+                          <a:ea typeface="Cambria Math" panose="02040503050406030204" pitchFamily="18" charset="0"/>
+                        </a:rPr>
+                        <m:t>r</m:t>
+                      </m:r>
+                      <m:r>
+                        <a:rPr lang="en-US" b="0" i="1" smtClean="0">
+                          <a:latin typeface="Cambria Math" panose="02040503050406030204" pitchFamily="18" charset="0"/>
+                          <a:ea typeface="Cambria Math" panose="02040503050406030204" pitchFamily="18" charset="0"/>
+                        </a:rPr>
+                        <m:t>)(</m:t>
+                      </m:r>
+                      <m:r>
+                        <m:rPr>
+                          <m:sty m:val="p"/>
+                        </m:rPr>
+                        <a:rPr lang="en-US" i="1" dirty="0" smtClean="0">
+                          <a:latin typeface="Cambria Math" panose="02040503050406030204" pitchFamily="18" charset="0"/>
+                        </a:rPr>
+                        <m:t>r</m:t>
+                      </m:r>
+                      <m:r>
+                        <a:rPr lang="en-US" i="1">
+                          <a:latin typeface="Cambria Math" panose="02040503050406030204" pitchFamily="18" charset="0"/>
+                          <a:ea typeface="Cambria Math" panose="02040503050406030204" pitchFamily="18" charset="0"/>
+                        </a:rPr>
+                        <m:t>×</m:t>
+                      </m:r>
+                      <m:r>
+                        <m:rPr>
+                          <m:sty m:val="p"/>
+                        </m:rPr>
+                        <a:rPr lang="en-US" b="0" i="1" smtClean="0">
+                          <a:latin typeface="Cambria Math" panose="02040503050406030204" pitchFamily="18" charset="0"/>
+                          <a:ea typeface="Cambria Math" panose="02040503050406030204" pitchFamily="18" charset="0"/>
+                        </a:rPr>
+                        <m:t>k</m:t>
+                      </m:r>
+                      <m:r>
+                        <a:rPr lang="en-US" b="0" i="1" smtClean="0">
+                          <a:latin typeface="Cambria Math" panose="02040503050406030204" pitchFamily="18" charset="0"/>
+                          <a:ea typeface="Cambria Math" panose="02040503050406030204" pitchFamily="18" charset="0"/>
+                        </a:rPr>
+                        <m:t>)=(3×1)(1</m:t>
+                      </m:r>
+                      <m:r>
+                        <m:rPr>
+                          <m:sty m:val="p"/>
+                        </m:rPr>
+                        <a:rPr lang="en-US" b="0" i="1" smtClean="0">
+                          <a:latin typeface="Cambria Math" panose="02040503050406030204" pitchFamily="18" charset="0"/>
+                          <a:ea typeface="Cambria Math" panose="02040503050406030204" pitchFamily="18" charset="0"/>
+                        </a:rPr>
+                        <m:t>x</m:t>
+                      </m:r>
+                      <m:r>
+                        <a:rPr lang="en-US" b="0" i="1" smtClean="0">
+                          <a:latin typeface="Cambria Math" panose="02040503050406030204" pitchFamily="18" charset="0"/>
+                          <a:ea typeface="Cambria Math" panose="02040503050406030204" pitchFamily="18" charset="0"/>
+                        </a:rPr>
+                        <m:t>3)</m:t>
+                      </m:r>
+                    </m:oMath>
+                  </m:oMathPara>
+                </a14:m>
+                <a:endParaRPr lang="pt-BR" dirty="0"/>
+              </a:p>
+            </p:txBody>
+          </p:sp>
+        </mc:Choice>
+        <mc:Fallback>
+          <p:sp>
+            <p:nvSpPr>
+              <p:cNvPr id="3" name="Espaço Reservado para Conteúdo 2">
+                <a:extLst>
+                  <a:ext uri="{FF2B5EF4-FFF2-40B4-BE49-F238E27FC236}">
+                    <a16:creationId xmlns:a16="http://schemas.microsoft.com/office/drawing/2014/main" id="{EEF1E0DD-921C-EC5F-9F05-97CEE7C32B10}"/>
+                  </a:ext>
+                </a:extLst>
+              </p:cNvPr>
+              <p:cNvSpPr>
+                <a:spLocks noGrp="1" noRot="1" noChangeAspect="1" noMove="1" noResize="1" noEditPoints="1" noAdjustHandles="1" noChangeArrowheads="1" noChangeShapeType="1" noTextEdit="1"/>
+              </p:cNvSpPr>
+              <p:nvPr>
+                <p:ph idx="1"/>
+              </p:nvPr>
+            </p:nvSpPr>
+            <p:spPr>
+              <a:blipFill>
+                <a:blip r:embed="rId2"/>
+                <a:stretch>
+                  <a:fillRect/>
+                </a:stretch>
+              </a:blipFill>
+            </p:spPr>
+            <p:txBody>
+              <a:bodyPr/>
+              <a:lstStyle/>
+              <a:p>
+                <a:r>
+                  <a:rPr lang="pt-BR">
+                    <a:noFill/>
+                  </a:rPr>
+                  <a:t> </a:t>
+                </a:r>
+              </a:p>
+            </p:txBody>
+          </p:sp>
+        </mc:Fallback>
+      </mc:AlternateContent>
+    </p:spTree>
+    <p:extLst>
+      <p:ext uri="{BB962C8B-B14F-4D97-AF65-F5344CB8AC3E}">
+        <p14:creationId xmlns:p14="http://schemas.microsoft.com/office/powerpoint/2010/main" val="2448519812"/>
+      </p:ext>
+    </p:extLst>
+  </p:cSld>
+  <p:clrMapOvr>
+    <a:masterClrMapping/>
+  </p:clrMapOvr>
+</p:sld>
+</file>
+
+<file path=ppt/slides/slide41.xml><?xml version="1.0" encoding="utf-8"?>
+<p:sld xmlns:a="http://schemas.openxmlformats.org/drawingml/2006/main" xmlns:r="http://schemas.openxmlformats.org/officeDocument/2006/relationships" xmlns:p="http://schemas.openxmlformats.org/presentationml/2006/main">
+  <p:cSld>
+    <p:spTree>
+      <p:nvGrpSpPr>
+        <p:cNvPr id="1" name="">
+          <a:extLst>
+            <a:ext uri="{FF2B5EF4-FFF2-40B4-BE49-F238E27FC236}">
+              <a16:creationId xmlns:a16="http://schemas.microsoft.com/office/drawing/2014/main" id="{02D66118-28A7-36C9-CF1F-0CA4DC0FC39E}"/>
+            </a:ext>
+          </a:extLst>
+        </p:cNvPr>
+        <p:cNvGrpSpPr/>
+        <p:nvPr/>
+      </p:nvGrpSpPr>
+      <p:grpSpPr>
+        <a:xfrm>
+          <a:off x="0" y="0"/>
+          <a:ext cx="0" cy="0"/>
+          <a:chOff x="0" y="0"/>
+          <a:chExt cx="0" cy="0"/>
+        </a:xfrm>
+      </p:grpSpPr>
+      <p:sp>
+        <p:nvSpPr>
+          <p:cNvPr id="2" name="Título 1">
+            <a:extLst>
+              <a:ext uri="{FF2B5EF4-FFF2-40B4-BE49-F238E27FC236}">
+                <a16:creationId xmlns:a16="http://schemas.microsoft.com/office/drawing/2014/main" id="{B6A50D79-ABF5-22F6-C90E-C286A60ECEF7}"/>
+              </a:ext>
+            </a:extLst>
+          </p:cNvPr>
+          <p:cNvSpPr>
+            <a:spLocks noGrp="1"/>
+          </p:cNvSpPr>
+          <p:nvPr>
+            <p:ph type="title"/>
+          </p:nvPr>
+        </p:nvSpPr>
+        <p:spPr/>
+        <p:txBody>
+          <a:bodyPr/>
+          <a:lstStyle/>
+          <a:p>
+            <a:r>
+              <a:rPr lang="pt-BR" noProof="0" dirty="0"/>
+              <a:t>Treinamento e otimização</a:t>
+            </a:r>
+          </a:p>
+        </p:txBody>
+      </p:sp>
+      <p:sp>
+        <p:nvSpPr>
+          <p:cNvPr id="3" name="Espaço Reservado para Conteúdo 2">
+            <a:extLst>
+              <a:ext uri="{FF2B5EF4-FFF2-40B4-BE49-F238E27FC236}">
+                <a16:creationId xmlns:a16="http://schemas.microsoft.com/office/drawing/2014/main" id="{DABACF5A-5939-F27E-E4BC-3CCA82BBA3BC}"/>
+              </a:ext>
+            </a:extLst>
+          </p:cNvPr>
+          <p:cNvSpPr>
+            <a:spLocks noGrp="1"/>
+          </p:cNvSpPr>
+          <p:nvPr>
+            <p:ph idx="1"/>
+          </p:nvPr>
+        </p:nvSpPr>
+        <p:spPr/>
+        <p:txBody>
+          <a:bodyPr anchor="ctr"/>
+          <a:lstStyle/>
+          <a:p>
+            <a:pPr marL="0" indent="0" algn="r">
+              <a:buNone/>
+            </a:pPr>
+            <a:r>
+              <a:rPr lang="pt-BR" noProof="0" dirty="0"/>
+              <a:t>Então se </a:t>
+            </a:r>
+            <a:r>
+              <a:rPr lang="pt-BR" dirty="0"/>
+              <a:t>escolhido um rank muito baixo, reduz-se muito a dimensionalidade e se perde informação, pois implicitamente excluiu-se colunas linearmente independe; </a:t>
+            </a:r>
+            <a:endParaRPr lang="pt-BR" noProof="0" dirty="0"/>
+          </a:p>
+        </p:txBody>
+      </p:sp>
+    </p:spTree>
+    <p:extLst>
+      <p:ext uri="{BB962C8B-B14F-4D97-AF65-F5344CB8AC3E}">
+        <p14:creationId xmlns:p14="http://schemas.microsoft.com/office/powerpoint/2010/main" val="3426386093"/>
+      </p:ext>
+    </p:extLst>
+  </p:cSld>
+  <p:clrMapOvr>
+    <a:masterClrMapping/>
+  </p:clrMapOvr>
+</p:sld>
+</file>
+
+<file path=ppt/slides/slide42.xml><?xml version="1.0" encoding="utf-8"?>
+<p:sld xmlns:a="http://schemas.openxmlformats.org/drawingml/2006/main" xmlns:r="http://schemas.openxmlformats.org/officeDocument/2006/relationships" xmlns:p="http://schemas.openxmlformats.org/presentationml/2006/main">
+  <p:cSld>
+    <p:spTree>
+      <p:nvGrpSpPr>
+        <p:cNvPr id="1" name="">
+          <a:extLst>
+            <a:ext uri="{FF2B5EF4-FFF2-40B4-BE49-F238E27FC236}">
+              <a16:creationId xmlns:a16="http://schemas.microsoft.com/office/drawing/2014/main" id="{BBD3E752-8843-D117-2D9F-7590DD72389B}"/>
+            </a:ext>
+          </a:extLst>
+        </p:cNvPr>
+        <p:cNvGrpSpPr/>
+        <p:nvPr/>
+      </p:nvGrpSpPr>
+      <p:grpSpPr>
+        <a:xfrm>
+          <a:off x="0" y="0"/>
+          <a:ext cx="0" cy="0"/>
+          <a:chOff x="0" y="0"/>
+          <a:chExt cx="0" cy="0"/>
+        </a:xfrm>
+      </p:grpSpPr>
+      <p:sp>
+        <p:nvSpPr>
+          <p:cNvPr id="2" name="Título 1">
+            <a:extLst>
+              <a:ext uri="{FF2B5EF4-FFF2-40B4-BE49-F238E27FC236}">
+                <a16:creationId xmlns:a16="http://schemas.microsoft.com/office/drawing/2014/main" id="{CDAFCC9B-BE02-7AD2-A048-C59CA45A1D86}"/>
+              </a:ext>
+            </a:extLst>
+          </p:cNvPr>
+          <p:cNvSpPr>
+            <a:spLocks noGrp="1"/>
+          </p:cNvSpPr>
+          <p:nvPr>
+            <p:ph type="title"/>
+          </p:nvPr>
+        </p:nvSpPr>
+        <p:spPr/>
+        <p:txBody>
+          <a:bodyPr/>
+          <a:lstStyle/>
+          <a:p>
+            <a:r>
+              <a:rPr lang="pt-BR" noProof="0" dirty="0"/>
+              <a:t>Treinamento e otimização</a:t>
+            </a:r>
+          </a:p>
+        </p:txBody>
+      </p:sp>
+      <p:sp>
+        <p:nvSpPr>
+          <p:cNvPr id="3" name="Espaço Reservado para Conteúdo 2">
+            <a:extLst>
+              <a:ext uri="{FF2B5EF4-FFF2-40B4-BE49-F238E27FC236}">
+                <a16:creationId xmlns:a16="http://schemas.microsoft.com/office/drawing/2014/main" id="{3A18D43D-944B-8724-64AB-E810E0756850}"/>
+              </a:ext>
+            </a:extLst>
+          </p:cNvPr>
+          <p:cNvSpPr>
+            <a:spLocks noGrp="1"/>
+          </p:cNvSpPr>
+          <p:nvPr>
+            <p:ph idx="1"/>
+          </p:nvPr>
+        </p:nvSpPr>
+        <p:spPr/>
+        <p:txBody>
+          <a:bodyPr anchor="ctr"/>
+          <a:lstStyle/>
+          <a:p>
+            <a:pPr marL="0" indent="0" algn="r">
+              <a:buNone/>
+            </a:pPr>
+            <a:r>
+              <a:rPr lang="pt-BR" dirty="0"/>
+              <a:t>E, ao contrário, escolhendo muito alto, mantem-se muitos parâmetros que são linearmente dependentes, o que gasta-se recursos computacionais. </a:t>
+            </a:r>
+            <a:endParaRPr lang="pt-BR" noProof="0" dirty="0"/>
+          </a:p>
+        </p:txBody>
+      </p:sp>
+    </p:spTree>
+    <p:extLst>
+      <p:ext uri="{BB962C8B-B14F-4D97-AF65-F5344CB8AC3E}">
+        <p14:creationId xmlns:p14="http://schemas.microsoft.com/office/powerpoint/2010/main" val="3116016502"/>
+      </p:ext>
+    </p:extLst>
+  </p:cSld>
+  <p:clrMapOvr>
+    <a:masterClrMapping/>
+  </p:clrMapOvr>
+</p:sld>
+</file>
+
+<file path=ppt/slides/slide43.xml><?xml version="1.0" encoding="utf-8"?>
+<p:sld xmlns:a="http://schemas.openxmlformats.org/drawingml/2006/main" xmlns:r="http://schemas.openxmlformats.org/officeDocument/2006/relationships" xmlns:p="http://schemas.openxmlformats.org/presentationml/2006/main">
+  <p:cSld>
+    <p:spTree>
+      <p:nvGrpSpPr>
+        <p:cNvPr id="1" name="">
+          <a:extLst>
+            <a:ext uri="{FF2B5EF4-FFF2-40B4-BE49-F238E27FC236}">
+              <a16:creationId xmlns:a16="http://schemas.microsoft.com/office/drawing/2014/main" id="{CF0B4AF3-9156-1955-A353-550021981CAB}"/>
+            </a:ext>
+          </a:extLst>
+        </p:cNvPr>
+        <p:cNvGrpSpPr/>
+        <p:nvPr/>
+      </p:nvGrpSpPr>
+      <p:grpSpPr>
+        <a:xfrm>
+          <a:off x="0" y="0"/>
+          <a:ext cx="0" cy="0"/>
+          <a:chOff x="0" y="0"/>
+          <a:chExt cx="0" cy="0"/>
+        </a:xfrm>
+      </p:grpSpPr>
+      <p:sp>
+        <p:nvSpPr>
+          <p:cNvPr id="2" name="Título 1">
+            <a:extLst>
+              <a:ext uri="{FF2B5EF4-FFF2-40B4-BE49-F238E27FC236}">
+                <a16:creationId xmlns:a16="http://schemas.microsoft.com/office/drawing/2014/main" id="{CCD07BD7-D554-86AD-678E-9C24B2648EF7}"/>
+              </a:ext>
+            </a:extLst>
+          </p:cNvPr>
+          <p:cNvSpPr>
+            <a:spLocks noGrp="1"/>
+          </p:cNvSpPr>
+          <p:nvPr>
+            <p:ph type="title"/>
+          </p:nvPr>
+        </p:nvSpPr>
+        <p:spPr/>
+        <p:txBody>
+          <a:bodyPr/>
+          <a:lstStyle/>
+          <a:p>
+            <a:r>
+              <a:rPr lang="pt-BR" noProof="0" dirty="0"/>
+              <a:t>Treinamento e otimização</a:t>
+            </a:r>
+          </a:p>
+        </p:txBody>
+      </p:sp>
+      <p:sp>
+        <p:nvSpPr>
+          <p:cNvPr id="3" name="Espaço Reservado para Conteúdo 2">
+            <a:extLst>
+              <a:ext uri="{FF2B5EF4-FFF2-40B4-BE49-F238E27FC236}">
+                <a16:creationId xmlns:a16="http://schemas.microsoft.com/office/drawing/2014/main" id="{30B275EC-443D-CE6E-9893-2F18988673CE}"/>
+              </a:ext>
+            </a:extLst>
+          </p:cNvPr>
+          <p:cNvSpPr>
+            <a:spLocks noGrp="1"/>
+          </p:cNvSpPr>
+          <p:nvPr>
+            <p:ph idx="1"/>
+          </p:nvPr>
+        </p:nvSpPr>
+        <p:spPr/>
+        <p:txBody>
+          <a:bodyPr anchor="ctr"/>
+          <a:lstStyle/>
+          <a:p>
+            <a:pPr marL="0" indent="0" algn="r">
+              <a:buNone/>
+            </a:pPr>
+            <a:r>
+              <a:rPr lang="pt-BR" dirty="0"/>
+              <a:t>Por isso, inicializa-se A a partir de distribuição Gaussiana e </a:t>
+            </a:r>
+            <a:r>
+              <a:rPr lang="pt-BR" dirty="0" err="1"/>
+              <a:t>B</a:t>
+            </a:r>
+            <a:r>
+              <a:rPr lang="pt-BR" dirty="0"/>
+              <a:t> = 0. </a:t>
+            </a:r>
+            <a:r>
+              <a:rPr lang="pt-BR" sz="2000" dirty="0"/>
+              <a:t>(p.4)</a:t>
+            </a:r>
+            <a:endParaRPr lang="pt-BR" noProof="0" dirty="0"/>
+          </a:p>
+        </p:txBody>
+      </p:sp>
+    </p:spTree>
+    <p:extLst>
+      <p:ext uri="{BB962C8B-B14F-4D97-AF65-F5344CB8AC3E}">
+        <p14:creationId xmlns:p14="http://schemas.microsoft.com/office/powerpoint/2010/main" val="4280422081"/>
+      </p:ext>
+    </p:extLst>
+  </p:cSld>
+  <p:clrMapOvr>
+    <a:masterClrMapping/>
+  </p:clrMapOvr>
+</p:sld>
+</file>
+
+<file path=ppt/slides/slide44.xml><?xml version="1.0" encoding="utf-8"?>
+<p:sld xmlns:a="http://schemas.openxmlformats.org/drawingml/2006/main" xmlns:r="http://schemas.openxmlformats.org/officeDocument/2006/relationships" xmlns:p="http://schemas.openxmlformats.org/presentationml/2006/main">
+  <p:cSld>
+    <p:spTree>
+      <p:nvGrpSpPr>
+        <p:cNvPr id="1" name="">
+          <a:extLst>
+            <a:ext uri="{FF2B5EF4-FFF2-40B4-BE49-F238E27FC236}">
+              <a16:creationId xmlns:a16="http://schemas.microsoft.com/office/drawing/2014/main" id="{B28A9759-CA4F-DA4F-85C2-F6E51DCED2D9}"/>
+            </a:ext>
+          </a:extLst>
+        </p:cNvPr>
+        <p:cNvGrpSpPr/>
+        <p:nvPr/>
+      </p:nvGrpSpPr>
+      <p:grpSpPr>
+        <a:xfrm>
+          <a:off x="0" y="0"/>
+          <a:ext cx="0" cy="0"/>
+          <a:chOff x="0" y="0"/>
+          <a:chExt cx="0" cy="0"/>
+        </a:xfrm>
+      </p:grpSpPr>
+      <p:sp>
+        <p:nvSpPr>
+          <p:cNvPr id="2" name="Título 1">
+            <a:extLst>
+              <a:ext uri="{FF2B5EF4-FFF2-40B4-BE49-F238E27FC236}">
+                <a16:creationId xmlns:a16="http://schemas.microsoft.com/office/drawing/2014/main" id="{072F732D-34CE-6153-324F-D7F6821577F0}"/>
+              </a:ext>
+            </a:extLst>
+          </p:cNvPr>
+          <p:cNvSpPr>
+            <a:spLocks noGrp="1"/>
+          </p:cNvSpPr>
+          <p:nvPr>
+            <p:ph type="title"/>
+          </p:nvPr>
+        </p:nvSpPr>
+        <p:spPr/>
+        <p:txBody>
+          <a:bodyPr/>
+          <a:lstStyle/>
+          <a:p>
+            <a:r>
+              <a:rPr lang="pt-BR" noProof="0" dirty="0"/>
+              <a:t>Vantagens e desvantagens</a:t>
+            </a:r>
+          </a:p>
+        </p:txBody>
+      </p:sp>
+      <p:sp>
+        <p:nvSpPr>
+          <p:cNvPr id="3" name="Espaço Reservado para Conteúdo 2">
+            <a:extLst>
+              <a:ext uri="{FF2B5EF4-FFF2-40B4-BE49-F238E27FC236}">
+                <a16:creationId xmlns:a16="http://schemas.microsoft.com/office/drawing/2014/main" id="{62A55622-8E11-E5D7-8EAF-7AE2CCAA3321}"/>
+              </a:ext>
+            </a:extLst>
+          </p:cNvPr>
+          <p:cNvSpPr>
+            <a:spLocks noGrp="1"/>
+          </p:cNvSpPr>
+          <p:nvPr>
+            <p:ph idx="1"/>
+          </p:nvPr>
+        </p:nvSpPr>
+        <p:spPr/>
+        <p:txBody>
+          <a:bodyPr anchor="t"/>
+          <a:lstStyle/>
+          <a:p>
+            <a:pPr/>
+            <a:endParaRPr lang="pt-BR" dirty="0"/>
+          </a:p>
+        </p:txBody>
+      </p:sp>
+    </p:spTree>
+    <p:extLst>
+      <p:ext uri="{BB962C8B-B14F-4D97-AF65-F5344CB8AC3E}">
+        <p14:creationId xmlns:p14="http://schemas.microsoft.com/office/powerpoint/2010/main" val="1521811257"/>
+      </p:ext>
+    </p:extLst>
+  </p:cSld>
+  <p:clrMapOvr>
+    <a:masterClrMapping/>
+  </p:clrMapOvr>
+</p:sld>
+</file>
+
+<file path=ppt/slides/slide45.xml><?xml version="1.0" encoding="utf-8"?>
+<p:sld xmlns:a="http://schemas.openxmlformats.org/drawingml/2006/main" xmlns:r="http://schemas.openxmlformats.org/officeDocument/2006/relationships" xmlns:p="http://schemas.openxmlformats.org/presentationml/2006/main">
+  <p:cSld>
+    <p:spTree>
+      <p:nvGrpSpPr>
+        <p:cNvPr id="1" name=""/>
+        <p:cNvGrpSpPr/>
+        <p:nvPr/>
+      </p:nvGrpSpPr>
+      <p:grpSpPr>
+        <a:xfrm>
+          <a:off x="0" y="0"/>
+          <a:ext cx="0" cy="0"/>
+          <a:chOff x="0" y="0"/>
+          <a:chExt cx="0" cy="0"/>
+        </a:xfrm>
+      </p:grpSpPr>
+      <p:sp>
+        <p:nvSpPr>
+          <p:cNvPr id="2" name="Título 1">
+            <a:extLst>
+              <a:ext uri="{FF2B5EF4-FFF2-40B4-BE49-F238E27FC236}">
+                <a16:creationId xmlns:a16="http://schemas.microsoft.com/office/drawing/2014/main" id="{B9E502FC-4440-F5DA-F299-69CD15E702AE}"/>
+              </a:ext>
+            </a:extLst>
+          </p:cNvPr>
+          <p:cNvSpPr>
+            <a:spLocks noGrp="1"/>
+          </p:cNvSpPr>
+          <p:nvPr>
+            <p:ph type="title"/>
+          </p:nvPr>
+        </p:nvSpPr>
+        <p:spPr/>
+        <p:txBody>
+          <a:bodyPr/>
+          <a:lstStyle/>
+          <a:p>
+            <a:r>
+              <a:rPr lang="pt-BR" noProof="0" dirty="0"/>
+              <a:t>Exemplo(</a:t>
+            </a:r>
+            <a:r>
+              <a:rPr lang="pt-BR" noProof="0" dirty="0" err="1"/>
+              <a:t>s</a:t>
+            </a:r>
+            <a:r>
+              <a:rPr lang="pt-BR" noProof="0" dirty="0"/>
+              <a:t>) de aplicação</a:t>
+            </a:r>
+          </a:p>
+        </p:txBody>
+      </p:sp>
+      <p:sp>
+        <p:nvSpPr>
+          <p:cNvPr id="3" name="Espaço Reservado para Conteúdo 2">
+            <a:extLst>
+              <a:ext uri="{FF2B5EF4-FFF2-40B4-BE49-F238E27FC236}">
+                <a16:creationId xmlns:a16="http://schemas.microsoft.com/office/drawing/2014/main" id="{69359096-6B47-BEA3-55AD-95F90CDC8489}"/>
+              </a:ext>
+            </a:extLst>
+          </p:cNvPr>
+          <p:cNvSpPr>
+            <a:spLocks noGrp="1"/>
+          </p:cNvSpPr>
+          <p:nvPr>
+            <p:ph idx="1"/>
+          </p:nvPr>
+        </p:nvSpPr>
+        <p:spPr/>
+        <p:txBody>
+          <a:bodyPr/>
+          <a:lstStyle/>
+          <a:p>
+            <a:endParaRPr lang="pt-BR" dirty="0">
+              <a:hlinkClick r:id="rId2"/>
+            </a:endParaRPr>
+          </a:p>
+          <a:p>
+            <a:r>
+              <a:rPr lang="pt-BR" dirty="0">
+                <a:hlinkClick r:id="rId2"/>
+              </a:rPr>
+              <a:t>https://colab.research.google.com/github/peremartra/Large-Language-Model-Notebooks-Course/blob/main/5-Fine%20Tuning/LoRA_Tuning_PEFT.ipynb</a:t>
+            </a:r>
+            <a:endParaRPr lang="pt-BR" dirty="0"/>
+          </a:p>
+          <a:p>
+            <a:endParaRPr lang="pt-BR" dirty="0"/>
+          </a:p>
+          <a:p>
+            <a:endParaRPr lang="pt-BR" noProof="0" dirty="0"/>
+          </a:p>
+        </p:txBody>
+      </p:sp>
+    </p:spTree>
+    <p:extLst>
+      <p:ext uri="{BB962C8B-B14F-4D97-AF65-F5344CB8AC3E}">
+        <p14:creationId xmlns:p14="http://schemas.microsoft.com/office/powerpoint/2010/main" val="1532530965"/>
+      </p:ext>
+    </p:extLst>
+  </p:cSld>
+  <p:clrMapOvr>
+    <a:masterClrMapping/>
+  </p:clrMapOvr>
+</p:sld>
+</file>
+
+<file path=ppt/slides/slide46.xml><?xml version="1.0" encoding="utf-8"?>
+<p:sld xmlns:a="http://schemas.openxmlformats.org/drawingml/2006/main" xmlns:r="http://schemas.openxmlformats.org/officeDocument/2006/relationships" xmlns:p="http://schemas.openxmlformats.org/presentationml/2006/main">
+  <p:cSld>
+    <p:spTree>
+      <p:nvGrpSpPr>
+        <p:cNvPr id="1" name=""/>
+        <p:cNvGrpSpPr/>
+        <p:nvPr/>
+      </p:nvGrpSpPr>
+      <p:grpSpPr>
+        <a:xfrm>
+          <a:off x="0" y="0"/>
+          <a:ext cx="0" cy="0"/>
+          <a:chOff x="0" y="0"/>
+          <a:chExt cx="0" cy="0"/>
+        </a:xfrm>
+      </p:grpSpPr>
+      <p:sp>
+        <p:nvSpPr>
+          <p:cNvPr id="2" name="Título 1">
+            <a:extLst>
+              <a:ext uri="{FF2B5EF4-FFF2-40B4-BE49-F238E27FC236}">
+                <a16:creationId xmlns:a16="http://schemas.microsoft.com/office/drawing/2014/main" id="{B7EBC8F7-03EF-338A-A90B-280A41AF9688}"/>
+              </a:ext>
+            </a:extLst>
+          </p:cNvPr>
+          <p:cNvSpPr>
+            <a:spLocks noGrp="1"/>
+          </p:cNvSpPr>
+          <p:nvPr>
+            <p:ph type="title"/>
+          </p:nvPr>
+        </p:nvSpPr>
+        <p:spPr/>
+        <p:txBody>
+          <a:bodyPr/>
+          <a:lstStyle/>
+          <a:p>
+            <a:r>
+              <a:rPr lang="pt-BR" noProof="0" dirty="0"/>
+              <a:t>Comparação com outros algoritmos</a:t>
+            </a:r>
+          </a:p>
+        </p:txBody>
+      </p:sp>
+      <p:sp>
+        <p:nvSpPr>
+          <p:cNvPr id="3" name="Espaço Reservado para Conteúdo 2">
+            <a:extLst>
+              <a:ext uri="{FF2B5EF4-FFF2-40B4-BE49-F238E27FC236}">
+                <a16:creationId xmlns:a16="http://schemas.microsoft.com/office/drawing/2014/main" id="{C525BCE7-C19D-7DDA-016A-E3016C398CBA}"/>
+              </a:ext>
+            </a:extLst>
+          </p:cNvPr>
+          <p:cNvSpPr>
+            <a:spLocks noGrp="1"/>
+          </p:cNvSpPr>
+          <p:nvPr>
+            <p:ph idx="1"/>
+          </p:nvPr>
+        </p:nvSpPr>
+        <p:spPr/>
+        <p:txBody>
+          <a:bodyPr/>
+          <a:lstStyle/>
+          <a:p>
+            <a:endParaRPr lang="pt-BR" noProof="0" dirty="0"/>
+          </a:p>
+        </p:txBody>
+      </p:sp>
+    </p:spTree>
+    <p:extLst>
+      <p:ext uri="{BB962C8B-B14F-4D97-AF65-F5344CB8AC3E}">
+        <p14:creationId xmlns:p14="http://schemas.microsoft.com/office/powerpoint/2010/main" val="3601469261"/>
+      </p:ext>
+    </p:extLst>
+  </p:cSld>
+  <p:clrMapOvr>
+    <a:masterClrMapping/>
+  </p:clrMapOvr>
+</p:sld>
+</file>
+
+<file path=ppt/slides/slide47.xml><?xml version="1.0" encoding="utf-8"?>
+<p:sld xmlns:a="http://schemas.openxmlformats.org/drawingml/2006/main" xmlns:r="http://schemas.openxmlformats.org/officeDocument/2006/relationships" xmlns:p="http://schemas.openxmlformats.org/presentationml/2006/main">
+  <p:cSld>
+    <p:spTree>
+      <p:nvGrpSpPr>
+        <p:cNvPr id="1" name=""/>
+        <p:cNvGrpSpPr/>
+        <p:nvPr/>
+      </p:nvGrpSpPr>
+      <p:grpSpPr>
+        <a:xfrm>
+          <a:off x="0" y="0"/>
+          <a:ext cx="0" cy="0"/>
+          <a:chOff x="0" y="0"/>
+          <a:chExt cx="0" cy="0"/>
+        </a:xfrm>
+      </p:grpSpPr>
+      <p:sp>
+        <p:nvSpPr>
+          <p:cNvPr id="4" name="Título 1">
+            <a:extLst>
+              <a:ext uri="{FF2B5EF4-FFF2-40B4-BE49-F238E27FC236}">
+                <a16:creationId xmlns:a16="http://schemas.microsoft.com/office/drawing/2014/main" id="{32666AC8-2E17-4DB4-B0F5-60C640CCFD2E}"/>
+              </a:ext>
+            </a:extLst>
+          </p:cNvPr>
+          <p:cNvSpPr txBox="1">
+            <a:spLocks/>
+          </p:cNvSpPr>
+          <p:nvPr/>
+        </p:nvSpPr>
+        <p:spPr>
+          <a:xfrm>
+            <a:off x="1431533" y="2720526"/>
+            <a:ext cx="9144000" cy="1029541"/>
+          </a:xfrm>
+          <a:prstGeom prst="rect">
+            <a:avLst/>
+          </a:prstGeom>
+        </p:spPr>
+        <p:txBody>
+          <a:bodyPr vert="horz" lIns="91440" tIns="45720" rIns="91440" bIns="45720" rtlCol="0" anchor="ctr">
+            <a:normAutofit/>
+          </a:bodyPr>
+          <a:lstStyle>
+            <a:lvl1pPr algn="l" defTabSz="914400" rtl="0" eaLnBrk="1" latinLnBrk="0" hangingPunct="1">
+              <a:lnSpc>
+                <a:spcPct val="90000"/>
+              </a:lnSpc>
+              <a:spcBef>
+                <a:spcPct val="0"/>
+              </a:spcBef>
+              <a:buNone/>
+              <a:defRPr sz="4400" kern="1200">
+                <a:solidFill>
+                  <a:schemeClr val="tx1"/>
+                </a:solidFill>
+                <a:latin typeface="+mj-lt"/>
+                <a:ea typeface="+mj-ea"/>
+                <a:cs typeface="+mj-cs"/>
+              </a:defRPr>
+            </a:lvl1pPr>
+          </a:lstStyle>
+          <a:p>
+            <a:pPr algn="ctr"/>
+            <a:r>
+              <a:rPr lang="pt-BR" sz="6600" noProof="0" dirty="0"/>
+              <a:t>Perguntas?</a:t>
+            </a:r>
+            <a:endParaRPr lang="pt-BR" sz="6600" b="1" i="1" noProof="0" dirty="0"/>
+          </a:p>
+        </p:txBody>
+      </p:sp>
+    </p:spTree>
+    <p:extLst>
+      <p:ext uri="{BB962C8B-B14F-4D97-AF65-F5344CB8AC3E}">
+        <p14:creationId xmlns:p14="http://schemas.microsoft.com/office/powerpoint/2010/main" val="3773005660"/>
+      </p:ext>
+    </p:extLst>
+  </p:cSld>
+  <p:clrMapOvr>
+    <a:masterClrMapping/>
+  </p:clrMapOvr>
+</p:sld>
+</file>
+
+<file path=ppt/slides/slide48.xml><?xml version="1.0" encoding="utf-8"?>
+<p:sld xmlns:a="http://schemas.openxmlformats.org/drawingml/2006/main" xmlns:r="http://schemas.openxmlformats.org/officeDocument/2006/relationships" xmlns:p="http://schemas.openxmlformats.org/presentationml/2006/main">
+  <p:cSld>
+    <p:spTree>
+      <p:nvGrpSpPr>
+        <p:cNvPr id="1" name=""/>
+        <p:cNvGrpSpPr/>
+        <p:nvPr/>
+      </p:nvGrpSpPr>
+      <p:grpSpPr>
+        <a:xfrm>
+          <a:off x="0" y="0"/>
+          <a:ext cx="0" cy="0"/>
+          <a:chOff x="0" y="0"/>
+          <a:chExt cx="0" cy="0"/>
+        </a:xfrm>
+      </p:grpSpPr>
+      <p:sp>
+        <p:nvSpPr>
+          <p:cNvPr id="2" name="Título 1">
+            <a:extLst>
+              <a:ext uri="{FF2B5EF4-FFF2-40B4-BE49-F238E27FC236}">
+                <a16:creationId xmlns:a16="http://schemas.microsoft.com/office/drawing/2014/main" id="{3CA32550-8C76-B013-2EC7-989D8C3B19BE}"/>
+              </a:ext>
+            </a:extLst>
+          </p:cNvPr>
+          <p:cNvSpPr>
+            <a:spLocks noGrp="1"/>
+          </p:cNvSpPr>
+          <p:nvPr>
+            <p:ph type="title"/>
+          </p:nvPr>
+        </p:nvSpPr>
+        <p:spPr/>
+        <p:txBody>
+          <a:bodyPr/>
+          <a:lstStyle/>
+          <a:p>
+            <a:r>
+              <a:rPr lang="pt-BR" noProof="0" dirty="0"/>
+              <a:t>Referências</a:t>
+            </a:r>
+          </a:p>
+        </p:txBody>
+      </p:sp>
+      <p:sp>
+        <p:nvSpPr>
+          <p:cNvPr id="3" name="Espaço Reservado para Conteúdo 2">
+            <a:extLst>
+              <a:ext uri="{FF2B5EF4-FFF2-40B4-BE49-F238E27FC236}">
+                <a16:creationId xmlns:a16="http://schemas.microsoft.com/office/drawing/2014/main" id="{EF043237-7757-7557-B63E-D4EB5152D44B}"/>
+              </a:ext>
+            </a:extLst>
+          </p:cNvPr>
+          <p:cNvSpPr>
+            <a:spLocks noGrp="1"/>
+          </p:cNvSpPr>
+          <p:nvPr>
+            <p:ph idx="1"/>
+          </p:nvPr>
+        </p:nvSpPr>
+        <p:spPr/>
+        <p:txBody>
+          <a:bodyPr/>
+          <a:lstStyle/>
+          <a:p>
+            <a:r>
+              <a:rPr lang="pt-BR" dirty="0">
+                <a:hlinkClick r:id="rId2"/>
+              </a:rPr>
+              <a:t>https://arxiv.org/pdf/2106.09685</a:t>
+            </a:r>
+          </a:p>
+          <a:p>
+            <a:r>
+              <a:rPr lang="pt-BR" dirty="0">
+                <a:hlinkClick r:id="rId2"/>
+              </a:rPr>
+              <a:t>https://www.fishi-pedia.com/wp-content/uploads/2019/06/baracuda.jpg</a:t>
+            </a:r>
+            <a:endParaRPr lang="pt-BR" dirty="0"/>
+          </a:p>
+          <a:p>
+            <a:r>
+              <a:rPr lang="pt-BR" dirty="0">
+                <a:hlinkClick r:id="rId3"/>
+              </a:rPr>
+              <a:t>https://di-uploads-pod15.dealerinspire.com/capecoralchryslerdodgejeepram/uploads/2024/02/Dodge-Barracuda.jpg</a:t>
+            </a:r>
+            <a:endParaRPr lang="pt-BR" dirty="0"/>
+          </a:p>
+          <a:p>
+            <a:r>
+              <a:rPr lang="pt-BR" dirty="0">
+                <a:hlinkClick r:id="rId4"/>
+              </a:rPr>
+              <a:t>https://www.youtube.com/watch?v=LPZh9BOjkQs</a:t>
+            </a:r>
+            <a:endParaRPr lang="pt-BR" dirty="0"/>
+          </a:p>
+          <a:p>
+            <a:r>
+              <a:rPr lang="pt-BR" dirty="0">
+                <a:hlinkClick r:id="rId5"/>
+              </a:rPr>
+              <a:t>https://www.youtube.com/watch?v=KEv-F5UkhxU</a:t>
+            </a:r>
+            <a:endParaRPr lang="pt-BR" dirty="0"/>
+          </a:p>
+          <a:p>
+            <a:endParaRPr lang="pt-BR" dirty="0"/>
+          </a:p>
+          <a:p>
+            <a:endParaRPr lang="pt-BR" dirty="0"/>
+          </a:p>
+          <a:p>
+            <a:endParaRPr lang="pt-BR" noProof="0" dirty="0"/>
+          </a:p>
+        </p:txBody>
+      </p:sp>
+    </p:spTree>
+    <p:extLst>
+      <p:ext uri="{BB962C8B-B14F-4D97-AF65-F5344CB8AC3E}">
+        <p14:creationId xmlns:p14="http://schemas.microsoft.com/office/powerpoint/2010/main" val="1787264919"/>
+      </p:ext>
+    </p:extLst>
+  </p:cSld>
+  <p:clrMapOvr>
+    <a:masterClrMapping/>
+  </p:clrMapOvr>
+</p:sld>
+</file>
+
+<file path=ppt/slides/slide49.xml><?xml version="1.0" encoding="utf-8"?>
 <p:sld xmlns:a="http://schemas.openxmlformats.org/drawingml/2006/main" xmlns:r="http://schemas.openxmlformats.org/officeDocument/2006/relationships" xmlns:p="http://schemas.openxmlformats.org/presentationml/2006/main">
   <p:cSld>
     <p:spTree>

--- a/seminarios/ciclo 2/TP558_LoRA.pptx
+++ b/seminarios/ciclo 2/TP558_LoRA.pptx
@@ -5,10 +5,10 @@
     <p:sldMasterId id="2147483648" r:id="rId1"/>
   </p:sldMasterIdLst>
   <p:notesMasterIdLst>
-    <p:notesMasterId r:id="rId51"/>
+    <p:notesMasterId r:id="rId52"/>
   </p:notesMasterIdLst>
   <p:handoutMasterIdLst>
-    <p:handoutMasterId r:id="rId52"/>
+    <p:handoutMasterId r:id="rId53"/>
   </p:handoutMasterIdLst>
   <p:sldIdLst>
     <p:sldId id="256" r:id="rId2"/>
@@ -57,9 +57,10 @@
     <p:sldId id="311" r:id="rId45"/>
     <p:sldId id="312" r:id="rId46"/>
     <p:sldId id="313" r:id="rId47"/>
-    <p:sldId id="293" r:id="rId48"/>
+    <p:sldId id="356" r:id="rId48"/>
     <p:sldId id="314" r:id="rId49"/>
     <p:sldId id="306" r:id="rId50"/>
+    <p:sldId id="293" r:id="rId51"/>
   </p:sldIdLst>
   <p:sldSz cx="12192000" cy="6858000"/>
   <p:notesSz cx="7315200" cy="9601200"/>
@@ -5250,8 +5251,8 @@
         </p:nvSpPr>
         <p:spPr>
           <a:xfrm>
-            <a:off x="7915801" y="5780602"/>
-            <a:ext cx="4004345" cy="677108"/>
+            <a:off x="7754113" y="5780602"/>
+            <a:ext cx="4166034" cy="954107"/>
           </a:xfrm>
           <a:prstGeom prst="rect">
             <a:avLst/>
@@ -5266,17 +5267,25 @@
           <a:p>
             <a:r>
               <a:rPr lang="pt-BR" sz="2000" noProof="0" dirty="0"/>
-              <a:t>Adicione aqui seu nome</a:t>
-            </a:r>
-          </a:p>
-          <a:p>
+              <a:t>Pedro Guerrato - 967</a:t>
+            </a:r>
+          </a:p>
+          <a:p>
+            <a:r>
+              <a:rPr lang="pt-BR" noProof="0" dirty="0">
+                <a:hlinkClick r:id="rId3"/>
+              </a:rPr>
+              <a:t>pedro.guerrato@Inatel.br</a:t>
+            </a:r>
             <a:r>
               <a:rPr lang="pt-BR" noProof="0" dirty="0"/>
-              <a:t>Adicione aqui seu </a:t>
-            </a:r>
-            <a:r>
-              <a:rPr lang="pt-BR" noProof="0" dirty="0" err="1"/>
-              <a:t>email</a:t>
+              <a:t>, </a:t>
+            </a:r>
+            <a:r>
+              <a:rPr lang="pt-BR" noProof="0" dirty="0">
+                <a:hlinkClick r:id="rId4"/>
+              </a:rPr>
+              <a:t>pguerrato@gmail.com</a:t>
             </a:r>
             <a:endParaRPr lang="pt-BR" noProof="0" dirty="0"/>
           </a:p>
@@ -5297,7 +5306,7 @@
           <p:nvPr/>
         </p:nvPicPr>
         <p:blipFill rotWithShape="1">
-          <a:blip r:embed="rId3" cstate="print">
+          <a:blip r:embed="rId5" cstate="print">
             <a:extLst>
               <a:ext uri="{28A0092B-C50C-407E-A947-70E740481C1C}">
                 <a14:useLocalDpi xmlns:a14="http://schemas.microsoft.com/office/drawing/2010/main" val="0"/>
@@ -5342,7 +5351,7 @@
           <p:nvPr/>
         </p:nvPicPr>
         <p:blipFill rotWithShape="1">
-          <a:blip r:embed="rId4" cstate="print">
+          <a:blip r:embed="rId6" cstate="print">
             <a:extLst>
               <a:ext uri="{28A0092B-C50C-407E-A947-70E740481C1C}">
                 <a14:useLocalDpi xmlns:a14="http://schemas.microsoft.com/office/drawing/2010/main" val="0"/>
@@ -21763,13 +21772,271 @@
             <p:ph idx="1"/>
           </p:nvPr>
         </p:nvSpPr>
-        <p:spPr/>
+        <p:spPr>
+          <a:xfrm>
+            <a:off x="838200" y="1825625"/>
+            <a:ext cx="4989576" cy="4351338"/>
+          </a:xfrm>
+        </p:spPr>
         <p:txBody>
           <a:bodyPr anchor="t"/>
           <a:lstStyle/>
           <a:p>
+            <a:pPr marL="0" indent="0">
+              <a:buNone/>
+            </a:pPr>
+            <a:r>
+              <a:rPr lang="pt-BR" b="1" noProof="0" dirty="0"/>
+              <a:t>Vantagens</a:t>
+            </a:r>
+          </a:p>
+          <a:p>
+            <a:r>
+              <a:rPr lang="pt-BR" noProof="0" dirty="0"/>
+              <a:t>Eficiência de Treinamento</a:t>
+            </a:r>
+          </a:p>
+          <a:p>
+            <a:r>
+              <a:rPr lang="pt-BR" noProof="0" dirty="0"/>
+              <a:t>Economia de Armazenamento</a:t>
+            </a:r>
+          </a:p>
+          <a:p>
+            <a:r>
+              <a:rPr lang="pt-BR" noProof="0" dirty="0"/>
+              <a:t>Melhor Generalização</a:t>
+            </a:r>
+          </a:p>
+          <a:p>
+            <a:r>
+              <a:rPr lang="pt-BR" noProof="0" dirty="0"/>
+              <a:t>Reutilização do Modelo Base</a:t>
+            </a:r>
+            <a:endParaRPr lang="pt-BR" b="1" noProof="0" dirty="0"/>
+          </a:p>
+        </p:txBody>
+      </p:sp>
+      <p:sp>
+        <p:nvSpPr>
+          <p:cNvPr id="6" name="Espaço Reservado para Conteúdo 2">
+            <a:extLst>
+              <a:ext uri="{FF2B5EF4-FFF2-40B4-BE49-F238E27FC236}">
+                <a16:creationId xmlns:a16="http://schemas.microsoft.com/office/drawing/2014/main" id="{3AE75B90-BC63-C0D9-6E39-94E49D41C5ED}"/>
+              </a:ext>
+            </a:extLst>
+          </p:cNvPr>
+          <p:cNvSpPr txBox="1">
+            <a:spLocks/>
+          </p:cNvSpPr>
+          <p:nvPr/>
+        </p:nvSpPr>
+        <p:spPr>
+          <a:xfrm>
+            <a:off x="6096000" y="1825625"/>
+            <a:ext cx="5257802" cy="4351338"/>
+          </a:xfrm>
+          <a:prstGeom prst="rect">
+            <a:avLst/>
+          </a:prstGeom>
+        </p:spPr>
+        <p:txBody>
+          <a:bodyPr vert="horz" lIns="91440" tIns="45720" rIns="91440" bIns="45720" rtlCol="0" anchor="t">
+            <a:normAutofit/>
+          </a:bodyPr>
+          <a:lstStyle>
+            <a:lvl1pPr marL="228600" indent="-228600" algn="l" defTabSz="914400" rtl="0" eaLnBrk="1" latinLnBrk="0" hangingPunct="1">
+              <a:lnSpc>
+                <a:spcPct val="90000"/>
+              </a:lnSpc>
+              <a:spcBef>
+                <a:spcPts val="1000"/>
+              </a:spcBef>
+              <a:buFont typeface="Arial" panose="020B0604020202020204" pitchFamily="34" charset="0"/>
+              <a:buChar char="•"/>
+              <a:defRPr sz="2800" kern="1200">
+                <a:solidFill>
+                  <a:schemeClr val="tx1"/>
+                </a:solidFill>
+                <a:latin typeface="+mn-lt"/>
+                <a:ea typeface="+mn-ea"/>
+                <a:cs typeface="+mn-cs"/>
+              </a:defRPr>
+            </a:lvl1pPr>
+            <a:lvl2pPr marL="685800" indent="-228600" algn="l" defTabSz="914400" rtl="0" eaLnBrk="1" latinLnBrk="0" hangingPunct="1">
+              <a:lnSpc>
+                <a:spcPct val="90000"/>
+              </a:lnSpc>
+              <a:spcBef>
+                <a:spcPts val="500"/>
+              </a:spcBef>
+              <a:buFont typeface="Arial" panose="020B0604020202020204" pitchFamily="34" charset="0"/>
+              <a:buChar char="•"/>
+              <a:defRPr sz="2400" kern="1200">
+                <a:solidFill>
+                  <a:schemeClr val="tx1"/>
+                </a:solidFill>
+                <a:latin typeface="+mn-lt"/>
+                <a:ea typeface="+mn-ea"/>
+                <a:cs typeface="+mn-cs"/>
+              </a:defRPr>
+            </a:lvl2pPr>
+            <a:lvl3pPr marL="1143000" indent="-228600" algn="l" defTabSz="914400" rtl="0" eaLnBrk="1" latinLnBrk="0" hangingPunct="1">
+              <a:lnSpc>
+                <a:spcPct val="90000"/>
+              </a:lnSpc>
+              <a:spcBef>
+                <a:spcPts val="500"/>
+              </a:spcBef>
+              <a:buFont typeface="Arial" panose="020B0604020202020204" pitchFamily="34" charset="0"/>
+              <a:buChar char="•"/>
+              <a:defRPr sz="2000" kern="1200">
+                <a:solidFill>
+                  <a:schemeClr val="tx1"/>
+                </a:solidFill>
+                <a:latin typeface="+mn-lt"/>
+                <a:ea typeface="+mn-ea"/>
+                <a:cs typeface="+mn-cs"/>
+              </a:defRPr>
+            </a:lvl3pPr>
+            <a:lvl4pPr marL="1600200" indent="-228600" algn="l" defTabSz="914400" rtl="0" eaLnBrk="1" latinLnBrk="0" hangingPunct="1">
+              <a:lnSpc>
+                <a:spcPct val="90000"/>
+              </a:lnSpc>
+              <a:spcBef>
+                <a:spcPts val="500"/>
+              </a:spcBef>
+              <a:buFont typeface="Arial" panose="020B0604020202020204" pitchFamily="34" charset="0"/>
+              <a:buChar char="•"/>
+              <a:defRPr sz="1800" kern="1200">
+                <a:solidFill>
+                  <a:schemeClr val="tx1"/>
+                </a:solidFill>
+                <a:latin typeface="+mn-lt"/>
+                <a:ea typeface="+mn-ea"/>
+                <a:cs typeface="+mn-cs"/>
+              </a:defRPr>
+            </a:lvl4pPr>
+            <a:lvl5pPr marL="2057400" indent="-228600" algn="l" defTabSz="914400" rtl="0" eaLnBrk="1" latinLnBrk="0" hangingPunct="1">
+              <a:lnSpc>
+                <a:spcPct val="90000"/>
+              </a:lnSpc>
+              <a:spcBef>
+                <a:spcPts val="500"/>
+              </a:spcBef>
+              <a:buFont typeface="Arial" panose="020B0604020202020204" pitchFamily="34" charset="0"/>
+              <a:buChar char="•"/>
+              <a:defRPr sz="1800" kern="1200">
+                <a:solidFill>
+                  <a:schemeClr val="tx1"/>
+                </a:solidFill>
+                <a:latin typeface="+mn-lt"/>
+                <a:ea typeface="+mn-ea"/>
+                <a:cs typeface="+mn-cs"/>
+              </a:defRPr>
+            </a:lvl5pPr>
+            <a:lvl6pPr marL="2514600" indent="-228600" algn="l" defTabSz="914400" rtl="0" eaLnBrk="1" latinLnBrk="0" hangingPunct="1">
+              <a:lnSpc>
+                <a:spcPct val="90000"/>
+              </a:lnSpc>
+              <a:spcBef>
+                <a:spcPts val="500"/>
+              </a:spcBef>
+              <a:buFont typeface="Arial" panose="020B0604020202020204" pitchFamily="34" charset="0"/>
+              <a:buChar char="•"/>
+              <a:defRPr sz="1800" kern="1200">
+                <a:solidFill>
+                  <a:schemeClr val="tx1"/>
+                </a:solidFill>
+                <a:latin typeface="+mn-lt"/>
+                <a:ea typeface="+mn-ea"/>
+                <a:cs typeface="+mn-cs"/>
+              </a:defRPr>
+            </a:lvl6pPr>
+            <a:lvl7pPr marL="2971800" indent="-228600" algn="l" defTabSz="914400" rtl="0" eaLnBrk="1" latinLnBrk="0" hangingPunct="1">
+              <a:lnSpc>
+                <a:spcPct val="90000"/>
+              </a:lnSpc>
+              <a:spcBef>
+                <a:spcPts val="500"/>
+              </a:spcBef>
+              <a:buFont typeface="Arial" panose="020B0604020202020204" pitchFamily="34" charset="0"/>
+              <a:buChar char="•"/>
+              <a:defRPr sz="1800" kern="1200">
+                <a:solidFill>
+                  <a:schemeClr val="tx1"/>
+                </a:solidFill>
+                <a:latin typeface="+mn-lt"/>
+                <a:ea typeface="+mn-ea"/>
+                <a:cs typeface="+mn-cs"/>
+              </a:defRPr>
+            </a:lvl7pPr>
+            <a:lvl8pPr marL="3429000" indent="-228600" algn="l" defTabSz="914400" rtl="0" eaLnBrk="1" latinLnBrk="0" hangingPunct="1">
+              <a:lnSpc>
+                <a:spcPct val="90000"/>
+              </a:lnSpc>
+              <a:spcBef>
+                <a:spcPts val="500"/>
+              </a:spcBef>
+              <a:buFont typeface="Arial" panose="020B0604020202020204" pitchFamily="34" charset="0"/>
+              <a:buChar char="•"/>
+              <a:defRPr sz="1800" kern="1200">
+                <a:solidFill>
+                  <a:schemeClr val="tx1"/>
+                </a:solidFill>
+                <a:latin typeface="+mn-lt"/>
+                <a:ea typeface="+mn-ea"/>
+                <a:cs typeface="+mn-cs"/>
+              </a:defRPr>
+            </a:lvl8pPr>
+            <a:lvl9pPr marL="3886200" indent="-228600" algn="l" defTabSz="914400" rtl="0" eaLnBrk="1" latinLnBrk="0" hangingPunct="1">
+              <a:lnSpc>
+                <a:spcPct val="90000"/>
+              </a:lnSpc>
+              <a:spcBef>
+                <a:spcPts val="500"/>
+              </a:spcBef>
+              <a:buFont typeface="Arial" panose="020B0604020202020204" pitchFamily="34" charset="0"/>
+              <a:buChar char="•"/>
+              <a:defRPr sz="1800" kern="1200">
+                <a:solidFill>
+                  <a:schemeClr val="tx1"/>
+                </a:solidFill>
+                <a:latin typeface="+mn-lt"/>
+                <a:ea typeface="+mn-ea"/>
+                <a:cs typeface="+mn-cs"/>
+              </a:defRPr>
+            </a:lvl9pPr>
+          </a:lstStyle>
+          <a:p>
+            <a:pPr marL="0" indent="0">
+              <a:buNone/>
+            </a:pPr>
+            <a:r>
+              <a:rPr lang="pt-BR" b="1" noProof="0" dirty="0"/>
+              <a:t>Desvantagens</a:t>
+            </a:r>
+          </a:p>
+          <a:p>
             <a:pPr/>
-            <a:endParaRPr lang="pt-BR" dirty="0"/>
+            <a:r>
+              <a:rPr lang="pt-BR" noProof="0" dirty="0"/>
+              <a:t>Limitação de Ajuste Completo</a:t>
+            </a:r>
+          </a:p>
+          <a:p>
+            <a:pPr/>
+            <a:r>
+              <a:rPr lang="pt-BR" noProof="0" dirty="0"/>
+              <a:t>Em alguns casos pode ser mais complexo na integração;</a:t>
+            </a:r>
+          </a:p>
+          <a:p>
+            <a:pPr/>
+            <a:r>
+              <a:rPr lang="pt-BR" noProof="0" dirty="0"/>
+              <a:t>Se treinado em uma língua, pode não performer tão bem se usado em outra</a:t>
+            </a:r>
           </a:p>
         </p:txBody>
       </p:sp>
@@ -21860,24 +22127,58 @@
           <a:bodyPr/>
           <a:lstStyle/>
           <a:p>
-            <a:endParaRPr lang="pt-BR" dirty="0">
-              <a:hlinkClick r:id="rId2"/>
-            </a:endParaRPr>
-          </a:p>
-          <a:p>
             <a:r>
               <a:rPr lang="pt-BR" dirty="0">
                 <a:hlinkClick r:id="rId2"/>
               </a:rPr>
-              <a:t>https://colab.research.google.com/github/peremartra/Large-Language-Model-Notebooks-Course/blob/main/5-Fine%20Tuning/LoRA_Tuning_PEFT.ipynb</a:t>
+              <a:t>LoRA tuning – PEFT</a:t>
             </a:r>
             <a:endParaRPr lang="pt-BR" dirty="0"/>
           </a:p>
           <a:p>
+            <a:r>
+              <a:rPr lang="pt-BR" dirty="0">
+                <a:hlinkClick r:id="rId3"/>
+              </a:rPr>
+              <a:t>SDD-LawLLM</a:t>
+            </a:r>
             <a:endParaRPr lang="pt-BR" dirty="0"/>
           </a:p>
           <a:p>
+            <a:r>
+              <a:rPr lang="pt-BR" dirty="0">
+                <a:hlinkClick r:id="rId4"/>
+              </a:rPr>
+              <a:t>Medical QA T5 LoRA Model</a:t>
+            </a:r>
+            <a:endParaRPr lang="pt-BR" dirty="0"/>
+          </a:p>
+          <a:p>
+            <a:r>
+              <a:rPr lang="pt-BR" dirty="0">
+                <a:hlinkClick r:id="rId5"/>
+              </a:rPr>
+              <a:t>MedAlpaca</a:t>
+            </a:r>
+            <a:endParaRPr lang="pt-BR" dirty="0"/>
+          </a:p>
+          <a:p>
+            <a:r>
+              <a:rPr lang="pt-BR" noProof="0" dirty="0">
+                <a:hlinkClick r:id="rId6"/>
+              </a:rPr>
+              <a:t>Image classification using LoRA</a:t>
+            </a:r>
             <a:endParaRPr lang="pt-BR" noProof="0" dirty="0"/>
+          </a:p>
+          <a:p>
+            <a:r>
+              <a:rPr lang="pt-BR" dirty="0">
+                <a:hlinkClick r:id="rId7"/>
+              </a:rPr>
+              <a:t>https://flux-ai.io/flux-dev-lora/</a:t>
+            </a:r>
+            <a:endParaRPr lang="pt-BR" dirty="0"/>
           </a:p>
         </p:txBody>
       </p:sp>
@@ -21939,31 +22240,38 @@
           </a:p>
         </p:txBody>
       </p:sp>
-      <p:sp>
-        <p:nvSpPr>
-          <p:cNvPr id="3" name="Espaço Reservado para Conteúdo 2">
-            <a:extLst>
-              <a:ext uri="{FF2B5EF4-FFF2-40B4-BE49-F238E27FC236}">
-                <a16:creationId xmlns:a16="http://schemas.microsoft.com/office/drawing/2014/main" id="{C525BCE7-C19D-7DDA-016A-E3016C398CBA}"/>
-              </a:ext>
-            </a:extLst>
-          </p:cNvPr>
-          <p:cNvSpPr>
-            <a:spLocks noGrp="1"/>
-          </p:cNvSpPr>
+      <p:pic>
+        <p:nvPicPr>
+          <p:cNvPr id="5" name="Content Placeholder 4">
+            <a:extLst>
+              <a:ext uri="{FF2B5EF4-FFF2-40B4-BE49-F238E27FC236}">
+                <a16:creationId xmlns:a16="http://schemas.microsoft.com/office/drawing/2014/main" id="{B545E595-48F5-2999-EE70-F200F63E7200}"/>
+              </a:ext>
+            </a:extLst>
+          </p:cNvPr>
+          <p:cNvPicPr>
+            <a:picLocks noGrp="1" noChangeAspect="1"/>
+          </p:cNvPicPr>
           <p:nvPr>
             <p:ph idx="1"/>
           </p:nvPr>
-        </p:nvSpPr>
-        <p:spPr/>
-        <p:txBody>
-          <a:bodyPr/>
-          <a:lstStyle/>
-          <a:p>
-            <a:endParaRPr lang="pt-BR" noProof="0" dirty="0"/>
-          </a:p>
-        </p:txBody>
-      </p:sp>
+        </p:nvPicPr>
+        <p:blipFill>
+          <a:blip r:embed="rId2"/>
+          <a:stretch>
+            <a:fillRect/>
+          </a:stretch>
+        </p:blipFill>
+        <p:spPr>
+          <a:xfrm>
+            <a:off x="838200" y="1353312"/>
+            <a:ext cx="10203986" cy="5139563"/>
+          </a:xfrm>
+          <a:prstGeom prst="rect">
+            <a:avLst/>
+          </a:prstGeom>
+        </p:spPr>
+      </p:pic>
     </p:spTree>
     <p:extLst>
       <p:ext uri="{BB962C8B-B14F-4D97-AF65-F5344CB8AC3E}">
@@ -21982,7 +22290,13 @@
   <p:cSld>
     <p:spTree>
       <p:nvGrpSpPr>
-        <p:cNvPr id="1" name=""/>
+        <p:cNvPr id="1" name="">
+          <a:extLst>
+            <a:ext uri="{FF2B5EF4-FFF2-40B4-BE49-F238E27FC236}">
+              <a16:creationId xmlns:a16="http://schemas.microsoft.com/office/drawing/2014/main" id="{8EB39D61-9313-61DB-F70D-F270718A80D2}"/>
+            </a:ext>
+          </a:extLst>
+        </p:cNvPr>
         <p:cNvGrpSpPr/>
         <p:nvPr/>
       </p:nvGrpSpPr>
@@ -21996,64 +22310,68 @@
       </p:grpSpPr>
       <p:sp>
         <p:nvSpPr>
-          <p:cNvPr id="4" name="Título 1">
-            <a:extLst>
-              <a:ext uri="{FF2B5EF4-FFF2-40B4-BE49-F238E27FC236}">
-                <a16:creationId xmlns:a16="http://schemas.microsoft.com/office/drawing/2014/main" id="{32666AC8-2E17-4DB4-B0F5-60C640CCFD2E}"/>
-              </a:ext>
-            </a:extLst>
-          </p:cNvPr>
-          <p:cNvSpPr txBox="1">
-            <a:spLocks/>
+          <p:cNvPr id="2" name="Título 1">
+            <a:extLst>
+              <a:ext uri="{FF2B5EF4-FFF2-40B4-BE49-F238E27FC236}">
+                <a16:creationId xmlns:a16="http://schemas.microsoft.com/office/drawing/2014/main" id="{91A9115B-5701-1F81-8D4B-A6AF63E273A4}"/>
+              </a:ext>
+            </a:extLst>
+          </p:cNvPr>
+          <p:cNvSpPr>
+            <a:spLocks noGrp="1"/>
           </p:cNvSpPr>
-          <p:nvPr/>
+          <p:nvPr>
+            <p:ph type="title"/>
+          </p:nvPr>
         </p:nvSpPr>
+        <p:spPr/>
+        <p:txBody>
+          <a:bodyPr/>
+          <a:lstStyle/>
+          <a:p>
+            <a:r>
+              <a:rPr lang="pt-BR" noProof="0" dirty="0"/>
+              <a:t>Comparação com outros algoritmos</a:t>
+            </a:r>
+          </a:p>
+        </p:txBody>
+      </p:sp>
+      <p:pic>
+        <p:nvPicPr>
+          <p:cNvPr id="7" name="Content Placeholder 6">
+            <a:extLst>
+              <a:ext uri="{FF2B5EF4-FFF2-40B4-BE49-F238E27FC236}">
+                <a16:creationId xmlns:a16="http://schemas.microsoft.com/office/drawing/2014/main" id="{F3A91C01-B840-8255-36AD-61662B89EC28}"/>
+              </a:ext>
+            </a:extLst>
+          </p:cNvPr>
+          <p:cNvPicPr>
+            <a:picLocks noGrp="1" noChangeAspect="1"/>
+          </p:cNvPicPr>
+          <p:nvPr>
+            <p:ph idx="1"/>
+          </p:nvPr>
+        </p:nvPicPr>
+        <p:blipFill>
+          <a:blip r:embed="rId2"/>
+          <a:stretch>
+            <a:fillRect/>
+          </a:stretch>
+        </p:blipFill>
         <p:spPr>
           <a:xfrm>
-            <a:off x="1431533" y="2720526"/>
-            <a:ext cx="9144000" cy="1029541"/>
+            <a:off x="838200" y="1690688"/>
+            <a:ext cx="10445161" cy="4802187"/>
           </a:xfrm>
           <a:prstGeom prst="rect">
             <a:avLst/>
           </a:prstGeom>
         </p:spPr>
-        <p:txBody>
-          <a:bodyPr vert="horz" lIns="91440" tIns="45720" rIns="91440" bIns="45720" rtlCol="0" anchor="ctr">
-            <a:normAutofit/>
-          </a:bodyPr>
-          <a:lstStyle>
-            <a:lvl1pPr algn="l" defTabSz="914400" rtl="0" eaLnBrk="1" latinLnBrk="0" hangingPunct="1">
-              <a:lnSpc>
-                <a:spcPct val="90000"/>
-              </a:lnSpc>
-              <a:spcBef>
-                <a:spcPct val="0"/>
-              </a:spcBef>
-              <a:buNone/>
-              <a:defRPr sz="4400" kern="1200">
-                <a:solidFill>
-                  <a:schemeClr val="tx1"/>
-                </a:solidFill>
-                <a:latin typeface="+mj-lt"/>
-                <a:ea typeface="+mj-ea"/>
-                <a:cs typeface="+mj-cs"/>
-              </a:defRPr>
-            </a:lvl1pPr>
-          </a:lstStyle>
-          <a:p>
-            <a:pPr algn="ctr"/>
-            <a:r>
-              <a:rPr lang="pt-BR" sz="6600" noProof="0" dirty="0"/>
-              <a:t>Perguntas?</a:t>
-            </a:r>
-            <a:endParaRPr lang="pt-BR" sz="6600" b="1" i="1" noProof="0" dirty="0"/>
-          </a:p>
-        </p:txBody>
-      </p:sp>
+      </p:pic>
     </p:spTree>
     <p:extLst>
       <p:ext uri="{BB962C8B-B14F-4D97-AF65-F5344CB8AC3E}">
-        <p14:creationId xmlns:p14="http://schemas.microsoft.com/office/powerpoint/2010/main" val="3773005660"/>
+        <p14:creationId xmlns:p14="http://schemas.microsoft.com/office/powerpoint/2010/main" val="3251747287"/>
       </p:ext>
     </p:extLst>
   </p:cSld>
@@ -22170,6 +22488,18 @@
               </a:rPr>
               <a:t>https://www.youtube.com/watch?v=KEv-F5UkhxU</a:t>
             </a:r>
+            <a:endParaRPr lang="pt-BR" dirty="0"/>
+          </a:p>
+          <a:p>
+            <a:r>
+              <a:rPr lang="pt-BR" dirty="0">
+                <a:hlinkClick r:id="rId6"/>
+              </a:rPr>
+              <a:t>https://huggingface.co/docs/peft/en/index</a:t>
+            </a:r>
+            <a:endParaRPr lang="pt-BR" dirty="0"/>
+          </a:p>
+          <a:p>
             <a:endParaRPr lang="pt-BR" dirty="0"/>
           </a:p>
           <a:p>
@@ -22706,6 +23036,139 @@
       <p:bldP spid="20" grpId="0"/>
     </p:bldLst>
   </p:timing>
+</p:sld>
+</file>
+
+<file path=ppt/slides/slide50.xml><?xml version="1.0" encoding="utf-8"?>
+<p:sld xmlns:a="http://schemas.openxmlformats.org/drawingml/2006/main" xmlns:r="http://schemas.openxmlformats.org/officeDocument/2006/relationships" xmlns:p="http://schemas.openxmlformats.org/presentationml/2006/main">
+  <p:cSld>
+    <p:spTree>
+      <p:nvGrpSpPr>
+        <p:cNvPr id="1" name=""/>
+        <p:cNvGrpSpPr/>
+        <p:nvPr/>
+      </p:nvGrpSpPr>
+      <p:grpSpPr>
+        <a:xfrm>
+          <a:off x="0" y="0"/>
+          <a:ext cx="0" cy="0"/>
+          <a:chOff x="0" y="0"/>
+          <a:chExt cx="0" cy="0"/>
+        </a:xfrm>
+      </p:grpSpPr>
+      <p:sp>
+        <p:nvSpPr>
+          <p:cNvPr id="4" name="Título 1">
+            <a:extLst>
+              <a:ext uri="{FF2B5EF4-FFF2-40B4-BE49-F238E27FC236}">
+                <a16:creationId xmlns:a16="http://schemas.microsoft.com/office/drawing/2014/main" id="{32666AC8-2E17-4DB4-B0F5-60C640CCFD2E}"/>
+              </a:ext>
+            </a:extLst>
+          </p:cNvPr>
+          <p:cNvSpPr txBox="1">
+            <a:spLocks/>
+          </p:cNvSpPr>
+          <p:nvPr/>
+        </p:nvSpPr>
+        <p:spPr>
+          <a:xfrm>
+            <a:off x="1431533" y="2720526"/>
+            <a:ext cx="4237747" cy="1029541"/>
+          </a:xfrm>
+          <a:prstGeom prst="rect">
+            <a:avLst/>
+          </a:prstGeom>
+        </p:spPr>
+        <p:txBody>
+          <a:bodyPr vert="horz" lIns="91440" tIns="45720" rIns="91440" bIns="45720" rtlCol="0" anchor="ctr">
+            <a:normAutofit/>
+          </a:bodyPr>
+          <a:lstStyle>
+            <a:lvl1pPr algn="l" defTabSz="914400" rtl="0" eaLnBrk="1" latinLnBrk="0" hangingPunct="1">
+              <a:lnSpc>
+                <a:spcPct val="90000"/>
+              </a:lnSpc>
+              <a:spcBef>
+                <a:spcPct val="0"/>
+              </a:spcBef>
+              <a:buNone/>
+              <a:defRPr sz="4400" kern="1200">
+                <a:solidFill>
+                  <a:schemeClr val="tx1"/>
+                </a:solidFill>
+                <a:latin typeface="+mj-lt"/>
+                <a:ea typeface="+mj-ea"/>
+                <a:cs typeface="+mj-cs"/>
+              </a:defRPr>
+            </a:lvl1pPr>
+          </a:lstStyle>
+          <a:p>
+            <a:pPr algn="ctr"/>
+            <a:r>
+              <a:rPr lang="pt-BR" sz="6600" noProof="0" dirty="0"/>
+              <a:t>Perguntas?</a:t>
+            </a:r>
+            <a:endParaRPr lang="pt-BR" sz="6600" b="1" i="1" noProof="0" dirty="0"/>
+          </a:p>
+        </p:txBody>
+      </p:sp>
+      <p:pic>
+        <p:nvPicPr>
+          <p:cNvPr id="4098" name="Picture 2" descr="That's All Folks! | MultiVersus Wiki | Fandom">
+            <a:extLst>
+              <a:ext uri="{FF2B5EF4-FFF2-40B4-BE49-F238E27FC236}">
+                <a16:creationId xmlns:a16="http://schemas.microsoft.com/office/drawing/2014/main" id="{E8F8268C-1455-E7F3-4FCE-A61500094428}"/>
+              </a:ext>
+            </a:extLst>
+          </p:cNvPr>
+          <p:cNvPicPr>
+            <a:picLocks noChangeAspect="1" noChangeArrowheads="1"/>
+          </p:cNvPicPr>
+          <p:nvPr/>
+        </p:nvPicPr>
+        <p:blipFill>
+          <a:blip r:embed="rId2">
+            <a:extLst>
+              <a:ext uri="{28A0092B-C50C-407E-A947-70E740481C1C}">
+                <a14:useLocalDpi xmlns:a14="http://schemas.microsoft.com/office/drawing/2010/main" val="0"/>
+              </a:ext>
+            </a:extLst>
+          </a:blip>
+          <a:srcRect/>
+          <a:stretch>
+            <a:fillRect/>
+          </a:stretch>
+        </p:blipFill>
+        <p:spPr bwMode="auto">
+          <a:xfrm>
+            <a:off x="6836664" y="1192276"/>
+            <a:ext cx="4473448" cy="4473448"/>
+          </a:xfrm>
+          <a:prstGeom prst="rect">
+            <a:avLst/>
+          </a:prstGeom>
+          <a:noFill/>
+          <a:extLst>
+            <a:ext uri="{909E8E84-426E-40DD-AFC4-6F175D3DCCD1}">
+              <a14:hiddenFill xmlns:a14="http://schemas.microsoft.com/office/drawing/2010/main">
+                <a:solidFill>
+                  <a:srgbClr val="FFFFFF"/>
+                </a:solidFill>
+              </a14:hiddenFill>
+            </a:ext>
+          </a:extLst>
+        </p:spPr>
+      </p:pic>
+    </p:spTree>
+    <p:extLst>
+      <p:ext uri="{BB962C8B-B14F-4D97-AF65-F5344CB8AC3E}">
+        <p14:creationId xmlns:p14="http://schemas.microsoft.com/office/powerpoint/2010/main" val="3773005660"/>
+      </p:ext>
+    </p:extLst>
+  </p:cSld>
+  <p:clrMapOvr>
+    <a:masterClrMapping/>
+  </p:clrMapOvr>
 </p:sld>
 </file>
 
